--- a/images/theory_analysis/Golang_Scheduler/Golang_Scheduler.pptx
+++ b/images/theory_analysis/Golang_Scheduler/Golang_Scheduler.pptx
@@ -5,12 +5,13 @@
     <p:sldMasterId id="2147483648" r:id="rId1"/>
   </p:sldMasterIdLst>
   <p:notesMasterIdLst>
-    <p:notesMasterId r:id="rId5"/>
+    <p:notesMasterId r:id="rId6"/>
   </p:notesMasterIdLst>
   <p:sldIdLst>
     <p:sldId id="370" r:id="rId2"/>
     <p:sldId id="369" r:id="rId3"/>
-    <p:sldId id="371" r:id="rId4"/>
+    <p:sldId id="372" r:id="rId4"/>
+    <p:sldId id="371" r:id="rId5"/>
   </p:sldIdLst>
   <p:sldSz cx="9144000" cy="5143500" type="screen16x9"/>
   <p:notesSz cx="6858000" cy="9144000"/>
@@ -215,7 +216,7 @@
           <a:p>
             <a:fld id="{6CD5550B-26C4-49A9-A5BA-636EF7BE6CE9}" type="datetimeFigureOut">
               <a:rPr lang="ko-KR" altLang="en-US" smtClean="0"/>
-              <a:t>2021-05-16</a:t>
+              <a:t>2021-06-19</a:t>
             </a:fld>
             <a:endParaRPr lang="ko-KR" altLang="en-US"/>
           </a:p>
@@ -640,6 +641,90 @@
     </p:spTree>
     <p:extLst>
       <p:ext uri="{BB962C8B-B14F-4D97-AF65-F5344CB8AC3E}">
+        <p14:creationId xmlns:p14="http://schemas.microsoft.com/office/powerpoint/2010/main" val="3683209996"/>
+      </p:ext>
+    </p:extLst>
+  </p:cSld>
+  <p:clrMapOvr>
+    <a:masterClrMapping/>
+  </p:clrMapOvr>
+</p:notes>
+</file>
+
+<file path=ppt/notesSlides/notesSlide3.xml><?xml version="1.0" encoding="utf-8"?>
+<p:notes xmlns:a="http://schemas.openxmlformats.org/drawingml/2006/main" xmlns:r="http://schemas.openxmlformats.org/officeDocument/2006/relationships" xmlns:p="http://schemas.openxmlformats.org/presentationml/2006/main">
+  <p:cSld>
+    <p:spTree>
+      <p:nvGrpSpPr>
+        <p:cNvPr id="1" name=""/>
+        <p:cNvGrpSpPr/>
+        <p:nvPr/>
+      </p:nvGrpSpPr>
+      <p:grpSpPr>
+        <a:xfrm>
+          <a:off x="0" y="0"/>
+          <a:ext cx="0" cy="0"/>
+          <a:chOff x="0" y="0"/>
+          <a:chExt cx="0" cy="0"/>
+        </a:xfrm>
+      </p:grpSpPr>
+      <p:sp>
+        <p:nvSpPr>
+          <p:cNvPr id="2" name="슬라이드 이미지 개체 틀 1"/>
+          <p:cNvSpPr>
+            <a:spLocks noGrp="1" noRot="1" noChangeAspect="1"/>
+          </p:cNvSpPr>
+          <p:nvPr>
+            <p:ph type="sldImg"/>
+          </p:nvPr>
+        </p:nvSpPr>
+        <p:spPr/>
+      </p:sp>
+      <p:sp>
+        <p:nvSpPr>
+          <p:cNvPr id="3" name="슬라이드 노트 개체 틀 2"/>
+          <p:cNvSpPr>
+            <a:spLocks noGrp="1"/>
+          </p:cNvSpPr>
+          <p:nvPr>
+            <p:ph type="body" idx="1"/>
+          </p:nvPr>
+        </p:nvSpPr>
+        <p:spPr/>
+        <p:txBody>
+          <a:bodyPr/>
+          <a:lstStyle/>
+          <a:p>
+            <a:endParaRPr lang="ko-KR" altLang="en-US"/>
+          </a:p>
+        </p:txBody>
+      </p:sp>
+      <p:sp>
+        <p:nvSpPr>
+          <p:cNvPr id="4" name="슬라이드 번호 개체 틀 3"/>
+          <p:cNvSpPr>
+            <a:spLocks noGrp="1"/>
+          </p:cNvSpPr>
+          <p:nvPr>
+            <p:ph type="sldNum" sz="quarter" idx="10"/>
+          </p:nvPr>
+        </p:nvSpPr>
+        <p:spPr/>
+        <p:txBody>
+          <a:bodyPr/>
+          <a:lstStyle/>
+          <a:p>
+            <a:fld id="{BA5DFA43-8D57-47FB-BC46-057616015C3B}" type="slidenum">
+              <a:rPr lang="ko-KR" altLang="en-US" smtClean="0"/>
+              <a:t>4</a:t>
+            </a:fld>
+            <a:endParaRPr lang="ko-KR" altLang="en-US"/>
+          </a:p>
+        </p:txBody>
+      </p:sp>
+    </p:spTree>
+    <p:extLst>
+      <p:ext uri="{BB962C8B-B14F-4D97-AF65-F5344CB8AC3E}">
         <p14:creationId xmlns:p14="http://schemas.microsoft.com/office/powerpoint/2010/main" val="1162884116"/>
       </p:ext>
     </p:extLst>
@@ -829,7 +914,7 @@
           <a:p>
             <a:fld id="{FB30EDBD-1C2D-4C1E-B459-B60219FAB484}" type="datetimeFigureOut">
               <a:rPr lang="ko-KR" altLang="en-US" smtClean="0"/>
-              <a:t>2021-05-16</a:t>
+              <a:t>2021-06-19</a:t>
             </a:fld>
             <a:endParaRPr lang="ko-KR" altLang="en-US"/>
           </a:p>
@@ -992,7 +1077,7 @@
           <a:p>
             <a:fld id="{FB30EDBD-1C2D-4C1E-B459-B60219FAB484}" type="datetimeFigureOut">
               <a:rPr lang="ko-KR" altLang="en-US" smtClean="0"/>
-              <a:t>2021-05-16</a:t>
+              <a:t>2021-06-19</a:t>
             </a:fld>
             <a:endParaRPr lang="ko-KR" altLang="en-US"/>
           </a:p>
@@ -1165,7 +1250,7 @@
           <a:p>
             <a:fld id="{FB30EDBD-1C2D-4C1E-B459-B60219FAB484}" type="datetimeFigureOut">
               <a:rPr lang="ko-KR" altLang="en-US" smtClean="0"/>
-              <a:t>2021-05-16</a:t>
+              <a:t>2021-06-19</a:t>
             </a:fld>
             <a:endParaRPr lang="ko-KR" altLang="en-US"/>
           </a:p>
@@ -1328,7 +1413,7 @@
           <a:p>
             <a:fld id="{FB30EDBD-1C2D-4C1E-B459-B60219FAB484}" type="datetimeFigureOut">
               <a:rPr lang="ko-KR" altLang="en-US" smtClean="0"/>
-              <a:t>2021-05-16</a:t>
+              <a:t>2021-06-19</a:t>
             </a:fld>
             <a:endParaRPr lang="ko-KR" altLang="en-US"/>
           </a:p>
@@ -1568,7 +1653,7 @@
           <a:p>
             <a:fld id="{FB30EDBD-1C2D-4C1E-B459-B60219FAB484}" type="datetimeFigureOut">
               <a:rPr lang="ko-KR" altLang="en-US" smtClean="0"/>
-              <a:t>2021-05-16</a:t>
+              <a:t>2021-06-19</a:t>
             </a:fld>
             <a:endParaRPr lang="ko-KR" altLang="en-US"/>
           </a:p>
@@ -1848,7 +1933,7 @@
           <a:p>
             <a:fld id="{FB30EDBD-1C2D-4C1E-B459-B60219FAB484}" type="datetimeFigureOut">
               <a:rPr lang="ko-KR" altLang="en-US" smtClean="0"/>
-              <a:t>2021-05-16</a:t>
+              <a:t>2021-06-19</a:t>
             </a:fld>
             <a:endParaRPr lang="ko-KR" altLang="en-US"/>
           </a:p>
@@ -2262,7 +2347,7 @@
           <a:p>
             <a:fld id="{FB30EDBD-1C2D-4C1E-B459-B60219FAB484}" type="datetimeFigureOut">
               <a:rPr lang="ko-KR" altLang="en-US" smtClean="0"/>
-              <a:t>2021-05-16</a:t>
+              <a:t>2021-06-19</a:t>
             </a:fld>
             <a:endParaRPr lang="ko-KR" altLang="en-US"/>
           </a:p>
@@ -2374,7 +2459,7 @@
           <a:p>
             <a:fld id="{FB30EDBD-1C2D-4C1E-B459-B60219FAB484}" type="datetimeFigureOut">
               <a:rPr lang="ko-KR" altLang="en-US" smtClean="0"/>
-              <a:t>2021-05-16</a:t>
+              <a:t>2021-06-19</a:t>
             </a:fld>
             <a:endParaRPr lang="ko-KR" altLang="en-US"/>
           </a:p>
@@ -2464,7 +2549,7 @@
           <a:p>
             <a:fld id="{FB30EDBD-1C2D-4C1E-B459-B60219FAB484}" type="datetimeFigureOut">
               <a:rPr lang="ko-KR" altLang="en-US" smtClean="0"/>
-              <a:t>2021-05-16</a:t>
+              <a:t>2021-06-19</a:t>
             </a:fld>
             <a:endParaRPr lang="ko-KR" altLang="en-US"/>
           </a:p>
@@ -2734,7 +2819,7 @@
           <a:p>
             <a:fld id="{FB30EDBD-1C2D-4C1E-B459-B60219FAB484}" type="datetimeFigureOut">
               <a:rPr lang="ko-KR" altLang="en-US" smtClean="0"/>
-              <a:t>2021-05-16</a:t>
+              <a:t>2021-06-19</a:t>
             </a:fld>
             <a:endParaRPr lang="ko-KR" altLang="en-US"/>
           </a:p>
@@ -2981,7 +3066,7 @@
           <a:p>
             <a:fld id="{FB30EDBD-1C2D-4C1E-B459-B60219FAB484}" type="datetimeFigureOut">
               <a:rPr lang="ko-KR" altLang="en-US" smtClean="0"/>
-              <a:t>2021-05-16</a:t>
+              <a:t>2021-06-19</a:t>
             </a:fld>
             <a:endParaRPr lang="ko-KR" altLang="en-US"/>
           </a:p>
@@ -3187,7 +3272,7 @@
           <a:p>
             <a:fld id="{FB30EDBD-1C2D-4C1E-B459-B60219FAB484}" type="datetimeFigureOut">
               <a:rPr lang="ko-KR" altLang="en-US" smtClean="0"/>
-              <a:t>2021-05-16</a:t>
+              <a:t>2021-06-19</a:t>
             </a:fld>
             <a:endParaRPr lang="ko-KR" altLang="en-US"/>
           </a:p>
@@ -4357,10 +4442,10 @@
       </p:sp>
       <p:sp>
         <p:nvSpPr>
-          <p:cNvPr id="79" name="사각형: 둥근 모서리 78">
-            <a:extLst>
-              <a:ext uri="{FF2B5EF4-FFF2-40B4-BE49-F238E27FC236}">
-                <a16:creationId xmlns:a16="http://schemas.microsoft.com/office/drawing/2014/main" id="{D17A12EB-1A5B-440C-8437-812F2BAD2ADE}"/>
+          <p:cNvPr id="82" name="사각형: 둥근 모서리 81">
+            <a:extLst>
+              <a:ext uri="{FF2B5EF4-FFF2-40B4-BE49-F238E27FC236}">
+                <a16:creationId xmlns:a16="http://schemas.microsoft.com/office/drawing/2014/main" id="{D0FE5CE2-83D3-41E3-A354-AF3EB45AABB8}"/>
               </a:ext>
             </a:extLst>
           </p:cNvPr>
@@ -4369,7 +4454,57 @@
         </p:nvSpPr>
         <p:spPr>
           <a:xfrm>
-            <a:off x="5308118" y="1153973"/>
+            <a:off x="8083408" y="747390"/>
+            <a:ext cx="495515" cy="1333741"/>
+          </a:xfrm>
+          <a:prstGeom prst="roundRect">
+            <a:avLst>
+              <a:gd name="adj" fmla="val 10349"/>
+            </a:avLst>
+          </a:prstGeom>
+        </p:spPr>
+        <p:style>
+          <a:lnRef idx="2">
+            <a:schemeClr val="dk1"/>
+          </a:lnRef>
+          <a:fillRef idx="1">
+            <a:schemeClr val="lt1"/>
+          </a:fillRef>
+          <a:effectRef idx="0">
+            <a:schemeClr val="dk1"/>
+          </a:effectRef>
+          <a:fontRef idx="minor">
+            <a:schemeClr val="dk1"/>
+          </a:fontRef>
+        </p:style>
+        <p:txBody>
+          <a:bodyPr rtlCol="0" anchor="b"/>
+          <a:lstStyle/>
+          <a:p>
+            <a:pPr algn="ctr"/>
+            <a:r>
+              <a:rPr lang="en-US" altLang="ko-KR" sz="1200"/>
+              <a:t>LRQ</a:t>
+            </a:r>
+            <a:endParaRPr lang="ko-KR" altLang="en-US" sz="1200"/>
+          </a:p>
+        </p:txBody>
+      </p:sp>
+      <p:sp>
+        <p:nvSpPr>
+          <p:cNvPr id="83" name="사각형: 둥근 모서리 82">
+            <a:extLst>
+              <a:ext uri="{FF2B5EF4-FFF2-40B4-BE49-F238E27FC236}">
+                <a16:creationId xmlns:a16="http://schemas.microsoft.com/office/drawing/2014/main" id="{87631BB0-30A1-426C-9A81-F9CDEB3DFD72}"/>
+              </a:ext>
+            </a:extLst>
+          </p:cNvPr>
+          <p:cNvSpPr/>
+          <p:nvPr/>
+        </p:nvSpPr>
+        <p:spPr>
+          <a:xfrm>
+            <a:off x="8173198" y="1500554"/>
             <a:ext cx="315932" cy="291027"/>
           </a:xfrm>
           <a:prstGeom prst="roundRect">
@@ -4412,10 +4547,10 @@
       </p:sp>
       <p:sp>
         <p:nvSpPr>
-          <p:cNvPr id="82" name="사각형: 둥근 모서리 81">
-            <a:extLst>
-              <a:ext uri="{FF2B5EF4-FFF2-40B4-BE49-F238E27FC236}">
-                <a16:creationId xmlns:a16="http://schemas.microsoft.com/office/drawing/2014/main" id="{D0FE5CE2-83D3-41E3-A354-AF3EB45AABB8}"/>
+          <p:cNvPr id="97" name="사각형: 둥근 모서리 96">
+            <a:extLst>
+              <a:ext uri="{FF2B5EF4-FFF2-40B4-BE49-F238E27FC236}">
+                <a16:creationId xmlns:a16="http://schemas.microsoft.com/office/drawing/2014/main" id="{7A937F59-C3F3-4630-9AB3-B9DCF6EEEA09}"/>
               </a:ext>
             </a:extLst>
           </p:cNvPr>
@@ -4424,8 +4559,8 @@
         </p:nvSpPr>
         <p:spPr>
           <a:xfrm>
-            <a:off x="8083408" y="747390"/>
-            <a:ext cx="495515" cy="1333741"/>
+            <a:off x="5218324" y="2314750"/>
+            <a:ext cx="495521" cy="351404"/>
           </a:xfrm>
           <a:prstGeom prst="roundRect">
             <a:avLst>
@@ -4448,13 +4583,13 @@
           </a:fontRef>
         </p:style>
         <p:txBody>
-          <a:bodyPr rtlCol="0" anchor="b"/>
+          <a:bodyPr rtlCol="0" anchor="ctr"/>
           <a:lstStyle/>
           <a:p>
             <a:pPr algn="ctr"/>
             <a:r>
               <a:rPr lang="en-US" altLang="ko-KR" sz="1200"/>
-              <a:t>LRQ</a:t>
+              <a:t>P</a:t>
             </a:r>
             <a:endParaRPr lang="ko-KR" altLang="en-US" sz="1200"/>
           </a:p>
@@ -4462,10 +4597,10 @@
       </p:sp>
       <p:sp>
         <p:nvSpPr>
-          <p:cNvPr id="83" name="사각형: 둥근 모서리 82">
-            <a:extLst>
-              <a:ext uri="{FF2B5EF4-FFF2-40B4-BE49-F238E27FC236}">
-                <a16:creationId xmlns:a16="http://schemas.microsoft.com/office/drawing/2014/main" id="{87631BB0-30A1-426C-9A81-F9CDEB3DFD72}"/>
+          <p:cNvPr id="98" name="사각형: 둥근 모서리 97">
+            <a:extLst>
+              <a:ext uri="{FF2B5EF4-FFF2-40B4-BE49-F238E27FC236}">
+                <a16:creationId xmlns:a16="http://schemas.microsoft.com/office/drawing/2014/main" id="{CB779F00-4DF4-41FB-8995-0EF98D26625F}"/>
               </a:ext>
             </a:extLst>
           </p:cNvPr>
@@ -4474,7 +4609,107 @@
         </p:nvSpPr>
         <p:spPr>
           <a:xfrm>
-            <a:off x="8173198" y="1500554"/>
+            <a:off x="6650870" y="2314750"/>
+            <a:ext cx="495521" cy="351404"/>
+          </a:xfrm>
+          <a:prstGeom prst="roundRect">
+            <a:avLst>
+              <a:gd name="adj" fmla="val 10349"/>
+            </a:avLst>
+          </a:prstGeom>
+        </p:spPr>
+        <p:style>
+          <a:lnRef idx="2">
+            <a:schemeClr val="dk1"/>
+          </a:lnRef>
+          <a:fillRef idx="1">
+            <a:schemeClr val="lt1"/>
+          </a:fillRef>
+          <a:effectRef idx="0">
+            <a:schemeClr val="dk1"/>
+          </a:effectRef>
+          <a:fontRef idx="minor">
+            <a:schemeClr val="dk1"/>
+          </a:fontRef>
+        </p:style>
+        <p:txBody>
+          <a:bodyPr rtlCol="0" anchor="ctr"/>
+          <a:lstStyle/>
+          <a:p>
+            <a:pPr algn="ctr"/>
+            <a:r>
+              <a:rPr lang="en-US" altLang="ko-KR" sz="1200"/>
+              <a:t>P</a:t>
+            </a:r>
+            <a:endParaRPr lang="ko-KR" altLang="en-US" sz="1200"/>
+          </a:p>
+        </p:txBody>
+      </p:sp>
+      <p:sp>
+        <p:nvSpPr>
+          <p:cNvPr id="140" name="사각형: 둥근 모서리 139">
+            <a:extLst>
+              <a:ext uri="{FF2B5EF4-FFF2-40B4-BE49-F238E27FC236}">
+                <a16:creationId xmlns:a16="http://schemas.microsoft.com/office/drawing/2014/main" id="{D09738D7-6E1C-4FF1-AB93-B11F604E1D3F}"/>
+              </a:ext>
+            </a:extLst>
+          </p:cNvPr>
+          <p:cNvSpPr/>
+          <p:nvPr/>
+        </p:nvSpPr>
+        <p:spPr>
+          <a:xfrm>
+            <a:off x="8083403" y="2314750"/>
+            <a:ext cx="495521" cy="351404"/>
+          </a:xfrm>
+          <a:prstGeom prst="roundRect">
+            <a:avLst>
+              <a:gd name="adj" fmla="val 10349"/>
+            </a:avLst>
+          </a:prstGeom>
+        </p:spPr>
+        <p:style>
+          <a:lnRef idx="2">
+            <a:schemeClr val="dk1"/>
+          </a:lnRef>
+          <a:fillRef idx="1">
+            <a:schemeClr val="lt1"/>
+          </a:fillRef>
+          <a:effectRef idx="0">
+            <a:schemeClr val="dk1"/>
+          </a:effectRef>
+          <a:fontRef idx="minor">
+            <a:schemeClr val="dk1"/>
+          </a:fontRef>
+        </p:style>
+        <p:txBody>
+          <a:bodyPr rtlCol="0" anchor="ctr"/>
+          <a:lstStyle/>
+          <a:p>
+            <a:pPr algn="ctr"/>
+            <a:r>
+              <a:rPr lang="en-US" altLang="ko-KR" sz="1200"/>
+              <a:t>P</a:t>
+            </a:r>
+            <a:endParaRPr lang="ko-KR" altLang="en-US" sz="1200"/>
+          </a:p>
+        </p:txBody>
+      </p:sp>
+      <p:sp>
+        <p:nvSpPr>
+          <p:cNvPr id="141" name="사각형: 둥근 모서리 140">
+            <a:extLst>
+              <a:ext uri="{FF2B5EF4-FFF2-40B4-BE49-F238E27FC236}">
+                <a16:creationId xmlns:a16="http://schemas.microsoft.com/office/drawing/2014/main" id="{DE0ACD99-DE90-4985-BF52-1773A7AC9DEB}"/>
+              </a:ext>
+            </a:extLst>
+          </p:cNvPr>
+          <p:cNvSpPr/>
+          <p:nvPr/>
+        </p:nvSpPr>
+        <p:spPr>
+          <a:xfrm>
+            <a:off x="3875572" y="2900423"/>
             <a:ext cx="315932" cy="291027"/>
           </a:xfrm>
           <a:prstGeom prst="roundRect">
@@ -4517,10 +4752,10 @@
       </p:sp>
       <p:sp>
         <p:nvSpPr>
-          <p:cNvPr id="97" name="사각형: 둥근 모서리 96">
-            <a:extLst>
-              <a:ext uri="{FF2B5EF4-FFF2-40B4-BE49-F238E27FC236}">
-                <a16:creationId xmlns:a16="http://schemas.microsoft.com/office/drawing/2014/main" id="{7A937F59-C3F3-4630-9AB3-B9DCF6EEEA09}"/>
+          <p:cNvPr id="142" name="사각형: 둥근 모서리 141">
+            <a:extLst>
+              <a:ext uri="{FF2B5EF4-FFF2-40B4-BE49-F238E27FC236}">
+                <a16:creationId xmlns:a16="http://schemas.microsoft.com/office/drawing/2014/main" id="{D3F735BC-FAF2-478A-B8F6-EDB9A9041A1E}"/>
               </a:ext>
             </a:extLst>
           </p:cNvPr>
@@ -4529,157 +4764,7 @@
         </p:nvSpPr>
         <p:spPr>
           <a:xfrm>
-            <a:off x="5218324" y="2314750"/>
-            <a:ext cx="495521" cy="351404"/>
-          </a:xfrm>
-          <a:prstGeom prst="roundRect">
-            <a:avLst>
-              <a:gd name="adj" fmla="val 10349"/>
-            </a:avLst>
-          </a:prstGeom>
-        </p:spPr>
-        <p:style>
-          <a:lnRef idx="2">
-            <a:schemeClr val="dk1"/>
-          </a:lnRef>
-          <a:fillRef idx="1">
-            <a:schemeClr val="lt1"/>
-          </a:fillRef>
-          <a:effectRef idx="0">
-            <a:schemeClr val="dk1"/>
-          </a:effectRef>
-          <a:fontRef idx="minor">
-            <a:schemeClr val="dk1"/>
-          </a:fontRef>
-        </p:style>
-        <p:txBody>
-          <a:bodyPr rtlCol="0" anchor="ctr"/>
-          <a:lstStyle/>
-          <a:p>
-            <a:pPr algn="ctr"/>
-            <a:r>
-              <a:rPr lang="en-US" altLang="ko-KR" sz="1200"/>
-              <a:t>P</a:t>
-            </a:r>
-            <a:endParaRPr lang="ko-KR" altLang="en-US" sz="1200"/>
-          </a:p>
-        </p:txBody>
-      </p:sp>
-      <p:sp>
-        <p:nvSpPr>
-          <p:cNvPr id="98" name="사각형: 둥근 모서리 97">
-            <a:extLst>
-              <a:ext uri="{FF2B5EF4-FFF2-40B4-BE49-F238E27FC236}">
-                <a16:creationId xmlns:a16="http://schemas.microsoft.com/office/drawing/2014/main" id="{CB779F00-4DF4-41FB-8995-0EF98D26625F}"/>
-              </a:ext>
-            </a:extLst>
-          </p:cNvPr>
-          <p:cNvSpPr/>
-          <p:nvPr/>
-        </p:nvSpPr>
-        <p:spPr>
-          <a:xfrm>
-            <a:off x="6650870" y="2314750"/>
-            <a:ext cx="495521" cy="351404"/>
-          </a:xfrm>
-          <a:prstGeom prst="roundRect">
-            <a:avLst>
-              <a:gd name="adj" fmla="val 10349"/>
-            </a:avLst>
-          </a:prstGeom>
-        </p:spPr>
-        <p:style>
-          <a:lnRef idx="2">
-            <a:schemeClr val="dk1"/>
-          </a:lnRef>
-          <a:fillRef idx="1">
-            <a:schemeClr val="lt1"/>
-          </a:fillRef>
-          <a:effectRef idx="0">
-            <a:schemeClr val="dk1"/>
-          </a:effectRef>
-          <a:fontRef idx="minor">
-            <a:schemeClr val="dk1"/>
-          </a:fontRef>
-        </p:style>
-        <p:txBody>
-          <a:bodyPr rtlCol="0" anchor="ctr"/>
-          <a:lstStyle/>
-          <a:p>
-            <a:pPr algn="ctr"/>
-            <a:r>
-              <a:rPr lang="en-US" altLang="ko-KR" sz="1200"/>
-              <a:t>P</a:t>
-            </a:r>
-            <a:endParaRPr lang="ko-KR" altLang="en-US" sz="1200"/>
-          </a:p>
-        </p:txBody>
-      </p:sp>
-      <p:sp>
-        <p:nvSpPr>
-          <p:cNvPr id="140" name="사각형: 둥근 모서리 139">
-            <a:extLst>
-              <a:ext uri="{FF2B5EF4-FFF2-40B4-BE49-F238E27FC236}">
-                <a16:creationId xmlns:a16="http://schemas.microsoft.com/office/drawing/2014/main" id="{D09738D7-6E1C-4FF1-AB93-B11F604E1D3F}"/>
-              </a:ext>
-            </a:extLst>
-          </p:cNvPr>
-          <p:cNvSpPr/>
-          <p:nvPr/>
-        </p:nvSpPr>
-        <p:spPr>
-          <a:xfrm>
-            <a:off x="8083403" y="2314750"/>
-            <a:ext cx="495521" cy="351404"/>
-          </a:xfrm>
-          <a:prstGeom prst="roundRect">
-            <a:avLst>
-              <a:gd name="adj" fmla="val 10349"/>
-            </a:avLst>
-          </a:prstGeom>
-        </p:spPr>
-        <p:style>
-          <a:lnRef idx="2">
-            <a:schemeClr val="dk1"/>
-          </a:lnRef>
-          <a:fillRef idx="1">
-            <a:schemeClr val="lt1"/>
-          </a:fillRef>
-          <a:effectRef idx="0">
-            <a:schemeClr val="dk1"/>
-          </a:effectRef>
-          <a:fontRef idx="minor">
-            <a:schemeClr val="dk1"/>
-          </a:fontRef>
-        </p:style>
-        <p:txBody>
-          <a:bodyPr rtlCol="0" anchor="ctr"/>
-          <a:lstStyle/>
-          <a:p>
-            <a:pPr algn="ctr"/>
-            <a:r>
-              <a:rPr lang="en-US" altLang="ko-KR" sz="1200"/>
-              <a:t>P</a:t>
-            </a:r>
-            <a:endParaRPr lang="ko-KR" altLang="en-US" sz="1200"/>
-          </a:p>
-        </p:txBody>
-      </p:sp>
-      <p:sp>
-        <p:nvSpPr>
-          <p:cNvPr id="141" name="사각형: 둥근 모서리 140">
-            <a:extLst>
-              <a:ext uri="{FF2B5EF4-FFF2-40B4-BE49-F238E27FC236}">
-                <a16:creationId xmlns:a16="http://schemas.microsoft.com/office/drawing/2014/main" id="{DE0ACD99-DE90-4985-BF52-1773A7AC9DEB}"/>
-              </a:ext>
-            </a:extLst>
-          </p:cNvPr>
-          <p:cNvSpPr/>
-          <p:nvPr/>
-        </p:nvSpPr>
-        <p:spPr>
-          <a:xfrm>
-            <a:off x="3875572" y="2900423"/>
+            <a:off x="5308397" y="2900423"/>
             <a:ext cx="315932" cy="291027"/>
           </a:xfrm>
           <a:prstGeom prst="roundRect">
@@ -4722,10 +4807,10 @@
       </p:sp>
       <p:sp>
         <p:nvSpPr>
-          <p:cNvPr id="142" name="사각형: 둥근 모서리 141">
-            <a:extLst>
-              <a:ext uri="{FF2B5EF4-FFF2-40B4-BE49-F238E27FC236}">
-                <a16:creationId xmlns:a16="http://schemas.microsoft.com/office/drawing/2014/main" id="{D3F735BC-FAF2-478A-B8F6-EDB9A9041A1E}"/>
+          <p:cNvPr id="143" name="사각형: 둥근 모서리 142">
+            <a:extLst>
+              <a:ext uri="{FF2B5EF4-FFF2-40B4-BE49-F238E27FC236}">
+                <a16:creationId xmlns:a16="http://schemas.microsoft.com/office/drawing/2014/main" id="{483F76A3-8CDC-4DC0-921C-7847322E0321}"/>
               </a:ext>
             </a:extLst>
           </p:cNvPr>
@@ -4734,7 +4819,7 @@
         </p:nvSpPr>
         <p:spPr>
           <a:xfrm>
-            <a:off x="5308397" y="2900423"/>
+            <a:off x="6740651" y="2900423"/>
             <a:ext cx="315932" cy="291027"/>
           </a:xfrm>
           <a:prstGeom prst="roundRect">
@@ -4777,10 +4862,10 @@
       </p:sp>
       <p:sp>
         <p:nvSpPr>
-          <p:cNvPr id="143" name="사각형: 둥근 모서리 142">
-            <a:extLst>
-              <a:ext uri="{FF2B5EF4-FFF2-40B4-BE49-F238E27FC236}">
-                <a16:creationId xmlns:a16="http://schemas.microsoft.com/office/drawing/2014/main" id="{483F76A3-8CDC-4DC0-921C-7847322E0321}"/>
+          <p:cNvPr id="144" name="사각형: 둥근 모서리 143">
+            <a:extLst>
+              <a:ext uri="{FF2B5EF4-FFF2-40B4-BE49-F238E27FC236}">
+                <a16:creationId xmlns:a16="http://schemas.microsoft.com/office/drawing/2014/main" id="{83F86471-017E-4C28-9F06-B4ED1821366A}"/>
               </a:ext>
             </a:extLst>
           </p:cNvPr>
@@ -4789,7 +4874,839 @@
         </p:nvSpPr>
         <p:spPr>
           <a:xfrm>
-            <a:off x="6740651" y="2900423"/>
+            <a:off x="8083402" y="3425720"/>
+            <a:ext cx="495521" cy="351404"/>
+          </a:xfrm>
+          <a:prstGeom prst="roundRect">
+            <a:avLst>
+              <a:gd name="adj" fmla="val 10349"/>
+            </a:avLst>
+          </a:prstGeom>
+        </p:spPr>
+        <p:style>
+          <a:lnRef idx="2">
+            <a:schemeClr val="dk1"/>
+          </a:lnRef>
+          <a:fillRef idx="1">
+            <a:schemeClr val="lt1"/>
+          </a:fillRef>
+          <a:effectRef idx="0">
+            <a:schemeClr val="dk1"/>
+          </a:effectRef>
+          <a:fontRef idx="minor">
+            <a:schemeClr val="dk1"/>
+          </a:fontRef>
+        </p:style>
+        <p:txBody>
+          <a:bodyPr rtlCol="0" anchor="ctr"/>
+          <a:lstStyle/>
+          <a:p>
+            <a:pPr algn="ctr"/>
+            <a:r>
+              <a:rPr lang="en-US" altLang="ko-KR" sz="1200"/>
+              <a:t>M</a:t>
+            </a:r>
+            <a:endParaRPr lang="ko-KR" altLang="en-US" sz="1200"/>
+          </a:p>
+        </p:txBody>
+      </p:sp>
+      <p:cxnSp>
+        <p:nvCxnSpPr>
+          <p:cNvPr id="13" name="직선 화살표 연결선 12">
+            <a:extLst>
+              <a:ext uri="{FF2B5EF4-FFF2-40B4-BE49-F238E27FC236}">
+                <a16:creationId xmlns:a16="http://schemas.microsoft.com/office/drawing/2014/main" id="{132D22AC-C7B5-4DDD-A44D-12EA7DFC7A25}"/>
+              </a:ext>
+            </a:extLst>
+          </p:cNvPr>
+          <p:cNvCxnSpPr>
+            <a:cxnSpLocks/>
+            <a:stCxn id="67" idx="0"/>
+          </p:cNvCxnSpPr>
+          <p:nvPr/>
+        </p:nvCxnSpPr>
+        <p:spPr>
+          <a:xfrm flipV="1">
+            <a:off x="2599007" y="4362340"/>
+            <a:ext cx="0" cy="234270"/>
+          </a:xfrm>
+          <a:prstGeom prst="straightConnector1">
+            <a:avLst/>
+          </a:prstGeom>
+          <a:ln w="19050">
+            <a:headEnd type="none" w="med" len="med"/>
+            <a:tailEnd type="none" w="med" len="med"/>
+          </a:ln>
+        </p:spPr>
+        <p:style>
+          <a:lnRef idx="1">
+            <a:schemeClr val="dk1"/>
+          </a:lnRef>
+          <a:fillRef idx="0">
+            <a:schemeClr val="dk1"/>
+          </a:fillRef>
+          <a:effectRef idx="0">
+            <a:schemeClr val="dk1"/>
+          </a:effectRef>
+          <a:fontRef idx="minor">
+            <a:schemeClr val="tx1"/>
+          </a:fontRef>
+        </p:style>
+      </p:cxnSp>
+      <p:cxnSp>
+        <p:nvCxnSpPr>
+          <p:cNvPr id="145" name="직선 화살표 연결선 144">
+            <a:extLst>
+              <a:ext uri="{FF2B5EF4-FFF2-40B4-BE49-F238E27FC236}">
+                <a16:creationId xmlns:a16="http://schemas.microsoft.com/office/drawing/2014/main" id="{078FD9A0-FAEE-4373-921D-CE9CFAFE33B0}"/>
+              </a:ext>
+            </a:extLst>
+          </p:cNvPr>
+          <p:cNvCxnSpPr>
+            <a:cxnSpLocks/>
+            <a:stCxn id="7" idx="0"/>
+          </p:cNvCxnSpPr>
+          <p:nvPr/>
+        </p:nvCxnSpPr>
+        <p:spPr>
+          <a:xfrm flipV="1">
+            <a:off x="4031548" y="4362340"/>
+            <a:ext cx="0" cy="234270"/>
+          </a:xfrm>
+          <a:prstGeom prst="straightConnector1">
+            <a:avLst/>
+          </a:prstGeom>
+          <a:ln w="19050">
+            <a:headEnd type="none" w="med" len="med"/>
+            <a:tailEnd type="none" w="med" len="med"/>
+          </a:ln>
+        </p:spPr>
+        <p:style>
+          <a:lnRef idx="1">
+            <a:schemeClr val="dk1"/>
+          </a:lnRef>
+          <a:fillRef idx="0">
+            <a:schemeClr val="dk1"/>
+          </a:fillRef>
+          <a:effectRef idx="0">
+            <a:schemeClr val="dk1"/>
+          </a:effectRef>
+          <a:fontRef idx="minor">
+            <a:schemeClr val="tx1"/>
+          </a:fontRef>
+        </p:style>
+      </p:cxnSp>
+      <p:cxnSp>
+        <p:nvCxnSpPr>
+          <p:cNvPr id="146" name="직선 화살표 연결선 145">
+            <a:extLst>
+              <a:ext uri="{FF2B5EF4-FFF2-40B4-BE49-F238E27FC236}">
+                <a16:creationId xmlns:a16="http://schemas.microsoft.com/office/drawing/2014/main" id="{BAD5FDDD-D75E-4198-8E95-6B35ECAE16AD}"/>
+              </a:ext>
+            </a:extLst>
+          </p:cNvPr>
+          <p:cNvCxnSpPr>
+            <a:cxnSpLocks/>
+            <a:stCxn id="58" idx="0"/>
+          </p:cNvCxnSpPr>
+          <p:nvPr/>
+        </p:nvCxnSpPr>
+        <p:spPr>
+          <a:xfrm flipH="1" flipV="1">
+            <a:off x="5464088" y="4362340"/>
+            <a:ext cx="1" cy="234270"/>
+          </a:xfrm>
+          <a:prstGeom prst="straightConnector1">
+            <a:avLst/>
+          </a:prstGeom>
+          <a:ln w="19050">
+            <a:headEnd type="none" w="med" len="med"/>
+            <a:tailEnd type="none" w="med" len="med"/>
+          </a:ln>
+        </p:spPr>
+        <p:style>
+          <a:lnRef idx="1">
+            <a:schemeClr val="dk1"/>
+          </a:lnRef>
+          <a:fillRef idx="0">
+            <a:schemeClr val="dk1"/>
+          </a:fillRef>
+          <a:effectRef idx="0">
+            <a:schemeClr val="dk1"/>
+          </a:effectRef>
+          <a:fontRef idx="minor">
+            <a:schemeClr val="tx1"/>
+          </a:fontRef>
+        </p:style>
+      </p:cxnSp>
+      <p:cxnSp>
+        <p:nvCxnSpPr>
+          <p:cNvPr id="147" name="직선 화살표 연결선 146">
+            <a:extLst>
+              <a:ext uri="{FF2B5EF4-FFF2-40B4-BE49-F238E27FC236}">
+                <a16:creationId xmlns:a16="http://schemas.microsoft.com/office/drawing/2014/main" id="{D6003A59-3C46-44B4-B5A6-470F18CF379F}"/>
+              </a:ext>
+            </a:extLst>
+          </p:cNvPr>
+          <p:cNvCxnSpPr>
+            <a:cxnSpLocks/>
+            <a:stCxn id="68" idx="0"/>
+          </p:cNvCxnSpPr>
+          <p:nvPr/>
+        </p:nvCxnSpPr>
+        <p:spPr>
+          <a:xfrm flipV="1">
+            <a:off x="6896629" y="4362340"/>
+            <a:ext cx="0" cy="234270"/>
+          </a:xfrm>
+          <a:prstGeom prst="straightConnector1">
+            <a:avLst/>
+          </a:prstGeom>
+          <a:ln w="19050">
+            <a:headEnd type="none" w="med" len="med"/>
+            <a:tailEnd type="none" w="med" len="med"/>
+          </a:ln>
+        </p:spPr>
+        <p:style>
+          <a:lnRef idx="1">
+            <a:schemeClr val="dk1"/>
+          </a:lnRef>
+          <a:fillRef idx="0">
+            <a:schemeClr val="dk1"/>
+          </a:fillRef>
+          <a:effectRef idx="0">
+            <a:schemeClr val="dk1"/>
+          </a:effectRef>
+          <a:fontRef idx="minor">
+            <a:schemeClr val="tx1"/>
+          </a:fontRef>
+        </p:style>
+      </p:cxnSp>
+      <p:cxnSp>
+        <p:nvCxnSpPr>
+          <p:cNvPr id="148" name="직선 화살표 연결선 147">
+            <a:extLst>
+              <a:ext uri="{FF2B5EF4-FFF2-40B4-BE49-F238E27FC236}">
+                <a16:creationId xmlns:a16="http://schemas.microsoft.com/office/drawing/2014/main" id="{9A752417-B4E7-40CC-9380-6AC40013210D}"/>
+              </a:ext>
+            </a:extLst>
+          </p:cNvPr>
+          <p:cNvCxnSpPr>
+            <a:cxnSpLocks/>
+            <a:endCxn id="62" idx="2"/>
+          </p:cNvCxnSpPr>
+          <p:nvPr/>
+        </p:nvCxnSpPr>
+        <p:spPr>
+          <a:xfrm flipV="1">
+            <a:off x="2601000" y="3777124"/>
+            <a:ext cx="0" cy="233813"/>
+          </a:xfrm>
+          <a:prstGeom prst="straightConnector1">
+            <a:avLst/>
+          </a:prstGeom>
+          <a:ln w="19050">
+            <a:headEnd type="none" w="med" len="med"/>
+            <a:tailEnd type="none" w="med" len="med"/>
+          </a:ln>
+        </p:spPr>
+        <p:style>
+          <a:lnRef idx="1">
+            <a:schemeClr val="dk1"/>
+          </a:lnRef>
+          <a:fillRef idx="0">
+            <a:schemeClr val="dk1"/>
+          </a:fillRef>
+          <a:effectRef idx="0">
+            <a:schemeClr val="dk1"/>
+          </a:effectRef>
+          <a:fontRef idx="minor">
+            <a:schemeClr val="tx1"/>
+          </a:fontRef>
+        </p:style>
+      </p:cxnSp>
+      <p:cxnSp>
+        <p:nvCxnSpPr>
+          <p:cNvPr id="149" name="직선 화살표 연결선 148">
+            <a:extLst>
+              <a:ext uri="{FF2B5EF4-FFF2-40B4-BE49-F238E27FC236}">
+                <a16:creationId xmlns:a16="http://schemas.microsoft.com/office/drawing/2014/main" id="{C61CC513-7896-4266-B6C1-5589854EFBFA}"/>
+              </a:ext>
+            </a:extLst>
+          </p:cNvPr>
+          <p:cNvCxnSpPr>
+            <a:cxnSpLocks/>
+            <a:endCxn id="63" idx="2"/>
+          </p:cNvCxnSpPr>
+          <p:nvPr/>
+        </p:nvCxnSpPr>
+        <p:spPr>
+          <a:xfrm flipV="1">
+            <a:off x="4033538" y="3777124"/>
+            <a:ext cx="3" cy="233813"/>
+          </a:xfrm>
+          <a:prstGeom prst="straightConnector1">
+            <a:avLst/>
+          </a:prstGeom>
+          <a:ln w="19050">
+            <a:headEnd type="none" w="med" len="med"/>
+            <a:tailEnd type="none" w="med" len="med"/>
+          </a:ln>
+        </p:spPr>
+        <p:style>
+          <a:lnRef idx="1">
+            <a:schemeClr val="dk1"/>
+          </a:lnRef>
+          <a:fillRef idx="0">
+            <a:schemeClr val="dk1"/>
+          </a:fillRef>
+          <a:effectRef idx="0">
+            <a:schemeClr val="dk1"/>
+          </a:effectRef>
+          <a:fontRef idx="minor">
+            <a:schemeClr val="tx1"/>
+          </a:fontRef>
+        </p:style>
+      </p:cxnSp>
+      <p:cxnSp>
+        <p:nvCxnSpPr>
+          <p:cNvPr id="150" name="직선 화살표 연결선 149">
+            <a:extLst>
+              <a:ext uri="{FF2B5EF4-FFF2-40B4-BE49-F238E27FC236}">
+                <a16:creationId xmlns:a16="http://schemas.microsoft.com/office/drawing/2014/main" id="{9D0C9CCF-88D1-4D2A-9B44-EEAF5DDF8B46}"/>
+              </a:ext>
+            </a:extLst>
+          </p:cNvPr>
+          <p:cNvCxnSpPr>
+            <a:cxnSpLocks/>
+            <a:endCxn id="64" idx="2"/>
+          </p:cNvCxnSpPr>
+          <p:nvPr/>
+        </p:nvCxnSpPr>
+        <p:spPr>
+          <a:xfrm flipV="1">
+            <a:off x="5466082" y="3777124"/>
+            <a:ext cx="0" cy="233813"/>
+          </a:xfrm>
+          <a:prstGeom prst="straightConnector1">
+            <a:avLst/>
+          </a:prstGeom>
+          <a:ln w="19050">
+            <a:headEnd type="none" w="med" len="med"/>
+            <a:tailEnd type="none" w="med" len="med"/>
+          </a:ln>
+        </p:spPr>
+        <p:style>
+          <a:lnRef idx="1">
+            <a:schemeClr val="dk1"/>
+          </a:lnRef>
+          <a:fillRef idx="0">
+            <a:schemeClr val="dk1"/>
+          </a:fillRef>
+          <a:effectRef idx="0">
+            <a:schemeClr val="dk1"/>
+          </a:effectRef>
+          <a:fontRef idx="minor">
+            <a:schemeClr val="tx1"/>
+          </a:fontRef>
+        </p:style>
+      </p:cxnSp>
+      <p:cxnSp>
+        <p:nvCxnSpPr>
+          <p:cNvPr id="151" name="직선 화살표 연결선 150">
+            <a:extLst>
+              <a:ext uri="{FF2B5EF4-FFF2-40B4-BE49-F238E27FC236}">
+                <a16:creationId xmlns:a16="http://schemas.microsoft.com/office/drawing/2014/main" id="{F278E4B1-5826-4187-8CE0-0C43DA7C04F8}"/>
+              </a:ext>
+            </a:extLst>
+          </p:cNvPr>
+          <p:cNvCxnSpPr>
+            <a:cxnSpLocks/>
+            <a:endCxn id="65" idx="2"/>
+          </p:cNvCxnSpPr>
+          <p:nvPr/>
+        </p:nvCxnSpPr>
+        <p:spPr>
+          <a:xfrm flipV="1">
+            <a:off x="6898622" y="3777124"/>
+            <a:ext cx="0" cy="233813"/>
+          </a:xfrm>
+          <a:prstGeom prst="straightConnector1">
+            <a:avLst/>
+          </a:prstGeom>
+          <a:ln w="19050">
+            <a:headEnd type="none" w="med" len="med"/>
+            <a:tailEnd type="none" w="med" len="med"/>
+          </a:ln>
+        </p:spPr>
+        <p:style>
+          <a:lnRef idx="1">
+            <a:schemeClr val="dk1"/>
+          </a:lnRef>
+          <a:fillRef idx="0">
+            <a:schemeClr val="dk1"/>
+          </a:fillRef>
+          <a:effectRef idx="0">
+            <a:schemeClr val="dk1"/>
+          </a:effectRef>
+          <a:fontRef idx="minor">
+            <a:schemeClr val="tx1"/>
+          </a:fontRef>
+        </p:style>
+      </p:cxnSp>
+      <p:cxnSp>
+        <p:nvCxnSpPr>
+          <p:cNvPr id="152" name="직선 화살표 연결선 151">
+            <a:extLst>
+              <a:ext uri="{FF2B5EF4-FFF2-40B4-BE49-F238E27FC236}">
+                <a16:creationId xmlns:a16="http://schemas.microsoft.com/office/drawing/2014/main" id="{90698469-F8B9-4F24-8A81-2ACA84C69E69}"/>
+              </a:ext>
+            </a:extLst>
+          </p:cNvPr>
+          <p:cNvCxnSpPr>
+            <a:cxnSpLocks/>
+            <a:endCxn id="144" idx="2"/>
+          </p:cNvCxnSpPr>
+          <p:nvPr/>
+        </p:nvCxnSpPr>
+        <p:spPr>
+          <a:xfrm flipV="1">
+            <a:off x="8331162" y="3777124"/>
+            <a:ext cx="0" cy="233813"/>
+          </a:xfrm>
+          <a:prstGeom prst="straightConnector1">
+            <a:avLst/>
+          </a:prstGeom>
+          <a:ln w="19050">
+            <a:headEnd type="none" w="med" len="med"/>
+            <a:tailEnd type="none" w="med" len="med"/>
+          </a:ln>
+        </p:spPr>
+        <p:style>
+          <a:lnRef idx="1">
+            <a:schemeClr val="dk1"/>
+          </a:lnRef>
+          <a:fillRef idx="0">
+            <a:schemeClr val="dk1"/>
+          </a:fillRef>
+          <a:effectRef idx="0">
+            <a:schemeClr val="dk1"/>
+          </a:effectRef>
+          <a:fontRef idx="minor">
+            <a:schemeClr val="tx1"/>
+          </a:fontRef>
+        </p:style>
+      </p:cxnSp>
+      <p:cxnSp>
+        <p:nvCxnSpPr>
+          <p:cNvPr id="153" name="직선 화살표 연결선 152">
+            <a:extLst>
+              <a:ext uri="{FF2B5EF4-FFF2-40B4-BE49-F238E27FC236}">
+                <a16:creationId xmlns:a16="http://schemas.microsoft.com/office/drawing/2014/main" id="{F16C2A54-20D4-41D7-ADD5-BAFF794B157E}"/>
+              </a:ext>
+            </a:extLst>
+          </p:cNvPr>
+          <p:cNvCxnSpPr>
+            <a:cxnSpLocks/>
+            <a:stCxn id="63" idx="0"/>
+            <a:endCxn id="141" idx="2"/>
+          </p:cNvCxnSpPr>
+          <p:nvPr/>
+        </p:nvCxnSpPr>
+        <p:spPr>
+          <a:xfrm flipH="1" flipV="1">
+            <a:off x="4033538" y="3191450"/>
+            <a:ext cx="3" cy="234270"/>
+          </a:xfrm>
+          <a:prstGeom prst="straightConnector1">
+            <a:avLst/>
+          </a:prstGeom>
+          <a:ln w="19050">
+            <a:headEnd type="none" w="med" len="med"/>
+            <a:tailEnd type="none" w="med" len="med"/>
+          </a:ln>
+        </p:spPr>
+        <p:style>
+          <a:lnRef idx="1">
+            <a:schemeClr val="dk1"/>
+          </a:lnRef>
+          <a:fillRef idx="0">
+            <a:schemeClr val="dk1"/>
+          </a:fillRef>
+          <a:effectRef idx="0">
+            <a:schemeClr val="dk1"/>
+          </a:effectRef>
+          <a:fontRef idx="minor">
+            <a:schemeClr val="tx1"/>
+          </a:fontRef>
+        </p:style>
+      </p:cxnSp>
+      <p:cxnSp>
+        <p:nvCxnSpPr>
+          <p:cNvPr id="154" name="직선 화살표 연결선 153">
+            <a:extLst>
+              <a:ext uri="{FF2B5EF4-FFF2-40B4-BE49-F238E27FC236}">
+                <a16:creationId xmlns:a16="http://schemas.microsoft.com/office/drawing/2014/main" id="{50927512-AC79-4A22-A3DE-2D5D0EE34484}"/>
+              </a:ext>
+            </a:extLst>
+          </p:cNvPr>
+          <p:cNvCxnSpPr>
+            <a:cxnSpLocks/>
+            <a:stCxn id="77" idx="2"/>
+            <a:endCxn id="97" idx="0"/>
+          </p:cNvCxnSpPr>
+          <p:nvPr/>
+        </p:nvCxnSpPr>
+        <p:spPr>
+          <a:xfrm>
+            <a:off x="5466084" y="2081131"/>
+            <a:ext cx="0" cy="233619"/>
+          </a:xfrm>
+          <a:prstGeom prst="straightConnector1">
+            <a:avLst/>
+          </a:prstGeom>
+          <a:ln w="19050">
+            <a:headEnd type="none" w="med" len="med"/>
+            <a:tailEnd type="arrow" w="med" len="med"/>
+          </a:ln>
+        </p:spPr>
+        <p:style>
+          <a:lnRef idx="1">
+            <a:schemeClr val="dk1"/>
+          </a:lnRef>
+          <a:fillRef idx="0">
+            <a:schemeClr val="dk1"/>
+          </a:fillRef>
+          <a:effectRef idx="0">
+            <a:schemeClr val="dk1"/>
+          </a:effectRef>
+          <a:fontRef idx="minor">
+            <a:schemeClr val="tx1"/>
+          </a:fontRef>
+        </p:style>
+      </p:cxnSp>
+      <p:cxnSp>
+        <p:nvCxnSpPr>
+          <p:cNvPr id="155" name="직선 화살표 연결선 154">
+            <a:extLst>
+              <a:ext uri="{FF2B5EF4-FFF2-40B4-BE49-F238E27FC236}">
+                <a16:creationId xmlns:a16="http://schemas.microsoft.com/office/drawing/2014/main" id="{D55856A3-2738-450E-B341-A50D47EF48A6}"/>
+              </a:ext>
+            </a:extLst>
+          </p:cNvPr>
+          <p:cNvCxnSpPr>
+            <a:cxnSpLocks/>
+            <a:stCxn id="72" idx="2"/>
+            <a:endCxn id="98" idx="0"/>
+          </p:cNvCxnSpPr>
+          <p:nvPr/>
+        </p:nvCxnSpPr>
+        <p:spPr>
+          <a:xfrm>
+            <a:off x="6898630" y="2081131"/>
+            <a:ext cx="0" cy="233619"/>
+          </a:xfrm>
+          <a:prstGeom prst="straightConnector1">
+            <a:avLst/>
+          </a:prstGeom>
+          <a:ln w="19050">
+            <a:headEnd type="none" w="med" len="med"/>
+            <a:tailEnd type="arrow" w="med" len="med"/>
+          </a:ln>
+        </p:spPr>
+        <p:style>
+          <a:lnRef idx="1">
+            <a:schemeClr val="dk1"/>
+          </a:lnRef>
+          <a:fillRef idx="0">
+            <a:schemeClr val="dk1"/>
+          </a:fillRef>
+          <a:effectRef idx="0">
+            <a:schemeClr val="dk1"/>
+          </a:effectRef>
+          <a:fontRef idx="minor">
+            <a:schemeClr val="tx1"/>
+          </a:fontRef>
+        </p:style>
+      </p:cxnSp>
+      <p:cxnSp>
+        <p:nvCxnSpPr>
+          <p:cNvPr id="156" name="직선 화살표 연결선 155">
+            <a:extLst>
+              <a:ext uri="{FF2B5EF4-FFF2-40B4-BE49-F238E27FC236}">
+                <a16:creationId xmlns:a16="http://schemas.microsoft.com/office/drawing/2014/main" id="{DE0DC0C3-D348-4904-AA9D-8395BC004ED5}"/>
+              </a:ext>
+            </a:extLst>
+          </p:cNvPr>
+          <p:cNvCxnSpPr>
+            <a:cxnSpLocks/>
+            <a:stCxn id="82" idx="2"/>
+            <a:endCxn id="140" idx="0"/>
+          </p:cNvCxnSpPr>
+          <p:nvPr/>
+        </p:nvCxnSpPr>
+        <p:spPr>
+          <a:xfrm flipH="1">
+            <a:off x="8331163" y="2081131"/>
+            <a:ext cx="2" cy="233619"/>
+          </a:xfrm>
+          <a:prstGeom prst="straightConnector1">
+            <a:avLst/>
+          </a:prstGeom>
+          <a:ln w="19050">
+            <a:headEnd type="none" w="med" len="med"/>
+            <a:tailEnd type="arrow" w="med" len="med"/>
+          </a:ln>
+        </p:spPr>
+        <p:style>
+          <a:lnRef idx="1">
+            <a:schemeClr val="dk1"/>
+          </a:lnRef>
+          <a:fillRef idx="0">
+            <a:schemeClr val="dk1"/>
+          </a:fillRef>
+          <a:effectRef idx="0">
+            <a:schemeClr val="dk1"/>
+          </a:effectRef>
+          <a:fontRef idx="minor">
+            <a:schemeClr val="tx1"/>
+          </a:fontRef>
+        </p:style>
+      </p:cxnSp>
+      <p:cxnSp>
+        <p:nvCxnSpPr>
+          <p:cNvPr id="157" name="직선 화살표 연결선 156">
+            <a:extLst>
+              <a:ext uri="{FF2B5EF4-FFF2-40B4-BE49-F238E27FC236}">
+                <a16:creationId xmlns:a16="http://schemas.microsoft.com/office/drawing/2014/main" id="{C08ED73C-A3B5-4F93-AF7C-6B6B28AB65B0}"/>
+              </a:ext>
+            </a:extLst>
+          </p:cNvPr>
+          <p:cNvCxnSpPr>
+            <a:cxnSpLocks/>
+            <a:stCxn id="97" idx="2"/>
+            <a:endCxn id="142" idx="0"/>
+          </p:cNvCxnSpPr>
+          <p:nvPr/>
+        </p:nvCxnSpPr>
+        <p:spPr>
+          <a:xfrm>
+            <a:off x="5466084" y="2666154"/>
+            <a:ext cx="279" cy="234270"/>
+          </a:xfrm>
+          <a:prstGeom prst="straightConnector1">
+            <a:avLst/>
+          </a:prstGeom>
+          <a:ln w="19050">
+            <a:headEnd type="none" w="med" len="med"/>
+            <a:tailEnd type="arrow" w="med" len="med"/>
+          </a:ln>
+        </p:spPr>
+        <p:style>
+          <a:lnRef idx="1">
+            <a:schemeClr val="dk1"/>
+          </a:lnRef>
+          <a:fillRef idx="0">
+            <a:schemeClr val="dk1"/>
+          </a:fillRef>
+          <a:effectRef idx="0">
+            <a:schemeClr val="dk1"/>
+          </a:effectRef>
+          <a:fontRef idx="minor">
+            <a:schemeClr val="tx1"/>
+          </a:fontRef>
+        </p:style>
+      </p:cxnSp>
+      <p:cxnSp>
+        <p:nvCxnSpPr>
+          <p:cNvPr id="158" name="직선 화살표 연결선 157">
+            <a:extLst>
+              <a:ext uri="{FF2B5EF4-FFF2-40B4-BE49-F238E27FC236}">
+                <a16:creationId xmlns:a16="http://schemas.microsoft.com/office/drawing/2014/main" id="{9CE915A0-FB87-497A-B68D-B32C54017FD8}"/>
+              </a:ext>
+            </a:extLst>
+          </p:cNvPr>
+          <p:cNvCxnSpPr>
+            <a:cxnSpLocks/>
+            <a:stCxn id="98" idx="2"/>
+            <a:endCxn id="143" idx="0"/>
+          </p:cNvCxnSpPr>
+          <p:nvPr/>
+        </p:nvCxnSpPr>
+        <p:spPr>
+          <a:xfrm flipH="1">
+            <a:off x="6898617" y="2666154"/>
+            <a:ext cx="13" cy="234270"/>
+          </a:xfrm>
+          <a:prstGeom prst="straightConnector1">
+            <a:avLst/>
+          </a:prstGeom>
+          <a:ln w="19050">
+            <a:headEnd type="none" w="med" len="med"/>
+            <a:tailEnd type="arrow" w="med" len="med"/>
+          </a:ln>
+        </p:spPr>
+        <p:style>
+          <a:lnRef idx="1">
+            <a:schemeClr val="dk1"/>
+          </a:lnRef>
+          <a:fillRef idx="0">
+            <a:schemeClr val="dk1"/>
+          </a:fillRef>
+          <a:effectRef idx="0">
+            <a:schemeClr val="dk1"/>
+          </a:effectRef>
+          <a:fontRef idx="minor">
+            <a:schemeClr val="tx1"/>
+          </a:fontRef>
+        </p:style>
+      </p:cxnSp>
+      <p:cxnSp>
+        <p:nvCxnSpPr>
+          <p:cNvPr id="159" name="직선 화살표 연결선 158">
+            <a:extLst>
+              <a:ext uri="{FF2B5EF4-FFF2-40B4-BE49-F238E27FC236}">
+                <a16:creationId xmlns:a16="http://schemas.microsoft.com/office/drawing/2014/main" id="{82B66A88-DEEB-4279-99FC-B140B865D674}"/>
+              </a:ext>
+            </a:extLst>
+          </p:cNvPr>
+          <p:cNvCxnSpPr>
+            <a:cxnSpLocks/>
+            <a:stCxn id="140" idx="2"/>
+          </p:cNvCxnSpPr>
+          <p:nvPr/>
+        </p:nvCxnSpPr>
+        <p:spPr>
+          <a:xfrm>
+            <a:off x="8331163" y="2666154"/>
+            <a:ext cx="0" cy="234270"/>
+          </a:xfrm>
+          <a:prstGeom prst="straightConnector1">
+            <a:avLst/>
+          </a:prstGeom>
+          <a:ln w="19050">
+            <a:headEnd type="none" w="med" len="med"/>
+            <a:tailEnd type="arrow" w="med" len="med"/>
+          </a:ln>
+        </p:spPr>
+        <p:style>
+          <a:lnRef idx="1">
+            <a:schemeClr val="dk1"/>
+          </a:lnRef>
+          <a:fillRef idx="0">
+            <a:schemeClr val="dk1"/>
+          </a:fillRef>
+          <a:effectRef idx="0">
+            <a:schemeClr val="dk1"/>
+          </a:effectRef>
+          <a:fontRef idx="minor">
+            <a:schemeClr val="tx1"/>
+          </a:fontRef>
+        </p:style>
+      </p:cxnSp>
+      <p:cxnSp>
+        <p:nvCxnSpPr>
+          <p:cNvPr id="160" name="직선 화살표 연결선 159">
+            <a:extLst>
+              <a:ext uri="{FF2B5EF4-FFF2-40B4-BE49-F238E27FC236}">
+                <a16:creationId xmlns:a16="http://schemas.microsoft.com/office/drawing/2014/main" id="{1A24039C-960F-4644-A06E-165679417542}"/>
+              </a:ext>
+            </a:extLst>
+          </p:cNvPr>
+          <p:cNvCxnSpPr>
+            <a:cxnSpLocks/>
+            <a:stCxn id="65" idx="0"/>
+            <a:endCxn id="143" idx="2"/>
+          </p:cNvCxnSpPr>
+          <p:nvPr/>
+        </p:nvCxnSpPr>
+        <p:spPr>
+          <a:xfrm flipH="1" flipV="1">
+            <a:off x="6898617" y="3191450"/>
+            <a:ext cx="5" cy="234270"/>
+          </a:xfrm>
+          <a:prstGeom prst="straightConnector1">
+            <a:avLst/>
+          </a:prstGeom>
+          <a:ln w="19050">
+            <a:headEnd type="none" w="med" len="med"/>
+            <a:tailEnd type="none" w="med" len="med"/>
+          </a:ln>
+        </p:spPr>
+        <p:style>
+          <a:lnRef idx="1">
+            <a:schemeClr val="dk1"/>
+          </a:lnRef>
+          <a:fillRef idx="0">
+            <a:schemeClr val="dk1"/>
+          </a:fillRef>
+          <a:effectRef idx="0">
+            <a:schemeClr val="dk1"/>
+          </a:effectRef>
+          <a:fontRef idx="minor">
+            <a:schemeClr val="tx1"/>
+          </a:fontRef>
+        </p:style>
+      </p:cxnSp>
+      <p:cxnSp>
+        <p:nvCxnSpPr>
+          <p:cNvPr id="161" name="직선 화살표 연결선 160">
+            <a:extLst>
+              <a:ext uri="{FF2B5EF4-FFF2-40B4-BE49-F238E27FC236}">
+                <a16:creationId xmlns:a16="http://schemas.microsoft.com/office/drawing/2014/main" id="{D11C6AC8-061E-4342-99B1-F2AD4716274D}"/>
+              </a:ext>
+            </a:extLst>
+          </p:cNvPr>
+          <p:cNvCxnSpPr>
+            <a:cxnSpLocks/>
+            <a:stCxn id="64" idx="0"/>
+            <a:endCxn id="142" idx="2"/>
+          </p:cNvCxnSpPr>
+          <p:nvPr/>
+        </p:nvCxnSpPr>
+        <p:spPr>
+          <a:xfrm flipV="1">
+            <a:off x="5466081" y="3191450"/>
+            <a:ext cx="282" cy="234270"/>
+          </a:xfrm>
+          <a:prstGeom prst="straightConnector1">
+            <a:avLst/>
+          </a:prstGeom>
+          <a:ln w="19050">
+            <a:headEnd type="none" w="med" len="med"/>
+            <a:tailEnd type="none" w="med" len="med"/>
+          </a:ln>
+        </p:spPr>
+        <p:style>
+          <a:lnRef idx="1">
+            <a:schemeClr val="dk1"/>
+          </a:lnRef>
+          <a:fillRef idx="0">
+            <a:schemeClr val="dk1"/>
+          </a:fillRef>
+          <a:effectRef idx="0">
+            <a:schemeClr val="dk1"/>
+          </a:effectRef>
+          <a:fontRef idx="minor">
+            <a:schemeClr val="tx1"/>
+          </a:fontRef>
+        </p:style>
+      </p:cxnSp>
+      <p:sp>
+        <p:nvSpPr>
+          <p:cNvPr id="162" name="사각형: 둥근 모서리 161">
+            <a:extLst>
+              <a:ext uri="{FF2B5EF4-FFF2-40B4-BE49-F238E27FC236}">
+                <a16:creationId xmlns:a16="http://schemas.microsoft.com/office/drawing/2014/main" id="{C335057A-6703-446E-A149-81EAC7890762}"/>
+              </a:ext>
+            </a:extLst>
+          </p:cNvPr>
+          <p:cNvSpPr/>
+          <p:nvPr/>
+        </p:nvSpPr>
+        <p:spPr>
+          <a:xfrm>
+            <a:off x="2441042" y="2900423"/>
             <a:ext cx="315932" cy="291027"/>
           </a:xfrm>
           <a:prstGeom prst="roundRect">
@@ -4830,75 +5747,26 @@
           </a:p>
         </p:txBody>
       </p:sp>
-      <p:sp>
-        <p:nvSpPr>
-          <p:cNvPr id="144" name="사각형: 둥근 모서리 143">
-            <a:extLst>
-              <a:ext uri="{FF2B5EF4-FFF2-40B4-BE49-F238E27FC236}">
-                <a16:creationId xmlns:a16="http://schemas.microsoft.com/office/drawing/2014/main" id="{83F86471-017E-4C28-9F06-B4ED1821366A}"/>
-              </a:ext>
-            </a:extLst>
-          </p:cNvPr>
-          <p:cNvSpPr/>
-          <p:nvPr/>
-        </p:nvSpPr>
-        <p:spPr>
-          <a:xfrm>
-            <a:off x="8083402" y="3425720"/>
-            <a:ext cx="495521" cy="351404"/>
-          </a:xfrm>
-          <a:prstGeom prst="roundRect">
-            <a:avLst>
-              <a:gd name="adj" fmla="val 10349"/>
-            </a:avLst>
-          </a:prstGeom>
-        </p:spPr>
-        <p:style>
-          <a:lnRef idx="2">
-            <a:schemeClr val="dk1"/>
-          </a:lnRef>
-          <a:fillRef idx="1">
-            <a:schemeClr val="lt1"/>
-          </a:fillRef>
-          <a:effectRef idx="0">
-            <a:schemeClr val="dk1"/>
-          </a:effectRef>
-          <a:fontRef idx="minor">
-            <a:schemeClr val="dk1"/>
-          </a:fontRef>
-        </p:style>
-        <p:txBody>
-          <a:bodyPr rtlCol="0" anchor="ctr"/>
-          <a:lstStyle/>
-          <a:p>
-            <a:pPr algn="ctr"/>
-            <a:r>
-              <a:rPr lang="en-US" altLang="ko-KR" sz="1200"/>
-              <a:t>M</a:t>
-            </a:r>
-            <a:endParaRPr lang="ko-KR" altLang="en-US" sz="1200"/>
-          </a:p>
-        </p:txBody>
-      </p:sp>
       <p:cxnSp>
         <p:nvCxnSpPr>
-          <p:cNvPr id="13" name="직선 화살표 연결선 12">
-            <a:extLst>
-              <a:ext uri="{FF2B5EF4-FFF2-40B4-BE49-F238E27FC236}">
-                <a16:creationId xmlns:a16="http://schemas.microsoft.com/office/drawing/2014/main" id="{132D22AC-C7B5-4DDD-A44D-12EA7DFC7A25}"/>
+          <p:cNvPr id="163" name="직선 화살표 연결선 162">
+            <a:extLst>
+              <a:ext uri="{FF2B5EF4-FFF2-40B4-BE49-F238E27FC236}">
+                <a16:creationId xmlns:a16="http://schemas.microsoft.com/office/drawing/2014/main" id="{60A80240-DAED-4B2F-AAF4-E01E2CC23E77}"/>
               </a:ext>
             </a:extLst>
           </p:cNvPr>
           <p:cNvCxnSpPr>
             <a:cxnSpLocks/>
-            <a:stCxn id="67" idx="0"/>
+            <a:stCxn id="62" idx="0"/>
+            <a:endCxn id="162" idx="2"/>
           </p:cNvCxnSpPr>
           <p:nvPr/>
         </p:nvCxnSpPr>
         <p:spPr>
-          <a:xfrm flipV="1">
-            <a:off x="2599007" y="4362340"/>
-            <a:ext cx="0" cy="234270"/>
+          <a:xfrm flipH="1" flipV="1">
+            <a:off x="2599008" y="3191450"/>
+            <a:ext cx="1992" cy="234270"/>
           </a:xfrm>
           <a:prstGeom prst="straightConnector1">
             <a:avLst/>
@@ -4923,751 +5791,12 @@
           </a:fontRef>
         </p:style>
       </p:cxnSp>
-      <p:cxnSp>
-        <p:nvCxnSpPr>
-          <p:cNvPr id="145" name="직선 화살표 연결선 144">
-            <a:extLst>
-              <a:ext uri="{FF2B5EF4-FFF2-40B4-BE49-F238E27FC236}">
-                <a16:creationId xmlns:a16="http://schemas.microsoft.com/office/drawing/2014/main" id="{078FD9A0-FAEE-4373-921D-CE9CFAFE33B0}"/>
-              </a:ext>
-            </a:extLst>
-          </p:cNvPr>
-          <p:cNvCxnSpPr>
-            <a:cxnSpLocks/>
-            <a:stCxn id="7" idx="0"/>
-          </p:cNvCxnSpPr>
-          <p:nvPr/>
-        </p:nvCxnSpPr>
-        <p:spPr>
-          <a:xfrm flipV="1">
-            <a:off x="4031548" y="4362340"/>
-            <a:ext cx="0" cy="234270"/>
-          </a:xfrm>
-          <a:prstGeom prst="straightConnector1">
-            <a:avLst/>
-          </a:prstGeom>
-          <a:ln w="19050">
-            <a:headEnd type="none" w="med" len="med"/>
-            <a:tailEnd type="none" w="med" len="med"/>
-          </a:ln>
-        </p:spPr>
-        <p:style>
-          <a:lnRef idx="1">
-            <a:schemeClr val="dk1"/>
-          </a:lnRef>
-          <a:fillRef idx="0">
-            <a:schemeClr val="dk1"/>
-          </a:fillRef>
-          <a:effectRef idx="0">
-            <a:schemeClr val="dk1"/>
-          </a:effectRef>
-          <a:fontRef idx="minor">
-            <a:schemeClr val="tx1"/>
-          </a:fontRef>
-        </p:style>
-      </p:cxnSp>
-      <p:cxnSp>
-        <p:nvCxnSpPr>
-          <p:cNvPr id="146" name="직선 화살표 연결선 145">
-            <a:extLst>
-              <a:ext uri="{FF2B5EF4-FFF2-40B4-BE49-F238E27FC236}">
-                <a16:creationId xmlns:a16="http://schemas.microsoft.com/office/drawing/2014/main" id="{BAD5FDDD-D75E-4198-8E95-6B35ECAE16AD}"/>
-              </a:ext>
-            </a:extLst>
-          </p:cNvPr>
-          <p:cNvCxnSpPr>
-            <a:cxnSpLocks/>
-            <a:stCxn id="58" idx="0"/>
-          </p:cNvCxnSpPr>
-          <p:nvPr/>
-        </p:nvCxnSpPr>
-        <p:spPr>
-          <a:xfrm flipH="1" flipV="1">
-            <a:off x="5464088" y="4362340"/>
-            <a:ext cx="1" cy="234270"/>
-          </a:xfrm>
-          <a:prstGeom prst="straightConnector1">
-            <a:avLst/>
-          </a:prstGeom>
-          <a:ln w="19050">
-            <a:headEnd type="none" w="med" len="med"/>
-            <a:tailEnd type="none" w="med" len="med"/>
-          </a:ln>
-        </p:spPr>
-        <p:style>
-          <a:lnRef idx="1">
-            <a:schemeClr val="dk1"/>
-          </a:lnRef>
-          <a:fillRef idx="0">
-            <a:schemeClr val="dk1"/>
-          </a:fillRef>
-          <a:effectRef idx="0">
-            <a:schemeClr val="dk1"/>
-          </a:effectRef>
-          <a:fontRef idx="minor">
-            <a:schemeClr val="tx1"/>
-          </a:fontRef>
-        </p:style>
-      </p:cxnSp>
-      <p:cxnSp>
-        <p:nvCxnSpPr>
-          <p:cNvPr id="147" name="직선 화살표 연결선 146">
-            <a:extLst>
-              <a:ext uri="{FF2B5EF4-FFF2-40B4-BE49-F238E27FC236}">
-                <a16:creationId xmlns:a16="http://schemas.microsoft.com/office/drawing/2014/main" id="{D6003A59-3C46-44B4-B5A6-470F18CF379F}"/>
-              </a:ext>
-            </a:extLst>
-          </p:cNvPr>
-          <p:cNvCxnSpPr>
-            <a:cxnSpLocks/>
-            <a:stCxn id="68" idx="0"/>
-          </p:cNvCxnSpPr>
-          <p:nvPr/>
-        </p:nvCxnSpPr>
-        <p:spPr>
-          <a:xfrm flipV="1">
-            <a:off x="6896629" y="4362340"/>
-            <a:ext cx="0" cy="234270"/>
-          </a:xfrm>
-          <a:prstGeom prst="straightConnector1">
-            <a:avLst/>
-          </a:prstGeom>
-          <a:ln w="19050">
-            <a:headEnd type="none" w="med" len="med"/>
-            <a:tailEnd type="none" w="med" len="med"/>
-          </a:ln>
-        </p:spPr>
-        <p:style>
-          <a:lnRef idx="1">
-            <a:schemeClr val="dk1"/>
-          </a:lnRef>
-          <a:fillRef idx="0">
-            <a:schemeClr val="dk1"/>
-          </a:fillRef>
-          <a:effectRef idx="0">
-            <a:schemeClr val="dk1"/>
-          </a:effectRef>
-          <a:fontRef idx="minor">
-            <a:schemeClr val="tx1"/>
-          </a:fontRef>
-        </p:style>
-      </p:cxnSp>
-      <p:cxnSp>
-        <p:nvCxnSpPr>
-          <p:cNvPr id="148" name="직선 화살표 연결선 147">
-            <a:extLst>
-              <a:ext uri="{FF2B5EF4-FFF2-40B4-BE49-F238E27FC236}">
-                <a16:creationId xmlns:a16="http://schemas.microsoft.com/office/drawing/2014/main" id="{9A752417-B4E7-40CC-9380-6AC40013210D}"/>
-              </a:ext>
-            </a:extLst>
-          </p:cNvPr>
-          <p:cNvCxnSpPr>
-            <a:cxnSpLocks/>
-            <a:endCxn id="62" idx="2"/>
-          </p:cNvCxnSpPr>
-          <p:nvPr/>
-        </p:nvCxnSpPr>
-        <p:spPr>
-          <a:xfrm flipV="1">
-            <a:off x="2601000" y="3777124"/>
-            <a:ext cx="0" cy="233813"/>
-          </a:xfrm>
-          <a:prstGeom prst="straightConnector1">
-            <a:avLst/>
-          </a:prstGeom>
-          <a:ln w="19050">
-            <a:headEnd type="none" w="med" len="med"/>
-            <a:tailEnd type="none" w="med" len="med"/>
-          </a:ln>
-        </p:spPr>
-        <p:style>
-          <a:lnRef idx="1">
-            <a:schemeClr val="dk1"/>
-          </a:lnRef>
-          <a:fillRef idx="0">
-            <a:schemeClr val="dk1"/>
-          </a:fillRef>
-          <a:effectRef idx="0">
-            <a:schemeClr val="dk1"/>
-          </a:effectRef>
-          <a:fontRef idx="minor">
-            <a:schemeClr val="tx1"/>
-          </a:fontRef>
-        </p:style>
-      </p:cxnSp>
-      <p:cxnSp>
-        <p:nvCxnSpPr>
-          <p:cNvPr id="149" name="직선 화살표 연결선 148">
-            <a:extLst>
-              <a:ext uri="{FF2B5EF4-FFF2-40B4-BE49-F238E27FC236}">
-                <a16:creationId xmlns:a16="http://schemas.microsoft.com/office/drawing/2014/main" id="{C61CC513-7896-4266-B6C1-5589854EFBFA}"/>
-              </a:ext>
-            </a:extLst>
-          </p:cNvPr>
-          <p:cNvCxnSpPr>
-            <a:cxnSpLocks/>
-            <a:endCxn id="63" idx="2"/>
-          </p:cNvCxnSpPr>
-          <p:nvPr/>
-        </p:nvCxnSpPr>
-        <p:spPr>
-          <a:xfrm flipV="1">
-            <a:off x="4033538" y="3777124"/>
-            <a:ext cx="3" cy="233813"/>
-          </a:xfrm>
-          <a:prstGeom prst="straightConnector1">
-            <a:avLst/>
-          </a:prstGeom>
-          <a:ln w="19050">
-            <a:headEnd type="none" w="med" len="med"/>
-            <a:tailEnd type="none" w="med" len="med"/>
-          </a:ln>
-        </p:spPr>
-        <p:style>
-          <a:lnRef idx="1">
-            <a:schemeClr val="dk1"/>
-          </a:lnRef>
-          <a:fillRef idx="0">
-            <a:schemeClr val="dk1"/>
-          </a:fillRef>
-          <a:effectRef idx="0">
-            <a:schemeClr val="dk1"/>
-          </a:effectRef>
-          <a:fontRef idx="minor">
-            <a:schemeClr val="tx1"/>
-          </a:fontRef>
-        </p:style>
-      </p:cxnSp>
-      <p:cxnSp>
-        <p:nvCxnSpPr>
-          <p:cNvPr id="150" name="직선 화살표 연결선 149">
-            <a:extLst>
-              <a:ext uri="{FF2B5EF4-FFF2-40B4-BE49-F238E27FC236}">
-                <a16:creationId xmlns:a16="http://schemas.microsoft.com/office/drawing/2014/main" id="{9D0C9CCF-88D1-4D2A-9B44-EEAF5DDF8B46}"/>
-              </a:ext>
-            </a:extLst>
-          </p:cNvPr>
-          <p:cNvCxnSpPr>
-            <a:cxnSpLocks/>
-            <a:endCxn id="64" idx="2"/>
-          </p:cNvCxnSpPr>
-          <p:nvPr/>
-        </p:nvCxnSpPr>
-        <p:spPr>
-          <a:xfrm flipV="1">
-            <a:off x="5466082" y="3777124"/>
-            <a:ext cx="0" cy="233813"/>
-          </a:xfrm>
-          <a:prstGeom prst="straightConnector1">
-            <a:avLst/>
-          </a:prstGeom>
-          <a:ln w="19050">
-            <a:headEnd type="none" w="med" len="med"/>
-            <a:tailEnd type="none" w="med" len="med"/>
-          </a:ln>
-        </p:spPr>
-        <p:style>
-          <a:lnRef idx="1">
-            <a:schemeClr val="dk1"/>
-          </a:lnRef>
-          <a:fillRef idx="0">
-            <a:schemeClr val="dk1"/>
-          </a:fillRef>
-          <a:effectRef idx="0">
-            <a:schemeClr val="dk1"/>
-          </a:effectRef>
-          <a:fontRef idx="minor">
-            <a:schemeClr val="tx1"/>
-          </a:fontRef>
-        </p:style>
-      </p:cxnSp>
-      <p:cxnSp>
-        <p:nvCxnSpPr>
-          <p:cNvPr id="151" name="직선 화살표 연결선 150">
-            <a:extLst>
-              <a:ext uri="{FF2B5EF4-FFF2-40B4-BE49-F238E27FC236}">
-                <a16:creationId xmlns:a16="http://schemas.microsoft.com/office/drawing/2014/main" id="{F278E4B1-5826-4187-8CE0-0C43DA7C04F8}"/>
-              </a:ext>
-            </a:extLst>
-          </p:cNvPr>
-          <p:cNvCxnSpPr>
-            <a:cxnSpLocks/>
-            <a:endCxn id="65" idx="2"/>
-          </p:cNvCxnSpPr>
-          <p:nvPr/>
-        </p:nvCxnSpPr>
-        <p:spPr>
-          <a:xfrm flipV="1">
-            <a:off x="6898622" y="3777124"/>
-            <a:ext cx="0" cy="233813"/>
-          </a:xfrm>
-          <a:prstGeom prst="straightConnector1">
-            <a:avLst/>
-          </a:prstGeom>
-          <a:ln w="19050">
-            <a:headEnd type="none" w="med" len="med"/>
-            <a:tailEnd type="none" w="med" len="med"/>
-          </a:ln>
-        </p:spPr>
-        <p:style>
-          <a:lnRef idx="1">
-            <a:schemeClr val="dk1"/>
-          </a:lnRef>
-          <a:fillRef idx="0">
-            <a:schemeClr val="dk1"/>
-          </a:fillRef>
-          <a:effectRef idx="0">
-            <a:schemeClr val="dk1"/>
-          </a:effectRef>
-          <a:fontRef idx="minor">
-            <a:schemeClr val="tx1"/>
-          </a:fontRef>
-        </p:style>
-      </p:cxnSp>
-      <p:cxnSp>
-        <p:nvCxnSpPr>
-          <p:cNvPr id="152" name="직선 화살표 연결선 151">
-            <a:extLst>
-              <a:ext uri="{FF2B5EF4-FFF2-40B4-BE49-F238E27FC236}">
-                <a16:creationId xmlns:a16="http://schemas.microsoft.com/office/drawing/2014/main" id="{90698469-F8B9-4F24-8A81-2ACA84C69E69}"/>
-              </a:ext>
-            </a:extLst>
-          </p:cNvPr>
-          <p:cNvCxnSpPr>
-            <a:cxnSpLocks/>
-            <a:endCxn id="144" idx="2"/>
-          </p:cNvCxnSpPr>
-          <p:nvPr/>
-        </p:nvCxnSpPr>
-        <p:spPr>
-          <a:xfrm flipV="1">
-            <a:off x="8331162" y="3777124"/>
-            <a:ext cx="0" cy="233813"/>
-          </a:xfrm>
-          <a:prstGeom prst="straightConnector1">
-            <a:avLst/>
-          </a:prstGeom>
-          <a:ln w="19050">
-            <a:headEnd type="none" w="med" len="med"/>
-            <a:tailEnd type="none" w="med" len="med"/>
-          </a:ln>
-        </p:spPr>
-        <p:style>
-          <a:lnRef idx="1">
-            <a:schemeClr val="dk1"/>
-          </a:lnRef>
-          <a:fillRef idx="0">
-            <a:schemeClr val="dk1"/>
-          </a:fillRef>
-          <a:effectRef idx="0">
-            <a:schemeClr val="dk1"/>
-          </a:effectRef>
-          <a:fontRef idx="minor">
-            <a:schemeClr val="tx1"/>
-          </a:fontRef>
-        </p:style>
-      </p:cxnSp>
-      <p:cxnSp>
-        <p:nvCxnSpPr>
-          <p:cNvPr id="153" name="직선 화살표 연결선 152">
-            <a:extLst>
-              <a:ext uri="{FF2B5EF4-FFF2-40B4-BE49-F238E27FC236}">
-                <a16:creationId xmlns:a16="http://schemas.microsoft.com/office/drawing/2014/main" id="{F16C2A54-20D4-41D7-ADD5-BAFF794B157E}"/>
-              </a:ext>
-            </a:extLst>
-          </p:cNvPr>
-          <p:cNvCxnSpPr>
-            <a:cxnSpLocks/>
-            <a:stCxn id="63" idx="0"/>
-            <a:endCxn id="141" idx="2"/>
-          </p:cNvCxnSpPr>
-          <p:nvPr/>
-        </p:nvCxnSpPr>
-        <p:spPr>
-          <a:xfrm flipH="1" flipV="1">
-            <a:off x="4033538" y="3191450"/>
-            <a:ext cx="3" cy="234270"/>
-          </a:xfrm>
-          <a:prstGeom prst="straightConnector1">
-            <a:avLst/>
-          </a:prstGeom>
-          <a:ln w="19050">
-            <a:headEnd type="none" w="med" len="med"/>
-            <a:tailEnd type="none" w="med" len="med"/>
-          </a:ln>
-        </p:spPr>
-        <p:style>
-          <a:lnRef idx="1">
-            <a:schemeClr val="dk1"/>
-          </a:lnRef>
-          <a:fillRef idx="0">
-            <a:schemeClr val="dk1"/>
-          </a:fillRef>
-          <a:effectRef idx="0">
-            <a:schemeClr val="dk1"/>
-          </a:effectRef>
-          <a:fontRef idx="minor">
-            <a:schemeClr val="tx1"/>
-          </a:fontRef>
-        </p:style>
-      </p:cxnSp>
-      <p:cxnSp>
-        <p:nvCxnSpPr>
-          <p:cNvPr id="154" name="직선 화살표 연결선 153">
-            <a:extLst>
-              <a:ext uri="{FF2B5EF4-FFF2-40B4-BE49-F238E27FC236}">
-                <a16:creationId xmlns:a16="http://schemas.microsoft.com/office/drawing/2014/main" id="{50927512-AC79-4A22-A3DE-2D5D0EE34484}"/>
-              </a:ext>
-            </a:extLst>
-          </p:cNvPr>
-          <p:cNvCxnSpPr>
-            <a:cxnSpLocks/>
-            <a:stCxn id="77" idx="2"/>
-            <a:endCxn id="97" idx="0"/>
-          </p:cNvCxnSpPr>
-          <p:nvPr/>
-        </p:nvCxnSpPr>
-        <p:spPr>
-          <a:xfrm>
-            <a:off x="5466084" y="2081131"/>
-            <a:ext cx="0" cy="233619"/>
-          </a:xfrm>
-          <a:prstGeom prst="straightConnector1">
-            <a:avLst/>
-          </a:prstGeom>
-          <a:ln w="19050">
-            <a:headEnd type="none" w="med" len="med"/>
-            <a:tailEnd type="arrow" w="med" len="med"/>
-          </a:ln>
-        </p:spPr>
-        <p:style>
-          <a:lnRef idx="1">
-            <a:schemeClr val="dk1"/>
-          </a:lnRef>
-          <a:fillRef idx="0">
-            <a:schemeClr val="dk1"/>
-          </a:fillRef>
-          <a:effectRef idx="0">
-            <a:schemeClr val="dk1"/>
-          </a:effectRef>
-          <a:fontRef idx="minor">
-            <a:schemeClr val="tx1"/>
-          </a:fontRef>
-        </p:style>
-      </p:cxnSp>
-      <p:cxnSp>
-        <p:nvCxnSpPr>
-          <p:cNvPr id="155" name="직선 화살표 연결선 154">
-            <a:extLst>
-              <a:ext uri="{FF2B5EF4-FFF2-40B4-BE49-F238E27FC236}">
-                <a16:creationId xmlns:a16="http://schemas.microsoft.com/office/drawing/2014/main" id="{D55856A3-2738-450E-B341-A50D47EF48A6}"/>
-              </a:ext>
-            </a:extLst>
-          </p:cNvPr>
-          <p:cNvCxnSpPr>
-            <a:cxnSpLocks/>
-            <a:stCxn id="72" idx="2"/>
-            <a:endCxn id="98" idx="0"/>
-          </p:cNvCxnSpPr>
-          <p:nvPr/>
-        </p:nvCxnSpPr>
-        <p:spPr>
-          <a:xfrm>
-            <a:off x="6898630" y="2081131"/>
-            <a:ext cx="0" cy="233619"/>
-          </a:xfrm>
-          <a:prstGeom prst="straightConnector1">
-            <a:avLst/>
-          </a:prstGeom>
-          <a:ln w="19050">
-            <a:headEnd type="none" w="med" len="med"/>
-            <a:tailEnd type="arrow" w="med" len="med"/>
-          </a:ln>
-        </p:spPr>
-        <p:style>
-          <a:lnRef idx="1">
-            <a:schemeClr val="dk1"/>
-          </a:lnRef>
-          <a:fillRef idx="0">
-            <a:schemeClr val="dk1"/>
-          </a:fillRef>
-          <a:effectRef idx="0">
-            <a:schemeClr val="dk1"/>
-          </a:effectRef>
-          <a:fontRef idx="minor">
-            <a:schemeClr val="tx1"/>
-          </a:fontRef>
-        </p:style>
-      </p:cxnSp>
-      <p:cxnSp>
-        <p:nvCxnSpPr>
-          <p:cNvPr id="156" name="직선 화살표 연결선 155">
-            <a:extLst>
-              <a:ext uri="{FF2B5EF4-FFF2-40B4-BE49-F238E27FC236}">
-                <a16:creationId xmlns:a16="http://schemas.microsoft.com/office/drawing/2014/main" id="{DE0DC0C3-D348-4904-AA9D-8395BC004ED5}"/>
-              </a:ext>
-            </a:extLst>
-          </p:cNvPr>
-          <p:cNvCxnSpPr>
-            <a:cxnSpLocks/>
-            <a:stCxn id="82" idx="2"/>
-            <a:endCxn id="140" idx="0"/>
-          </p:cNvCxnSpPr>
-          <p:nvPr/>
-        </p:nvCxnSpPr>
-        <p:spPr>
-          <a:xfrm flipH="1">
-            <a:off x="8331163" y="2081131"/>
-            <a:ext cx="2" cy="233619"/>
-          </a:xfrm>
-          <a:prstGeom prst="straightConnector1">
-            <a:avLst/>
-          </a:prstGeom>
-          <a:ln w="19050">
-            <a:headEnd type="none" w="med" len="med"/>
-            <a:tailEnd type="arrow" w="med" len="med"/>
-          </a:ln>
-        </p:spPr>
-        <p:style>
-          <a:lnRef idx="1">
-            <a:schemeClr val="dk1"/>
-          </a:lnRef>
-          <a:fillRef idx="0">
-            <a:schemeClr val="dk1"/>
-          </a:fillRef>
-          <a:effectRef idx="0">
-            <a:schemeClr val="dk1"/>
-          </a:effectRef>
-          <a:fontRef idx="minor">
-            <a:schemeClr val="tx1"/>
-          </a:fontRef>
-        </p:style>
-      </p:cxnSp>
-      <p:cxnSp>
-        <p:nvCxnSpPr>
-          <p:cNvPr id="157" name="직선 화살표 연결선 156">
-            <a:extLst>
-              <a:ext uri="{FF2B5EF4-FFF2-40B4-BE49-F238E27FC236}">
-                <a16:creationId xmlns:a16="http://schemas.microsoft.com/office/drawing/2014/main" id="{C08ED73C-A3B5-4F93-AF7C-6B6B28AB65B0}"/>
-              </a:ext>
-            </a:extLst>
-          </p:cNvPr>
-          <p:cNvCxnSpPr>
-            <a:cxnSpLocks/>
-            <a:stCxn id="97" idx="2"/>
-            <a:endCxn id="142" idx="0"/>
-          </p:cNvCxnSpPr>
-          <p:nvPr/>
-        </p:nvCxnSpPr>
-        <p:spPr>
-          <a:xfrm>
-            <a:off x="5466084" y="2666154"/>
-            <a:ext cx="279" cy="234270"/>
-          </a:xfrm>
-          <a:prstGeom prst="straightConnector1">
-            <a:avLst/>
-          </a:prstGeom>
-          <a:ln w="19050">
-            <a:headEnd type="none" w="med" len="med"/>
-            <a:tailEnd type="arrow" w="med" len="med"/>
-          </a:ln>
-        </p:spPr>
-        <p:style>
-          <a:lnRef idx="1">
-            <a:schemeClr val="dk1"/>
-          </a:lnRef>
-          <a:fillRef idx="0">
-            <a:schemeClr val="dk1"/>
-          </a:fillRef>
-          <a:effectRef idx="0">
-            <a:schemeClr val="dk1"/>
-          </a:effectRef>
-          <a:fontRef idx="minor">
-            <a:schemeClr val="tx1"/>
-          </a:fontRef>
-        </p:style>
-      </p:cxnSp>
-      <p:cxnSp>
-        <p:nvCxnSpPr>
-          <p:cNvPr id="158" name="직선 화살표 연결선 157">
-            <a:extLst>
-              <a:ext uri="{FF2B5EF4-FFF2-40B4-BE49-F238E27FC236}">
-                <a16:creationId xmlns:a16="http://schemas.microsoft.com/office/drawing/2014/main" id="{9CE915A0-FB87-497A-B68D-B32C54017FD8}"/>
-              </a:ext>
-            </a:extLst>
-          </p:cNvPr>
-          <p:cNvCxnSpPr>
-            <a:cxnSpLocks/>
-            <a:stCxn id="98" idx="2"/>
-            <a:endCxn id="143" idx="0"/>
-          </p:cNvCxnSpPr>
-          <p:nvPr/>
-        </p:nvCxnSpPr>
-        <p:spPr>
-          <a:xfrm flipH="1">
-            <a:off x="6898617" y="2666154"/>
-            <a:ext cx="13" cy="234270"/>
-          </a:xfrm>
-          <a:prstGeom prst="straightConnector1">
-            <a:avLst/>
-          </a:prstGeom>
-          <a:ln w="19050">
-            <a:headEnd type="none" w="med" len="med"/>
-            <a:tailEnd type="arrow" w="med" len="med"/>
-          </a:ln>
-        </p:spPr>
-        <p:style>
-          <a:lnRef idx="1">
-            <a:schemeClr val="dk1"/>
-          </a:lnRef>
-          <a:fillRef idx="0">
-            <a:schemeClr val="dk1"/>
-          </a:fillRef>
-          <a:effectRef idx="0">
-            <a:schemeClr val="dk1"/>
-          </a:effectRef>
-          <a:fontRef idx="minor">
-            <a:schemeClr val="tx1"/>
-          </a:fontRef>
-        </p:style>
-      </p:cxnSp>
-      <p:cxnSp>
-        <p:nvCxnSpPr>
-          <p:cNvPr id="159" name="직선 화살표 연결선 158">
-            <a:extLst>
-              <a:ext uri="{FF2B5EF4-FFF2-40B4-BE49-F238E27FC236}">
-                <a16:creationId xmlns:a16="http://schemas.microsoft.com/office/drawing/2014/main" id="{82B66A88-DEEB-4279-99FC-B140B865D674}"/>
-              </a:ext>
-            </a:extLst>
-          </p:cNvPr>
-          <p:cNvCxnSpPr>
-            <a:cxnSpLocks/>
-            <a:stCxn id="140" idx="2"/>
-          </p:cNvCxnSpPr>
-          <p:nvPr/>
-        </p:nvCxnSpPr>
-        <p:spPr>
-          <a:xfrm>
-            <a:off x="8331163" y="2666154"/>
-            <a:ext cx="0" cy="234270"/>
-          </a:xfrm>
-          <a:prstGeom prst="straightConnector1">
-            <a:avLst/>
-          </a:prstGeom>
-          <a:ln w="19050">
-            <a:headEnd type="none" w="med" len="med"/>
-            <a:tailEnd type="arrow" w="med" len="med"/>
-          </a:ln>
-        </p:spPr>
-        <p:style>
-          <a:lnRef idx="1">
-            <a:schemeClr val="dk1"/>
-          </a:lnRef>
-          <a:fillRef idx="0">
-            <a:schemeClr val="dk1"/>
-          </a:fillRef>
-          <a:effectRef idx="0">
-            <a:schemeClr val="dk1"/>
-          </a:effectRef>
-          <a:fontRef idx="minor">
-            <a:schemeClr val="tx1"/>
-          </a:fontRef>
-        </p:style>
-      </p:cxnSp>
-      <p:cxnSp>
-        <p:nvCxnSpPr>
-          <p:cNvPr id="160" name="직선 화살표 연결선 159">
-            <a:extLst>
-              <a:ext uri="{FF2B5EF4-FFF2-40B4-BE49-F238E27FC236}">
-                <a16:creationId xmlns:a16="http://schemas.microsoft.com/office/drawing/2014/main" id="{1A24039C-960F-4644-A06E-165679417542}"/>
-              </a:ext>
-            </a:extLst>
-          </p:cNvPr>
-          <p:cNvCxnSpPr>
-            <a:cxnSpLocks/>
-            <a:stCxn id="65" idx="0"/>
-            <a:endCxn id="143" idx="2"/>
-          </p:cNvCxnSpPr>
-          <p:nvPr/>
-        </p:nvCxnSpPr>
-        <p:spPr>
-          <a:xfrm flipH="1" flipV="1">
-            <a:off x="6898617" y="3191450"/>
-            <a:ext cx="5" cy="234270"/>
-          </a:xfrm>
-          <a:prstGeom prst="straightConnector1">
-            <a:avLst/>
-          </a:prstGeom>
-          <a:ln w="19050">
-            <a:headEnd type="none" w="med" len="med"/>
-            <a:tailEnd type="none" w="med" len="med"/>
-          </a:ln>
-        </p:spPr>
-        <p:style>
-          <a:lnRef idx="1">
-            <a:schemeClr val="dk1"/>
-          </a:lnRef>
-          <a:fillRef idx="0">
-            <a:schemeClr val="dk1"/>
-          </a:fillRef>
-          <a:effectRef idx="0">
-            <a:schemeClr val="dk1"/>
-          </a:effectRef>
-          <a:fontRef idx="minor">
-            <a:schemeClr val="tx1"/>
-          </a:fontRef>
-        </p:style>
-      </p:cxnSp>
-      <p:cxnSp>
-        <p:nvCxnSpPr>
-          <p:cNvPr id="161" name="직선 화살표 연결선 160">
-            <a:extLst>
-              <a:ext uri="{FF2B5EF4-FFF2-40B4-BE49-F238E27FC236}">
-                <a16:creationId xmlns:a16="http://schemas.microsoft.com/office/drawing/2014/main" id="{D11C6AC8-061E-4342-99B1-F2AD4716274D}"/>
-              </a:ext>
-            </a:extLst>
-          </p:cNvPr>
-          <p:cNvCxnSpPr>
-            <a:cxnSpLocks/>
-            <a:stCxn id="64" idx="0"/>
-            <a:endCxn id="142" idx="2"/>
-          </p:cNvCxnSpPr>
-          <p:nvPr/>
-        </p:nvCxnSpPr>
-        <p:spPr>
-          <a:xfrm flipV="1">
-            <a:off x="5466081" y="3191450"/>
-            <a:ext cx="282" cy="234270"/>
-          </a:xfrm>
-          <a:prstGeom prst="straightConnector1">
-            <a:avLst/>
-          </a:prstGeom>
-          <a:ln w="19050">
-            <a:headEnd type="none" w="med" len="med"/>
-            <a:tailEnd type="none" w="med" len="med"/>
-          </a:ln>
-        </p:spPr>
-        <p:style>
-          <a:lnRef idx="1">
-            <a:schemeClr val="dk1"/>
-          </a:lnRef>
-          <a:fillRef idx="0">
-            <a:schemeClr val="dk1"/>
-          </a:fillRef>
-          <a:effectRef idx="0">
-            <a:schemeClr val="dk1"/>
-          </a:effectRef>
-          <a:fontRef idx="minor">
-            <a:schemeClr val="tx1"/>
-          </a:fontRef>
-        </p:style>
-      </p:cxnSp>
-      <p:sp>
-        <p:nvSpPr>
-          <p:cNvPr id="162" name="사각형: 둥근 모서리 161">
-            <a:extLst>
-              <a:ext uri="{FF2B5EF4-FFF2-40B4-BE49-F238E27FC236}">
-                <a16:creationId xmlns:a16="http://schemas.microsoft.com/office/drawing/2014/main" id="{C335057A-6703-446E-A149-81EAC7890762}"/>
+      <p:sp>
+        <p:nvSpPr>
+          <p:cNvPr id="164" name="사각형: 둥근 모서리 163">
+            <a:extLst>
+              <a:ext uri="{FF2B5EF4-FFF2-40B4-BE49-F238E27FC236}">
+                <a16:creationId xmlns:a16="http://schemas.microsoft.com/office/drawing/2014/main" id="{243BA8F8-A493-4E85-BDF4-544F4AD0FFE8}"/>
               </a:ext>
             </a:extLst>
           </p:cNvPr>
@@ -5676,7 +5805,57 @@
         </p:nvSpPr>
         <p:spPr>
           <a:xfrm>
-            <a:off x="2441042" y="2900423"/>
+            <a:off x="2246620" y="1864991"/>
+            <a:ext cx="2122010" cy="637569"/>
+          </a:xfrm>
+          <a:prstGeom prst="roundRect">
+            <a:avLst>
+              <a:gd name="adj" fmla="val 11924"/>
+            </a:avLst>
+          </a:prstGeom>
+        </p:spPr>
+        <p:style>
+          <a:lnRef idx="2">
+            <a:schemeClr val="dk1"/>
+          </a:lnRef>
+          <a:fillRef idx="1">
+            <a:schemeClr val="lt1"/>
+          </a:fillRef>
+          <a:effectRef idx="0">
+            <a:schemeClr val="dk1"/>
+          </a:effectRef>
+          <a:fontRef idx="minor">
+            <a:schemeClr val="dk1"/>
+          </a:fontRef>
+        </p:style>
+        <p:txBody>
+          <a:bodyPr rtlCol="0" anchor="b"/>
+          <a:lstStyle/>
+          <a:p>
+            <a:pPr algn="ctr"/>
+            <a:r>
+              <a:rPr lang="en-US" altLang="ko-KR" sz="1200"/>
+              <a:t>GRQ</a:t>
+            </a:r>
+            <a:endParaRPr lang="ko-KR" altLang="en-US" sz="1200"/>
+          </a:p>
+        </p:txBody>
+      </p:sp>
+      <p:sp>
+        <p:nvSpPr>
+          <p:cNvPr id="165" name="사각형: 둥근 모서리 164">
+            <a:extLst>
+              <a:ext uri="{FF2B5EF4-FFF2-40B4-BE49-F238E27FC236}">
+                <a16:creationId xmlns:a16="http://schemas.microsoft.com/office/drawing/2014/main" id="{25700973-09E8-45A1-9708-20A87C58F4FF}"/>
+              </a:ext>
+            </a:extLst>
+          </p:cNvPr>
+          <p:cNvSpPr/>
+          <p:nvPr/>
+        </p:nvSpPr>
+        <p:spPr>
+          <a:xfrm>
+            <a:off x="2330568" y="1924993"/>
             <a:ext cx="315932" cy="291027"/>
           </a:xfrm>
           <a:prstGeom prst="roundRect">
@@ -5717,56 +5896,12 @@
           </a:p>
         </p:txBody>
       </p:sp>
-      <p:cxnSp>
-        <p:nvCxnSpPr>
-          <p:cNvPr id="163" name="직선 화살표 연결선 162">
-            <a:extLst>
-              <a:ext uri="{FF2B5EF4-FFF2-40B4-BE49-F238E27FC236}">
-                <a16:creationId xmlns:a16="http://schemas.microsoft.com/office/drawing/2014/main" id="{60A80240-DAED-4B2F-AAF4-E01E2CC23E77}"/>
-              </a:ext>
-            </a:extLst>
-          </p:cNvPr>
-          <p:cNvCxnSpPr>
-            <a:cxnSpLocks/>
-            <a:stCxn id="62" idx="0"/>
-            <a:endCxn id="162" idx="2"/>
-          </p:cNvCxnSpPr>
-          <p:nvPr/>
-        </p:nvCxnSpPr>
-        <p:spPr>
-          <a:xfrm flipH="1" flipV="1">
-            <a:off x="2599008" y="3191450"/>
-            <a:ext cx="1992" cy="234270"/>
-          </a:xfrm>
-          <a:prstGeom prst="straightConnector1">
-            <a:avLst/>
-          </a:prstGeom>
-          <a:ln w="19050">
-            <a:headEnd type="none" w="med" len="med"/>
-            <a:tailEnd type="none" w="med" len="med"/>
-          </a:ln>
-        </p:spPr>
-        <p:style>
-          <a:lnRef idx="1">
-            <a:schemeClr val="dk1"/>
-          </a:lnRef>
-          <a:fillRef idx="0">
-            <a:schemeClr val="dk1"/>
-          </a:fillRef>
-          <a:effectRef idx="0">
-            <a:schemeClr val="dk1"/>
-          </a:effectRef>
-          <a:fontRef idx="minor">
-            <a:schemeClr val="tx1"/>
-          </a:fontRef>
-        </p:style>
-      </p:cxnSp>
-      <p:sp>
-        <p:nvSpPr>
-          <p:cNvPr id="164" name="사각형: 둥근 모서리 163">
-            <a:extLst>
-              <a:ext uri="{FF2B5EF4-FFF2-40B4-BE49-F238E27FC236}">
-                <a16:creationId xmlns:a16="http://schemas.microsoft.com/office/drawing/2014/main" id="{243BA8F8-A493-4E85-BDF4-544F4AD0FFE8}"/>
+      <p:sp>
+        <p:nvSpPr>
+          <p:cNvPr id="166" name="사각형: 둥근 모서리 165">
+            <a:extLst>
+              <a:ext uri="{FF2B5EF4-FFF2-40B4-BE49-F238E27FC236}">
+                <a16:creationId xmlns:a16="http://schemas.microsoft.com/office/drawing/2014/main" id="{7645E077-CC50-4EDD-A4B1-A9C179A30625}"/>
               </a:ext>
             </a:extLst>
           </p:cNvPr>
@@ -5775,57 +5910,7 @@
         </p:nvSpPr>
         <p:spPr>
           <a:xfrm>
-            <a:off x="2246620" y="1864991"/>
-            <a:ext cx="2122010" cy="637569"/>
-          </a:xfrm>
-          <a:prstGeom prst="roundRect">
-            <a:avLst>
-              <a:gd name="adj" fmla="val 11924"/>
-            </a:avLst>
-          </a:prstGeom>
-        </p:spPr>
-        <p:style>
-          <a:lnRef idx="2">
-            <a:schemeClr val="dk1"/>
-          </a:lnRef>
-          <a:fillRef idx="1">
-            <a:schemeClr val="lt1"/>
-          </a:fillRef>
-          <a:effectRef idx="0">
-            <a:schemeClr val="dk1"/>
-          </a:effectRef>
-          <a:fontRef idx="minor">
-            <a:schemeClr val="dk1"/>
-          </a:fontRef>
-        </p:style>
-        <p:txBody>
-          <a:bodyPr rtlCol="0" anchor="b"/>
-          <a:lstStyle/>
-          <a:p>
-            <a:pPr algn="ctr"/>
-            <a:r>
-              <a:rPr lang="en-US" altLang="ko-KR" sz="1200"/>
-              <a:t>GRQ</a:t>
-            </a:r>
-            <a:endParaRPr lang="ko-KR" altLang="en-US" sz="1200"/>
-          </a:p>
-        </p:txBody>
-      </p:sp>
-      <p:sp>
-        <p:nvSpPr>
-          <p:cNvPr id="165" name="사각형: 둥근 모서리 164">
-            <a:extLst>
-              <a:ext uri="{FF2B5EF4-FFF2-40B4-BE49-F238E27FC236}">
-                <a16:creationId xmlns:a16="http://schemas.microsoft.com/office/drawing/2014/main" id="{25700973-09E8-45A1-9708-20A87C58F4FF}"/>
-              </a:ext>
-            </a:extLst>
-          </p:cNvPr>
-          <p:cNvSpPr/>
-          <p:nvPr/>
-        </p:nvSpPr>
-        <p:spPr>
-          <a:xfrm>
-            <a:off x="2330568" y="1924993"/>
+            <a:off x="3149659" y="1924993"/>
             <a:ext cx="315932" cy="291027"/>
           </a:xfrm>
           <a:prstGeom prst="roundRect">
@@ -5868,10 +5953,10 @@
       </p:sp>
       <p:sp>
         <p:nvSpPr>
-          <p:cNvPr id="166" name="사각형: 둥근 모서리 165">
-            <a:extLst>
-              <a:ext uri="{FF2B5EF4-FFF2-40B4-BE49-F238E27FC236}">
-                <a16:creationId xmlns:a16="http://schemas.microsoft.com/office/drawing/2014/main" id="{7645E077-CC50-4EDD-A4B1-A9C179A30625}"/>
+          <p:cNvPr id="167" name="사각형: 둥근 모서리 166">
+            <a:extLst>
+              <a:ext uri="{FF2B5EF4-FFF2-40B4-BE49-F238E27FC236}">
+                <a16:creationId xmlns:a16="http://schemas.microsoft.com/office/drawing/2014/main" id="{EFC67E6D-715C-4988-B27B-C94EA562655D}"/>
               </a:ext>
             </a:extLst>
           </p:cNvPr>
@@ -5880,7 +5965,7 @@
         </p:nvSpPr>
         <p:spPr>
           <a:xfrm>
-            <a:off x="3149659" y="1924993"/>
+            <a:off x="2740113" y="1924993"/>
             <a:ext cx="315932" cy="291027"/>
           </a:xfrm>
           <a:prstGeom prst="roundRect">
@@ -5923,10 +6008,10 @@
       </p:sp>
       <p:sp>
         <p:nvSpPr>
-          <p:cNvPr id="167" name="사각형: 둥근 모서리 166">
-            <a:extLst>
-              <a:ext uri="{FF2B5EF4-FFF2-40B4-BE49-F238E27FC236}">
-                <a16:creationId xmlns:a16="http://schemas.microsoft.com/office/drawing/2014/main" id="{EFC67E6D-715C-4988-B27B-C94EA562655D}"/>
+          <p:cNvPr id="168" name="사각형: 둥근 모서리 167">
+            <a:extLst>
+              <a:ext uri="{FF2B5EF4-FFF2-40B4-BE49-F238E27FC236}">
+                <a16:creationId xmlns:a16="http://schemas.microsoft.com/office/drawing/2014/main" id="{6DCFC37A-8D41-4317-AD0E-3DEAD425FA9C}"/>
               </a:ext>
             </a:extLst>
           </p:cNvPr>
@@ -5935,7 +6020,7 @@
         </p:nvSpPr>
         <p:spPr>
           <a:xfrm>
-            <a:off x="2740113" y="1924993"/>
+            <a:off x="3555383" y="1924993"/>
             <a:ext cx="315932" cy="291027"/>
           </a:xfrm>
           <a:prstGeom prst="roundRect">
@@ -5976,12 +6061,55 @@
           </a:p>
         </p:txBody>
       </p:sp>
-      <p:sp>
-        <p:nvSpPr>
-          <p:cNvPr id="168" name="사각형: 둥근 모서리 167">
-            <a:extLst>
-              <a:ext uri="{FF2B5EF4-FFF2-40B4-BE49-F238E27FC236}">
-                <a16:creationId xmlns:a16="http://schemas.microsoft.com/office/drawing/2014/main" id="{6DCFC37A-8D41-4317-AD0E-3DEAD425FA9C}"/>
+      <p:cxnSp>
+        <p:nvCxnSpPr>
+          <p:cNvPr id="188" name="직선 화살표 연결선 187">
+            <a:extLst>
+              <a:ext uri="{FF2B5EF4-FFF2-40B4-BE49-F238E27FC236}">
+                <a16:creationId xmlns:a16="http://schemas.microsoft.com/office/drawing/2014/main" id="{9AD54F62-B755-41D3-A8B3-103EC2BA7691}"/>
+              </a:ext>
+            </a:extLst>
+          </p:cNvPr>
+          <p:cNvCxnSpPr>
+            <a:cxnSpLocks/>
+            <a:stCxn id="144" idx="0"/>
+          </p:cNvCxnSpPr>
+          <p:nvPr/>
+        </p:nvCxnSpPr>
+        <p:spPr>
+          <a:xfrm flipH="1" flipV="1">
+            <a:off x="8330871" y="3191450"/>
+            <a:ext cx="291" cy="234270"/>
+          </a:xfrm>
+          <a:prstGeom prst="straightConnector1">
+            <a:avLst/>
+          </a:prstGeom>
+          <a:ln w="19050">
+            <a:headEnd type="none" w="med" len="med"/>
+            <a:tailEnd type="none" w="med" len="med"/>
+          </a:ln>
+        </p:spPr>
+        <p:style>
+          <a:lnRef idx="1">
+            <a:schemeClr val="dk1"/>
+          </a:lnRef>
+          <a:fillRef idx="0">
+            <a:schemeClr val="dk1"/>
+          </a:fillRef>
+          <a:effectRef idx="0">
+            <a:schemeClr val="dk1"/>
+          </a:effectRef>
+          <a:fontRef idx="minor">
+            <a:schemeClr val="tx1"/>
+          </a:fontRef>
+        </p:style>
+      </p:cxnSp>
+      <p:sp>
+        <p:nvSpPr>
+          <p:cNvPr id="204" name="사각형: 둥근 모서리 203">
+            <a:extLst>
+              <a:ext uri="{FF2B5EF4-FFF2-40B4-BE49-F238E27FC236}">
+                <a16:creationId xmlns:a16="http://schemas.microsoft.com/office/drawing/2014/main" id="{ACAE6CB4-6784-4A0D-8ACE-275F4D981A74}"/>
               </a:ext>
             </a:extLst>
           </p:cNvPr>
@@ -5990,7 +6118,180 @@
         </p:nvSpPr>
         <p:spPr>
           <a:xfrm>
-            <a:off x="3555383" y="1924993"/>
+            <a:off x="5148065" y="2840046"/>
+            <a:ext cx="1997154" cy="432672"/>
+          </a:xfrm>
+          <a:prstGeom prst="roundRect">
+            <a:avLst/>
+          </a:prstGeom>
+          <a:noFill/>
+          <a:ln>
+            <a:prstDash val="dash"/>
+          </a:ln>
+        </p:spPr>
+        <p:style>
+          <a:lnRef idx="2">
+            <a:schemeClr val="dk1"/>
+          </a:lnRef>
+          <a:fillRef idx="1">
+            <a:schemeClr val="lt1"/>
+          </a:fillRef>
+          <a:effectRef idx="0">
+            <a:schemeClr val="dk1"/>
+          </a:effectRef>
+          <a:fontRef idx="minor">
+            <a:schemeClr val="dk1"/>
+          </a:fontRef>
+        </p:style>
+        <p:txBody>
+          <a:bodyPr rtlCol="0" anchor="ctr"/>
+          <a:lstStyle/>
+          <a:p>
+            <a:r>
+              <a:rPr lang="en-US" altLang="ko-KR" sz="1200"/>
+              <a:t>           Executing</a:t>
+            </a:r>
+          </a:p>
+          <a:p>
+            <a:r>
+              <a:rPr lang="en-US" altLang="ko-KR" sz="1200"/>
+              <a:t>          Goroutines</a:t>
+            </a:r>
+            <a:endParaRPr lang="ko-KR" altLang="en-US" sz="1400"/>
+          </a:p>
+        </p:txBody>
+      </p:sp>
+      <p:sp>
+        <p:nvSpPr>
+          <p:cNvPr id="205" name="사각형: 둥근 모서리 204">
+            <a:extLst>
+              <a:ext uri="{FF2B5EF4-FFF2-40B4-BE49-F238E27FC236}">
+                <a16:creationId xmlns:a16="http://schemas.microsoft.com/office/drawing/2014/main" id="{0156E945-D305-4BBE-868B-DB17D79C2362}"/>
+              </a:ext>
+            </a:extLst>
+          </p:cNvPr>
+          <p:cNvSpPr/>
+          <p:nvPr/>
+        </p:nvSpPr>
+        <p:spPr>
+          <a:xfrm>
+            <a:off x="2246619" y="2840046"/>
+            <a:ext cx="2122011" cy="432672"/>
+          </a:xfrm>
+          <a:prstGeom prst="roundRect">
+            <a:avLst/>
+          </a:prstGeom>
+          <a:noFill/>
+          <a:ln>
+            <a:prstDash val="dash"/>
+          </a:ln>
+        </p:spPr>
+        <p:style>
+          <a:lnRef idx="2">
+            <a:schemeClr val="dk1"/>
+          </a:lnRef>
+          <a:fillRef idx="1">
+            <a:schemeClr val="lt1"/>
+          </a:fillRef>
+          <a:effectRef idx="0">
+            <a:schemeClr val="dk1"/>
+          </a:effectRef>
+          <a:fontRef idx="minor">
+            <a:schemeClr val="dk1"/>
+          </a:fontRef>
+        </p:style>
+        <p:txBody>
+          <a:bodyPr rtlCol="0" anchor="ctr"/>
+          <a:lstStyle/>
+          <a:p>
+            <a:pPr algn="ctr"/>
+            <a:r>
+              <a:rPr lang="en-US" altLang="ko-KR" sz="1200"/>
+              <a:t>Blocking</a:t>
+            </a:r>
+          </a:p>
+          <a:p>
+            <a:pPr algn="ctr"/>
+            <a:r>
+              <a:rPr lang="en-US" altLang="ko-KR" sz="1200"/>
+              <a:t>Goroutines</a:t>
+            </a:r>
+            <a:endParaRPr lang="ko-KR" altLang="en-US" sz="1400"/>
+          </a:p>
+        </p:txBody>
+      </p:sp>
+      <p:sp>
+        <p:nvSpPr>
+          <p:cNvPr id="207" name="사각형: 둥근 모서리 206">
+            <a:extLst>
+              <a:ext uri="{FF2B5EF4-FFF2-40B4-BE49-F238E27FC236}">
+                <a16:creationId xmlns:a16="http://schemas.microsoft.com/office/drawing/2014/main" id="{6C1166C6-6821-46EB-AA94-125E0297D021}"/>
+              </a:ext>
+            </a:extLst>
+          </p:cNvPr>
+          <p:cNvSpPr/>
+          <p:nvPr/>
+        </p:nvSpPr>
+        <p:spPr>
+          <a:xfrm>
+            <a:off x="873093" y="1864991"/>
+            <a:ext cx="948677" cy="1912133"/>
+          </a:xfrm>
+          <a:prstGeom prst="roundRect">
+            <a:avLst>
+              <a:gd name="adj" fmla="val 4994"/>
+            </a:avLst>
+          </a:prstGeom>
+        </p:spPr>
+        <p:style>
+          <a:lnRef idx="2">
+            <a:schemeClr val="dk1"/>
+          </a:lnRef>
+          <a:fillRef idx="1">
+            <a:schemeClr val="lt1"/>
+          </a:fillRef>
+          <a:effectRef idx="0">
+            <a:schemeClr val="dk1"/>
+          </a:effectRef>
+          <a:fontRef idx="minor">
+            <a:schemeClr val="dk1"/>
+          </a:fontRef>
+        </p:style>
+        <p:txBody>
+          <a:bodyPr rtlCol="0" anchor="b"/>
+          <a:lstStyle/>
+          <a:p>
+            <a:pPr algn="ctr"/>
+            <a:r>
+              <a:rPr lang="en-US" altLang="ko-KR" sz="1200"/>
+              <a:t>Net Poller</a:t>
+            </a:r>
+          </a:p>
+          <a:p>
+            <a:pPr algn="ctr"/>
+            <a:r>
+              <a:rPr lang="en-US" altLang="ko-KR" sz="1200"/>
+              <a:t>(Thread)</a:t>
+            </a:r>
+            <a:endParaRPr lang="ko-KR" altLang="en-US" sz="1200"/>
+          </a:p>
+        </p:txBody>
+      </p:sp>
+      <p:sp>
+        <p:nvSpPr>
+          <p:cNvPr id="208" name="사각형: 둥근 모서리 207">
+            <a:extLst>
+              <a:ext uri="{FF2B5EF4-FFF2-40B4-BE49-F238E27FC236}">
+                <a16:creationId xmlns:a16="http://schemas.microsoft.com/office/drawing/2014/main" id="{5093C039-5E56-488C-BD37-174A61BA21FC}"/>
+              </a:ext>
+            </a:extLst>
+          </p:cNvPr>
+          <p:cNvSpPr/>
+          <p:nvPr/>
+        </p:nvSpPr>
+        <p:spPr>
+          <a:xfrm>
+            <a:off x="1189465" y="3017558"/>
             <a:ext cx="315932" cy="291027"/>
           </a:xfrm>
           <a:prstGeom prst="roundRect">
@@ -6033,10 +6334,10 @@
       </p:sp>
       <p:sp>
         <p:nvSpPr>
-          <p:cNvPr id="187" name="사각형: 둥근 모서리 186">
-            <a:extLst>
-              <a:ext uri="{FF2B5EF4-FFF2-40B4-BE49-F238E27FC236}">
-                <a16:creationId xmlns:a16="http://schemas.microsoft.com/office/drawing/2014/main" id="{0948CE98-2AD8-4DC3-AC3A-FFA8F3B894A4}"/>
+          <p:cNvPr id="209" name="사각형: 둥근 모서리 208">
+            <a:extLst>
+              <a:ext uri="{FF2B5EF4-FFF2-40B4-BE49-F238E27FC236}">
+                <a16:creationId xmlns:a16="http://schemas.microsoft.com/office/drawing/2014/main" id="{1A5B72C2-513A-4AC6-9481-5DDA7553E982}"/>
               </a:ext>
             </a:extLst>
           </p:cNvPr>
@@ -6045,7 +6346,7 @@
         </p:nvSpPr>
         <p:spPr>
           <a:xfrm>
-            <a:off x="8172905" y="2900423"/>
+            <a:off x="1189465" y="2637775"/>
             <a:ext cx="315932" cy="291027"/>
           </a:xfrm>
           <a:prstGeom prst="roundRect">
@@ -6086,56 +6387,12 @@
           </a:p>
         </p:txBody>
       </p:sp>
-      <p:cxnSp>
-        <p:nvCxnSpPr>
-          <p:cNvPr id="188" name="직선 화살표 연결선 187">
-            <a:extLst>
-              <a:ext uri="{FF2B5EF4-FFF2-40B4-BE49-F238E27FC236}">
-                <a16:creationId xmlns:a16="http://schemas.microsoft.com/office/drawing/2014/main" id="{9AD54F62-B755-41D3-A8B3-103EC2BA7691}"/>
-              </a:ext>
-            </a:extLst>
-          </p:cNvPr>
-          <p:cNvCxnSpPr>
-            <a:cxnSpLocks/>
-            <a:stCxn id="144" idx="0"/>
-            <a:endCxn id="187" idx="2"/>
-          </p:cNvCxnSpPr>
-          <p:nvPr/>
-        </p:nvCxnSpPr>
-        <p:spPr>
-          <a:xfrm flipH="1" flipV="1">
-            <a:off x="8330871" y="3191450"/>
-            <a:ext cx="291" cy="234270"/>
-          </a:xfrm>
-          <a:prstGeom prst="straightConnector1">
-            <a:avLst/>
-          </a:prstGeom>
-          <a:ln w="19050">
-            <a:headEnd type="none" w="med" len="med"/>
-            <a:tailEnd type="none" w="med" len="med"/>
-          </a:ln>
-        </p:spPr>
-        <p:style>
-          <a:lnRef idx="1">
-            <a:schemeClr val="dk1"/>
-          </a:lnRef>
-          <a:fillRef idx="0">
-            <a:schemeClr val="dk1"/>
-          </a:fillRef>
-          <a:effectRef idx="0">
-            <a:schemeClr val="dk1"/>
-          </a:effectRef>
-          <a:fontRef idx="minor">
-            <a:schemeClr val="tx1"/>
-          </a:fontRef>
-        </p:style>
-      </p:cxnSp>
-      <p:sp>
-        <p:nvSpPr>
-          <p:cNvPr id="204" name="사각형: 둥근 모서리 203">
-            <a:extLst>
-              <a:ext uri="{FF2B5EF4-FFF2-40B4-BE49-F238E27FC236}">
-                <a16:creationId xmlns:a16="http://schemas.microsoft.com/office/drawing/2014/main" id="{ACAE6CB4-6784-4A0D-8ACE-275F4D981A74}"/>
+      <p:sp>
+        <p:nvSpPr>
+          <p:cNvPr id="215" name="사각형: 둥근 모서리 214">
+            <a:extLst>
+              <a:ext uri="{FF2B5EF4-FFF2-40B4-BE49-F238E27FC236}">
+                <a16:creationId xmlns:a16="http://schemas.microsoft.com/office/drawing/2014/main" id="{CC6B30FA-0186-4DC4-AEFC-E6137686584F}"/>
               </a:ext>
             </a:extLst>
           </p:cNvPr>
@@ -6144,7 +6401,7 @@
         </p:nvSpPr>
         <p:spPr>
           <a:xfrm>
-            <a:off x="5148065" y="2840046"/>
+            <a:off x="5148065" y="2277826"/>
             <a:ext cx="3518104" cy="432672"/>
           </a:xfrm>
           <a:prstGeom prst="roundRect">
@@ -6173,310 +6430,24 @@
           <a:bodyPr rtlCol="0" anchor="ctr"/>
           <a:lstStyle/>
           <a:p>
-            <a:pPr algn="ctr"/>
-            <a:r>
-              <a:rPr lang="en-US" altLang="ko-KR" sz="1400"/>
-              <a:t>                        </a:t>
-            </a:r>
-            <a:r>
-              <a:rPr lang="en-US" altLang="ko-KR" sz="1200"/>
-              <a:t>Executing</a:t>
-            </a:r>
-          </a:p>
-          <a:p>
-            <a:pPr algn="ctr"/>
-            <a:r>
-              <a:rPr lang="en-US" altLang="ko-KR" sz="1200"/>
-              <a:t>                            Goroutines</a:t>
-            </a:r>
-            <a:endParaRPr lang="ko-KR" altLang="en-US" sz="1400"/>
-          </a:p>
-        </p:txBody>
-      </p:sp>
-      <p:sp>
-        <p:nvSpPr>
-          <p:cNvPr id="205" name="사각형: 둥근 모서리 204">
-            <a:extLst>
-              <a:ext uri="{FF2B5EF4-FFF2-40B4-BE49-F238E27FC236}">
-                <a16:creationId xmlns:a16="http://schemas.microsoft.com/office/drawing/2014/main" id="{0156E945-D305-4BBE-868B-DB17D79C2362}"/>
-              </a:ext>
-            </a:extLst>
-          </p:cNvPr>
-          <p:cNvSpPr/>
-          <p:nvPr/>
-        </p:nvSpPr>
-        <p:spPr>
-          <a:xfrm>
-            <a:off x="2246619" y="2840046"/>
-            <a:ext cx="2122011" cy="432672"/>
-          </a:xfrm>
-          <a:prstGeom prst="roundRect">
-            <a:avLst/>
-          </a:prstGeom>
-          <a:noFill/>
-          <a:ln>
-            <a:prstDash val="dash"/>
-          </a:ln>
-        </p:spPr>
-        <p:style>
-          <a:lnRef idx="2">
-            <a:schemeClr val="dk1"/>
-          </a:lnRef>
-          <a:fillRef idx="1">
-            <a:schemeClr val="lt1"/>
-          </a:fillRef>
-          <a:effectRef idx="0">
-            <a:schemeClr val="dk1"/>
-          </a:effectRef>
-          <a:fontRef idx="minor">
-            <a:schemeClr val="dk1"/>
-          </a:fontRef>
-        </p:style>
-        <p:txBody>
-          <a:bodyPr rtlCol="0" anchor="ctr"/>
-          <a:lstStyle/>
-          <a:p>
-            <a:pPr algn="ctr"/>
-            <a:r>
-              <a:rPr lang="en-US" altLang="ko-KR" sz="1200"/>
-              <a:t>Blocking</a:t>
-            </a:r>
-          </a:p>
-          <a:p>
-            <a:pPr algn="ctr"/>
-            <a:r>
-              <a:rPr lang="en-US" altLang="ko-KR" sz="1200"/>
-              <a:t>Goroutines</a:t>
-            </a:r>
-            <a:endParaRPr lang="ko-KR" altLang="en-US" sz="1400"/>
-          </a:p>
-        </p:txBody>
-      </p:sp>
-      <p:sp>
-        <p:nvSpPr>
-          <p:cNvPr id="207" name="사각형: 둥근 모서리 206">
-            <a:extLst>
-              <a:ext uri="{FF2B5EF4-FFF2-40B4-BE49-F238E27FC236}">
-                <a16:creationId xmlns:a16="http://schemas.microsoft.com/office/drawing/2014/main" id="{6C1166C6-6821-46EB-AA94-125E0297D021}"/>
-              </a:ext>
-            </a:extLst>
-          </p:cNvPr>
-          <p:cNvSpPr/>
-          <p:nvPr/>
-        </p:nvSpPr>
-        <p:spPr>
-          <a:xfrm>
-            <a:off x="873093" y="1864991"/>
-            <a:ext cx="948677" cy="1912133"/>
-          </a:xfrm>
-          <a:prstGeom prst="roundRect">
-            <a:avLst>
-              <a:gd name="adj" fmla="val 4994"/>
-            </a:avLst>
-          </a:prstGeom>
-        </p:spPr>
-        <p:style>
-          <a:lnRef idx="2">
-            <a:schemeClr val="dk1"/>
-          </a:lnRef>
-          <a:fillRef idx="1">
-            <a:schemeClr val="lt1"/>
-          </a:fillRef>
-          <a:effectRef idx="0">
-            <a:schemeClr val="dk1"/>
-          </a:effectRef>
-          <a:fontRef idx="minor">
-            <a:schemeClr val="dk1"/>
-          </a:fontRef>
-        </p:style>
-        <p:txBody>
-          <a:bodyPr rtlCol="0" anchor="b"/>
-          <a:lstStyle/>
-          <a:p>
-            <a:pPr algn="ctr"/>
-            <a:r>
-              <a:rPr lang="en-US" altLang="ko-KR" sz="1200"/>
-              <a:t>Net Poller</a:t>
-            </a:r>
-          </a:p>
-          <a:p>
-            <a:pPr algn="ctr"/>
-            <a:r>
-              <a:rPr lang="en-US" altLang="ko-KR" sz="1200"/>
-              <a:t>(Thread)</a:t>
-            </a:r>
-            <a:endParaRPr lang="ko-KR" altLang="en-US" sz="1200"/>
-          </a:p>
-        </p:txBody>
-      </p:sp>
-      <p:sp>
-        <p:nvSpPr>
-          <p:cNvPr id="208" name="사각형: 둥근 모서리 207">
-            <a:extLst>
-              <a:ext uri="{FF2B5EF4-FFF2-40B4-BE49-F238E27FC236}">
-                <a16:creationId xmlns:a16="http://schemas.microsoft.com/office/drawing/2014/main" id="{5093C039-5E56-488C-BD37-174A61BA21FC}"/>
-              </a:ext>
-            </a:extLst>
-          </p:cNvPr>
-          <p:cNvSpPr/>
-          <p:nvPr/>
-        </p:nvSpPr>
-        <p:spPr>
-          <a:xfrm>
-            <a:off x="1189465" y="3017558"/>
-            <a:ext cx="315932" cy="291027"/>
-          </a:xfrm>
-          <a:prstGeom prst="roundRect">
-            <a:avLst>
-              <a:gd name="adj" fmla="val 50000"/>
-            </a:avLst>
-          </a:prstGeom>
-          <a:solidFill>
-            <a:schemeClr val="bg1">
-              <a:lumMod val="85000"/>
-            </a:schemeClr>
-          </a:solidFill>
-        </p:spPr>
-        <p:style>
-          <a:lnRef idx="2">
-            <a:schemeClr val="dk1"/>
-          </a:lnRef>
-          <a:fillRef idx="1">
-            <a:schemeClr val="lt1"/>
-          </a:fillRef>
-          <a:effectRef idx="0">
-            <a:schemeClr val="dk1"/>
-          </a:effectRef>
-          <a:fontRef idx="minor">
-            <a:schemeClr val="dk1"/>
-          </a:fontRef>
-        </p:style>
-        <p:txBody>
-          <a:bodyPr rtlCol="0" anchor="ctr"/>
-          <a:lstStyle/>
-          <a:p>
-            <a:pPr algn="ctr"/>
-            <a:r>
-              <a:rPr lang="en-US" altLang="ko-KR" sz="1200"/>
-              <a:t>G</a:t>
-            </a:r>
-            <a:endParaRPr lang="ko-KR" altLang="en-US" sz="1200"/>
-          </a:p>
-        </p:txBody>
-      </p:sp>
-      <p:sp>
-        <p:nvSpPr>
-          <p:cNvPr id="209" name="사각형: 둥근 모서리 208">
-            <a:extLst>
-              <a:ext uri="{FF2B5EF4-FFF2-40B4-BE49-F238E27FC236}">
-                <a16:creationId xmlns:a16="http://schemas.microsoft.com/office/drawing/2014/main" id="{1A5B72C2-513A-4AC6-9481-5DDA7553E982}"/>
-              </a:ext>
-            </a:extLst>
-          </p:cNvPr>
-          <p:cNvSpPr/>
-          <p:nvPr/>
-        </p:nvSpPr>
-        <p:spPr>
-          <a:xfrm>
-            <a:off x="1189465" y="2637775"/>
-            <a:ext cx="315932" cy="291027"/>
-          </a:xfrm>
-          <a:prstGeom prst="roundRect">
-            <a:avLst>
-              <a:gd name="adj" fmla="val 50000"/>
-            </a:avLst>
-          </a:prstGeom>
-          <a:solidFill>
-            <a:schemeClr val="bg1">
-              <a:lumMod val="85000"/>
-            </a:schemeClr>
-          </a:solidFill>
-        </p:spPr>
-        <p:style>
-          <a:lnRef idx="2">
-            <a:schemeClr val="dk1"/>
-          </a:lnRef>
-          <a:fillRef idx="1">
-            <a:schemeClr val="lt1"/>
-          </a:fillRef>
-          <a:effectRef idx="0">
-            <a:schemeClr val="dk1"/>
-          </a:effectRef>
-          <a:fontRef idx="minor">
-            <a:schemeClr val="dk1"/>
-          </a:fontRef>
-        </p:style>
-        <p:txBody>
-          <a:bodyPr rtlCol="0" anchor="ctr"/>
-          <a:lstStyle/>
-          <a:p>
-            <a:pPr algn="ctr"/>
-            <a:r>
-              <a:rPr lang="en-US" altLang="ko-KR" sz="1200"/>
-              <a:t>G</a:t>
-            </a:r>
-            <a:endParaRPr lang="ko-KR" altLang="en-US" sz="1200"/>
-          </a:p>
-        </p:txBody>
-      </p:sp>
-      <p:sp>
-        <p:nvSpPr>
-          <p:cNvPr id="215" name="사각형: 둥근 모서리 214">
-            <a:extLst>
-              <a:ext uri="{FF2B5EF4-FFF2-40B4-BE49-F238E27FC236}">
-                <a16:creationId xmlns:a16="http://schemas.microsoft.com/office/drawing/2014/main" id="{CC6B30FA-0186-4DC4-AEFC-E6137686584F}"/>
-              </a:ext>
-            </a:extLst>
-          </p:cNvPr>
-          <p:cNvSpPr/>
-          <p:nvPr/>
-        </p:nvSpPr>
-        <p:spPr>
-          <a:xfrm>
-            <a:off x="5148065" y="2277826"/>
-            <a:ext cx="3518104" cy="432672"/>
-          </a:xfrm>
-          <a:prstGeom prst="roundRect">
-            <a:avLst/>
-          </a:prstGeom>
-          <a:noFill/>
-          <a:ln>
-            <a:prstDash val="dash"/>
-          </a:ln>
-        </p:spPr>
-        <p:style>
-          <a:lnRef idx="2">
-            <a:schemeClr val="dk1"/>
-          </a:lnRef>
-          <a:fillRef idx="1">
-            <a:schemeClr val="lt1"/>
-          </a:fillRef>
-          <a:effectRef idx="0">
-            <a:schemeClr val="dk1"/>
-          </a:effectRef>
-          <a:fontRef idx="minor">
-            <a:schemeClr val="dk1"/>
-          </a:fontRef>
-        </p:style>
-        <p:txBody>
-          <a:bodyPr rtlCol="0" anchor="ctr"/>
-          <a:lstStyle/>
-          <a:p>
-            <a:pPr algn="ctr"/>
-            <a:r>
-              <a:rPr lang="en-US" altLang="ko-KR" sz="1400"/>
-              <a:t>                       </a:t>
-            </a:r>
             <a:r>
               <a:rPr lang="en-US" altLang="ko-KR" sz="1050" b="1"/>
+              <a:t>          </a:t>
+            </a:r>
+            <a:r>
+              <a:rPr lang="en-US" altLang="ko-KR" sz="1000" b="1"/>
               <a:t>GOMAXPROCS</a:t>
             </a:r>
             <a:br>
+              <a:rPr lang="en-US" altLang="ko-KR" sz="1000"/>
+            </a:br>
+            <a:r>
+              <a:rPr lang="en-US" altLang="ko-KR" sz="1000"/>
+              <a:t>            </a:t>
+            </a:r>
+            <a:r>
               <a:rPr lang="en-US" altLang="ko-KR" sz="1050"/>
-            </a:br>
-            <a:r>
-              <a:rPr lang="en-US" altLang="ko-KR" sz="1050"/>
-              <a:t>	          Env Variable</a:t>
+              <a:t>Env Variable</a:t>
             </a:r>
             <a:endParaRPr lang="ko-KR" altLang="en-US" sz="1400"/>
           </a:p>
@@ -7026,6 +6997,61 @@
           </a:fontRef>
         </p:style>
       </p:cxnSp>
+      <p:sp>
+        <p:nvSpPr>
+          <p:cNvPr id="70" name="사각형: 둥근 모서리 69">
+            <a:extLst>
+              <a:ext uri="{FF2B5EF4-FFF2-40B4-BE49-F238E27FC236}">
+                <a16:creationId xmlns:a16="http://schemas.microsoft.com/office/drawing/2014/main" id="{2904691E-CCAD-4C11-BF1F-3060A9F93ED2}"/>
+              </a:ext>
+            </a:extLst>
+          </p:cNvPr>
+          <p:cNvSpPr/>
+          <p:nvPr/>
+        </p:nvSpPr>
+        <p:spPr>
+          <a:xfrm>
+            <a:off x="8173198" y="1150611"/>
+            <a:ext cx="315932" cy="291027"/>
+          </a:xfrm>
+          <a:prstGeom prst="roundRect">
+            <a:avLst>
+              <a:gd name="adj" fmla="val 50000"/>
+            </a:avLst>
+          </a:prstGeom>
+          <a:solidFill>
+            <a:schemeClr val="bg1">
+              <a:lumMod val="85000"/>
+            </a:schemeClr>
+          </a:solidFill>
+        </p:spPr>
+        <p:style>
+          <a:lnRef idx="2">
+            <a:schemeClr val="dk1"/>
+          </a:lnRef>
+          <a:fillRef idx="1">
+            <a:schemeClr val="lt1"/>
+          </a:fillRef>
+          <a:effectRef idx="0">
+            <a:schemeClr val="dk1"/>
+          </a:effectRef>
+          <a:fontRef idx="minor">
+            <a:schemeClr val="dk1"/>
+          </a:fontRef>
+        </p:style>
+        <p:txBody>
+          <a:bodyPr rtlCol="0" anchor="ctr"/>
+          <a:lstStyle/>
+          <a:p>
+            <a:pPr algn="ctr"/>
+            <a:r>
+              <a:rPr lang="en-US" altLang="ko-KR" sz="1200"/>
+              <a:t>G</a:t>
+            </a:r>
+            <a:endParaRPr lang="ko-KR" altLang="en-US" sz="1200"/>
+          </a:p>
+        </p:txBody>
+      </p:sp>
     </p:spTree>
     <p:extLst>
       <p:ext uri="{BB962C8B-B14F-4D97-AF65-F5344CB8AC3E}">
@@ -7070,6 +7096,3505 @@
 </file>
 
 <file path=ppt/slides/slide3.xml><?xml version="1.0" encoding="utf-8"?>
+<p:sld xmlns:a="http://schemas.openxmlformats.org/drawingml/2006/main" xmlns:r="http://schemas.openxmlformats.org/officeDocument/2006/relationships" xmlns:p="http://schemas.openxmlformats.org/presentationml/2006/main">
+  <p:cSld>
+    <p:spTree>
+      <p:nvGrpSpPr>
+        <p:cNvPr id="1" name=""/>
+        <p:cNvGrpSpPr/>
+        <p:nvPr/>
+      </p:nvGrpSpPr>
+      <p:grpSpPr>
+        <a:xfrm>
+          <a:off x="0" y="0"/>
+          <a:ext cx="0" cy="0"/>
+          <a:chOff x="0" y="0"/>
+          <a:chExt cx="0" cy="0"/>
+        </a:xfrm>
+      </p:grpSpPr>
+      <p:sp>
+        <p:nvSpPr>
+          <p:cNvPr id="2" name="제목 1"/>
+          <p:cNvSpPr>
+            <a:spLocks noGrp="1"/>
+          </p:cNvSpPr>
+          <p:nvPr>
+            <p:ph type="title"/>
+          </p:nvPr>
+        </p:nvSpPr>
+        <p:spPr>
+          <a:xfrm>
+            <a:off x="565354" y="-740618"/>
+            <a:ext cx="8229600" cy="857250"/>
+          </a:xfrm>
+        </p:spPr>
+        <p:txBody>
+          <a:bodyPr/>
+          <a:lstStyle/>
+          <a:p>
+            <a:r>
+              <a:rPr lang="en-US" altLang="ko-KR"/>
+              <a:t>GO Scheduler</a:t>
+            </a:r>
+            <a:endParaRPr lang="ko-KR" altLang="en-US"/>
+          </a:p>
+        </p:txBody>
+      </p:sp>
+      <p:sp>
+        <p:nvSpPr>
+          <p:cNvPr id="7" name="사각형: 둥근 모서리 6">
+            <a:extLst>
+              <a:ext uri="{FF2B5EF4-FFF2-40B4-BE49-F238E27FC236}">
+                <a16:creationId xmlns:a16="http://schemas.microsoft.com/office/drawing/2014/main" id="{4AF23E69-AC03-455F-A322-AF925C60AAC3}"/>
+              </a:ext>
+            </a:extLst>
+          </p:cNvPr>
+          <p:cNvSpPr/>
+          <p:nvPr/>
+        </p:nvSpPr>
+        <p:spPr>
+          <a:xfrm>
+            <a:off x="3500634" y="4596610"/>
+            <a:ext cx="1061829" cy="351404"/>
+          </a:xfrm>
+          <a:prstGeom prst="roundRect">
+            <a:avLst>
+              <a:gd name="adj" fmla="val 10349"/>
+            </a:avLst>
+          </a:prstGeom>
+        </p:spPr>
+        <p:style>
+          <a:lnRef idx="2">
+            <a:schemeClr val="dk1"/>
+          </a:lnRef>
+          <a:fillRef idx="1">
+            <a:schemeClr val="lt1"/>
+          </a:fillRef>
+          <a:effectRef idx="0">
+            <a:schemeClr val="dk1"/>
+          </a:effectRef>
+          <a:fontRef idx="minor">
+            <a:schemeClr val="dk1"/>
+          </a:fontRef>
+        </p:style>
+        <p:txBody>
+          <a:bodyPr rtlCol="0" anchor="ctr"/>
+          <a:lstStyle/>
+          <a:p>
+            <a:pPr algn="ctr"/>
+            <a:r>
+              <a:rPr lang="en-US" altLang="ko-KR" sz="1200"/>
+              <a:t>CPU Core</a:t>
+            </a:r>
+            <a:endParaRPr lang="ko-KR" altLang="en-US" sz="1200"/>
+          </a:p>
+        </p:txBody>
+      </p:sp>
+      <p:sp>
+        <p:nvSpPr>
+          <p:cNvPr id="58" name="사각형: 둥근 모서리 57">
+            <a:extLst>
+              <a:ext uri="{FF2B5EF4-FFF2-40B4-BE49-F238E27FC236}">
+                <a16:creationId xmlns:a16="http://schemas.microsoft.com/office/drawing/2014/main" id="{F3A2990B-042E-4370-AB6E-6BFD96E775B7}"/>
+              </a:ext>
+            </a:extLst>
+          </p:cNvPr>
+          <p:cNvSpPr/>
+          <p:nvPr/>
+        </p:nvSpPr>
+        <p:spPr>
+          <a:xfrm>
+            <a:off x="4933175" y="4596610"/>
+            <a:ext cx="1061829" cy="351404"/>
+          </a:xfrm>
+          <a:prstGeom prst="roundRect">
+            <a:avLst>
+              <a:gd name="adj" fmla="val 10349"/>
+            </a:avLst>
+          </a:prstGeom>
+        </p:spPr>
+        <p:style>
+          <a:lnRef idx="2">
+            <a:schemeClr val="dk1"/>
+          </a:lnRef>
+          <a:fillRef idx="1">
+            <a:schemeClr val="lt1"/>
+          </a:fillRef>
+          <a:effectRef idx="0">
+            <a:schemeClr val="dk1"/>
+          </a:effectRef>
+          <a:fontRef idx="minor">
+            <a:schemeClr val="dk1"/>
+          </a:fontRef>
+        </p:style>
+        <p:txBody>
+          <a:bodyPr rtlCol="0" anchor="ctr"/>
+          <a:lstStyle/>
+          <a:p>
+            <a:pPr algn="ctr"/>
+            <a:r>
+              <a:rPr lang="en-US" altLang="ko-KR" sz="1200"/>
+              <a:t>CPU Core</a:t>
+            </a:r>
+            <a:endParaRPr lang="ko-KR" altLang="en-US" sz="1200"/>
+          </a:p>
+        </p:txBody>
+      </p:sp>
+      <p:sp>
+        <p:nvSpPr>
+          <p:cNvPr id="61" name="사각형: 둥근 모서리 60">
+            <a:extLst>
+              <a:ext uri="{FF2B5EF4-FFF2-40B4-BE49-F238E27FC236}">
+                <a16:creationId xmlns:a16="http://schemas.microsoft.com/office/drawing/2014/main" id="{EAB5C029-4CA3-40D6-B14B-D8D58C4854AE}"/>
+              </a:ext>
+            </a:extLst>
+          </p:cNvPr>
+          <p:cNvSpPr/>
+          <p:nvPr/>
+        </p:nvSpPr>
+        <p:spPr>
+          <a:xfrm>
+            <a:off x="873094" y="4010937"/>
+            <a:ext cx="7705836" cy="351404"/>
+          </a:xfrm>
+          <a:prstGeom prst="roundRect">
+            <a:avLst>
+              <a:gd name="adj" fmla="val 10349"/>
+            </a:avLst>
+          </a:prstGeom>
+        </p:spPr>
+        <p:style>
+          <a:lnRef idx="2">
+            <a:schemeClr val="dk1"/>
+          </a:lnRef>
+          <a:fillRef idx="1">
+            <a:schemeClr val="lt1"/>
+          </a:fillRef>
+          <a:effectRef idx="0">
+            <a:schemeClr val="dk1"/>
+          </a:effectRef>
+          <a:fontRef idx="minor">
+            <a:schemeClr val="dk1"/>
+          </a:fontRef>
+        </p:style>
+        <p:txBody>
+          <a:bodyPr rtlCol="0" anchor="ctr"/>
+          <a:lstStyle/>
+          <a:p>
+            <a:pPr algn="ctr"/>
+            <a:r>
+              <a:rPr lang="en-US" altLang="ko-KR" sz="1200"/>
+              <a:t>OS Process/Thread Scheduling</a:t>
+            </a:r>
+            <a:endParaRPr lang="ko-KR" altLang="en-US" sz="1200"/>
+          </a:p>
+        </p:txBody>
+      </p:sp>
+      <p:sp>
+        <p:nvSpPr>
+          <p:cNvPr id="62" name="사각형: 둥근 모서리 61">
+            <a:extLst>
+              <a:ext uri="{FF2B5EF4-FFF2-40B4-BE49-F238E27FC236}">
+                <a16:creationId xmlns:a16="http://schemas.microsoft.com/office/drawing/2014/main" id="{5D0DA5C4-D81A-49EB-8330-3402628CBB3B}"/>
+              </a:ext>
+            </a:extLst>
+          </p:cNvPr>
+          <p:cNvSpPr/>
+          <p:nvPr/>
+        </p:nvSpPr>
+        <p:spPr>
+          <a:xfrm>
+            <a:off x="2353240" y="3425720"/>
+            <a:ext cx="495521" cy="351404"/>
+          </a:xfrm>
+          <a:prstGeom prst="roundRect">
+            <a:avLst>
+              <a:gd name="adj" fmla="val 10349"/>
+            </a:avLst>
+          </a:prstGeom>
+        </p:spPr>
+        <p:style>
+          <a:lnRef idx="2">
+            <a:schemeClr val="dk1"/>
+          </a:lnRef>
+          <a:fillRef idx="1">
+            <a:schemeClr val="lt1"/>
+          </a:fillRef>
+          <a:effectRef idx="0">
+            <a:schemeClr val="dk1"/>
+          </a:effectRef>
+          <a:fontRef idx="minor">
+            <a:schemeClr val="dk1"/>
+          </a:fontRef>
+        </p:style>
+        <p:txBody>
+          <a:bodyPr rtlCol="0" anchor="ctr"/>
+          <a:lstStyle/>
+          <a:p>
+            <a:pPr algn="ctr"/>
+            <a:r>
+              <a:rPr lang="en-US" altLang="ko-KR" sz="1200"/>
+              <a:t>M</a:t>
+            </a:r>
+            <a:endParaRPr lang="ko-KR" altLang="en-US" sz="1200"/>
+          </a:p>
+        </p:txBody>
+      </p:sp>
+      <p:sp>
+        <p:nvSpPr>
+          <p:cNvPr id="63" name="사각형: 둥근 모서리 62">
+            <a:extLst>
+              <a:ext uri="{FF2B5EF4-FFF2-40B4-BE49-F238E27FC236}">
+                <a16:creationId xmlns:a16="http://schemas.microsoft.com/office/drawing/2014/main" id="{90D82D07-F903-4C13-BB1D-897DA35CD300}"/>
+              </a:ext>
+            </a:extLst>
+          </p:cNvPr>
+          <p:cNvSpPr/>
+          <p:nvPr/>
+        </p:nvSpPr>
+        <p:spPr>
+          <a:xfrm>
+            <a:off x="3785781" y="3425720"/>
+            <a:ext cx="495521" cy="351404"/>
+          </a:xfrm>
+          <a:prstGeom prst="roundRect">
+            <a:avLst>
+              <a:gd name="adj" fmla="val 10349"/>
+            </a:avLst>
+          </a:prstGeom>
+        </p:spPr>
+        <p:style>
+          <a:lnRef idx="2">
+            <a:schemeClr val="dk1"/>
+          </a:lnRef>
+          <a:fillRef idx="1">
+            <a:schemeClr val="lt1"/>
+          </a:fillRef>
+          <a:effectRef idx="0">
+            <a:schemeClr val="dk1"/>
+          </a:effectRef>
+          <a:fontRef idx="minor">
+            <a:schemeClr val="dk1"/>
+          </a:fontRef>
+        </p:style>
+        <p:txBody>
+          <a:bodyPr rtlCol="0" anchor="ctr"/>
+          <a:lstStyle/>
+          <a:p>
+            <a:pPr algn="ctr"/>
+            <a:r>
+              <a:rPr lang="en-US" altLang="ko-KR" sz="1200"/>
+              <a:t>M</a:t>
+            </a:r>
+            <a:endParaRPr lang="ko-KR" altLang="en-US" sz="1200"/>
+          </a:p>
+        </p:txBody>
+      </p:sp>
+      <p:sp>
+        <p:nvSpPr>
+          <p:cNvPr id="64" name="사각형: 둥근 모서리 63">
+            <a:extLst>
+              <a:ext uri="{FF2B5EF4-FFF2-40B4-BE49-F238E27FC236}">
+                <a16:creationId xmlns:a16="http://schemas.microsoft.com/office/drawing/2014/main" id="{07071891-DEB4-494D-8DA7-746E14F2F79D}"/>
+              </a:ext>
+            </a:extLst>
+          </p:cNvPr>
+          <p:cNvSpPr/>
+          <p:nvPr/>
+        </p:nvSpPr>
+        <p:spPr>
+          <a:xfrm>
+            <a:off x="5218321" y="3425720"/>
+            <a:ext cx="495521" cy="351404"/>
+          </a:xfrm>
+          <a:prstGeom prst="roundRect">
+            <a:avLst>
+              <a:gd name="adj" fmla="val 10349"/>
+            </a:avLst>
+          </a:prstGeom>
+        </p:spPr>
+        <p:style>
+          <a:lnRef idx="2">
+            <a:schemeClr val="dk1"/>
+          </a:lnRef>
+          <a:fillRef idx="1">
+            <a:schemeClr val="lt1"/>
+          </a:fillRef>
+          <a:effectRef idx="0">
+            <a:schemeClr val="dk1"/>
+          </a:effectRef>
+          <a:fontRef idx="minor">
+            <a:schemeClr val="dk1"/>
+          </a:fontRef>
+        </p:style>
+        <p:txBody>
+          <a:bodyPr rtlCol="0" anchor="ctr"/>
+          <a:lstStyle/>
+          <a:p>
+            <a:pPr algn="ctr"/>
+            <a:r>
+              <a:rPr lang="en-US" altLang="ko-KR" sz="1200"/>
+              <a:t>M</a:t>
+            </a:r>
+            <a:endParaRPr lang="ko-KR" altLang="en-US" sz="1200"/>
+          </a:p>
+        </p:txBody>
+      </p:sp>
+      <p:sp>
+        <p:nvSpPr>
+          <p:cNvPr id="65" name="사각형: 둥근 모서리 64">
+            <a:extLst>
+              <a:ext uri="{FF2B5EF4-FFF2-40B4-BE49-F238E27FC236}">
+                <a16:creationId xmlns:a16="http://schemas.microsoft.com/office/drawing/2014/main" id="{58FE9FFC-8C6A-433A-A992-EBB786856D04}"/>
+              </a:ext>
+            </a:extLst>
+          </p:cNvPr>
+          <p:cNvSpPr/>
+          <p:nvPr/>
+        </p:nvSpPr>
+        <p:spPr>
+          <a:xfrm>
+            <a:off x="6650862" y="3425720"/>
+            <a:ext cx="495521" cy="351404"/>
+          </a:xfrm>
+          <a:prstGeom prst="roundRect">
+            <a:avLst>
+              <a:gd name="adj" fmla="val 10349"/>
+            </a:avLst>
+          </a:prstGeom>
+        </p:spPr>
+        <p:style>
+          <a:lnRef idx="2">
+            <a:schemeClr val="dk1"/>
+          </a:lnRef>
+          <a:fillRef idx="1">
+            <a:schemeClr val="lt1"/>
+          </a:fillRef>
+          <a:effectRef idx="0">
+            <a:schemeClr val="dk1"/>
+          </a:effectRef>
+          <a:fontRef idx="minor">
+            <a:schemeClr val="dk1"/>
+          </a:fontRef>
+        </p:style>
+        <p:txBody>
+          <a:bodyPr rtlCol="0" anchor="ctr"/>
+          <a:lstStyle/>
+          <a:p>
+            <a:pPr algn="ctr"/>
+            <a:r>
+              <a:rPr lang="en-US" altLang="ko-KR" sz="1200"/>
+              <a:t>M</a:t>
+            </a:r>
+            <a:endParaRPr lang="ko-KR" altLang="en-US" sz="1200"/>
+          </a:p>
+        </p:txBody>
+      </p:sp>
+      <p:sp>
+        <p:nvSpPr>
+          <p:cNvPr id="67" name="사각형: 둥근 모서리 66">
+            <a:extLst>
+              <a:ext uri="{FF2B5EF4-FFF2-40B4-BE49-F238E27FC236}">
+                <a16:creationId xmlns:a16="http://schemas.microsoft.com/office/drawing/2014/main" id="{85490696-47A0-4228-B610-58EA097F098A}"/>
+              </a:ext>
+            </a:extLst>
+          </p:cNvPr>
+          <p:cNvSpPr/>
+          <p:nvPr/>
+        </p:nvSpPr>
+        <p:spPr>
+          <a:xfrm>
+            <a:off x="2068093" y="4596610"/>
+            <a:ext cx="1061829" cy="351404"/>
+          </a:xfrm>
+          <a:prstGeom prst="roundRect">
+            <a:avLst>
+              <a:gd name="adj" fmla="val 10349"/>
+            </a:avLst>
+          </a:prstGeom>
+        </p:spPr>
+        <p:style>
+          <a:lnRef idx="2">
+            <a:schemeClr val="dk1"/>
+          </a:lnRef>
+          <a:fillRef idx="1">
+            <a:schemeClr val="lt1"/>
+          </a:fillRef>
+          <a:effectRef idx="0">
+            <a:schemeClr val="dk1"/>
+          </a:effectRef>
+          <a:fontRef idx="minor">
+            <a:schemeClr val="dk1"/>
+          </a:fontRef>
+        </p:style>
+        <p:txBody>
+          <a:bodyPr rtlCol="0" anchor="ctr"/>
+          <a:lstStyle/>
+          <a:p>
+            <a:pPr algn="ctr"/>
+            <a:r>
+              <a:rPr lang="en-US" altLang="ko-KR" sz="1200"/>
+              <a:t>CPU Core</a:t>
+            </a:r>
+            <a:endParaRPr lang="ko-KR" altLang="en-US" sz="1200"/>
+          </a:p>
+        </p:txBody>
+      </p:sp>
+      <p:sp>
+        <p:nvSpPr>
+          <p:cNvPr id="68" name="사각형: 둥근 모서리 67">
+            <a:extLst>
+              <a:ext uri="{FF2B5EF4-FFF2-40B4-BE49-F238E27FC236}">
+                <a16:creationId xmlns:a16="http://schemas.microsoft.com/office/drawing/2014/main" id="{8E7959C6-4C9F-4421-ADAA-2A398B5EE797}"/>
+              </a:ext>
+            </a:extLst>
+          </p:cNvPr>
+          <p:cNvSpPr/>
+          <p:nvPr/>
+        </p:nvSpPr>
+        <p:spPr>
+          <a:xfrm>
+            <a:off x="6365715" y="4596610"/>
+            <a:ext cx="1061829" cy="351404"/>
+          </a:xfrm>
+          <a:prstGeom prst="roundRect">
+            <a:avLst>
+              <a:gd name="adj" fmla="val 10349"/>
+            </a:avLst>
+          </a:prstGeom>
+        </p:spPr>
+        <p:style>
+          <a:lnRef idx="2">
+            <a:schemeClr val="dk1"/>
+          </a:lnRef>
+          <a:fillRef idx="1">
+            <a:schemeClr val="lt1"/>
+          </a:fillRef>
+          <a:effectRef idx="0">
+            <a:schemeClr val="dk1"/>
+          </a:effectRef>
+          <a:fontRef idx="minor">
+            <a:schemeClr val="dk1"/>
+          </a:fontRef>
+        </p:style>
+        <p:txBody>
+          <a:bodyPr rtlCol="0" anchor="ctr"/>
+          <a:lstStyle/>
+          <a:p>
+            <a:pPr algn="ctr"/>
+            <a:r>
+              <a:rPr lang="en-US" altLang="ko-KR" sz="1200"/>
+              <a:t>CPU Core</a:t>
+            </a:r>
+            <a:endParaRPr lang="ko-KR" altLang="en-US" sz="1200"/>
+          </a:p>
+        </p:txBody>
+      </p:sp>
+      <p:sp>
+        <p:nvSpPr>
+          <p:cNvPr id="72" name="사각형: 둥근 모서리 71">
+            <a:extLst>
+              <a:ext uri="{FF2B5EF4-FFF2-40B4-BE49-F238E27FC236}">
+                <a16:creationId xmlns:a16="http://schemas.microsoft.com/office/drawing/2014/main" id="{630239C0-5853-4534-B7F2-FEEE6D030B0D}"/>
+              </a:ext>
+            </a:extLst>
+          </p:cNvPr>
+          <p:cNvSpPr/>
+          <p:nvPr/>
+        </p:nvSpPr>
+        <p:spPr>
+          <a:xfrm>
+            <a:off x="6650873" y="747390"/>
+            <a:ext cx="495515" cy="1333741"/>
+          </a:xfrm>
+          <a:prstGeom prst="roundRect">
+            <a:avLst>
+              <a:gd name="adj" fmla="val 10349"/>
+            </a:avLst>
+          </a:prstGeom>
+        </p:spPr>
+        <p:style>
+          <a:lnRef idx="2">
+            <a:schemeClr val="dk1"/>
+          </a:lnRef>
+          <a:fillRef idx="1">
+            <a:schemeClr val="lt1"/>
+          </a:fillRef>
+          <a:effectRef idx="0">
+            <a:schemeClr val="dk1"/>
+          </a:effectRef>
+          <a:fontRef idx="minor">
+            <a:schemeClr val="dk1"/>
+          </a:fontRef>
+        </p:style>
+        <p:txBody>
+          <a:bodyPr rtlCol="0" anchor="b"/>
+          <a:lstStyle/>
+          <a:p>
+            <a:pPr algn="ctr"/>
+            <a:r>
+              <a:rPr lang="en-US" altLang="ko-KR" sz="1200"/>
+              <a:t>LRQ</a:t>
+            </a:r>
+            <a:endParaRPr lang="ko-KR" altLang="en-US" sz="1200"/>
+          </a:p>
+        </p:txBody>
+      </p:sp>
+      <p:sp>
+        <p:nvSpPr>
+          <p:cNvPr id="73" name="사각형: 둥근 모서리 72">
+            <a:extLst>
+              <a:ext uri="{FF2B5EF4-FFF2-40B4-BE49-F238E27FC236}">
+                <a16:creationId xmlns:a16="http://schemas.microsoft.com/office/drawing/2014/main" id="{07679852-F13C-4B90-8C9E-33A8E189F0D7}"/>
+              </a:ext>
+            </a:extLst>
+          </p:cNvPr>
+          <p:cNvSpPr/>
+          <p:nvPr/>
+        </p:nvSpPr>
+        <p:spPr>
+          <a:xfrm>
+            <a:off x="6740665" y="1500554"/>
+            <a:ext cx="315932" cy="291027"/>
+          </a:xfrm>
+          <a:prstGeom prst="roundRect">
+            <a:avLst>
+              <a:gd name="adj" fmla="val 50000"/>
+            </a:avLst>
+          </a:prstGeom>
+          <a:solidFill>
+            <a:schemeClr val="bg1">
+              <a:lumMod val="85000"/>
+            </a:schemeClr>
+          </a:solidFill>
+        </p:spPr>
+        <p:style>
+          <a:lnRef idx="2">
+            <a:schemeClr val="dk1"/>
+          </a:lnRef>
+          <a:fillRef idx="1">
+            <a:schemeClr val="lt1"/>
+          </a:fillRef>
+          <a:effectRef idx="0">
+            <a:schemeClr val="dk1"/>
+          </a:effectRef>
+          <a:fontRef idx="minor">
+            <a:schemeClr val="dk1"/>
+          </a:fontRef>
+        </p:style>
+        <p:txBody>
+          <a:bodyPr rtlCol="0" anchor="ctr"/>
+          <a:lstStyle/>
+          <a:p>
+            <a:pPr algn="ctr"/>
+            <a:r>
+              <a:rPr lang="en-US" altLang="ko-KR" sz="1200"/>
+              <a:t>G</a:t>
+            </a:r>
+            <a:endParaRPr lang="ko-KR" altLang="en-US" sz="1200"/>
+          </a:p>
+        </p:txBody>
+      </p:sp>
+      <p:sp>
+        <p:nvSpPr>
+          <p:cNvPr id="74" name="사각형: 둥근 모서리 73">
+            <a:extLst>
+              <a:ext uri="{FF2B5EF4-FFF2-40B4-BE49-F238E27FC236}">
+                <a16:creationId xmlns:a16="http://schemas.microsoft.com/office/drawing/2014/main" id="{1DC9D988-DF97-46A6-8C46-D9A5CB7AA773}"/>
+              </a:ext>
+            </a:extLst>
+          </p:cNvPr>
+          <p:cNvSpPr/>
+          <p:nvPr/>
+        </p:nvSpPr>
+        <p:spPr>
+          <a:xfrm>
+            <a:off x="6740665" y="1153973"/>
+            <a:ext cx="315932" cy="291027"/>
+          </a:xfrm>
+          <a:prstGeom prst="roundRect">
+            <a:avLst>
+              <a:gd name="adj" fmla="val 50000"/>
+            </a:avLst>
+          </a:prstGeom>
+          <a:solidFill>
+            <a:schemeClr val="bg1">
+              <a:lumMod val="85000"/>
+            </a:schemeClr>
+          </a:solidFill>
+        </p:spPr>
+        <p:style>
+          <a:lnRef idx="2">
+            <a:schemeClr val="dk1"/>
+          </a:lnRef>
+          <a:fillRef idx="1">
+            <a:schemeClr val="lt1"/>
+          </a:fillRef>
+          <a:effectRef idx="0">
+            <a:schemeClr val="dk1"/>
+          </a:effectRef>
+          <a:fontRef idx="minor">
+            <a:schemeClr val="dk1"/>
+          </a:fontRef>
+        </p:style>
+        <p:txBody>
+          <a:bodyPr rtlCol="0" anchor="ctr"/>
+          <a:lstStyle/>
+          <a:p>
+            <a:pPr algn="ctr"/>
+            <a:r>
+              <a:rPr lang="en-US" altLang="ko-KR" sz="1200"/>
+              <a:t>G</a:t>
+            </a:r>
+            <a:endParaRPr lang="ko-KR" altLang="en-US" sz="1200"/>
+          </a:p>
+        </p:txBody>
+      </p:sp>
+      <p:sp>
+        <p:nvSpPr>
+          <p:cNvPr id="75" name="사각형: 둥근 모서리 74">
+            <a:extLst>
+              <a:ext uri="{FF2B5EF4-FFF2-40B4-BE49-F238E27FC236}">
+                <a16:creationId xmlns:a16="http://schemas.microsoft.com/office/drawing/2014/main" id="{75A38EC1-C007-45B2-9783-BCCBDE40DCFE}"/>
+              </a:ext>
+            </a:extLst>
+          </p:cNvPr>
+          <p:cNvSpPr/>
+          <p:nvPr/>
+        </p:nvSpPr>
+        <p:spPr>
+          <a:xfrm>
+            <a:off x="6740665" y="807392"/>
+            <a:ext cx="315932" cy="291027"/>
+          </a:xfrm>
+          <a:prstGeom prst="roundRect">
+            <a:avLst>
+              <a:gd name="adj" fmla="val 50000"/>
+            </a:avLst>
+          </a:prstGeom>
+          <a:solidFill>
+            <a:schemeClr val="bg1">
+              <a:lumMod val="85000"/>
+            </a:schemeClr>
+          </a:solidFill>
+        </p:spPr>
+        <p:style>
+          <a:lnRef idx="2">
+            <a:schemeClr val="dk1"/>
+          </a:lnRef>
+          <a:fillRef idx="1">
+            <a:schemeClr val="lt1"/>
+          </a:fillRef>
+          <a:effectRef idx="0">
+            <a:schemeClr val="dk1"/>
+          </a:effectRef>
+          <a:fontRef idx="minor">
+            <a:schemeClr val="dk1"/>
+          </a:fontRef>
+        </p:style>
+        <p:txBody>
+          <a:bodyPr rtlCol="0" anchor="ctr"/>
+          <a:lstStyle/>
+          <a:p>
+            <a:pPr algn="ctr"/>
+            <a:r>
+              <a:rPr lang="en-US" altLang="ko-KR" sz="1200"/>
+              <a:t>G</a:t>
+            </a:r>
+            <a:endParaRPr lang="ko-KR" altLang="en-US" sz="1200"/>
+          </a:p>
+        </p:txBody>
+      </p:sp>
+      <p:sp>
+        <p:nvSpPr>
+          <p:cNvPr id="77" name="사각형: 둥근 모서리 76">
+            <a:extLst>
+              <a:ext uri="{FF2B5EF4-FFF2-40B4-BE49-F238E27FC236}">
+                <a16:creationId xmlns:a16="http://schemas.microsoft.com/office/drawing/2014/main" id="{F3B5F637-6840-4F4B-8130-57870D1B7319}"/>
+              </a:ext>
+            </a:extLst>
+          </p:cNvPr>
+          <p:cNvSpPr/>
+          <p:nvPr/>
+        </p:nvSpPr>
+        <p:spPr>
+          <a:xfrm>
+            <a:off x="5218327" y="747390"/>
+            <a:ext cx="495515" cy="1333741"/>
+          </a:xfrm>
+          <a:prstGeom prst="roundRect">
+            <a:avLst>
+              <a:gd name="adj" fmla="val 10349"/>
+            </a:avLst>
+          </a:prstGeom>
+        </p:spPr>
+        <p:style>
+          <a:lnRef idx="2">
+            <a:schemeClr val="dk1"/>
+          </a:lnRef>
+          <a:fillRef idx="1">
+            <a:schemeClr val="lt1"/>
+          </a:fillRef>
+          <a:effectRef idx="0">
+            <a:schemeClr val="dk1"/>
+          </a:effectRef>
+          <a:fontRef idx="minor">
+            <a:schemeClr val="dk1"/>
+          </a:fontRef>
+        </p:style>
+        <p:txBody>
+          <a:bodyPr rtlCol="0" anchor="b"/>
+          <a:lstStyle/>
+          <a:p>
+            <a:pPr algn="ctr"/>
+            <a:r>
+              <a:rPr lang="en-US" altLang="ko-KR" sz="1200"/>
+              <a:t>LRQ</a:t>
+            </a:r>
+            <a:endParaRPr lang="ko-KR" altLang="en-US" sz="1200"/>
+          </a:p>
+        </p:txBody>
+      </p:sp>
+      <p:sp>
+        <p:nvSpPr>
+          <p:cNvPr id="78" name="사각형: 둥근 모서리 77">
+            <a:extLst>
+              <a:ext uri="{FF2B5EF4-FFF2-40B4-BE49-F238E27FC236}">
+                <a16:creationId xmlns:a16="http://schemas.microsoft.com/office/drawing/2014/main" id="{94DFE63C-ADB0-4821-BAC6-8D8F5E8763B7}"/>
+              </a:ext>
+            </a:extLst>
+          </p:cNvPr>
+          <p:cNvSpPr/>
+          <p:nvPr/>
+        </p:nvSpPr>
+        <p:spPr>
+          <a:xfrm>
+            <a:off x="5308118" y="1500554"/>
+            <a:ext cx="315932" cy="291027"/>
+          </a:xfrm>
+          <a:prstGeom prst="roundRect">
+            <a:avLst>
+              <a:gd name="adj" fmla="val 50000"/>
+            </a:avLst>
+          </a:prstGeom>
+          <a:solidFill>
+            <a:schemeClr val="bg1">
+              <a:lumMod val="85000"/>
+            </a:schemeClr>
+          </a:solidFill>
+        </p:spPr>
+        <p:style>
+          <a:lnRef idx="2">
+            <a:schemeClr val="dk1"/>
+          </a:lnRef>
+          <a:fillRef idx="1">
+            <a:schemeClr val="lt1"/>
+          </a:fillRef>
+          <a:effectRef idx="0">
+            <a:schemeClr val="dk1"/>
+          </a:effectRef>
+          <a:fontRef idx="minor">
+            <a:schemeClr val="dk1"/>
+          </a:fontRef>
+        </p:style>
+        <p:txBody>
+          <a:bodyPr rtlCol="0" anchor="ctr"/>
+          <a:lstStyle/>
+          <a:p>
+            <a:pPr algn="ctr"/>
+            <a:r>
+              <a:rPr lang="en-US" altLang="ko-KR" sz="1200"/>
+              <a:t>G</a:t>
+            </a:r>
+            <a:endParaRPr lang="ko-KR" altLang="en-US" sz="1200"/>
+          </a:p>
+        </p:txBody>
+      </p:sp>
+      <p:sp>
+        <p:nvSpPr>
+          <p:cNvPr id="79" name="사각형: 둥근 모서리 78">
+            <a:extLst>
+              <a:ext uri="{FF2B5EF4-FFF2-40B4-BE49-F238E27FC236}">
+                <a16:creationId xmlns:a16="http://schemas.microsoft.com/office/drawing/2014/main" id="{D17A12EB-1A5B-440C-8437-812F2BAD2ADE}"/>
+              </a:ext>
+            </a:extLst>
+          </p:cNvPr>
+          <p:cNvSpPr/>
+          <p:nvPr/>
+        </p:nvSpPr>
+        <p:spPr>
+          <a:xfrm>
+            <a:off x="5308118" y="1153973"/>
+            <a:ext cx="315932" cy="291027"/>
+          </a:xfrm>
+          <a:prstGeom prst="roundRect">
+            <a:avLst>
+              <a:gd name="adj" fmla="val 50000"/>
+            </a:avLst>
+          </a:prstGeom>
+          <a:solidFill>
+            <a:schemeClr val="bg1">
+              <a:lumMod val="85000"/>
+            </a:schemeClr>
+          </a:solidFill>
+        </p:spPr>
+        <p:style>
+          <a:lnRef idx="2">
+            <a:schemeClr val="dk1"/>
+          </a:lnRef>
+          <a:fillRef idx="1">
+            <a:schemeClr val="lt1"/>
+          </a:fillRef>
+          <a:effectRef idx="0">
+            <a:schemeClr val="dk1"/>
+          </a:effectRef>
+          <a:fontRef idx="minor">
+            <a:schemeClr val="dk1"/>
+          </a:fontRef>
+        </p:style>
+        <p:txBody>
+          <a:bodyPr rtlCol="0" anchor="ctr"/>
+          <a:lstStyle/>
+          <a:p>
+            <a:pPr algn="ctr"/>
+            <a:r>
+              <a:rPr lang="en-US" altLang="ko-KR" sz="1200"/>
+              <a:t>G</a:t>
+            </a:r>
+            <a:endParaRPr lang="ko-KR" altLang="en-US" sz="1200"/>
+          </a:p>
+        </p:txBody>
+      </p:sp>
+      <p:sp>
+        <p:nvSpPr>
+          <p:cNvPr id="82" name="사각형: 둥근 모서리 81">
+            <a:extLst>
+              <a:ext uri="{FF2B5EF4-FFF2-40B4-BE49-F238E27FC236}">
+                <a16:creationId xmlns:a16="http://schemas.microsoft.com/office/drawing/2014/main" id="{D0FE5CE2-83D3-41E3-A354-AF3EB45AABB8}"/>
+              </a:ext>
+            </a:extLst>
+          </p:cNvPr>
+          <p:cNvSpPr/>
+          <p:nvPr/>
+        </p:nvSpPr>
+        <p:spPr>
+          <a:xfrm>
+            <a:off x="8083408" y="747390"/>
+            <a:ext cx="495515" cy="1333741"/>
+          </a:xfrm>
+          <a:prstGeom prst="roundRect">
+            <a:avLst>
+              <a:gd name="adj" fmla="val 10349"/>
+            </a:avLst>
+          </a:prstGeom>
+        </p:spPr>
+        <p:style>
+          <a:lnRef idx="2">
+            <a:schemeClr val="dk1"/>
+          </a:lnRef>
+          <a:fillRef idx="1">
+            <a:schemeClr val="lt1"/>
+          </a:fillRef>
+          <a:effectRef idx="0">
+            <a:schemeClr val="dk1"/>
+          </a:effectRef>
+          <a:fontRef idx="minor">
+            <a:schemeClr val="dk1"/>
+          </a:fontRef>
+        </p:style>
+        <p:txBody>
+          <a:bodyPr rtlCol="0" anchor="b"/>
+          <a:lstStyle/>
+          <a:p>
+            <a:pPr algn="ctr"/>
+            <a:r>
+              <a:rPr lang="en-US" altLang="ko-KR" sz="1200"/>
+              <a:t>LRQ</a:t>
+            </a:r>
+            <a:endParaRPr lang="ko-KR" altLang="en-US" sz="1200"/>
+          </a:p>
+        </p:txBody>
+      </p:sp>
+      <p:sp>
+        <p:nvSpPr>
+          <p:cNvPr id="83" name="사각형: 둥근 모서리 82">
+            <a:extLst>
+              <a:ext uri="{FF2B5EF4-FFF2-40B4-BE49-F238E27FC236}">
+                <a16:creationId xmlns:a16="http://schemas.microsoft.com/office/drawing/2014/main" id="{87631BB0-30A1-426C-9A81-F9CDEB3DFD72}"/>
+              </a:ext>
+            </a:extLst>
+          </p:cNvPr>
+          <p:cNvSpPr/>
+          <p:nvPr/>
+        </p:nvSpPr>
+        <p:spPr>
+          <a:xfrm>
+            <a:off x="8173198" y="1500554"/>
+            <a:ext cx="315932" cy="291027"/>
+          </a:xfrm>
+          <a:prstGeom prst="roundRect">
+            <a:avLst>
+              <a:gd name="adj" fmla="val 50000"/>
+            </a:avLst>
+          </a:prstGeom>
+          <a:solidFill>
+            <a:schemeClr val="bg1">
+              <a:lumMod val="85000"/>
+            </a:schemeClr>
+          </a:solidFill>
+        </p:spPr>
+        <p:style>
+          <a:lnRef idx="2">
+            <a:schemeClr val="dk1"/>
+          </a:lnRef>
+          <a:fillRef idx="1">
+            <a:schemeClr val="lt1"/>
+          </a:fillRef>
+          <a:effectRef idx="0">
+            <a:schemeClr val="dk1"/>
+          </a:effectRef>
+          <a:fontRef idx="minor">
+            <a:schemeClr val="dk1"/>
+          </a:fontRef>
+        </p:style>
+        <p:txBody>
+          <a:bodyPr rtlCol="0" anchor="ctr"/>
+          <a:lstStyle/>
+          <a:p>
+            <a:pPr algn="ctr"/>
+            <a:r>
+              <a:rPr lang="en-US" altLang="ko-KR" sz="1200"/>
+              <a:t>G</a:t>
+            </a:r>
+            <a:endParaRPr lang="ko-KR" altLang="en-US" sz="1200"/>
+          </a:p>
+        </p:txBody>
+      </p:sp>
+      <p:sp>
+        <p:nvSpPr>
+          <p:cNvPr id="97" name="사각형: 둥근 모서리 96">
+            <a:extLst>
+              <a:ext uri="{FF2B5EF4-FFF2-40B4-BE49-F238E27FC236}">
+                <a16:creationId xmlns:a16="http://schemas.microsoft.com/office/drawing/2014/main" id="{7A937F59-C3F3-4630-9AB3-B9DCF6EEEA09}"/>
+              </a:ext>
+            </a:extLst>
+          </p:cNvPr>
+          <p:cNvSpPr/>
+          <p:nvPr/>
+        </p:nvSpPr>
+        <p:spPr>
+          <a:xfrm>
+            <a:off x="5218324" y="2314750"/>
+            <a:ext cx="495521" cy="351404"/>
+          </a:xfrm>
+          <a:prstGeom prst="roundRect">
+            <a:avLst>
+              <a:gd name="adj" fmla="val 10349"/>
+            </a:avLst>
+          </a:prstGeom>
+        </p:spPr>
+        <p:style>
+          <a:lnRef idx="2">
+            <a:schemeClr val="dk1"/>
+          </a:lnRef>
+          <a:fillRef idx="1">
+            <a:schemeClr val="lt1"/>
+          </a:fillRef>
+          <a:effectRef idx="0">
+            <a:schemeClr val="dk1"/>
+          </a:effectRef>
+          <a:fontRef idx="minor">
+            <a:schemeClr val="dk1"/>
+          </a:fontRef>
+        </p:style>
+        <p:txBody>
+          <a:bodyPr rtlCol="0" anchor="ctr"/>
+          <a:lstStyle/>
+          <a:p>
+            <a:pPr algn="ctr"/>
+            <a:r>
+              <a:rPr lang="en-US" altLang="ko-KR" sz="1200"/>
+              <a:t>P</a:t>
+            </a:r>
+            <a:endParaRPr lang="ko-KR" altLang="en-US" sz="1200"/>
+          </a:p>
+        </p:txBody>
+      </p:sp>
+      <p:sp>
+        <p:nvSpPr>
+          <p:cNvPr id="98" name="사각형: 둥근 모서리 97">
+            <a:extLst>
+              <a:ext uri="{FF2B5EF4-FFF2-40B4-BE49-F238E27FC236}">
+                <a16:creationId xmlns:a16="http://schemas.microsoft.com/office/drawing/2014/main" id="{CB779F00-4DF4-41FB-8995-0EF98D26625F}"/>
+              </a:ext>
+            </a:extLst>
+          </p:cNvPr>
+          <p:cNvSpPr/>
+          <p:nvPr/>
+        </p:nvSpPr>
+        <p:spPr>
+          <a:xfrm>
+            <a:off x="6650870" y="2314750"/>
+            <a:ext cx="495521" cy="351404"/>
+          </a:xfrm>
+          <a:prstGeom prst="roundRect">
+            <a:avLst>
+              <a:gd name="adj" fmla="val 10349"/>
+            </a:avLst>
+          </a:prstGeom>
+        </p:spPr>
+        <p:style>
+          <a:lnRef idx="2">
+            <a:schemeClr val="dk1"/>
+          </a:lnRef>
+          <a:fillRef idx="1">
+            <a:schemeClr val="lt1"/>
+          </a:fillRef>
+          <a:effectRef idx="0">
+            <a:schemeClr val="dk1"/>
+          </a:effectRef>
+          <a:fontRef idx="minor">
+            <a:schemeClr val="dk1"/>
+          </a:fontRef>
+        </p:style>
+        <p:txBody>
+          <a:bodyPr rtlCol="0" anchor="ctr"/>
+          <a:lstStyle/>
+          <a:p>
+            <a:pPr algn="ctr"/>
+            <a:r>
+              <a:rPr lang="en-US" altLang="ko-KR" sz="1200"/>
+              <a:t>P</a:t>
+            </a:r>
+            <a:endParaRPr lang="ko-KR" altLang="en-US" sz="1200"/>
+          </a:p>
+        </p:txBody>
+      </p:sp>
+      <p:sp>
+        <p:nvSpPr>
+          <p:cNvPr id="140" name="사각형: 둥근 모서리 139">
+            <a:extLst>
+              <a:ext uri="{FF2B5EF4-FFF2-40B4-BE49-F238E27FC236}">
+                <a16:creationId xmlns:a16="http://schemas.microsoft.com/office/drawing/2014/main" id="{D09738D7-6E1C-4FF1-AB93-B11F604E1D3F}"/>
+              </a:ext>
+            </a:extLst>
+          </p:cNvPr>
+          <p:cNvSpPr/>
+          <p:nvPr/>
+        </p:nvSpPr>
+        <p:spPr>
+          <a:xfrm>
+            <a:off x="8083403" y="2314750"/>
+            <a:ext cx="495521" cy="351404"/>
+          </a:xfrm>
+          <a:prstGeom prst="roundRect">
+            <a:avLst>
+              <a:gd name="adj" fmla="val 10349"/>
+            </a:avLst>
+          </a:prstGeom>
+        </p:spPr>
+        <p:style>
+          <a:lnRef idx="2">
+            <a:schemeClr val="dk1"/>
+          </a:lnRef>
+          <a:fillRef idx="1">
+            <a:schemeClr val="lt1"/>
+          </a:fillRef>
+          <a:effectRef idx="0">
+            <a:schemeClr val="dk1"/>
+          </a:effectRef>
+          <a:fontRef idx="minor">
+            <a:schemeClr val="dk1"/>
+          </a:fontRef>
+        </p:style>
+        <p:txBody>
+          <a:bodyPr rtlCol="0" anchor="ctr"/>
+          <a:lstStyle/>
+          <a:p>
+            <a:pPr algn="ctr"/>
+            <a:r>
+              <a:rPr lang="en-US" altLang="ko-KR" sz="1200"/>
+              <a:t>P</a:t>
+            </a:r>
+            <a:endParaRPr lang="ko-KR" altLang="en-US" sz="1200"/>
+          </a:p>
+        </p:txBody>
+      </p:sp>
+      <p:sp>
+        <p:nvSpPr>
+          <p:cNvPr id="141" name="사각형: 둥근 모서리 140">
+            <a:extLst>
+              <a:ext uri="{FF2B5EF4-FFF2-40B4-BE49-F238E27FC236}">
+                <a16:creationId xmlns:a16="http://schemas.microsoft.com/office/drawing/2014/main" id="{DE0ACD99-DE90-4985-BF52-1773A7AC9DEB}"/>
+              </a:ext>
+            </a:extLst>
+          </p:cNvPr>
+          <p:cNvSpPr/>
+          <p:nvPr/>
+        </p:nvSpPr>
+        <p:spPr>
+          <a:xfrm>
+            <a:off x="3875572" y="2900423"/>
+            <a:ext cx="315932" cy="291027"/>
+          </a:xfrm>
+          <a:prstGeom prst="roundRect">
+            <a:avLst>
+              <a:gd name="adj" fmla="val 50000"/>
+            </a:avLst>
+          </a:prstGeom>
+          <a:solidFill>
+            <a:schemeClr val="bg1">
+              <a:lumMod val="85000"/>
+            </a:schemeClr>
+          </a:solidFill>
+        </p:spPr>
+        <p:style>
+          <a:lnRef idx="2">
+            <a:schemeClr val="dk1"/>
+          </a:lnRef>
+          <a:fillRef idx="1">
+            <a:schemeClr val="lt1"/>
+          </a:fillRef>
+          <a:effectRef idx="0">
+            <a:schemeClr val="dk1"/>
+          </a:effectRef>
+          <a:fontRef idx="minor">
+            <a:schemeClr val="dk1"/>
+          </a:fontRef>
+        </p:style>
+        <p:txBody>
+          <a:bodyPr rtlCol="0" anchor="ctr"/>
+          <a:lstStyle/>
+          <a:p>
+            <a:pPr algn="ctr"/>
+            <a:r>
+              <a:rPr lang="en-US" altLang="ko-KR" sz="1200"/>
+              <a:t>G</a:t>
+            </a:r>
+            <a:endParaRPr lang="ko-KR" altLang="en-US" sz="1200"/>
+          </a:p>
+        </p:txBody>
+      </p:sp>
+      <p:sp>
+        <p:nvSpPr>
+          <p:cNvPr id="142" name="사각형: 둥근 모서리 141">
+            <a:extLst>
+              <a:ext uri="{FF2B5EF4-FFF2-40B4-BE49-F238E27FC236}">
+                <a16:creationId xmlns:a16="http://schemas.microsoft.com/office/drawing/2014/main" id="{D3F735BC-FAF2-478A-B8F6-EDB9A9041A1E}"/>
+              </a:ext>
+            </a:extLst>
+          </p:cNvPr>
+          <p:cNvSpPr/>
+          <p:nvPr/>
+        </p:nvSpPr>
+        <p:spPr>
+          <a:xfrm>
+            <a:off x="5308397" y="2900423"/>
+            <a:ext cx="315932" cy="291027"/>
+          </a:xfrm>
+          <a:prstGeom prst="roundRect">
+            <a:avLst>
+              <a:gd name="adj" fmla="val 50000"/>
+            </a:avLst>
+          </a:prstGeom>
+          <a:solidFill>
+            <a:schemeClr val="bg1">
+              <a:lumMod val="85000"/>
+            </a:schemeClr>
+          </a:solidFill>
+        </p:spPr>
+        <p:style>
+          <a:lnRef idx="2">
+            <a:schemeClr val="dk1"/>
+          </a:lnRef>
+          <a:fillRef idx="1">
+            <a:schemeClr val="lt1"/>
+          </a:fillRef>
+          <a:effectRef idx="0">
+            <a:schemeClr val="dk1"/>
+          </a:effectRef>
+          <a:fontRef idx="minor">
+            <a:schemeClr val="dk1"/>
+          </a:fontRef>
+        </p:style>
+        <p:txBody>
+          <a:bodyPr rtlCol="0" anchor="ctr"/>
+          <a:lstStyle/>
+          <a:p>
+            <a:pPr algn="ctr"/>
+            <a:r>
+              <a:rPr lang="en-US" altLang="ko-KR" sz="1200"/>
+              <a:t>G</a:t>
+            </a:r>
+            <a:endParaRPr lang="ko-KR" altLang="en-US" sz="1200"/>
+          </a:p>
+        </p:txBody>
+      </p:sp>
+      <p:sp>
+        <p:nvSpPr>
+          <p:cNvPr id="143" name="사각형: 둥근 모서리 142">
+            <a:extLst>
+              <a:ext uri="{FF2B5EF4-FFF2-40B4-BE49-F238E27FC236}">
+                <a16:creationId xmlns:a16="http://schemas.microsoft.com/office/drawing/2014/main" id="{483F76A3-8CDC-4DC0-921C-7847322E0321}"/>
+              </a:ext>
+            </a:extLst>
+          </p:cNvPr>
+          <p:cNvSpPr/>
+          <p:nvPr/>
+        </p:nvSpPr>
+        <p:spPr>
+          <a:xfrm>
+            <a:off x="6740651" y="2900423"/>
+            <a:ext cx="315932" cy="291027"/>
+          </a:xfrm>
+          <a:prstGeom prst="roundRect">
+            <a:avLst>
+              <a:gd name="adj" fmla="val 50000"/>
+            </a:avLst>
+          </a:prstGeom>
+          <a:solidFill>
+            <a:schemeClr val="bg1">
+              <a:lumMod val="85000"/>
+            </a:schemeClr>
+          </a:solidFill>
+        </p:spPr>
+        <p:style>
+          <a:lnRef idx="2">
+            <a:schemeClr val="dk1"/>
+          </a:lnRef>
+          <a:fillRef idx="1">
+            <a:schemeClr val="lt1"/>
+          </a:fillRef>
+          <a:effectRef idx="0">
+            <a:schemeClr val="dk1"/>
+          </a:effectRef>
+          <a:fontRef idx="minor">
+            <a:schemeClr val="dk1"/>
+          </a:fontRef>
+        </p:style>
+        <p:txBody>
+          <a:bodyPr rtlCol="0" anchor="ctr"/>
+          <a:lstStyle/>
+          <a:p>
+            <a:pPr algn="ctr"/>
+            <a:r>
+              <a:rPr lang="en-US" altLang="ko-KR" sz="1200"/>
+              <a:t>G</a:t>
+            </a:r>
+            <a:endParaRPr lang="ko-KR" altLang="en-US" sz="1200"/>
+          </a:p>
+        </p:txBody>
+      </p:sp>
+      <p:sp>
+        <p:nvSpPr>
+          <p:cNvPr id="144" name="사각형: 둥근 모서리 143">
+            <a:extLst>
+              <a:ext uri="{FF2B5EF4-FFF2-40B4-BE49-F238E27FC236}">
+                <a16:creationId xmlns:a16="http://schemas.microsoft.com/office/drawing/2014/main" id="{83F86471-017E-4C28-9F06-B4ED1821366A}"/>
+              </a:ext>
+            </a:extLst>
+          </p:cNvPr>
+          <p:cNvSpPr/>
+          <p:nvPr/>
+        </p:nvSpPr>
+        <p:spPr>
+          <a:xfrm>
+            <a:off x="8083402" y="3425720"/>
+            <a:ext cx="495521" cy="351404"/>
+          </a:xfrm>
+          <a:prstGeom prst="roundRect">
+            <a:avLst>
+              <a:gd name="adj" fmla="val 10349"/>
+            </a:avLst>
+          </a:prstGeom>
+        </p:spPr>
+        <p:style>
+          <a:lnRef idx="2">
+            <a:schemeClr val="dk1"/>
+          </a:lnRef>
+          <a:fillRef idx="1">
+            <a:schemeClr val="lt1"/>
+          </a:fillRef>
+          <a:effectRef idx="0">
+            <a:schemeClr val="dk1"/>
+          </a:effectRef>
+          <a:fontRef idx="minor">
+            <a:schemeClr val="dk1"/>
+          </a:fontRef>
+        </p:style>
+        <p:txBody>
+          <a:bodyPr rtlCol="0" anchor="ctr"/>
+          <a:lstStyle/>
+          <a:p>
+            <a:pPr algn="ctr"/>
+            <a:r>
+              <a:rPr lang="en-US" altLang="ko-KR" sz="1200"/>
+              <a:t>M</a:t>
+            </a:r>
+            <a:endParaRPr lang="ko-KR" altLang="en-US" sz="1200"/>
+          </a:p>
+        </p:txBody>
+      </p:sp>
+      <p:cxnSp>
+        <p:nvCxnSpPr>
+          <p:cNvPr id="13" name="직선 화살표 연결선 12">
+            <a:extLst>
+              <a:ext uri="{FF2B5EF4-FFF2-40B4-BE49-F238E27FC236}">
+                <a16:creationId xmlns:a16="http://schemas.microsoft.com/office/drawing/2014/main" id="{132D22AC-C7B5-4DDD-A44D-12EA7DFC7A25}"/>
+              </a:ext>
+            </a:extLst>
+          </p:cNvPr>
+          <p:cNvCxnSpPr>
+            <a:cxnSpLocks/>
+            <a:stCxn id="67" idx="0"/>
+          </p:cNvCxnSpPr>
+          <p:nvPr/>
+        </p:nvCxnSpPr>
+        <p:spPr>
+          <a:xfrm flipV="1">
+            <a:off x="2599007" y="4362340"/>
+            <a:ext cx="0" cy="234270"/>
+          </a:xfrm>
+          <a:prstGeom prst="straightConnector1">
+            <a:avLst/>
+          </a:prstGeom>
+          <a:ln w="19050">
+            <a:headEnd type="none" w="med" len="med"/>
+            <a:tailEnd type="none" w="med" len="med"/>
+          </a:ln>
+        </p:spPr>
+        <p:style>
+          <a:lnRef idx="1">
+            <a:schemeClr val="dk1"/>
+          </a:lnRef>
+          <a:fillRef idx="0">
+            <a:schemeClr val="dk1"/>
+          </a:fillRef>
+          <a:effectRef idx="0">
+            <a:schemeClr val="dk1"/>
+          </a:effectRef>
+          <a:fontRef idx="minor">
+            <a:schemeClr val="tx1"/>
+          </a:fontRef>
+        </p:style>
+      </p:cxnSp>
+      <p:cxnSp>
+        <p:nvCxnSpPr>
+          <p:cNvPr id="145" name="직선 화살표 연결선 144">
+            <a:extLst>
+              <a:ext uri="{FF2B5EF4-FFF2-40B4-BE49-F238E27FC236}">
+                <a16:creationId xmlns:a16="http://schemas.microsoft.com/office/drawing/2014/main" id="{078FD9A0-FAEE-4373-921D-CE9CFAFE33B0}"/>
+              </a:ext>
+            </a:extLst>
+          </p:cNvPr>
+          <p:cNvCxnSpPr>
+            <a:cxnSpLocks/>
+            <a:stCxn id="7" idx="0"/>
+          </p:cNvCxnSpPr>
+          <p:nvPr/>
+        </p:nvCxnSpPr>
+        <p:spPr>
+          <a:xfrm flipV="1">
+            <a:off x="4031548" y="4362340"/>
+            <a:ext cx="0" cy="234270"/>
+          </a:xfrm>
+          <a:prstGeom prst="straightConnector1">
+            <a:avLst/>
+          </a:prstGeom>
+          <a:ln w="19050">
+            <a:headEnd type="none" w="med" len="med"/>
+            <a:tailEnd type="none" w="med" len="med"/>
+          </a:ln>
+        </p:spPr>
+        <p:style>
+          <a:lnRef idx="1">
+            <a:schemeClr val="dk1"/>
+          </a:lnRef>
+          <a:fillRef idx="0">
+            <a:schemeClr val="dk1"/>
+          </a:fillRef>
+          <a:effectRef idx="0">
+            <a:schemeClr val="dk1"/>
+          </a:effectRef>
+          <a:fontRef idx="minor">
+            <a:schemeClr val="tx1"/>
+          </a:fontRef>
+        </p:style>
+      </p:cxnSp>
+      <p:cxnSp>
+        <p:nvCxnSpPr>
+          <p:cNvPr id="146" name="직선 화살표 연결선 145">
+            <a:extLst>
+              <a:ext uri="{FF2B5EF4-FFF2-40B4-BE49-F238E27FC236}">
+                <a16:creationId xmlns:a16="http://schemas.microsoft.com/office/drawing/2014/main" id="{BAD5FDDD-D75E-4198-8E95-6B35ECAE16AD}"/>
+              </a:ext>
+            </a:extLst>
+          </p:cNvPr>
+          <p:cNvCxnSpPr>
+            <a:cxnSpLocks/>
+            <a:stCxn id="58" idx="0"/>
+          </p:cNvCxnSpPr>
+          <p:nvPr/>
+        </p:nvCxnSpPr>
+        <p:spPr>
+          <a:xfrm flipH="1" flipV="1">
+            <a:off x="5464088" y="4362340"/>
+            <a:ext cx="1" cy="234270"/>
+          </a:xfrm>
+          <a:prstGeom prst="straightConnector1">
+            <a:avLst/>
+          </a:prstGeom>
+          <a:ln w="19050">
+            <a:headEnd type="none" w="med" len="med"/>
+            <a:tailEnd type="none" w="med" len="med"/>
+          </a:ln>
+        </p:spPr>
+        <p:style>
+          <a:lnRef idx="1">
+            <a:schemeClr val="dk1"/>
+          </a:lnRef>
+          <a:fillRef idx="0">
+            <a:schemeClr val="dk1"/>
+          </a:fillRef>
+          <a:effectRef idx="0">
+            <a:schemeClr val="dk1"/>
+          </a:effectRef>
+          <a:fontRef idx="minor">
+            <a:schemeClr val="tx1"/>
+          </a:fontRef>
+        </p:style>
+      </p:cxnSp>
+      <p:cxnSp>
+        <p:nvCxnSpPr>
+          <p:cNvPr id="147" name="직선 화살표 연결선 146">
+            <a:extLst>
+              <a:ext uri="{FF2B5EF4-FFF2-40B4-BE49-F238E27FC236}">
+                <a16:creationId xmlns:a16="http://schemas.microsoft.com/office/drawing/2014/main" id="{D6003A59-3C46-44B4-B5A6-470F18CF379F}"/>
+              </a:ext>
+            </a:extLst>
+          </p:cNvPr>
+          <p:cNvCxnSpPr>
+            <a:cxnSpLocks/>
+            <a:stCxn id="68" idx="0"/>
+          </p:cNvCxnSpPr>
+          <p:nvPr/>
+        </p:nvCxnSpPr>
+        <p:spPr>
+          <a:xfrm flipV="1">
+            <a:off x="6896629" y="4362340"/>
+            <a:ext cx="0" cy="234270"/>
+          </a:xfrm>
+          <a:prstGeom prst="straightConnector1">
+            <a:avLst/>
+          </a:prstGeom>
+          <a:ln w="19050">
+            <a:headEnd type="none" w="med" len="med"/>
+            <a:tailEnd type="none" w="med" len="med"/>
+          </a:ln>
+        </p:spPr>
+        <p:style>
+          <a:lnRef idx="1">
+            <a:schemeClr val="dk1"/>
+          </a:lnRef>
+          <a:fillRef idx="0">
+            <a:schemeClr val="dk1"/>
+          </a:fillRef>
+          <a:effectRef idx="0">
+            <a:schemeClr val="dk1"/>
+          </a:effectRef>
+          <a:fontRef idx="minor">
+            <a:schemeClr val="tx1"/>
+          </a:fontRef>
+        </p:style>
+      </p:cxnSp>
+      <p:cxnSp>
+        <p:nvCxnSpPr>
+          <p:cNvPr id="148" name="직선 화살표 연결선 147">
+            <a:extLst>
+              <a:ext uri="{FF2B5EF4-FFF2-40B4-BE49-F238E27FC236}">
+                <a16:creationId xmlns:a16="http://schemas.microsoft.com/office/drawing/2014/main" id="{9A752417-B4E7-40CC-9380-6AC40013210D}"/>
+              </a:ext>
+            </a:extLst>
+          </p:cNvPr>
+          <p:cNvCxnSpPr>
+            <a:cxnSpLocks/>
+            <a:endCxn id="62" idx="2"/>
+          </p:cNvCxnSpPr>
+          <p:nvPr/>
+        </p:nvCxnSpPr>
+        <p:spPr>
+          <a:xfrm flipV="1">
+            <a:off x="2601000" y="3777124"/>
+            <a:ext cx="0" cy="233813"/>
+          </a:xfrm>
+          <a:prstGeom prst="straightConnector1">
+            <a:avLst/>
+          </a:prstGeom>
+          <a:ln w="19050">
+            <a:headEnd type="none" w="med" len="med"/>
+            <a:tailEnd type="none" w="med" len="med"/>
+          </a:ln>
+        </p:spPr>
+        <p:style>
+          <a:lnRef idx="1">
+            <a:schemeClr val="dk1"/>
+          </a:lnRef>
+          <a:fillRef idx="0">
+            <a:schemeClr val="dk1"/>
+          </a:fillRef>
+          <a:effectRef idx="0">
+            <a:schemeClr val="dk1"/>
+          </a:effectRef>
+          <a:fontRef idx="minor">
+            <a:schemeClr val="tx1"/>
+          </a:fontRef>
+        </p:style>
+      </p:cxnSp>
+      <p:cxnSp>
+        <p:nvCxnSpPr>
+          <p:cNvPr id="149" name="직선 화살표 연결선 148">
+            <a:extLst>
+              <a:ext uri="{FF2B5EF4-FFF2-40B4-BE49-F238E27FC236}">
+                <a16:creationId xmlns:a16="http://schemas.microsoft.com/office/drawing/2014/main" id="{C61CC513-7896-4266-B6C1-5589854EFBFA}"/>
+              </a:ext>
+            </a:extLst>
+          </p:cNvPr>
+          <p:cNvCxnSpPr>
+            <a:cxnSpLocks/>
+            <a:endCxn id="63" idx="2"/>
+          </p:cNvCxnSpPr>
+          <p:nvPr/>
+        </p:nvCxnSpPr>
+        <p:spPr>
+          <a:xfrm flipV="1">
+            <a:off x="4033538" y="3777124"/>
+            <a:ext cx="3" cy="233813"/>
+          </a:xfrm>
+          <a:prstGeom prst="straightConnector1">
+            <a:avLst/>
+          </a:prstGeom>
+          <a:ln w="19050">
+            <a:headEnd type="none" w="med" len="med"/>
+            <a:tailEnd type="none" w="med" len="med"/>
+          </a:ln>
+        </p:spPr>
+        <p:style>
+          <a:lnRef idx="1">
+            <a:schemeClr val="dk1"/>
+          </a:lnRef>
+          <a:fillRef idx="0">
+            <a:schemeClr val="dk1"/>
+          </a:fillRef>
+          <a:effectRef idx="0">
+            <a:schemeClr val="dk1"/>
+          </a:effectRef>
+          <a:fontRef idx="minor">
+            <a:schemeClr val="tx1"/>
+          </a:fontRef>
+        </p:style>
+      </p:cxnSp>
+      <p:cxnSp>
+        <p:nvCxnSpPr>
+          <p:cNvPr id="150" name="직선 화살표 연결선 149">
+            <a:extLst>
+              <a:ext uri="{FF2B5EF4-FFF2-40B4-BE49-F238E27FC236}">
+                <a16:creationId xmlns:a16="http://schemas.microsoft.com/office/drawing/2014/main" id="{9D0C9CCF-88D1-4D2A-9B44-EEAF5DDF8B46}"/>
+              </a:ext>
+            </a:extLst>
+          </p:cNvPr>
+          <p:cNvCxnSpPr>
+            <a:cxnSpLocks/>
+            <a:endCxn id="64" idx="2"/>
+          </p:cNvCxnSpPr>
+          <p:nvPr/>
+        </p:nvCxnSpPr>
+        <p:spPr>
+          <a:xfrm flipV="1">
+            <a:off x="5466082" y="3777124"/>
+            <a:ext cx="0" cy="233813"/>
+          </a:xfrm>
+          <a:prstGeom prst="straightConnector1">
+            <a:avLst/>
+          </a:prstGeom>
+          <a:ln w="19050">
+            <a:headEnd type="none" w="med" len="med"/>
+            <a:tailEnd type="none" w="med" len="med"/>
+          </a:ln>
+        </p:spPr>
+        <p:style>
+          <a:lnRef idx="1">
+            <a:schemeClr val="dk1"/>
+          </a:lnRef>
+          <a:fillRef idx="0">
+            <a:schemeClr val="dk1"/>
+          </a:fillRef>
+          <a:effectRef idx="0">
+            <a:schemeClr val="dk1"/>
+          </a:effectRef>
+          <a:fontRef idx="minor">
+            <a:schemeClr val="tx1"/>
+          </a:fontRef>
+        </p:style>
+      </p:cxnSp>
+      <p:cxnSp>
+        <p:nvCxnSpPr>
+          <p:cNvPr id="151" name="직선 화살표 연결선 150">
+            <a:extLst>
+              <a:ext uri="{FF2B5EF4-FFF2-40B4-BE49-F238E27FC236}">
+                <a16:creationId xmlns:a16="http://schemas.microsoft.com/office/drawing/2014/main" id="{F278E4B1-5826-4187-8CE0-0C43DA7C04F8}"/>
+              </a:ext>
+            </a:extLst>
+          </p:cNvPr>
+          <p:cNvCxnSpPr>
+            <a:cxnSpLocks/>
+            <a:endCxn id="65" idx="2"/>
+          </p:cNvCxnSpPr>
+          <p:nvPr/>
+        </p:nvCxnSpPr>
+        <p:spPr>
+          <a:xfrm flipV="1">
+            <a:off x="6898622" y="3777124"/>
+            <a:ext cx="0" cy="233813"/>
+          </a:xfrm>
+          <a:prstGeom prst="straightConnector1">
+            <a:avLst/>
+          </a:prstGeom>
+          <a:ln w="19050">
+            <a:headEnd type="none" w="med" len="med"/>
+            <a:tailEnd type="none" w="med" len="med"/>
+          </a:ln>
+        </p:spPr>
+        <p:style>
+          <a:lnRef idx="1">
+            <a:schemeClr val="dk1"/>
+          </a:lnRef>
+          <a:fillRef idx="0">
+            <a:schemeClr val="dk1"/>
+          </a:fillRef>
+          <a:effectRef idx="0">
+            <a:schemeClr val="dk1"/>
+          </a:effectRef>
+          <a:fontRef idx="minor">
+            <a:schemeClr val="tx1"/>
+          </a:fontRef>
+        </p:style>
+      </p:cxnSp>
+      <p:cxnSp>
+        <p:nvCxnSpPr>
+          <p:cNvPr id="152" name="직선 화살표 연결선 151">
+            <a:extLst>
+              <a:ext uri="{FF2B5EF4-FFF2-40B4-BE49-F238E27FC236}">
+                <a16:creationId xmlns:a16="http://schemas.microsoft.com/office/drawing/2014/main" id="{90698469-F8B9-4F24-8A81-2ACA84C69E69}"/>
+              </a:ext>
+            </a:extLst>
+          </p:cNvPr>
+          <p:cNvCxnSpPr>
+            <a:cxnSpLocks/>
+            <a:endCxn id="144" idx="2"/>
+          </p:cNvCxnSpPr>
+          <p:nvPr/>
+        </p:nvCxnSpPr>
+        <p:spPr>
+          <a:xfrm flipV="1">
+            <a:off x="8331162" y="3777124"/>
+            <a:ext cx="0" cy="233813"/>
+          </a:xfrm>
+          <a:prstGeom prst="straightConnector1">
+            <a:avLst/>
+          </a:prstGeom>
+          <a:ln w="19050">
+            <a:headEnd type="none" w="med" len="med"/>
+            <a:tailEnd type="none" w="med" len="med"/>
+          </a:ln>
+        </p:spPr>
+        <p:style>
+          <a:lnRef idx="1">
+            <a:schemeClr val="dk1"/>
+          </a:lnRef>
+          <a:fillRef idx="0">
+            <a:schemeClr val="dk1"/>
+          </a:fillRef>
+          <a:effectRef idx="0">
+            <a:schemeClr val="dk1"/>
+          </a:effectRef>
+          <a:fontRef idx="minor">
+            <a:schemeClr val="tx1"/>
+          </a:fontRef>
+        </p:style>
+      </p:cxnSp>
+      <p:cxnSp>
+        <p:nvCxnSpPr>
+          <p:cNvPr id="153" name="직선 화살표 연결선 152">
+            <a:extLst>
+              <a:ext uri="{FF2B5EF4-FFF2-40B4-BE49-F238E27FC236}">
+                <a16:creationId xmlns:a16="http://schemas.microsoft.com/office/drawing/2014/main" id="{F16C2A54-20D4-41D7-ADD5-BAFF794B157E}"/>
+              </a:ext>
+            </a:extLst>
+          </p:cNvPr>
+          <p:cNvCxnSpPr>
+            <a:cxnSpLocks/>
+            <a:stCxn id="63" idx="0"/>
+            <a:endCxn id="141" idx="2"/>
+          </p:cNvCxnSpPr>
+          <p:nvPr/>
+        </p:nvCxnSpPr>
+        <p:spPr>
+          <a:xfrm flipH="1" flipV="1">
+            <a:off x="4033538" y="3191450"/>
+            <a:ext cx="3" cy="234270"/>
+          </a:xfrm>
+          <a:prstGeom prst="straightConnector1">
+            <a:avLst/>
+          </a:prstGeom>
+          <a:ln w="19050">
+            <a:headEnd type="none" w="med" len="med"/>
+            <a:tailEnd type="none" w="med" len="med"/>
+          </a:ln>
+        </p:spPr>
+        <p:style>
+          <a:lnRef idx="1">
+            <a:schemeClr val="dk1"/>
+          </a:lnRef>
+          <a:fillRef idx="0">
+            <a:schemeClr val="dk1"/>
+          </a:fillRef>
+          <a:effectRef idx="0">
+            <a:schemeClr val="dk1"/>
+          </a:effectRef>
+          <a:fontRef idx="minor">
+            <a:schemeClr val="tx1"/>
+          </a:fontRef>
+        </p:style>
+      </p:cxnSp>
+      <p:cxnSp>
+        <p:nvCxnSpPr>
+          <p:cNvPr id="154" name="직선 화살표 연결선 153">
+            <a:extLst>
+              <a:ext uri="{FF2B5EF4-FFF2-40B4-BE49-F238E27FC236}">
+                <a16:creationId xmlns:a16="http://schemas.microsoft.com/office/drawing/2014/main" id="{50927512-AC79-4A22-A3DE-2D5D0EE34484}"/>
+              </a:ext>
+            </a:extLst>
+          </p:cNvPr>
+          <p:cNvCxnSpPr>
+            <a:cxnSpLocks/>
+            <a:stCxn id="77" idx="2"/>
+            <a:endCxn id="97" idx="0"/>
+          </p:cNvCxnSpPr>
+          <p:nvPr/>
+        </p:nvCxnSpPr>
+        <p:spPr>
+          <a:xfrm>
+            <a:off x="5466084" y="2081131"/>
+            <a:ext cx="0" cy="233619"/>
+          </a:xfrm>
+          <a:prstGeom prst="straightConnector1">
+            <a:avLst/>
+          </a:prstGeom>
+          <a:ln w="19050">
+            <a:headEnd type="none" w="med" len="med"/>
+            <a:tailEnd type="arrow" w="med" len="med"/>
+          </a:ln>
+        </p:spPr>
+        <p:style>
+          <a:lnRef idx="1">
+            <a:schemeClr val="dk1"/>
+          </a:lnRef>
+          <a:fillRef idx="0">
+            <a:schemeClr val="dk1"/>
+          </a:fillRef>
+          <a:effectRef idx="0">
+            <a:schemeClr val="dk1"/>
+          </a:effectRef>
+          <a:fontRef idx="minor">
+            <a:schemeClr val="tx1"/>
+          </a:fontRef>
+        </p:style>
+      </p:cxnSp>
+      <p:cxnSp>
+        <p:nvCxnSpPr>
+          <p:cNvPr id="155" name="직선 화살표 연결선 154">
+            <a:extLst>
+              <a:ext uri="{FF2B5EF4-FFF2-40B4-BE49-F238E27FC236}">
+                <a16:creationId xmlns:a16="http://schemas.microsoft.com/office/drawing/2014/main" id="{D55856A3-2738-450E-B341-A50D47EF48A6}"/>
+              </a:ext>
+            </a:extLst>
+          </p:cNvPr>
+          <p:cNvCxnSpPr>
+            <a:cxnSpLocks/>
+            <a:stCxn id="72" idx="2"/>
+            <a:endCxn id="98" idx="0"/>
+          </p:cNvCxnSpPr>
+          <p:nvPr/>
+        </p:nvCxnSpPr>
+        <p:spPr>
+          <a:xfrm>
+            <a:off x="6898630" y="2081131"/>
+            <a:ext cx="0" cy="233619"/>
+          </a:xfrm>
+          <a:prstGeom prst="straightConnector1">
+            <a:avLst/>
+          </a:prstGeom>
+          <a:ln w="19050">
+            <a:headEnd type="none" w="med" len="med"/>
+            <a:tailEnd type="arrow" w="med" len="med"/>
+          </a:ln>
+        </p:spPr>
+        <p:style>
+          <a:lnRef idx="1">
+            <a:schemeClr val="dk1"/>
+          </a:lnRef>
+          <a:fillRef idx="0">
+            <a:schemeClr val="dk1"/>
+          </a:fillRef>
+          <a:effectRef idx="0">
+            <a:schemeClr val="dk1"/>
+          </a:effectRef>
+          <a:fontRef idx="minor">
+            <a:schemeClr val="tx1"/>
+          </a:fontRef>
+        </p:style>
+      </p:cxnSp>
+      <p:cxnSp>
+        <p:nvCxnSpPr>
+          <p:cNvPr id="156" name="직선 화살표 연결선 155">
+            <a:extLst>
+              <a:ext uri="{FF2B5EF4-FFF2-40B4-BE49-F238E27FC236}">
+                <a16:creationId xmlns:a16="http://schemas.microsoft.com/office/drawing/2014/main" id="{DE0DC0C3-D348-4904-AA9D-8395BC004ED5}"/>
+              </a:ext>
+            </a:extLst>
+          </p:cNvPr>
+          <p:cNvCxnSpPr>
+            <a:cxnSpLocks/>
+            <a:stCxn id="82" idx="2"/>
+            <a:endCxn id="140" idx="0"/>
+          </p:cNvCxnSpPr>
+          <p:nvPr/>
+        </p:nvCxnSpPr>
+        <p:spPr>
+          <a:xfrm flipH="1">
+            <a:off x="8331163" y="2081131"/>
+            <a:ext cx="2" cy="233619"/>
+          </a:xfrm>
+          <a:prstGeom prst="straightConnector1">
+            <a:avLst/>
+          </a:prstGeom>
+          <a:ln w="19050">
+            <a:headEnd type="none" w="med" len="med"/>
+            <a:tailEnd type="arrow" w="med" len="med"/>
+          </a:ln>
+        </p:spPr>
+        <p:style>
+          <a:lnRef idx="1">
+            <a:schemeClr val="dk1"/>
+          </a:lnRef>
+          <a:fillRef idx="0">
+            <a:schemeClr val="dk1"/>
+          </a:fillRef>
+          <a:effectRef idx="0">
+            <a:schemeClr val="dk1"/>
+          </a:effectRef>
+          <a:fontRef idx="minor">
+            <a:schemeClr val="tx1"/>
+          </a:fontRef>
+        </p:style>
+      </p:cxnSp>
+      <p:cxnSp>
+        <p:nvCxnSpPr>
+          <p:cNvPr id="157" name="직선 화살표 연결선 156">
+            <a:extLst>
+              <a:ext uri="{FF2B5EF4-FFF2-40B4-BE49-F238E27FC236}">
+                <a16:creationId xmlns:a16="http://schemas.microsoft.com/office/drawing/2014/main" id="{C08ED73C-A3B5-4F93-AF7C-6B6B28AB65B0}"/>
+              </a:ext>
+            </a:extLst>
+          </p:cNvPr>
+          <p:cNvCxnSpPr>
+            <a:cxnSpLocks/>
+            <a:stCxn id="97" idx="2"/>
+            <a:endCxn id="142" idx="0"/>
+          </p:cNvCxnSpPr>
+          <p:nvPr/>
+        </p:nvCxnSpPr>
+        <p:spPr>
+          <a:xfrm>
+            <a:off x="5466084" y="2666154"/>
+            <a:ext cx="279" cy="234270"/>
+          </a:xfrm>
+          <a:prstGeom prst="straightConnector1">
+            <a:avLst/>
+          </a:prstGeom>
+          <a:ln w="19050">
+            <a:headEnd type="none" w="med" len="med"/>
+            <a:tailEnd type="arrow" w="med" len="med"/>
+          </a:ln>
+        </p:spPr>
+        <p:style>
+          <a:lnRef idx="1">
+            <a:schemeClr val="dk1"/>
+          </a:lnRef>
+          <a:fillRef idx="0">
+            <a:schemeClr val="dk1"/>
+          </a:fillRef>
+          <a:effectRef idx="0">
+            <a:schemeClr val="dk1"/>
+          </a:effectRef>
+          <a:fontRef idx="minor">
+            <a:schemeClr val="tx1"/>
+          </a:fontRef>
+        </p:style>
+      </p:cxnSp>
+      <p:cxnSp>
+        <p:nvCxnSpPr>
+          <p:cNvPr id="158" name="직선 화살표 연결선 157">
+            <a:extLst>
+              <a:ext uri="{FF2B5EF4-FFF2-40B4-BE49-F238E27FC236}">
+                <a16:creationId xmlns:a16="http://schemas.microsoft.com/office/drawing/2014/main" id="{9CE915A0-FB87-497A-B68D-B32C54017FD8}"/>
+              </a:ext>
+            </a:extLst>
+          </p:cNvPr>
+          <p:cNvCxnSpPr>
+            <a:cxnSpLocks/>
+            <a:stCxn id="98" idx="2"/>
+            <a:endCxn id="143" idx="0"/>
+          </p:cNvCxnSpPr>
+          <p:nvPr/>
+        </p:nvCxnSpPr>
+        <p:spPr>
+          <a:xfrm flipH="1">
+            <a:off x="6898617" y="2666154"/>
+            <a:ext cx="13" cy="234270"/>
+          </a:xfrm>
+          <a:prstGeom prst="straightConnector1">
+            <a:avLst/>
+          </a:prstGeom>
+          <a:ln w="19050">
+            <a:headEnd type="none" w="med" len="med"/>
+            <a:tailEnd type="arrow" w="med" len="med"/>
+          </a:ln>
+        </p:spPr>
+        <p:style>
+          <a:lnRef idx="1">
+            <a:schemeClr val="dk1"/>
+          </a:lnRef>
+          <a:fillRef idx="0">
+            <a:schemeClr val="dk1"/>
+          </a:fillRef>
+          <a:effectRef idx="0">
+            <a:schemeClr val="dk1"/>
+          </a:effectRef>
+          <a:fontRef idx="minor">
+            <a:schemeClr val="tx1"/>
+          </a:fontRef>
+        </p:style>
+      </p:cxnSp>
+      <p:cxnSp>
+        <p:nvCxnSpPr>
+          <p:cNvPr id="159" name="직선 화살표 연결선 158">
+            <a:extLst>
+              <a:ext uri="{FF2B5EF4-FFF2-40B4-BE49-F238E27FC236}">
+                <a16:creationId xmlns:a16="http://schemas.microsoft.com/office/drawing/2014/main" id="{82B66A88-DEEB-4279-99FC-B140B865D674}"/>
+              </a:ext>
+            </a:extLst>
+          </p:cNvPr>
+          <p:cNvCxnSpPr>
+            <a:cxnSpLocks/>
+            <a:stCxn id="140" idx="2"/>
+          </p:cNvCxnSpPr>
+          <p:nvPr/>
+        </p:nvCxnSpPr>
+        <p:spPr>
+          <a:xfrm>
+            <a:off x="8331163" y="2666154"/>
+            <a:ext cx="0" cy="234270"/>
+          </a:xfrm>
+          <a:prstGeom prst="straightConnector1">
+            <a:avLst/>
+          </a:prstGeom>
+          <a:ln w="19050">
+            <a:headEnd type="none" w="med" len="med"/>
+            <a:tailEnd type="arrow" w="med" len="med"/>
+          </a:ln>
+        </p:spPr>
+        <p:style>
+          <a:lnRef idx="1">
+            <a:schemeClr val="dk1"/>
+          </a:lnRef>
+          <a:fillRef idx="0">
+            <a:schemeClr val="dk1"/>
+          </a:fillRef>
+          <a:effectRef idx="0">
+            <a:schemeClr val="dk1"/>
+          </a:effectRef>
+          <a:fontRef idx="minor">
+            <a:schemeClr val="tx1"/>
+          </a:fontRef>
+        </p:style>
+      </p:cxnSp>
+      <p:cxnSp>
+        <p:nvCxnSpPr>
+          <p:cNvPr id="160" name="직선 화살표 연결선 159">
+            <a:extLst>
+              <a:ext uri="{FF2B5EF4-FFF2-40B4-BE49-F238E27FC236}">
+                <a16:creationId xmlns:a16="http://schemas.microsoft.com/office/drawing/2014/main" id="{1A24039C-960F-4644-A06E-165679417542}"/>
+              </a:ext>
+            </a:extLst>
+          </p:cNvPr>
+          <p:cNvCxnSpPr>
+            <a:cxnSpLocks/>
+            <a:stCxn id="65" idx="0"/>
+            <a:endCxn id="143" idx="2"/>
+          </p:cNvCxnSpPr>
+          <p:nvPr/>
+        </p:nvCxnSpPr>
+        <p:spPr>
+          <a:xfrm flipH="1" flipV="1">
+            <a:off x="6898617" y="3191450"/>
+            <a:ext cx="5" cy="234270"/>
+          </a:xfrm>
+          <a:prstGeom prst="straightConnector1">
+            <a:avLst/>
+          </a:prstGeom>
+          <a:ln w="19050">
+            <a:headEnd type="none" w="med" len="med"/>
+            <a:tailEnd type="none" w="med" len="med"/>
+          </a:ln>
+        </p:spPr>
+        <p:style>
+          <a:lnRef idx="1">
+            <a:schemeClr val="dk1"/>
+          </a:lnRef>
+          <a:fillRef idx="0">
+            <a:schemeClr val="dk1"/>
+          </a:fillRef>
+          <a:effectRef idx="0">
+            <a:schemeClr val="dk1"/>
+          </a:effectRef>
+          <a:fontRef idx="minor">
+            <a:schemeClr val="tx1"/>
+          </a:fontRef>
+        </p:style>
+      </p:cxnSp>
+      <p:cxnSp>
+        <p:nvCxnSpPr>
+          <p:cNvPr id="161" name="직선 화살표 연결선 160">
+            <a:extLst>
+              <a:ext uri="{FF2B5EF4-FFF2-40B4-BE49-F238E27FC236}">
+                <a16:creationId xmlns:a16="http://schemas.microsoft.com/office/drawing/2014/main" id="{D11C6AC8-061E-4342-99B1-F2AD4716274D}"/>
+              </a:ext>
+            </a:extLst>
+          </p:cNvPr>
+          <p:cNvCxnSpPr>
+            <a:cxnSpLocks/>
+            <a:stCxn id="64" idx="0"/>
+            <a:endCxn id="142" idx="2"/>
+          </p:cNvCxnSpPr>
+          <p:nvPr/>
+        </p:nvCxnSpPr>
+        <p:spPr>
+          <a:xfrm flipV="1">
+            <a:off x="5466081" y="3191450"/>
+            <a:ext cx="282" cy="234270"/>
+          </a:xfrm>
+          <a:prstGeom prst="straightConnector1">
+            <a:avLst/>
+          </a:prstGeom>
+          <a:ln w="19050">
+            <a:headEnd type="none" w="med" len="med"/>
+            <a:tailEnd type="none" w="med" len="med"/>
+          </a:ln>
+        </p:spPr>
+        <p:style>
+          <a:lnRef idx="1">
+            <a:schemeClr val="dk1"/>
+          </a:lnRef>
+          <a:fillRef idx="0">
+            <a:schemeClr val="dk1"/>
+          </a:fillRef>
+          <a:effectRef idx="0">
+            <a:schemeClr val="dk1"/>
+          </a:effectRef>
+          <a:fontRef idx="minor">
+            <a:schemeClr val="tx1"/>
+          </a:fontRef>
+        </p:style>
+      </p:cxnSp>
+      <p:sp>
+        <p:nvSpPr>
+          <p:cNvPr id="162" name="사각형: 둥근 모서리 161">
+            <a:extLst>
+              <a:ext uri="{FF2B5EF4-FFF2-40B4-BE49-F238E27FC236}">
+                <a16:creationId xmlns:a16="http://schemas.microsoft.com/office/drawing/2014/main" id="{C335057A-6703-446E-A149-81EAC7890762}"/>
+              </a:ext>
+            </a:extLst>
+          </p:cNvPr>
+          <p:cNvSpPr/>
+          <p:nvPr/>
+        </p:nvSpPr>
+        <p:spPr>
+          <a:xfrm>
+            <a:off x="2441042" y="2900423"/>
+            <a:ext cx="315932" cy="291027"/>
+          </a:xfrm>
+          <a:prstGeom prst="roundRect">
+            <a:avLst>
+              <a:gd name="adj" fmla="val 50000"/>
+            </a:avLst>
+          </a:prstGeom>
+          <a:solidFill>
+            <a:schemeClr val="bg1">
+              <a:lumMod val="85000"/>
+            </a:schemeClr>
+          </a:solidFill>
+        </p:spPr>
+        <p:style>
+          <a:lnRef idx="2">
+            <a:schemeClr val="dk1"/>
+          </a:lnRef>
+          <a:fillRef idx="1">
+            <a:schemeClr val="lt1"/>
+          </a:fillRef>
+          <a:effectRef idx="0">
+            <a:schemeClr val="dk1"/>
+          </a:effectRef>
+          <a:fontRef idx="minor">
+            <a:schemeClr val="dk1"/>
+          </a:fontRef>
+        </p:style>
+        <p:txBody>
+          <a:bodyPr rtlCol="0" anchor="ctr"/>
+          <a:lstStyle/>
+          <a:p>
+            <a:pPr algn="ctr"/>
+            <a:r>
+              <a:rPr lang="en-US" altLang="ko-KR" sz="1200"/>
+              <a:t>G</a:t>
+            </a:r>
+            <a:endParaRPr lang="ko-KR" altLang="en-US" sz="1200"/>
+          </a:p>
+        </p:txBody>
+      </p:sp>
+      <p:cxnSp>
+        <p:nvCxnSpPr>
+          <p:cNvPr id="163" name="직선 화살표 연결선 162">
+            <a:extLst>
+              <a:ext uri="{FF2B5EF4-FFF2-40B4-BE49-F238E27FC236}">
+                <a16:creationId xmlns:a16="http://schemas.microsoft.com/office/drawing/2014/main" id="{60A80240-DAED-4B2F-AAF4-E01E2CC23E77}"/>
+              </a:ext>
+            </a:extLst>
+          </p:cNvPr>
+          <p:cNvCxnSpPr>
+            <a:cxnSpLocks/>
+            <a:stCxn id="62" idx="0"/>
+            <a:endCxn id="162" idx="2"/>
+          </p:cNvCxnSpPr>
+          <p:nvPr/>
+        </p:nvCxnSpPr>
+        <p:spPr>
+          <a:xfrm flipH="1" flipV="1">
+            <a:off x="2599008" y="3191450"/>
+            <a:ext cx="1992" cy="234270"/>
+          </a:xfrm>
+          <a:prstGeom prst="straightConnector1">
+            <a:avLst/>
+          </a:prstGeom>
+          <a:ln w="19050">
+            <a:headEnd type="none" w="med" len="med"/>
+            <a:tailEnd type="none" w="med" len="med"/>
+          </a:ln>
+        </p:spPr>
+        <p:style>
+          <a:lnRef idx="1">
+            <a:schemeClr val="dk1"/>
+          </a:lnRef>
+          <a:fillRef idx="0">
+            <a:schemeClr val="dk1"/>
+          </a:fillRef>
+          <a:effectRef idx="0">
+            <a:schemeClr val="dk1"/>
+          </a:effectRef>
+          <a:fontRef idx="minor">
+            <a:schemeClr val="tx1"/>
+          </a:fontRef>
+        </p:style>
+      </p:cxnSp>
+      <p:sp>
+        <p:nvSpPr>
+          <p:cNvPr id="164" name="사각형: 둥근 모서리 163">
+            <a:extLst>
+              <a:ext uri="{FF2B5EF4-FFF2-40B4-BE49-F238E27FC236}">
+                <a16:creationId xmlns:a16="http://schemas.microsoft.com/office/drawing/2014/main" id="{243BA8F8-A493-4E85-BDF4-544F4AD0FFE8}"/>
+              </a:ext>
+            </a:extLst>
+          </p:cNvPr>
+          <p:cNvSpPr/>
+          <p:nvPr/>
+        </p:nvSpPr>
+        <p:spPr>
+          <a:xfrm>
+            <a:off x="2246620" y="1864991"/>
+            <a:ext cx="2122010" cy="637569"/>
+          </a:xfrm>
+          <a:prstGeom prst="roundRect">
+            <a:avLst>
+              <a:gd name="adj" fmla="val 11924"/>
+            </a:avLst>
+          </a:prstGeom>
+        </p:spPr>
+        <p:style>
+          <a:lnRef idx="2">
+            <a:schemeClr val="dk1"/>
+          </a:lnRef>
+          <a:fillRef idx="1">
+            <a:schemeClr val="lt1"/>
+          </a:fillRef>
+          <a:effectRef idx="0">
+            <a:schemeClr val="dk1"/>
+          </a:effectRef>
+          <a:fontRef idx="minor">
+            <a:schemeClr val="dk1"/>
+          </a:fontRef>
+        </p:style>
+        <p:txBody>
+          <a:bodyPr rtlCol="0" anchor="b"/>
+          <a:lstStyle/>
+          <a:p>
+            <a:pPr algn="ctr"/>
+            <a:r>
+              <a:rPr lang="en-US" altLang="ko-KR" sz="1200"/>
+              <a:t>GRQ</a:t>
+            </a:r>
+            <a:endParaRPr lang="ko-KR" altLang="en-US" sz="1200"/>
+          </a:p>
+        </p:txBody>
+      </p:sp>
+      <p:sp>
+        <p:nvSpPr>
+          <p:cNvPr id="165" name="사각형: 둥근 모서리 164">
+            <a:extLst>
+              <a:ext uri="{FF2B5EF4-FFF2-40B4-BE49-F238E27FC236}">
+                <a16:creationId xmlns:a16="http://schemas.microsoft.com/office/drawing/2014/main" id="{25700973-09E8-45A1-9708-20A87C58F4FF}"/>
+              </a:ext>
+            </a:extLst>
+          </p:cNvPr>
+          <p:cNvSpPr/>
+          <p:nvPr/>
+        </p:nvSpPr>
+        <p:spPr>
+          <a:xfrm>
+            <a:off x="2330568" y="1924993"/>
+            <a:ext cx="315932" cy="291027"/>
+          </a:xfrm>
+          <a:prstGeom prst="roundRect">
+            <a:avLst>
+              <a:gd name="adj" fmla="val 50000"/>
+            </a:avLst>
+          </a:prstGeom>
+          <a:solidFill>
+            <a:schemeClr val="bg1">
+              <a:lumMod val="85000"/>
+            </a:schemeClr>
+          </a:solidFill>
+        </p:spPr>
+        <p:style>
+          <a:lnRef idx="2">
+            <a:schemeClr val="dk1"/>
+          </a:lnRef>
+          <a:fillRef idx="1">
+            <a:schemeClr val="lt1"/>
+          </a:fillRef>
+          <a:effectRef idx="0">
+            <a:schemeClr val="dk1"/>
+          </a:effectRef>
+          <a:fontRef idx="minor">
+            <a:schemeClr val="dk1"/>
+          </a:fontRef>
+        </p:style>
+        <p:txBody>
+          <a:bodyPr rtlCol="0" anchor="ctr"/>
+          <a:lstStyle/>
+          <a:p>
+            <a:pPr algn="ctr"/>
+            <a:r>
+              <a:rPr lang="en-US" altLang="ko-KR" sz="1200"/>
+              <a:t>G</a:t>
+            </a:r>
+            <a:endParaRPr lang="ko-KR" altLang="en-US" sz="1200"/>
+          </a:p>
+        </p:txBody>
+      </p:sp>
+      <p:sp>
+        <p:nvSpPr>
+          <p:cNvPr id="166" name="사각형: 둥근 모서리 165">
+            <a:extLst>
+              <a:ext uri="{FF2B5EF4-FFF2-40B4-BE49-F238E27FC236}">
+                <a16:creationId xmlns:a16="http://schemas.microsoft.com/office/drawing/2014/main" id="{7645E077-CC50-4EDD-A4B1-A9C179A30625}"/>
+              </a:ext>
+            </a:extLst>
+          </p:cNvPr>
+          <p:cNvSpPr/>
+          <p:nvPr/>
+        </p:nvSpPr>
+        <p:spPr>
+          <a:xfrm>
+            <a:off x="3149659" y="1924993"/>
+            <a:ext cx="315932" cy="291027"/>
+          </a:xfrm>
+          <a:prstGeom prst="roundRect">
+            <a:avLst>
+              <a:gd name="adj" fmla="val 50000"/>
+            </a:avLst>
+          </a:prstGeom>
+          <a:solidFill>
+            <a:schemeClr val="bg1">
+              <a:lumMod val="85000"/>
+            </a:schemeClr>
+          </a:solidFill>
+        </p:spPr>
+        <p:style>
+          <a:lnRef idx="2">
+            <a:schemeClr val="dk1"/>
+          </a:lnRef>
+          <a:fillRef idx="1">
+            <a:schemeClr val="lt1"/>
+          </a:fillRef>
+          <a:effectRef idx="0">
+            <a:schemeClr val="dk1"/>
+          </a:effectRef>
+          <a:fontRef idx="minor">
+            <a:schemeClr val="dk1"/>
+          </a:fontRef>
+        </p:style>
+        <p:txBody>
+          <a:bodyPr rtlCol="0" anchor="ctr"/>
+          <a:lstStyle/>
+          <a:p>
+            <a:pPr algn="ctr"/>
+            <a:r>
+              <a:rPr lang="en-US" altLang="ko-KR" sz="1200"/>
+              <a:t>G</a:t>
+            </a:r>
+            <a:endParaRPr lang="ko-KR" altLang="en-US" sz="1200"/>
+          </a:p>
+        </p:txBody>
+      </p:sp>
+      <p:sp>
+        <p:nvSpPr>
+          <p:cNvPr id="167" name="사각형: 둥근 모서리 166">
+            <a:extLst>
+              <a:ext uri="{FF2B5EF4-FFF2-40B4-BE49-F238E27FC236}">
+                <a16:creationId xmlns:a16="http://schemas.microsoft.com/office/drawing/2014/main" id="{EFC67E6D-715C-4988-B27B-C94EA562655D}"/>
+              </a:ext>
+            </a:extLst>
+          </p:cNvPr>
+          <p:cNvSpPr/>
+          <p:nvPr/>
+        </p:nvSpPr>
+        <p:spPr>
+          <a:xfrm>
+            <a:off x="2740113" y="1924993"/>
+            <a:ext cx="315932" cy="291027"/>
+          </a:xfrm>
+          <a:prstGeom prst="roundRect">
+            <a:avLst>
+              <a:gd name="adj" fmla="val 50000"/>
+            </a:avLst>
+          </a:prstGeom>
+          <a:solidFill>
+            <a:schemeClr val="bg1">
+              <a:lumMod val="85000"/>
+            </a:schemeClr>
+          </a:solidFill>
+        </p:spPr>
+        <p:style>
+          <a:lnRef idx="2">
+            <a:schemeClr val="dk1"/>
+          </a:lnRef>
+          <a:fillRef idx="1">
+            <a:schemeClr val="lt1"/>
+          </a:fillRef>
+          <a:effectRef idx="0">
+            <a:schemeClr val="dk1"/>
+          </a:effectRef>
+          <a:fontRef idx="minor">
+            <a:schemeClr val="dk1"/>
+          </a:fontRef>
+        </p:style>
+        <p:txBody>
+          <a:bodyPr rtlCol="0" anchor="ctr"/>
+          <a:lstStyle/>
+          <a:p>
+            <a:pPr algn="ctr"/>
+            <a:r>
+              <a:rPr lang="en-US" altLang="ko-KR" sz="1200"/>
+              <a:t>G</a:t>
+            </a:r>
+            <a:endParaRPr lang="ko-KR" altLang="en-US" sz="1200"/>
+          </a:p>
+        </p:txBody>
+      </p:sp>
+      <p:sp>
+        <p:nvSpPr>
+          <p:cNvPr id="168" name="사각형: 둥근 모서리 167">
+            <a:extLst>
+              <a:ext uri="{FF2B5EF4-FFF2-40B4-BE49-F238E27FC236}">
+                <a16:creationId xmlns:a16="http://schemas.microsoft.com/office/drawing/2014/main" id="{6DCFC37A-8D41-4317-AD0E-3DEAD425FA9C}"/>
+              </a:ext>
+            </a:extLst>
+          </p:cNvPr>
+          <p:cNvSpPr/>
+          <p:nvPr/>
+        </p:nvSpPr>
+        <p:spPr>
+          <a:xfrm>
+            <a:off x="3555383" y="1924993"/>
+            <a:ext cx="315932" cy="291027"/>
+          </a:xfrm>
+          <a:prstGeom prst="roundRect">
+            <a:avLst>
+              <a:gd name="adj" fmla="val 50000"/>
+            </a:avLst>
+          </a:prstGeom>
+          <a:solidFill>
+            <a:schemeClr val="bg1">
+              <a:lumMod val="85000"/>
+            </a:schemeClr>
+          </a:solidFill>
+        </p:spPr>
+        <p:style>
+          <a:lnRef idx="2">
+            <a:schemeClr val="dk1"/>
+          </a:lnRef>
+          <a:fillRef idx="1">
+            <a:schemeClr val="lt1"/>
+          </a:fillRef>
+          <a:effectRef idx="0">
+            <a:schemeClr val="dk1"/>
+          </a:effectRef>
+          <a:fontRef idx="minor">
+            <a:schemeClr val="dk1"/>
+          </a:fontRef>
+        </p:style>
+        <p:txBody>
+          <a:bodyPr rtlCol="0" anchor="ctr"/>
+          <a:lstStyle/>
+          <a:p>
+            <a:pPr algn="ctr"/>
+            <a:r>
+              <a:rPr lang="en-US" altLang="ko-KR" sz="1200"/>
+              <a:t>G</a:t>
+            </a:r>
+            <a:endParaRPr lang="ko-KR" altLang="en-US" sz="1200"/>
+          </a:p>
+        </p:txBody>
+      </p:sp>
+      <p:sp>
+        <p:nvSpPr>
+          <p:cNvPr id="187" name="사각형: 둥근 모서리 186">
+            <a:extLst>
+              <a:ext uri="{FF2B5EF4-FFF2-40B4-BE49-F238E27FC236}">
+                <a16:creationId xmlns:a16="http://schemas.microsoft.com/office/drawing/2014/main" id="{0948CE98-2AD8-4DC3-AC3A-FFA8F3B894A4}"/>
+              </a:ext>
+            </a:extLst>
+          </p:cNvPr>
+          <p:cNvSpPr/>
+          <p:nvPr/>
+        </p:nvSpPr>
+        <p:spPr>
+          <a:xfrm>
+            <a:off x="8172905" y="2900423"/>
+            <a:ext cx="315932" cy="291027"/>
+          </a:xfrm>
+          <a:prstGeom prst="roundRect">
+            <a:avLst>
+              <a:gd name="adj" fmla="val 50000"/>
+            </a:avLst>
+          </a:prstGeom>
+          <a:solidFill>
+            <a:schemeClr val="bg1">
+              <a:lumMod val="85000"/>
+            </a:schemeClr>
+          </a:solidFill>
+        </p:spPr>
+        <p:style>
+          <a:lnRef idx="2">
+            <a:schemeClr val="dk1"/>
+          </a:lnRef>
+          <a:fillRef idx="1">
+            <a:schemeClr val="lt1"/>
+          </a:fillRef>
+          <a:effectRef idx="0">
+            <a:schemeClr val="dk1"/>
+          </a:effectRef>
+          <a:fontRef idx="minor">
+            <a:schemeClr val="dk1"/>
+          </a:fontRef>
+        </p:style>
+        <p:txBody>
+          <a:bodyPr rtlCol="0" anchor="ctr"/>
+          <a:lstStyle/>
+          <a:p>
+            <a:pPr algn="ctr"/>
+            <a:r>
+              <a:rPr lang="en-US" altLang="ko-KR" sz="1200"/>
+              <a:t>G</a:t>
+            </a:r>
+            <a:endParaRPr lang="ko-KR" altLang="en-US" sz="1200"/>
+          </a:p>
+        </p:txBody>
+      </p:sp>
+      <p:cxnSp>
+        <p:nvCxnSpPr>
+          <p:cNvPr id="188" name="직선 화살표 연결선 187">
+            <a:extLst>
+              <a:ext uri="{FF2B5EF4-FFF2-40B4-BE49-F238E27FC236}">
+                <a16:creationId xmlns:a16="http://schemas.microsoft.com/office/drawing/2014/main" id="{9AD54F62-B755-41D3-A8B3-103EC2BA7691}"/>
+              </a:ext>
+            </a:extLst>
+          </p:cNvPr>
+          <p:cNvCxnSpPr>
+            <a:cxnSpLocks/>
+            <a:stCxn id="144" idx="0"/>
+            <a:endCxn id="187" idx="2"/>
+          </p:cNvCxnSpPr>
+          <p:nvPr/>
+        </p:nvCxnSpPr>
+        <p:spPr>
+          <a:xfrm flipH="1" flipV="1">
+            <a:off x="8330871" y="3191450"/>
+            <a:ext cx="291" cy="234270"/>
+          </a:xfrm>
+          <a:prstGeom prst="straightConnector1">
+            <a:avLst/>
+          </a:prstGeom>
+          <a:ln w="19050">
+            <a:headEnd type="none" w="med" len="med"/>
+            <a:tailEnd type="none" w="med" len="med"/>
+          </a:ln>
+        </p:spPr>
+        <p:style>
+          <a:lnRef idx="1">
+            <a:schemeClr val="dk1"/>
+          </a:lnRef>
+          <a:fillRef idx="0">
+            <a:schemeClr val="dk1"/>
+          </a:fillRef>
+          <a:effectRef idx="0">
+            <a:schemeClr val="dk1"/>
+          </a:effectRef>
+          <a:fontRef idx="minor">
+            <a:schemeClr val="tx1"/>
+          </a:fontRef>
+        </p:style>
+      </p:cxnSp>
+      <p:sp>
+        <p:nvSpPr>
+          <p:cNvPr id="204" name="사각형: 둥근 모서리 203">
+            <a:extLst>
+              <a:ext uri="{FF2B5EF4-FFF2-40B4-BE49-F238E27FC236}">
+                <a16:creationId xmlns:a16="http://schemas.microsoft.com/office/drawing/2014/main" id="{ACAE6CB4-6784-4A0D-8ACE-275F4D981A74}"/>
+              </a:ext>
+            </a:extLst>
+          </p:cNvPr>
+          <p:cNvSpPr/>
+          <p:nvPr/>
+        </p:nvSpPr>
+        <p:spPr>
+          <a:xfrm>
+            <a:off x="5148065" y="2840046"/>
+            <a:ext cx="3518104" cy="432672"/>
+          </a:xfrm>
+          <a:prstGeom prst="roundRect">
+            <a:avLst/>
+          </a:prstGeom>
+          <a:noFill/>
+          <a:ln>
+            <a:prstDash val="dash"/>
+          </a:ln>
+        </p:spPr>
+        <p:style>
+          <a:lnRef idx="2">
+            <a:schemeClr val="dk1"/>
+          </a:lnRef>
+          <a:fillRef idx="1">
+            <a:schemeClr val="lt1"/>
+          </a:fillRef>
+          <a:effectRef idx="0">
+            <a:schemeClr val="dk1"/>
+          </a:effectRef>
+          <a:fontRef idx="minor">
+            <a:schemeClr val="dk1"/>
+          </a:fontRef>
+        </p:style>
+        <p:txBody>
+          <a:bodyPr rtlCol="0" anchor="ctr"/>
+          <a:lstStyle/>
+          <a:p>
+            <a:pPr algn="ctr"/>
+            <a:r>
+              <a:rPr lang="en-US" altLang="ko-KR" sz="1400"/>
+              <a:t>                        </a:t>
+            </a:r>
+            <a:r>
+              <a:rPr lang="en-US" altLang="ko-KR" sz="1200"/>
+              <a:t>Executing</a:t>
+            </a:r>
+          </a:p>
+          <a:p>
+            <a:pPr algn="ctr"/>
+            <a:r>
+              <a:rPr lang="en-US" altLang="ko-KR" sz="1200"/>
+              <a:t>                            Goroutines</a:t>
+            </a:r>
+            <a:endParaRPr lang="ko-KR" altLang="en-US" sz="1400"/>
+          </a:p>
+        </p:txBody>
+      </p:sp>
+      <p:sp>
+        <p:nvSpPr>
+          <p:cNvPr id="205" name="사각형: 둥근 모서리 204">
+            <a:extLst>
+              <a:ext uri="{FF2B5EF4-FFF2-40B4-BE49-F238E27FC236}">
+                <a16:creationId xmlns:a16="http://schemas.microsoft.com/office/drawing/2014/main" id="{0156E945-D305-4BBE-868B-DB17D79C2362}"/>
+              </a:ext>
+            </a:extLst>
+          </p:cNvPr>
+          <p:cNvSpPr/>
+          <p:nvPr/>
+        </p:nvSpPr>
+        <p:spPr>
+          <a:xfrm>
+            <a:off x="2246619" y="2840046"/>
+            <a:ext cx="2122011" cy="432672"/>
+          </a:xfrm>
+          <a:prstGeom prst="roundRect">
+            <a:avLst/>
+          </a:prstGeom>
+          <a:noFill/>
+          <a:ln>
+            <a:prstDash val="dash"/>
+          </a:ln>
+        </p:spPr>
+        <p:style>
+          <a:lnRef idx="2">
+            <a:schemeClr val="dk1"/>
+          </a:lnRef>
+          <a:fillRef idx="1">
+            <a:schemeClr val="lt1"/>
+          </a:fillRef>
+          <a:effectRef idx="0">
+            <a:schemeClr val="dk1"/>
+          </a:effectRef>
+          <a:fontRef idx="minor">
+            <a:schemeClr val="dk1"/>
+          </a:fontRef>
+        </p:style>
+        <p:txBody>
+          <a:bodyPr rtlCol="0" anchor="ctr"/>
+          <a:lstStyle/>
+          <a:p>
+            <a:pPr algn="ctr"/>
+            <a:r>
+              <a:rPr lang="en-US" altLang="ko-KR" sz="1200"/>
+              <a:t>Blocking</a:t>
+            </a:r>
+          </a:p>
+          <a:p>
+            <a:pPr algn="ctr"/>
+            <a:r>
+              <a:rPr lang="en-US" altLang="ko-KR" sz="1200"/>
+              <a:t>Goroutines</a:t>
+            </a:r>
+            <a:endParaRPr lang="ko-KR" altLang="en-US" sz="1400"/>
+          </a:p>
+        </p:txBody>
+      </p:sp>
+      <p:sp>
+        <p:nvSpPr>
+          <p:cNvPr id="207" name="사각형: 둥근 모서리 206">
+            <a:extLst>
+              <a:ext uri="{FF2B5EF4-FFF2-40B4-BE49-F238E27FC236}">
+                <a16:creationId xmlns:a16="http://schemas.microsoft.com/office/drawing/2014/main" id="{6C1166C6-6821-46EB-AA94-125E0297D021}"/>
+              </a:ext>
+            </a:extLst>
+          </p:cNvPr>
+          <p:cNvSpPr/>
+          <p:nvPr/>
+        </p:nvSpPr>
+        <p:spPr>
+          <a:xfrm>
+            <a:off x="873093" y="1864991"/>
+            <a:ext cx="948677" cy="1912133"/>
+          </a:xfrm>
+          <a:prstGeom prst="roundRect">
+            <a:avLst>
+              <a:gd name="adj" fmla="val 4994"/>
+            </a:avLst>
+          </a:prstGeom>
+        </p:spPr>
+        <p:style>
+          <a:lnRef idx="2">
+            <a:schemeClr val="dk1"/>
+          </a:lnRef>
+          <a:fillRef idx="1">
+            <a:schemeClr val="lt1"/>
+          </a:fillRef>
+          <a:effectRef idx="0">
+            <a:schemeClr val="dk1"/>
+          </a:effectRef>
+          <a:fontRef idx="minor">
+            <a:schemeClr val="dk1"/>
+          </a:fontRef>
+        </p:style>
+        <p:txBody>
+          <a:bodyPr rtlCol="0" anchor="b"/>
+          <a:lstStyle/>
+          <a:p>
+            <a:pPr algn="ctr"/>
+            <a:r>
+              <a:rPr lang="en-US" altLang="ko-KR" sz="1200"/>
+              <a:t>Net Poller</a:t>
+            </a:r>
+          </a:p>
+          <a:p>
+            <a:pPr algn="ctr"/>
+            <a:r>
+              <a:rPr lang="en-US" altLang="ko-KR" sz="1200"/>
+              <a:t>(Thread)</a:t>
+            </a:r>
+            <a:endParaRPr lang="ko-KR" altLang="en-US" sz="1200"/>
+          </a:p>
+        </p:txBody>
+      </p:sp>
+      <p:sp>
+        <p:nvSpPr>
+          <p:cNvPr id="208" name="사각형: 둥근 모서리 207">
+            <a:extLst>
+              <a:ext uri="{FF2B5EF4-FFF2-40B4-BE49-F238E27FC236}">
+                <a16:creationId xmlns:a16="http://schemas.microsoft.com/office/drawing/2014/main" id="{5093C039-5E56-488C-BD37-174A61BA21FC}"/>
+              </a:ext>
+            </a:extLst>
+          </p:cNvPr>
+          <p:cNvSpPr/>
+          <p:nvPr/>
+        </p:nvSpPr>
+        <p:spPr>
+          <a:xfrm>
+            <a:off x="1189465" y="3017558"/>
+            <a:ext cx="315932" cy="291027"/>
+          </a:xfrm>
+          <a:prstGeom prst="roundRect">
+            <a:avLst>
+              <a:gd name="adj" fmla="val 50000"/>
+            </a:avLst>
+          </a:prstGeom>
+          <a:solidFill>
+            <a:schemeClr val="bg1">
+              <a:lumMod val="85000"/>
+            </a:schemeClr>
+          </a:solidFill>
+        </p:spPr>
+        <p:style>
+          <a:lnRef idx="2">
+            <a:schemeClr val="dk1"/>
+          </a:lnRef>
+          <a:fillRef idx="1">
+            <a:schemeClr val="lt1"/>
+          </a:fillRef>
+          <a:effectRef idx="0">
+            <a:schemeClr val="dk1"/>
+          </a:effectRef>
+          <a:fontRef idx="minor">
+            <a:schemeClr val="dk1"/>
+          </a:fontRef>
+        </p:style>
+        <p:txBody>
+          <a:bodyPr rtlCol="0" anchor="ctr"/>
+          <a:lstStyle/>
+          <a:p>
+            <a:pPr algn="ctr"/>
+            <a:r>
+              <a:rPr lang="en-US" altLang="ko-KR" sz="1200"/>
+              <a:t>G</a:t>
+            </a:r>
+            <a:endParaRPr lang="ko-KR" altLang="en-US" sz="1200"/>
+          </a:p>
+        </p:txBody>
+      </p:sp>
+      <p:sp>
+        <p:nvSpPr>
+          <p:cNvPr id="209" name="사각형: 둥근 모서리 208">
+            <a:extLst>
+              <a:ext uri="{FF2B5EF4-FFF2-40B4-BE49-F238E27FC236}">
+                <a16:creationId xmlns:a16="http://schemas.microsoft.com/office/drawing/2014/main" id="{1A5B72C2-513A-4AC6-9481-5DDA7553E982}"/>
+              </a:ext>
+            </a:extLst>
+          </p:cNvPr>
+          <p:cNvSpPr/>
+          <p:nvPr/>
+        </p:nvSpPr>
+        <p:spPr>
+          <a:xfrm>
+            <a:off x="1189465" y="2637775"/>
+            <a:ext cx="315932" cy="291027"/>
+          </a:xfrm>
+          <a:prstGeom prst="roundRect">
+            <a:avLst>
+              <a:gd name="adj" fmla="val 50000"/>
+            </a:avLst>
+          </a:prstGeom>
+          <a:solidFill>
+            <a:schemeClr val="bg1">
+              <a:lumMod val="85000"/>
+            </a:schemeClr>
+          </a:solidFill>
+        </p:spPr>
+        <p:style>
+          <a:lnRef idx="2">
+            <a:schemeClr val="dk1"/>
+          </a:lnRef>
+          <a:fillRef idx="1">
+            <a:schemeClr val="lt1"/>
+          </a:fillRef>
+          <a:effectRef idx="0">
+            <a:schemeClr val="dk1"/>
+          </a:effectRef>
+          <a:fontRef idx="minor">
+            <a:schemeClr val="dk1"/>
+          </a:fontRef>
+        </p:style>
+        <p:txBody>
+          <a:bodyPr rtlCol="0" anchor="ctr"/>
+          <a:lstStyle/>
+          <a:p>
+            <a:pPr algn="ctr"/>
+            <a:r>
+              <a:rPr lang="en-US" altLang="ko-KR" sz="1200"/>
+              <a:t>G</a:t>
+            </a:r>
+            <a:endParaRPr lang="ko-KR" altLang="en-US" sz="1200"/>
+          </a:p>
+        </p:txBody>
+      </p:sp>
+      <p:sp>
+        <p:nvSpPr>
+          <p:cNvPr id="215" name="사각형: 둥근 모서리 214">
+            <a:extLst>
+              <a:ext uri="{FF2B5EF4-FFF2-40B4-BE49-F238E27FC236}">
+                <a16:creationId xmlns:a16="http://schemas.microsoft.com/office/drawing/2014/main" id="{CC6B30FA-0186-4DC4-AEFC-E6137686584F}"/>
+              </a:ext>
+            </a:extLst>
+          </p:cNvPr>
+          <p:cNvSpPr/>
+          <p:nvPr/>
+        </p:nvSpPr>
+        <p:spPr>
+          <a:xfrm>
+            <a:off x="5148065" y="2277826"/>
+            <a:ext cx="3518104" cy="432672"/>
+          </a:xfrm>
+          <a:prstGeom prst="roundRect">
+            <a:avLst/>
+          </a:prstGeom>
+          <a:noFill/>
+          <a:ln>
+            <a:prstDash val="dash"/>
+          </a:ln>
+        </p:spPr>
+        <p:style>
+          <a:lnRef idx="2">
+            <a:schemeClr val="dk1"/>
+          </a:lnRef>
+          <a:fillRef idx="1">
+            <a:schemeClr val="lt1"/>
+          </a:fillRef>
+          <a:effectRef idx="0">
+            <a:schemeClr val="dk1"/>
+          </a:effectRef>
+          <a:fontRef idx="minor">
+            <a:schemeClr val="dk1"/>
+          </a:fontRef>
+        </p:style>
+        <p:txBody>
+          <a:bodyPr rtlCol="0" anchor="ctr"/>
+          <a:lstStyle/>
+          <a:p>
+            <a:pPr algn="ctr"/>
+            <a:r>
+              <a:rPr lang="en-US" altLang="ko-KR" sz="1400"/>
+              <a:t>                       </a:t>
+            </a:r>
+            <a:r>
+              <a:rPr lang="en-US" altLang="ko-KR" sz="1050" b="1"/>
+              <a:t>GOMAXPROCS</a:t>
+            </a:r>
+            <a:br>
+              <a:rPr lang="en-US" altLang="ko-KR" sz="1050"/>
+            </a:br>
+            <a:r>
+              <a:rPr lang="en-US" altLang="ko-KR" sz="1050"/>
+              <a:t>	          Env Variable</a:t>
+            </a:r>
+            <a:endParaRPr lang="ko-KR" altLang="en-US" sz="1400"/>
+          </a:p>
+        </p:txBody>
+      </p:sp>
+      <p:sp>
+        <p:nvSpPr>
+          <p:cNvPr id="221" name="TextBox 220">
+            <a:extLst>
+              <a:ext uri="{FF2B5EF4-FFF2-40B4-BE49-F238E27FC236}">
+                <a16:creationId xmlns:a16="http://schemas.microsoft.com/office/drawing/2014/main" id="{9172EC3F-5F71-40AB-BF9D-132519414C2A}"/>
+              </a:ext>
+            </a:extLst>
+          </p:cNvPr>
+          <p:cNvSpPr txBox="1"/>
+          <p:nvPr/>
+        </p:nvSpPr>
+        <p:spPr>
+          <a:xfrm>
+            <a:off x="873093" y="555526"/>
+            <a:ext cx="1565748" cy="646331"/>
+          </a:xfrm>
+          <a:prstGeom prst="rect">
+            <a:avLst/>
+          </a:prstGeom>
+          <a:noFill/>
+          <a:ln>
+            <a:solidFill>
+              <a:schemeClr val="tx1"/>
+            </a:solidFill>
+            <a:prstDash val="solid"/>
+          </a:ln>
+        </p:spPr>
+        <p:txBody>
+          <a:bodyPr wrap="square" rtlCol="0">
+            <a:spAutoFit/>
+          </a:bodyPr>
+          <a:lstStyle/>
+          <a:p>
+            <a:r>
+              <a:rPr lang="en-US" altLang="ko-KR" sz="1200"/>
+              <a:t>G : Goroutine</a:t>
+            </a:r>
+          </a:p>
+          <a:p>
+            <a:r>
+              <a:rPr lang="en-US" altLang="ko-KR" sz="1200"/>
+              <a:t>P : Virtual Process</a:t>
+            </a:r>
+          </a:p>
+          <a:p>
+            <a:r>
+              <a:rPr lang="en-US" altLang="ko-KR" sz="1200"/>
+              <a:t>M : Thread</a:t>
+            </a:r>
+            <a:endParaRPr lang="ko-KR" altLang="en-US" sz="1200"/>
+          </a:p>
+        </p:txBody>
+      </p:sp>
+      <p:cxnSp>
+        <p:nvCxnSpPr>
+          <p:cNvPr id="223" name="직선 화살표 연결선 222">
+            <a:extLst>
+              <a:ext uri="{FF2B5EF4-FFF2-40B4-BE49-F238E27FC236}">
+                <a16:creationId xmlns:a16="http://schemas.microsoft.com/office/drawing/2014/main" id="{15CA8749-8277-4799-8C23-0759938BFACD}"/>
+              </a:ext>
+            </a:extLst>
+          </p:cNvPr>
+          <p:cNvCxnSpPr>
+            <a:cxnSpLocks/>
+            <a:endCxn id="207" idx="2"/>
+          </p:cNvCxnSpPr>
+          <p:nvPr/>
+        </p:nvCxnSpPr>
+        <p:spPr>
+          <a:xfrm flipV="1">
+            <a:off x="1347432" y="3777124"/>
+            <a:ext cx="0" cy="233813"/>
+          </a:xfrm>
+          <a:prstGeom prst="straightConnector1">
+            <a:avLst/>
+          </a:prstGeom>
+          <a:ln w="19050">
+            <a:headEnd type="none" w="med" len="med"/>
+            <a:tailEnd type="none" w="med" len="med"/>
+          </a:ln>
+        </p:spPr>
+        <p:style>
+          <a:lnRef idx="1">
+            <a:schemeClr val="dk1"/>
+          </a:lnRef>
+          <a:fillRef idx="0">
+            <a:schemeClr val="dk1"/>
+          </a:fillRef>
+          <a:effectRef idx="0">
+            <a:schemeClr val="dk1"/>
+          </a:effectRef>
+          <a:fontRef idx="minor">
+            <a:schemeClr val="tx1"/>
+          </a:fontRef>
+        </p:style>
+      </p:cxnSp>
+      <p:sp>
+        <p:nvSpPr>
+          <p:cNvPr id="233" name="자유형: 도형 232">
+            <a:extLst>
+              <a:ext uri="{FF2B5EF4-FFF2-40B4-BE49-F238E27FC236}">
+                <a16:creationId xmlns:a16="http://schemas.microsoft.com/office/drawing/2014/main" id="{C1D7B323-68C4-49E8-9EF0-E058713CC826}"/>
+              </a:ext>
+            </a:extLst>
+          </p:cNvPr>
+          <p:cNvSpPr/>
+          <p:nvPr/>
+        </p:nvSpPr>
+        <p:spPr>
+          <a:xfrm>
+            <a:off x="3306792" y="555526"/>
+            <a:ext cx="5024080" cy="1309464"/>
+          </a:xfrm>
+          <a:custGeom>
+            <a:avLst/>
+            <a:gdLst>
+              <a:gd name="connsiteX0" fmla="*/ 0 w 4743450"/>
+              <a:gd name="connsiteY0" fmla="*/ 1466850 h 1466850"/>
+              <a:gd name="connsiteX1" fmla="*/ 0 w 4743450"/>
+              <a:gd name="connsiteY1" fmla="*/ 0 h 1466850"/>
+              <a:gd name="connsiteX2" fmla="*/ 4743450 w 4743450"/>
+              <a:gd name="connsiteY2" fmla="*/ 0 h 1466850"/>
+              <a:gd name="connsiteX3" fmla="*/ 4743450 w 4743450"/>
+              <a:gd name="connsiteY3" fmla="*/ 203200 h 1466850"/>
+            </a:gdLst>
+            <a:ahLst/>
+            <a:cxnLst>
+              <a:cxn ang="0">
+                <a:pos x="connsiteX0" y="connsiteY0"/>
+              </a:cxn>
+              <a:cxn ang="0">
+                <a:pos x="connsiteX1" y="connsiteY1"/>
+              </a:cxn>
+              <a:cxn ang="0">
+                <a:pos x="connsiteX2" y="connsiteY2"/>
+              </a:cxn>
+              <a:cxn ang="0">
+                <a:pos x="connsiteX3" y="connsiteY3"/>
+              </a:cxn>
+            </a:cxnLst>
+            <a:rect l="l" t="t" r="r" b="b"/>
+            <a:pathLst>
+              <a:path w="4743450" h="1466850">
+                <a:moveTo>
+                  <a:pt x="0" y="1466850"/>
+                </a:moveTo>
+                <a:lnTo>
+                  <a:pt x="0" y="0"/>
+                </a:lnTo>
+                <a:lnTo>
+                  <a:pt x="4743450" y="0"/>
+                </a:lnTo>
+                <a:lnTo>
+                  <a:pt x="4743450" y="203200"/>
+                </a:lnTo>
+              </a:path>
+            </a:pathLst>
+          </a:custGeom>
+          <a:noFill/>
+          <a:ln w="19050">
+            <a:solidFill>
+              <a:schemeClr val="tx1"/>
+            </a:solidFill>
+            <a:headEnd type="none" w="med" len="med"/>
+            <a:tailEnd type="arrow" w="med" len="med"/>
+          </a:ln>
+        </p:spPr>
+        <p:style>
+          <a:lnRef idx="2">
+            <a:schemeClr val="accent1">
+              <a:shade val="50000"/>
+            </a:schemeClr>
+          </a:lnRef>
+          <a:fillRef idx="1">
+            <a:schemeClr val="accent1"/>
+          </a:fillRef>
+          <a:effectRef idx="0">
+            <a:schemeClr val="accent1"/>
+          </a:effectRef>
+          <a:fontRef idx="minor">
+            <a:schemeClr val="lt1"/>
+          </a:fontRef>
+        </p:style>
+        <p:txBody>
+          <a:bodyPr rtlCol="0" anchor="ctr"/>
+          <a:lstStyle/>
+          <a:p>
+            <a:pPr algn="ctr"/>
+            <a:endParaRPr lang="ko-KR" altLang="en-US" sz="1600"/>
+          </a:p>
+        </p:txBody>
+      </p:sp>
+      <p:cxnSp>
+        <p:nvCxnSpPr>
+          <p:cNvPr id="234" name="직선 화살표 연결선 233">
+            <a:extLst>
+              <a:ext uri="{FF2B5EF4-FFF2-40B4-BE49-F238E27FC236}">
+                <a16:creationId xmlns:a16="http://schemas.microsoft.com/office/drawing/2014/main" id="{BFBDBF71-F623-4C32-9135-8FA3C8DFE1BB}"/>
+              </a:ext>
+            </a:extLst>
+          </p:cNvPr>
+          <p:cNvCxnSpPr>
+            <a:cxnSpLocks/>
+          </p:cNvCxnSpPr>
+          <p:nvPr/>
+        </p:nvCxnSpPr>
+        <p:spPr>
+          <a:xfrm>
+            <a:off x="5466081" y="555525"/>
+            <a:ext cx="4" cy="191865"/>
+          </a:xfrm>
+          <a:prstGeom prst="straightConnector1">
+            <a:avLst/>
+          </a:prstGeom>
+          <a:ln w="19050">
+            <a:headEnd type="none" w="med" len="med"/>
+            <a:tailEnd type="arrow" w="med" len="med"/>
+          </a:ln>
+        </p:spPr>
+        <p:style>
+          <a:lnRef idx="1">
+            <a:schemeClr val="dk1"/>
+          </a:lnRef>
+          <a:fillRef idx="0">
+            <a:schemeClr val="dk1"/>
+          </a:fillRef>
+          <a:effectRef idx="0">
+            <a:schemeClr val="dk1"/>
+          </a:effectRef>
+          <a:fontRef idx="minor">
+            <a:schemeClr val="tx1"/>
+          </a:fontRef>
+        </p:style>
+      </p:cxnSp>
+      <p:cxnSp>
+        <p:nvCxnSpPr>
+          <p:cNvPr id="235" name="직선 화살표 연결선 234">
+            <a:extLst>
+              <a:ext uri="{FF2B5EF4-FFF2-40B4-BE49-F238E27FC236}">
+                <a16:creationId xmlns:a16="http://schemas.microsoft.com/office/drawing/2014/main" id="{FA274BB5-E50D-4AC6-BA7D-863391E0BD22}"/>
+              </a:ext>
+            </a:extLst>
+          </p:cNvPr>
+          <p:cNvCxnSpPr>
+            <a:cxnSpLocks/>
+          </p:cNvCxnSpPr>
+          <p:nvPr/>
+        </p:nvCxnSpPr>
+        <p:spPr>
+          <a:xfrm>
+            <a:off x="6898617" y="555526"/>
+            <a:ext cx="14" cy="191864"/>
+          </a:xfrm>
+          <a:prstGeom prst="straightConnector1">
+            <a:avLst/>
+          </a:prstGeom>
+          <a:ln w="19050">
+            <a:headEnd type="none" w="med" len="med"/>
+            <a:tailEnd type="arrow" w="med" len="med"/>
+          </a:ln>
+        </p:spPr>
+        <p:style>
+          <a:lnRef idx="1">
+            <a:schemeClr val="dk1"/>
+          </a:lnRef>
+          <a:fillRef idx="0">
+            <a:schemeClr val="dk1"/>
+          </a:fillRef>
+          <a:effectRef idx="0">
+            <a:schemeClr val="dk1"/>
+          </a:effectRef>
+          <a:fontRef idx="minor">
+            <a:schemeClr val="tx1"/>
+          </a:fontRef>
+        </p:style>
+      </p:cxnSp>
+      <p:cxnSp>
+        <p:nvCxnSpPr>
+          <p:cNvPr id="236" name="직선 화살표 연결선 235">
+            <a:extLst>
+              <a:ext uri="{FF2B5EF4-FFF2-40B4-BE49-F238E27FC236}">
+                <a16:creationId xmlns:a16="http://schemas.microsoft.com/office/drawing/2014/main" id="{FB447139-FCEE-4447-AF2B-667629BAFFEB}"/>
+              </a:ext>
+            </a:extLst>
+          </p:cNvPr>
+          <p:cNvCxnSpPr>
+            <a:cxnSpLocks/>
+          </p:cNvCxnSpPr>
+          <p:nvPr/>
+        </p:nvCxnSpPr>
+        <p:spPr>
+          <a:xfrm>
+            <a:off x="4368630" y="3124810"/>
+            <a:ext cx="779435" cy="0"/>
+          </a:xfrm>
+          <a:prstGeom prst="straightConnector1">
+            <a:avLst/>
+          </a:prstGeom>
+          <a:ln w="19050">
+            <a:headEnd type="arrow" w="med" len="med"/>
+            <a:tailEnd type="arrow" w="med" len="med"/>
+          </a:ln>
+        </p:spPr>
+        <p:style>
+          <a:lnRef idx="1">
+            <a:schemeClr val="dk1"/>
+          </a:lnRef>
+          <a:fillRef idx="0">
+            <a:schemeClr val="dk1"/>
+          </a:fillRef>
+          <a:effectRef idx="0">
+            <a:schemeClr val="dk1"/>
+          </a:effectRef>
+          <a:fontRef idx="minor">
+            <a:schemeClr val="tx1"/>
+          </a:fontRef>
+        </p:style>
+      </p:cxnSp>
+      <p:sp>
+        <p:nvSpPr>
+          <p:cNvPr id="240" name="자유형: 도형 239">
+            <a:extLst>
+              <a:ext uri="{FF2B5EF4-FFF2-40B4-BE49-F238E27FC236}">
+                <a16:creationId xmlns:a16="http://schemas.microsoft.com/office/drawing/2014/main" id="{BED7AECC-7C34-4175-A5DB-E846068E786B}"/>
+              </a:ext>
+            </a:extLst>
+          </p:cNvPr>
+          <p:cNvSpPr/>
+          <p:nvPr/>
+        </p:nvSpPr>
+        <p:spPr>
+          <a:xfrm>
+            <a:off x="1358900" y="1504950"/>
+            <a:ext cx="1947892" cy="360040"/>
+          </a:xfrm>
+          <a:custGeom>
+            <a:avLst/>
+            <a:gdLst>
+              <a:gd name="connsiteX0" fmla="*/ 0 w 1987550"/>
+              <a:gd name="connsiteY0" fmla="*/ 349250 h 349250"/>
+              <a:gd name="connsiteX1" fmla="*/ 0 w 1987550"/>
+              <a:gd name="connsiteY1" fmla="*/ 0 h 349250"/>
+              <a:gd name="connsiteX2" fmla="*/ 1987550 w 1987550"/>
+              <a:gd name="connsiteY2" fmla="*/ 0 h 349250"/>
+            </a:gdLst>
+            <a:ahLst/>
+            <a:cxnLst>
+              <a:cxn ang="0">
+                <a:pos x="connsiteX0" y="connsiteY0"/>
+              </a:cxn>
+              <a:cxn ang="0">
+                <a:pos x="connsiteX1" y="connsiteY1"/>
+              </a:cxn>
+              <a:cxn ang="0">
+                <a:pos x="connsiteX2" y="connsiteY2"/>
+              </a:cxn>
+            </a:cxnLst>
+            <a:rect l="l" t="t" r="r" b="b"/>
+            <a:pathLst>
+              <a:path w="1987550" h="349250">
+                <a:moveTo>
+                  <a:pt x="0" y="349250"/>
+                </a:moveTo>
+                <a:lnTo>
+                  <a:pt x="0" y="0"/>
+                </a:lnTo>
+                <a:lnTo>
+                  <a:pt x="1987550" y="0"/>
+                </a:lnTo>
+              </a:path>
+            </a:pathLst>
+          </a:custGeom>
+          <a:noFill/>
+          <a:ln w="19050">
+            <a:solidFill>
+              <a:schemeClr val="tx1"/>
+            </a:solidFill>
+          </a:ln>
+        </p:spPr>
+        <p:style>
+          <a:lnRef idx="2">
+            <a:schemeClr val="accent1">
+              <a:shade val="50000"/>
+            </a:schemeClr>
+          </a:lnRef>
+          <a:fillRef idx="1">
+            <a:schemeClr val="accent1"/>
+          </a:fillRef>
+          <a:effectRef idx="0">
+            <a:schemeClr val="accent1"/>
+          </a:effectRef>
+          <a:fontRef idx="minor">
+            <a:schemeClr val="lt1"/>
+          </a:fontRef>
+        </p:style>
+        <p:txBody>
+          <a:bodyPr rtlCol="0" anchor="ctr"/>
+          <a:lstStyle/>
+          <a:p>
+            <a:pPr algn="ctr"/>
+            <a:endParaRPr lang="ko-KR" altLang="en-US"/>
+          </a:p>
+        </p:txBody>
+      </p:sp>
+      <p:sp>
+        <p:nvSpPr>
+          <p:cNvPr id="241" name="자유형: 도형 240">
+            <a:extLst>
+              <a:ext uri="{FF2B5EF4-FFF2-40B4-BE49-F238E27FC236}">
+                <a16:creationId xmlns:a16="http://schemas.microsoft.com/office/drawing/2014/main" id="{B0A625AE-F215-43B5-A195-9EEB17319D55}"/>
+              </a:ext>
+            </a:extLst>
+          </p:cNvPr>
+          <p:cNvSpPr/>
+          <p:nvPr/>
+        </p:nvSpPr>
+        <p:spPr>
+          <a:xfrm>
+            <a:off x="1828800" y="2674189"/>
+            <a:ext cx="3318294" cy="287547"/>
+          </a:xfrm>
+          <a:custGeom>
+            <a:avLst/>
+            <a:gdLst>
+              <a:gd name="connsiteX0" fmla="*/ 3318294 w 3318294"/>
+              <a:gd name="connsiteY0" fmla="*/ 287547 h 287547"/>
+              <a:gd name="connsiteX1" fmla="*/ 2944483 w 3318294"/>
+              <a:gd name="connsiteY1" fmla="*/ 287547 h 287547"/>
+              <a:gd name="connsiteX2" fmla="*/ 2944483 w 3318294"/>
+              <a:gd name="connsiteY2" fmla="*/ 0 h 287547"/>
+              <a:gd name="connsiteX3" fmla="*/ 0 w 3318294"/>
+              <a:gd name="connsiteY3" fmla="*/ 0 h 287547"/>
+            </a:gdLst>
+            <a:ahLst/>
+            <a:cxnLst>
+              <a:cxn ang="0">
+                <a:pos x="connsiteX0" y="connsiteY0"/>
+              </a:cxn>
+              <a:cxn ang="0">
+                <a:pos x="connsiteX1" y="connsiteY1"/>
+              </a:cxn>
+              <a:cxn ang="0">
+                <a:pos x="connsiteX2" y="connsiteY2"/>
+              </a:cxn>
+              <a:cxn ang="0">
+                <a:pos x="connsiteX3" y="connsiteY3"/>
+              </a:cxn>
+            </a:cxnLst>
+            <a:rect l="l" t="t" r="r" b="b"/>
+            <a:pathLst>
+              <a:path w="3318294" h="287547">
+                <a:moveTo>
+                  <a:pt x="3318294" y="287547"/>
+                </a:moveTo>
+                <a:lnTo>
+                  <a:pt x="2944483" y="287547"/>
+                </a:lnTo>
+                <a:lnTo>
+                  <a:pt x="2944483" y="0"/>
+                </a:lnTo>
+                <a:lnTo>
+                  <a:pt x="0" y="0"/>
+                </a:lnTo>
+              </a:path>
+            </a:pathLst>
+          </a:custGeom>
+          <a:noFill/>
+          <a:ln w="19050">
+            <a:solidFill>
+              <a:schemeClr val="tx1"/>
+            </a:solidFill>
+            <a:headEnd type="none" w="med" len="med"/>
+            <a:tailEnd type="arrow" w="med" len="med"/>
+          </a:ln>
+        </p:spPr>
+        <p:style>
+          <a:lnRef idx="2">
+            <a:schemeClr val="accent1">
+              <a:shade val="50000"/>
+            </a:schemeClr>
+          </a:lnRef>
+          <a:fillRef idx="1">
+            <a:schemeClr val="accent1"/>
+          </a:fillRef>
+          <a:effectRef idx="0">
+            <a:schemeClr val="accent1"/>
+          </a:effectRef>
+          <a:fontRef idx="minor">
+            <a:schemeClr val="lt1"/>
+          </a:fontRef>
+        </p:style>
+        <p:txBody>
+          <a:bodyPr rtlCol="0" anchor="ctr"/>
+          <a:lstStyle/>
+          <a:p>
+            <a:pPr algn="ctr"/>
+            <a:endParaRPr lang="ko-KR" altLang="en-US"/>
+          </a:p>
+        </p:txBody>
+      </p:sp>
+      <p:cxnSp>
+        <p:nvCxnSpPr>
+          <p:cNvPr id="242" name="직선 화살표 연결선 241">
+            <a:extLst>
+              <a:ext uri="{FF2B5EF4-FFF2-40B4-BE49-F238E27FC236}">
+                <a16:creationId xmlns:a16="http://schemas.microsoft.com/office/drawing/2014/main" id="{22FD050D-C1F0-4437-B86F-9F3AB253BEB7}"/>
+              </a:ext>
+            </a:extLst>
+          </p:cNvPr>
+          <p:cNvCxnSpPr>
+            <a:cxnSpLocks/>
+            <a:endCxn id="164" idx="2"/>
+          </p:cNvCxnSpPr>
+          <p:nvPr/>
+        </p:nvCxnSpPr>
+        <p:spPr>
+          <a:xfrm flipV="1">
+            <a:off x="3307625" y="2502560"/>
+            <a:ext cx="0" cy="168744"/>
+          </a:xfrm>
+          <a:prstGeom prst="straightConnector1">
+            <a:avLst/>
+          </a:prstGeom>
+          <a:ln w="19050">
+            <a:headEnd type="none" w="med" len="med"/>
+            <a:tailEnd type="arrow" w="med" len="med"/>
+          </a:ln>
+        </p:spPr>
+        <p:style>
+          <a:lnRef idx="1">
+            <a:schemeClr val="dk1"/>
+          </a:lnRef>
+          <a:fillRef idx="0">
+            <a:schemeClr val="dk1"/>
+          </a:fillRef>
+          <a:effectRef idx="0">
+            <a:schemeClr val="dk1"/>
+          </a:effectRef>
+          <a:fontRef idx="minor">
+            <a:schemeClr val="tx1"/>
+          </a:fontRef>
+        </p:style>
+      </p:cxnSp>
+    </p:spTree>
+    <p:extLst>
+      <p:ext uri="{BB962C8B-B14F-4D97-AF65-F5344CB8AC3E}">
+        <p14:creationId xmlns:p14="http://schemas.microsoft.com/office/powerpoint/2010/main" val="2216544335"/>
+      </p:ext>
+    </p:extLst>
+  </p:cSld>
+  <p:clrMapOvr>
+    <a:masterClrMapping/>
+  </p:clrMapOvr>
+</p:sld>
+</file>
+
+<file path=ppt/slides/slide4.xml><?xml version="1.0" encoding="utf-8"?>
 <p:sld xmlns:a="http://schemas.openxmlformats.org/drawingml/2006/main" xmlns:r="http://schemas.openxmlformats.org/officeDocument/2006/relationships" xmlns:p="http://schemas.openxmlformats.org/presentationml/2006/main">
   <p:cSld>
     <p:spTree>

--- a/images/theory_analysis/Golang_Scheduler/Golang_Scheduler.pptx
+++ b/images/theory_analysis/Golang_Scheduler/Golang_Scheduler.pptx
@@ -6467,8 +6467,8 @@
         </p:nvSpPr>
         <p:spPr>
           <a:xfrm>
-            <a:off x="873093" y="555526"/>
-            <a:ext cx="1565748" cy="646331"/>
+            <a:off x="873092" y="555526"/>
+            <a:ext cx="1610675" cy="646331"/>
           </a:xfrm>
           <a:prstGeom prst="rect">
             <a:avLst/>
@@ -6495,7 +6495,7 @@
           <a:p>
             <a:r>
               <a:rPr lang="en-US" altLang="ko-KR" sz="1200"/>
-              <a:t>P : Virtual Process</a:t>
+              <a:t>P : Virtual Processor</a:t>
             </a:r>
           </a:p>
           <a:p>

--- a/images/theory_analysis/Golang_Scheduler/Golang_Scheduler.pptx
+++ b/images/theory_analysis/Golang_Scheduler/Golang_Scheduler.pptx
@@ -5,13 +5,14 @@
     <p:sldMasterId id="2147483648" r:id="rId1"/>
   </p:sldMasterIdLst>
   <p:notesMasterIdLst>
-    <p:notesMasterId r:id="rId6"/>
+    <p:notesMasterId r:id="rId7"/>
   </p:notesMasterIdLst>
   <p:sldIdLst>
-    <p:sldId id="370" r:id="rId2"/>
+    <p:sldId id="373" r:id="rId2"/>
     <p:sldId id="369" r:id="rId3"/>
-    <p:sldId id="372" r:id="rId4"/>
-    <p:sldId id="371" r:id="rId5"/>
+    <p:sldId id="370" r:id="rId4"/>
+    <p:sldId id="372" r:id="rId5"/>
+    <p:sldId id="371" r:id="rId6"/>
   </p:sldIdLst>
   <p:sldSz cx="9144000" cy="5143500" type="screen16x9"/>
   <p:notesSz cx="6858000" cy="9144000"/>
@@ -216,7 +217,7 @@
           <a:p>
             <a:fld id="{6CD5550B-26C4-49A9-A5BA-636EF7BE6CE9}" type="datetimeFigureOut">
               <a:rPr lang="ko-KR" altLang="en-US" smtClean="0"/>
-              <a:t>2021-06-19</a:t>
+              <a:t>2021-06-20</a:t>
             </a:fld>
             <a:endParaRPr lang="ko-KR" altLang="en-US"/>
           </a:p>
@@ -557,7 +558,7 @@
     </p:spTree>
     <p:extLst>
       <p:ext uri="{BB962C8B-B14F-4D97-AF65-F5344CB8AC3E}">
-        <p14:creationId xmlns:p14="http://schemas.microsoft.com/office/powerpoint/2010/main" val="2928472331"/>
+        <p14:creationId xmlns:p14="http://schemas.microsoft.com/office/powerpoint/2010/main" val="2856741757"/>
       </p:ext>
     </p:extLst>
   </p:cSld>
@@ -641,7 +642,7 @@
     </p:spTree>
     <p:extLst>
       <p:ext uri="{BB962C8B-B14F-4D97-AF65-F5344CB8AC3E}">
-        <p14:creationId xmlns:p14="http://schemas.microsoft.com/office/powerpoint/2010/main" val="3683209996"/>
+        <p14:creationId xmlns:p14="http://schemas.microsoft.com/office/powerpoint/2010/main" val="2928472331"/>
       </p:ext>
     </p:extLst>
   </p:cSld>
@@ -717,6 +718,90 @@
             <a:fld id="{BA5DFA43-8D57-47FB-BC46-057616015C3B}" type="slidenum">
               <a:rPr lang="ko-KR" altLang="en-US" smtClean="0"/>
               <a:t>4</a:t>
+            </a:fld>
+            <a:endParaRPr lang="ko-KR" altLang="en-US"/>
+          </a:p>
+        </p:txBody>
+      </p:sp>
+    </p:spTree>
+    <p:extLst>
+      <p:ext uri="{BB962C8B-B14F-4D97-AF65-F5344CB8AC3E}">
+        <p14:creationId xmlns:p14="http://schemas.microsoft.com/office/powerpoint/2010/main" val="3683209996"/>
+      </p:ext>
+    </p:extLst>
+  </p:cSld>
+  <p:clrMapOvr>
+    <a:masterClrMapping/>
+  </p:clrMapOvr>
+</p:notes>
+</file>
+
+<file path=ppt/notesSlides/notesSlide4.xml><?xml version="1.0" encoding="utf-8"?>
+<p:notes xmlns:a="http://schemas.openxmlformats.org/drawingml/2006/main" xmlns:r="http://schemas.openxmlformats.org/officeDocument/2006/relationships" xmlns:p="http://schemas.openxmlformats.org/presentationml/2006/main">
+  <p:cSld>
+    <p:spTree>
+      <p:nvGrpSpPr>
+        <p:cNvPr id="1" name=""/>
+        <p:cNvGrpSpPr/>
+        <p:nvPr/>
+      </p:nvGrpSpPr>
+      <p:grpSpPr>
+        <a:xfrm>
+          <a:off x="0" y="0"/>
+          <a:ext cx="0" cy="0"/>
+          <a:chOff x="0" y="0"/>
+          <a:chExt cx="0" cy="0"/>
+        </a:xfrm>
+      </p:grpSpPr>
+      <p:sp>
+        <p:nvSpPr>
+          <p:cNvPr id="2" name="슬라이드 이미지 개체 틀 1"/>
+          <p:cNvSpPr>
+            <a:spLocks noGrp="1" noRot="1" noChangeAspect="1"/>
+          </p:cNvSpPr>
+          <p:nvPr>
+            <p:ph type="sldImg"/>
+          </p:nvPr>
+        </p:nvSpPr>
+        <p:spPr/>
+      </p:sp>
+      <p:sp>
+        <p:nvSpPr>
+          <p:cNvPr id="3" name="슬라이드 노트 개체 틀 2"/>
+          <p:cNvSpPr>
+            <a:spLocks noGrp="1"/>
+          </p:cNvSpPr>
+          <p:nvPr>
+            <p:ph type="body" idx="1"/>
+          </p:nvPr>
+        </p:nvSpPr>
+        <p:spPr/>
+        <p:txBody>
+          <a:bodyPr/>
+          <a:lstStyle/>
+          <a:p>
+            <a:endParaRPr lang="ko-KR" altLang="en-US"/>
+          </a:p>
+        </p:txBody>
+      </p:sp>
+      <p:sp>
+        <p:nvSpPr>
+          <p:cNvPr id="4" name="슬라이드 번호 개체 틀 3"/>
+          <p:cNvSpPr>
+            <a:spLocks noGrp="1"/>
+          </p:cNvSpPr>
+          <p:nvPr>
+            <p:ph type="sldNum" sz="quarter" idx="10"/>
+          </p:nvPr>
+        </p:nvSpPr>
+        <p:spPr/>
+        <p:txBody>
+          <a:bodyPr/>
+          <a:lstStyle/>
+          <a:p>
+            <a:fld id="{BA5DFA43-8D57-47FB-BC46-057616015C3B}" type="slidenum">
+              <a:rPr lang="ko-KR" altLang="en-US" smtClean="0"/>
+              <a:t>5</a:t>
             </a:fld>
             <a:endParaRPr lang="ko-KR" altLang="en-US"/>
           </a:p>
@@ -914,7 +999,7 @@
           <a:p>
             <a:fld id="{FB30EDBD-1C2D-4C1E-B459-B60219FAB484}" type="datetimeFigureOut">
               <a:rPr lang="ko-KR" altLang="en-US" smtClean="0"/>
-              <a:t>2021-06-19</a:t>
+              <a:t>2021-06-20</a:t>
             </a:fld>
             <a:endParaRPr lang="ko-KR" altLang="en-US"/>
           </a:p>
@@ -1077,7 +1162,7 @@
           <a:p>
             <a:fld id="{FB30EDBD-1C2D-4C1E-B459-B60219FAB484}" type="datetimeFigureOut">
               <a:rPr lang="ko-KR" altLang="en-US" smtClean="0"/>
-              <a:t>2021-06-19</a:t>
+              <a:t>2021-06-20</a:t>
             </a:fld>
             <a:endParaRPr lang="ko-KR" altLang="en-US"/>
           </a:p>
@@ -1250,7 +1335,7 @@
           <a:p>
             <a:fld id="{FB30EDBD-1C2D-4C1E-B459-B60219FAB484}" type="datetimeFigureOut">
               <a:rPr lang="ko-KR" altLang="en-US" smtClean="0"/>
-              <a:t>2021-06-19</a:t>
+              <a:t>2021-06-20</a:t>
             </a:fld>
             <a:endParaRPr lang="ko-KR" altLang="en-US"/>
           </a:p>
@@ -1413,7 +1498,7 @@
           <a:p>
             <a:fld id="{FB30EDBD-1C2D-4C1E-B459-B60219FAB484}" type="datetimeFigureOut">
               <a:rPr lang="ko-KR" altLang="en-US" smtClean="0"/>
-              <a:t>2021-06-19</a:t>
+              <a:t>2021-06-20</a:t>
             </a:fld>
             <a:endParaRPr lang="ko-KR" altLang="en-US"/>
           </a:p>
@@ -1653,7 +1738,7 @@
           <a:p>
             <a:fld id="{FB30EDBD-1C2D-4C1E-B459-B60219FAB484}" type="datetimeFigureOut">
               <a:rPr lang="ko-KR" altLang="en-US" smtClean="0"/>
-              <a:t>2021-06-19</a:t>
+              <a:t>2021-06-20</a:t>
             </a:fld>
             <a:endParaRPr lang="ko-KR" altLang="en-US"/>
           </a:p>
@@ -1933,7 +2018,7 @@
           <a:p>
             <a:fld id="{FB30EDBD-1C2D-4C1E-B459-B60219FAB484}" type="datetimeFigureOut">
               <a:rPr lang="ko-KR" altLang="en-US" smtClean="0"/>
-              <a:t>2021-06-19</a:t>
+              <a:t>2021-06-20</a:t>
             </a:fld>
             <a:endParaRPr lang="ko-KR" altLang="en-US"/>
           </a:p>
@@ -2347,7 +2432,7 @@
           <a:p>
             <a:fld id="{FB30EDBD-1C2D-4C1E-B459-B60219FAB484}" type="datetimeFigureOut">
               <a:rPr lang="ko-KR" altLang="en-US" smtClean="0"/>
-              <a:t>2021-06-19</a:t>
+              <a:t>2021-06-20</a:t>
             </a:fld>
             <a:endParaRPr lang="ko-KR" altLang="en-US"/>
           </a:p>
@@ -2459,7 +2544,7 @@
           <a:p>
             <a:fld id="{FB30EDBD-1C2D-4C1E-B459-B60219FAB484}" type="datetimeFigureOut">
               <a:rPr lang="ko-KR" altLang="en-US" smtClean="0"/>
-              <a:t>2021-06-19</a:t>
+              <a:t>2021-06-20</a:t>
             </a:fld>
             <a:endParaRPr lang="ko-KR" altLang="en-US"/>
           </a:p>
@@ -2549,7 +2634,7 @@
           <a:p>
             <a:fld id="{FB30EDBD-1C2D-4C1E-B459-B60219FAB484}" type="datetimeFigureOut">
               <a:rPr lang="ko-KR" altLang="en-US" smtClean="0"/>
-              <a:t>2021-06-19</a:t>
+              <a:t>2021-06-20</a:t>
             </a:fld>
             <a:endParaRPr lang="ko-KR" altLang="en-US"/>
           </a:p>
@@ -2819,7 +2904,7 @@
           <a:p>
             <a:fld id="{FB30EDBD-1C2D-4C1E-B459-B60219FAB484}" type="datetimeFigureOut">
               <a:rPr lang="ko-KR" altLang="en-US" smtClean="0"/>
-              <a:t>2021-06-19</a:t>
+              <a:t>2021-06-20</a:t>
             </a:fld>
             <a:endParaRPr lang="ko-KR" altLang="en-US"/>
           </a:p>
@@ -3066,7 +3151,7 @@
           <a:p>
             <a:fld id="{FB30EDBD-1C2D-4C1E-B459-B60219FAB484}" type="datetimeFigureOut">
               <a:rPr lang="ko-KR" altLang="en-US" smtClean="0"/>
-              <a:t>2021-06-19</a:t>
+              <a:t>2021-06-20</a:t>
             </a:fld>
             <a:endParaRPr lang="ko-KR" altLang="en-US"/>
           </a:p>
@@ -3272,7 +3357,7 @@
           <a:p>
             <a:fld id="{FB30EDBD-1C2D-4C1E-B459-B60219FAB484}" type="datetimeFigureOut">
               <a:rPr lang="ko-KR" altLang="en-US" smtClean="0"/>
-              <a:t>2021-06-19</a:t>
+              <a:t>2021-06-20</a:t>
             </a:fld>
             <a:endParaRPr lang="ko-KR" altLang="en-US"/>
           </a:p>
@@ -7052,10 +7137,266 @@
           </a:p>
         </p:txBody>
       </p:sp>
+      <p:sp>
+        <p:nvSpPr>
+          <p:cNvPr id="69" name="사각형: 둥근 모서리 68">
+            <a:extLst>
+              <a:ext uri="{FF2B5EF4-FFF2-40B4-BE49-F238E27FC236}">
+                <a16:creationId xmlns:a16="http://schemas.microsoft.com/office/drawing/2014/main" id="{6FAEDC82-38A1-422C-AEBD-D3880129D614}"/>
+              </a:ext>
+            </a:extLst>
+          </p:cNvPr>
+          <p:cNvSpPr/>
+          <p:nvPr/>
+        </p:nvSpPr>
+        <p:spPr>
+          <a:xfrm>
+            <a:off x="3495087" y="771550"/>
+            <a:ext cx="1454560" cy="670088"/>
+          </a:xfrm>
+          <a:prstGeom prst="roundRect">
+            <a:avLst/>
+          </a:prstGeom>
+          <a:noFill/>
+          <a:ln>
+            <a:prstDash val="dash"/>
+          </a:ln>
+        </p:spPr>
+        <p:style>
+          <a:lnRef idx="2">
+            <a:schemeClr val="dk1"/>
+          </a:lnRef>
+          <a:fillRef idx="1">
+            <a:schemeClr val="lt1"/>
+          </a:fillRef>
+          <a:effectRef idx="0">
+            <a:schemeClr val="dk1"/>
+          </a:effectRef>
+          <a:fontRef idx="minor">
+            <a:schemeClr val="dk1"/>
+          </a:fontRef>
+        </p:style>
+        <p:txBody>
+          <a:bodyPr rtlCol="0" anchor="b"/>
+          <a:lstStyle/>
+          <a:p>
+            <a:pPr algn="ctr"/>
+            <a:r>
+              <a:rPr lang="en-US" altLang="ko-KR" sz="1200"/>
+              <a:t>New</a:t>
+            </a:r>
+            <a:r>
+              <a:rPr lang="ko-KR" altLang="en-US" sz="1200"/>
+              <a:t> </a:t>
+            </a:r>
+            <a:r>
+              <a:rPr lang="en-US" altLang="ko-KR" sz="1200"/>
+              <a:t>Goroutines</a:t>
+            </a:r>
+            <a:endParaRPr lang="ko-KR" altLang="en-US" sz="1400"/>
+          </a:p>
+        </p:txBody>
+      </p:sp>
+      <p:sp>
+        <p:nvSpPr>
+          <p:cNvPr id="79" name="사각형: 둥근 모서리 78">
+            <a:extLst>
+              <a:ext uri="{FF2B5EF4-FFF2-40B4-BE49-F238E27FC236}">
+                <a16:creationId xmlns:a16="http://schemas.microsoft.com/office/drawing/2014/main" id="{43431A1F-F119-4275-AA9C-77BFED2572CC}"/>
+              </a:ext>
+            </a:extLst>
+          </p:cNvPr>
+          <p:cNvSpPr/>
+          <p:nvPr/>
+        </p:nvSpPr>
+        <p:spPr>
+          <a:xfrm>
+            <a:off x="3859334" y="848172"/>
+            <a:ext cx="315932" cy="291027"/>
+          </a:xfrm>
+          <a:prstGeom prst="roundRect">
+            <a:avLst>
+              <a:gd name="adj" fmla="val 50000"/>
+            </a:avLst>
+          </a:prstGeom>
+          <a:solidFill>
+            <a:schemeClr val="bg1">
+              <a:lumMod val="85000"/>
+            </a:schemeClr>
+          </a:solidFill>
+        </p:spPr>
+        <p:style>
+          <a:lnRef idx="2">
+            <a:schemeClr val="dk1"/>
+          </a:lnRef>
+          <a:fillRef idx="1">
+            <a:schemeClr val="lt1"/>
+          </a:fillRef>
+          <a:effectRef idx="0">
+            <a:schemeClr val="dk1"/>
+          </a:effectRef>
+          <a:fontRef idx="minor">
+            <a:schemeClr val="dk1"/>
+          </a:fontRef>
+        </p:style>
+        <p:txBody>
+          <a:bodyPr rtlCol="0" anchor="ctr"/>
+          <a:lstStyle/>
+          <a:p>
+            <a:pPr algn="ctr"/>
+            <a:r>
+              <a:rPr lang="en-US" altLang="ko-KR" sz="1200"/>
+              <a:t>G</a:t>
+            </a:r>
+            <a:endParaRPr lang="ko-KR" altLang="en-US" sz="1200"/>
+          </a:p>
+        </p:txBody>
+      </p:sp>
+      <p:sp>
+        <p:nvSpPr>
+          <p:cNvPr id="80" name="사각형: 둥근 모서리 79">
+            <a:extLst>
+              <a:ext uri="{FF2B5EF4-FFF2-40B4-BE49-F238E27FC236}">
+                <a16:creationId xmlns:a16="http://schemas.microsoft.com/office/drawing/2014/main" id="{B82C29D8-46EA-4724-AE6B-46323D84626B}"/>
+              </a:ext>
+            </a:extLst>
+          </p:cNvPr>
+          <p:cNvSpPr/>
+          <p:nvPr/>
+        </p:nvSpPr>
+        <p:spPr>
+          <a:xfrm>
+            <a:off x="4265058" y="848172"/>
+            <a:ext cx="315932" cy="291027"/>
+          </a:xfrm>
+          <a:prstGeom prst="roundRect">
+            <a:avLst>
+              <a:gd name="adj" fmla="val 50000"/>
+            </a:avLst>
+          </a:prstGeom>
+          <a:solidFill>
+            <a:schemeClr val="bg1">
+              <a:lumMod val="85000"/>
+            </a:schemeClr>
+          </a:solidFill>
+        </p:spPr>
+        <p:style>
+          <a:lnRef idx="2">
+            <a:schemeClr val="dk1"/>
+          </a:lnRef>
+          <a:fillRef idx="1">
+            <a:schemeClr val="lt1"/>
+          </a:fillRef>
+          <a:effectRef idx="0">
+            <a:schemeClr val="dk1"/>
+          </a:effectRef>
+          <a:fontRef idx="minor">
+            <a:schemeClr val="dk1"/>
+          </a:fontRef>
+        </p:style>
+        <p:txBody>
+          <a:bodyPr rtlCol="0" anchor="ctr"/>
+          <a:lstStyle/>
+          <a:p>
+            <a:pPr algn="ctr"/>
+            <a:r>
+              <a:rPr lang="en-US" altLang="ko-KR" sz="1200"/>
+              <a:t>G</a:t>
+            </a:r>
+            <a:endParaRPr lang="ko-KR" altLang="en-US" sz="1200"/>
+          </a:p>
+        </p:txBody>
+      </p:sp>
+      <p:cxnSp>
+        <p:nvCxnSpPr>
+          <p:cNvPr id="81" name="직선 화살표 연결선 80">
+            <a:extLst>
+              <a:ext uri="{FF2B5EF4-FFF2-40B4-BE49-F238E27FC236}">
+                <a16:creationId xmlns:a16="http://schemas.microsoft.com/office/drawing/2014/main" id="{C1A25831-5A20-48DC-A973-D765726EFB64}"/>
+              </a:ext>
+            </a:extLst>
+          </p:cNvPr>
+          <p:cNvCxnSpPr>
+            <a:cxnSpLocks/>
+            <a:stCxn id="69" idx="2"/>
+          </p:cNvCxnSpPr>
+          <p:nvPr/>
+        </p:nvCxnSpPr>
+        <p:spPr>
+          <a:xfrm>
+            <a:off x="4222367" y="1441638"/>
+            <a:ext cx="0" cy="423352"/>
+          </a:xfrm>
+          <a:prstGeom prst="straightConnector1">
+            <a:avLst/>
+          </a:prstGeom>
+          <a:ln w="19050">
+            <a:headEnd type="none" w="med" len="med"/>
+            <a:tailEnd type="arrow" w="med" len="med"/>
+          </a:ln>
+        </p:spPr>
+        <p:style>
+          <a:lnRef idx="1">
+            <a:schemeClr val="dk1"/>
+          </a:lnRef>
+          <a:fillRef idx="0">
+            <a:schemeClr val="dk1"/>
+          </a:fillRef>
+          <a:effectRef idx="0">
+            <a:schemeClr val="dk1"/>
+          </a:effectRef>
+          <a:fontRef idx="minor">
+            <a:schemeClr val="tx1"/>
+          </a:fontRef>
+        </p:style>
+      </p:cxnSp>
+      <p:cxnSp>
+        <p:nvCxnSpPr>
+          <p:cNvPr id="84" name="직선 화살표 연결선 83">
+            <a:extLst>
+              <a:ext uri="{FF2B5EF4-FFF2-40B4-BE49-F238E27FC236}">
+                <a16:creationId xmlns:a16="http://schemas.microsoft.com/office/drawing/2014/main" id="{D19CCFEC-8606-4057-8472-5753D72B2327}"/>
+              </a:ext>
+            </a:extLst>
+          </p:cNvPr>
+          <p:cNvCxnSpPr>
+            <a:cxnSpLocks/>
+            <a:stCxn id="69" idx="0"/>
+          </p:cNvCxnSpPr>
+          <p:nvPr/>
+        </p:nvCxnSpPr>
+        <p:spPr>
+          <a:xfrm flipV="1">
+            <a:off x="4222367" y="545733"/>
+            <a:ext cx="0" cy="225817"/>
+          </a:xfrm>
+          <a:prstGeom prst="straightConnector1">
+            <a:avLst/>
+          </a:prstGeom>
+          <a:ln w="19050">
+            <a:headEnd type="none" w="med" len="med"/>
+            <a:tailEnd type="none" w="med" len="med"/>
+          </a:ln>
+        </p:spPr>
+        <p:style>
+          <a:lnRef idx="1">
+            <a:schemeClr val="dk1"/>
+          </a:lnRef>
+          <a:fillRef idx="0">
+            <a:schemeClr val="dk1"/>
+          </a:fillRef>
+          <a:effectRef idx="0">
+            <a:schemeClr val="dk1"/>
+          </a:effectRef>
+          <a:fontRef idx="minor">
+            <a:schemeClr val="tx1"/>
+          </a:fontRef>
+        </p:style>
+      </p:cxnSp>
     </p:spTree>
     <p:extLst>
       <p:ext uri="{BB962C8B-B14F-4D97-AF65-F5344CB8AC3E}">
-        <p14:creationId xmlns:p14="http://schemas.microsoft.com/office/powerpoint/2010/main" val="3494701527"/>
+        <p14:creationId xmlns:p14="http://schemas.microsoft.com/office/powerpoint/2010/main" val="2231602326"/>
       </p:ext>
     </p:extLst>
   </p:cSld>
@@ -7912,10 +8253,10 @@
       </p:sp>
       <p:sp>
         <p:nvSpPr>
-          <p:cNvPr id="79" name="사각형: 둥근 모서리 78">
-            <a:extLst>
-              <a:ext uri="{FF2B5EF4-FFF2-40B4-BE49-F238E27FC236}">
-                <a16:creationId xmlns:a16="http://schemas.microsoft.com/office/drawing/2014/main" id="{D17A12EB-1A5B-440C-8437-812F2BAD2ADE}"/>
+          <p:cNvPr id="82" name="사각형: 둥근 모서리 81">
+            <a:extLst>
+              <a:ext uri="{FF2B5EF4-FFF2-40B4-BE49-F238E27FC236}">
+                <a16:creationId xmlns:a16="http://schemas.microsoft.com/office/drawing/2014/main" id="{D0FE5CE2-83D3-41E3-A354-AF3EB45AABB8}"/>
               </a:ext>
             </a:extLst>
           </p:cNvPr>
@@ -7924,7 +8265,57 @@
         </p:nvSpPr>
         <p:spPr>
           <a:xfrm>
-            <a:off x="5308118" y="1153973"/>
+            <a:off x="8083408" y="747390"/>
+            <a:ext cx="495515" cy="1333741"/>
+          </a:xfrm>
+          <a:prstGeom prst="roundRect">
+            <a:avLst>
+              <a:gd name="adj" fmla="val 10349"/>
+            </a:avLst>
+          </a:prstGeom>
+        </p:spPr>
+        <p:style>
+          <a:lnRef idx="2">
+            <a:schemeClr val="dk1"/>
+          </a:lnRef>
+          <a:fillRef idx="1">
+            <a:schemeClr val="lt1"/>
+          </a:fillRef>
+          <a:effectRef idx="0">
+            <a:schemeClr val="dk1"/>
+          </a:effectRef>
+          <a:fontRef idx="minor">
+            <a:schemeClr val="dk1"/>
+          </a:fontRef>
+        </p:style>
+        <p:txBody>
+          <a:bodyPr rtlCol="0" anchor="b"/>
+          <a:lstStyle/>
+          <a:p>
+            <a:pPr algn="ctr"/>
+            <a:r>
+              <a:rPr lang="en-US" altLang="ko-KR" sz="1200"/>
+              <a:t>LRQ</a:t>
+            </a:r>
+            <a:endParaRPr lang="ko-KR" altLang="en-US" sz="1200"/>
+          </a:p>
+        </p:txBody>
+      </p:sp>
+      <p:sp>
+        <p:nvSpPr>
+          <p:cNvPr id="83" name="사각형: 둥근 모서리 82">
+            <a:extLst>
+              <a:ext uri="{FF2B5EF4-FFF2-40B4-BE49-F238E27FC236}">
+                <a16:creationId xmlns:a16="http://schemas.microsoft.com/office/drawing/2014/main" id="{87631BB0-30A1-426C-9A81-F9CDEB3DFD72}"/>
+              </a:ext>
+            </a:extLst>
+          </p:cNvPr>
+          <p:cNvSpPr/>
+          <p:nvPr/>
+        </p:nvSpPr>
+        <p:spPr>
+          <a:xfrm>
+            <a:off x="8173198" y="1500554"/>
             <a:ext cx="315932" cy="291027"/>
           </a:xfrm>
           <a:prstGeom prst="roundRect">
@@ -7967,10 +8358,10 @@
       </p:sp>
       <p:sp>
         <p:nvSpPr>
-          <p:cNvPr id="82" name="사각형: 둥근 모서리 81">
-            <a:extLst>
-              <a:ext uri="{FF2B5EF4-FFF2-40B4-BE49-F238E27FC236}">
-                <a16:creationId xmlns:a16="http://schemas.microsoft.com/office/drawing/2014/main" id="{D0FE5CE2-83D3-41E3-A354-AF3EB45AABB8}"/>
+          <p:cNvPr id="97" name="사각형: 둥근 모서리 96">
+            <a:extLst>
+              <a:ext uri="{FF2B5EF4-FFF2-40B4-BE49-F238E27FC236}">
+                <a16:creationId xmlns:a16="http://schemas.microsoft.com/office/drawing/2014/main" id="{7A937F59-C3F3-4630-9AB3-B9DCF6EEEA09}"/>
               </a:ext>
             </a:extLst>
           </p:cNvPr>
@@ -7979,8 +8370,8 @@
         </p:nvSpPr>
         <p:spPr>
           <a:xfrm>
-            <a:off x="8083408" y="747390"/>
-            <a:ext cx="495515" cy="1333741"/>
+            <a:off x="5218324" y="2314750"/>
+            <a:ext cx="495521" cy="351404"/>
           </a:xfrm>
           <a:prstGeom prst="roundRect">
             <a:avLst>
@@ -8003,13 +8394,13 @@
           </a:fontRef>
         </p:style>
         <p:txBody>
-          <a:bodyPr rtlCol="0" anchor="b"/>
+          <a:bodyPr rtlCol="0" anchor="ctr"/>
           <a:lstStyle/>
           <a:p>
             <a:pPr algn="ctr"/>
             <a:r>
               <a:rPr lang="en-US" altLang="ko-KR" sz="1200"/>
-              <a:t>LRQ</a:t>
+              <a:t>P</a:t>
             </a:r>
             <a:endParaRPr lang="ko-KR" altLang="en-US" sz="1200"/>
           </a:p>
@@ -8017,10 +8408,10 @@
       </p:sp>
       <p:sp>
         <p:nvSpPr>
-          <p:cNvPr id="83" name="사각형: 둥근 모서리 82">
-            <a:extLst>
-              <a:ext uri="{FF2B5EF4-FFF2-40B4-BE49-F238E27FC236}">
-                <a16:creationId xmlns:a16="http://schemas.microsoft.com/office/drawing/2014/main" id="{87631BB0-30A1-426C-9A81-F9CDEB3DFD72}"/>
+          <p:cNvPr id="98" name="사각형: 둥근 모서리 97">
+            <a:extLst>
+              <a:ext uri="{FF2B5EF4-FFF2-40B4-BE49-F238E27FC236}">
+                <a16:creationId xmlns:a16="http://schemas.microsoft.com/office/drawing/2014/main" id="{CB779F00-4DF4-41FB-8995-0EF98D26625F}"/>
               </a:ext>
             </a:extLst>
           </p:cNvPr>
@@ -8029,7 +8420,107 @@
         </p:nvSpPr>
         <p:spPr>
           <a:xfrm>
-            <a:off x="8173198" y="1500554"/>
+            <a:off x="6650870" y="2314750"/>
+            <a:ext cx="495521" cy="351404"/>
+          </a:xfrm>
+          <a:prstGeom prst="roundRect">
+            <a:avLst>
+              <a:gd name="adj" fmla="val 10349"/>
+            </a:avLst>
+          </a:prstGeom>
+        </p:spPr>
+        <p:style>
+          <a:lnRef idx="2">
+            <a:schemeClr val="dk1"/>
+          </a:lnRef>
+          <a:fillRef idx="1">
+            <a:schemeClr val="lt1"/>
+          </a:fillRef>
+          <a:effectRef idx="0">
+            <a:schemeClr val="dk1"/>
+          </a:effectRef>
+          <a:fontRef idx="minor">
+            <a:schemeClr val="dk1"/>
+          </a:fontRef>
+        </p:style>
+        <p:txBody>
+          <a:bodyPr rtlCol="0" anchor="ctr"/>
+          <a:lstStyle/>
+          <a:p>
+            <a:pPr algn="ctr"/>
+            <a:r>
+              <a:rPr lang="en-US" altLang="ko-KR" sz="1200"/>
+              <a:t>P</a:t>
+            </a:r>
+            <a:endParaRPr lang="ko-KR" altLang="en-US" sz="1200"/>
+          </a:p>
+        </p:txBody>
+      </p:sp>
+      <p:sp>
+        <p:nvSpPr>
+          <p:cNvPr id="140" name="사각형: 둥근 모서리 139">
+            <a:extLst>
+              <a:ext uri="{FF2B5EF4-FFF2-40B4-BE49-F238E27FC236}">
+                <a16:creationId xmlns:a16="http://schemas.microsoft.com/office/drawing/2014/main" id="{D09738D7-6E1C-4FF1-AB93-B11F604E1D3F}"/>
+              </a:ext>
+            </a:extLst>
+          </p:cNvPr>
+          <p:cNvSpPr/>
+          <p:nvPr/>
+        </p:nvSpPr>
+        <p:spPr>
+          <a:xfrm>
+            <a:off x="8083403" y="2314750"/>
+            <a:ext cx="495521" cy="351404"/>
+          </a:xfrm>
+          <a:prstGeom prst="roundRect">
+            <a:avLst>
+              <a:gd name="adj" fmla="val 10349"/>
+            </a:avLst>
+          </a:prstGeom>
+        </p:spPr>
+        <p:style>
+          <a:lnRef idx="2">
+            <a:schemeClr val="dk1"/>
+          </a:lnRef>
+          <a:fillRef idx="1">
+            <a:schemeClr val="lt1"/>
+          </a:fillRef>
+          <a:effectRef idx="0">
+            <a:schemeClr val="dk1"/>
+          </a:effectRef>
+          <a:fontRef idx="minor">
+            <a:schemeClr val="dk1"/>
+          </a:fontRef>
+        </p:style>
+        <p:txBody>
+          <a:bodyPr rtlCol="0" anchor="ctr"/>
+          <a:lstStyle/>
+          <a:p>
+            <a:pPr algn="ctr"/>
+            <a:r>
+              <a:rPr lang="en-US" altLang="ko-KR" sz="1200"/>
+              <a:t>P</a:t>
+            </a:r>
+            <a:endParaRPr lang="ko-KR" altLang="en-US" sz="1200"/>
+          </a:p>
+        </p:txBody>
+      </p:sp>
+      <p:sp>
+        <p:nvSpPr>
+          <p:cNvPr id="141" name="사각형: 둥근 모서리 140">
+            <a:extLst>
+              <a:ext uri="{FF2B5EF4-FFF2-40B4-BE49-F238E27FC236}">
+                <a16:creationId xmlns:a16="http://schemas.microsoft.com/office/drawing/2014/main" id="{DE0ACD99-DE90-4985-BF52-1773A7AC9DEB}"/>
+              </a:ext>
+            </a:extLst>
+          </p:cNvPr>
+          <p:cNvSpPr/>
+          <p:nvPr/>
+        </p:nvSpPr>
+        <p:spPr>
+          <a:xfrm>
+            <a:off x="3875572" y="2900423"/>
             <a:ext cx="315932" cy="291027"/>
           </a:xfrm>
           <a:prstGeom prst="roundRect">
@@ -8072,10 +8563,10 @@
       </p:sp>
       <p:sp>
         <p:nvSpPr>
-          <p:cNvPr id="97" name="사각형: 둥근 모서리 96">
-            <a:extLst>
-              <a:ext uri="{FF2B5EF4-FFF2-40B4-BE49-F238E27FC236}">
-                <a16:creationId xmlns:a16="http://schemas.microsoft.com/office/drawing/2014/main" id="{7A937F59-C3F3-4630-9AB3-B9DCF6EEEA09}"/>
+          <p:cNvPr id="142" name="사각형: 둥근 모서리 141">
+            <a:extLst>
+              <a:ext uri="{FF2B5EF4-FFF2-40B4-BE49-F238E27FC236}">
+                <a16:creationId xmlns:a16="http://schemas.microsoft.com/office/drawing/2014/main" id="{D3F735BC-FAF2-478A-B8F6-EDB9A9041A1E}"/>
               </a:ext>
             </a:extLst>
           </p:cNvPr>
@@ -8084,157 +8575,7 @@
         </p:nvSpPr>
         <p:spPr>
           <a:xfrm>
-            <a:off x="5218324" y="2314750"/>
-            <a:ext cx="495521" cy="351404"/>
-          </a:xfrm>
-          <a:prstGeom prst="roundRect">
-            <a:avLst>
-              <a:gd name="adj" fmla="val 10349"/>
-            </a:avLst>
-          </a:prstGeom>
-        </p:spPr>
-        <p:style>
-          <a:lnRef idx="2">
-            <a:schemeClr val="dk1"/>
-          </a:lnRef>
-          <a:fillRef idx="1">
-            <a:schemeClr val="lt1"/>
-          </a:fillRef>
-          <a:effectRef idx="0">
-            <a:schemeClr val="dk1"/>
-          </a:effectRef>
-          <a:fontRef idx="minor">
-            <a:schemeClr val="dk1"/>
-          </a:fontRef>
-        </p:style>
-        <p:txBody>
-          <a:bodyPr rtlCol="0" anchor="ctr"/>
-          <a:lstStyle/>
-          <a:p>
-            <a:pPr algn="ctr"/>
-            <a:r>
-              <a:rPr lang="en-US" altLang="ko-KR" sz="1200"/>
-              <a:t>P</a:t>
-            </a:r>
-            <a:endParaRPr lang="ko-KR" altLang="en-US" sz="1200"/>
-          </a:p>
-        </p:txBody>
-      </p:sp>
-      <p:sp>
-        <p:nvSpPr>
-          <p:cNvPr id="98" name="사각형: 둥근 모서리 97">
-            <a:extLst>
-              <a:ext uri="{FF2B5EF4-FFF2-40B4-BE49-F238E27FC236}">
-                <a16:creationId xmlns:a16="http://schemas.microsoft.com/office/drawing/2014/main" id="{CB779F00-4DF4-41FB-8995-0EF98D26625F}"/>
-              </a:ext>
-            </a:extLst>
-          </p:cNvPr>
-          <p:cNvSpPr/>
-          <p:nvPr/>
-        </p:nvSpPr>
-        <p:spPr>
-          <a:xfrm>
-            <a:off x="6650870" y="2314750"/>
-            <a:ext cx="495521" cy="351404"/>
-          </a:xfrm>
-          <a:prstGeom prst="roundRect">
-            <a:avLst>
-              <a:gd name="adj" fmla="val 10349"/>
-            </a:avLst>
-          </a:prstGeom>
-        </p:spPr>
-        <p:style>
-          <a:lnRef idx="2">
-            <a:schemeClr val="dk1"/>
-          </a:lnRef>
-          <a:fillRef idx="1">
-            <a:schemeClr val="lt1"/>
-          </a:fillRef>
-          <a:effectRef idx="0">
-            <a:schemeClr val="dk1"/>
-          </a:effectRef>
-          <a:fontRef idx="minor">
-            <a:schemeClr val="dk1"/>
-          </a:fontRef>
-        </p:style>
-        <p:txBody>
-          <a:bodyPr rtlCol="0" anchor="ctr"/>
-          <a:lstStyle/>
-          <a:p>
-            <a:pPr algn="ctr"/>
-            <a:r>
-              <a:rPr lang="en-US" altLang="ko-KR" sz="1200"/>
-              <a:t>P</a:t>
-            </a:r>
-            <a:endParaRPr lang="ko-KR" altLang="en-US" sz="1200"/>
-          </a:p>
-        </p:txBody>
-      </p:sp>
-      <p:sp>
-        <p:nvSpPr>
-          <p:cNvPr id="140" name="사각형: 둥근 모서리 139">
-            <a:extLst>
-              <a:ext uri="{FF2B5EF4-FFF2-40B4-BE49-F238E27FC236}">
-                <a16:creationId xmlns:a16="http://schemas.microsoft.com/office/drawing/2014/main" id="{D09738D7-6E1C-4FF1-AB93-B11F604E1D3F}"/>
-              </a:ext>
-            </a:extLst>
-          </p:cNvPr>
-          <p:cNvSpPr/>
-          <p:nvPr/>
-        </p:nvSpPr>
-        <p:spPr>
-          <a:xfrm>
-            <a:off x="8083403" y="2314750"/>
-            <a:ext cx="495521" cy="351404"/>
-          </a:xfrm>
-          <a:prstGeom prst="roundRect">
-            <a:avLst>
-              <a:gd name="adj" fmla="val 10349"/>
-            </a:avLst>
-          </a:prstGeom>
-        </p:spPr>
-        <p:style>
-          <a:lnRef idx="2">
-            <a:schemeClr val="dk1"/>
-          </a:lnRef>
-          <a:fillRef idx="1">
-            <a:schemeClr val="lt1"/>
-          </a:fillRef>
-          <a:effectRef idx="0">
-            <a:schemeClr val="dk1"/>
-          </a:effectRef>
-          <a:fontRef idx="minor">
-            <a:schemeClr val="dk1"/>
-          </a:fontRef>
-        </p:style>
-        <p:txBody>
-          <a:bodyPr rtlCol="0" anchor="ctr"/>
-          <a:lstStyle/>
-          <a:p>
-            <a:pPr algn="ctr"/>
-            <a:r>
-              <a:rPr lang="en-US" altLang="ko-KR" sz="1200"/>
-              <a:t>P</a:t>
-            </a:r>
-            <a:endParaRPr lang="ko-KR" altLang="en-US" sz="1200"/>
-          </a:p>
-        </p:txBody>
-      </p:sp>
-      <p:sp>
-        <p:nvSpPr>
-          <p:cNvPr id="141" name="사각형: 둥근 모서리 140">
-            <a:extLst>
-              <a:ext uri="{FF2B5EF4-FFF2-40B4-BE49-F238E27FC236}">
-                <a16:creationId xmlns:a16="http://schemas.microsoft.com/office/drawing/2014/main" id="{DE0ACD99-DE90-4985-BF52-1773A7AC9DEB}"/>
-              </a:ext>
-            </a:extLst>
-          </p:cNvPr>
-          <p:cNvSpPr/>
-          <p:nvPr/>
-        </p:nvSpPr>
-        <p:spPr>
-          <a:xfrm>
-            <a:off x="3875572" y="2900423"/>
+            <a:off x="5308397" y="2900423"/>
             <a:ext cx="315932" cy="291027"/>
           </a:xfrm>
           <a:prstGeom prst="roundRect">
@@ -8277,10 +8618,10 @@
       </p:sp>
       <p:sp>
         <p:nvSpPr>
-          <p:cNvPr id="142" name="사각형: 둥근 모서리 141">
-            <a:extLst>
-              <a:ext uri="{FF2B5EF4-FFF2-40B4-BE49-F238E27FC236}">
-                <a16:creationId xmlns:a16="http://schemas.microsoft.com/office/drawing/2014/main" id="{D3F735BC-FAF2-478A-B8F6-EDB9A9041A1E}"/>
+          <p:cNvPr id="143" name="사각형: 둥근 모서리 142">
+            <a:extLst>
+              <a:ext uri="{FF2B5EF4-FFF2-40B4-BE49-F238E27FC236}">
+                <a16:creationId xmlns:a16="http://schemas.microsoft.com/office/drawing/2014/main" id="{483F76A3-8CDC-4DC0-921C-7847322E0321}"/>
               </a:ext>
             </a:extLst>
           </p:cNvPr>
@@ -8289,7 +8630,7 @@
         </p:nvSpPr>
         <p:spPr>
           <a:xfrm>
-            <a:off x="5308397" y="2900423"/>
+            <a:off x="6740651" y="2900423"/>
             <a:ext cx="315932" cy="291027"/>
           </a:xfrm>
           <a:prstGeom prst="roundRect">
@@ -8332,10 +8673,10 @@
       </p:sp>
       <p:sp>
         <p:nvSpPr>
-          <p:cNvPr id="143" name="사각형: 둥근 모서리 142">
-            <a:extLst>
-              <a:ext uri="{FF2B5EF4-FFF2-40B4-BE49-F238E27FC236}">
-                <a16:creationId xmlns:a16="http://schemas.microsoft.com/office/drawing/2014/main" id="{483F76A3-8CDC-4DC0-921C-7847322E0321}"/>
+          <p:cNvPr id="144" name="사각형: 둥근 모서리 143">
+            <a:extLst>
+              <a:ext uri="{FF2B5EF4-FFF2-40B4-BE49-F238E27FC236}">
+                <a16:creationId xmlns:a16="http://schemas.microsoft.com/office/drawing/2014/main" id="{83F86471-017E-4C28-9F06-B4ED1821366A}"/>
               </a:ext>
             </a:extLst>
           </p:cNvPr>
@@ -8344,7 +8685,839 @@
         </p:nvSpPr>
         <p:spPr>
           <a:xfrm>
-            <a:off x="6740651" y="2900423"/>
+            <a:off x="8083402" y="3425720"/>
+            <a:ext cx="495521" cy="351404"/>
+          </a:xfrm>
+          <a:prstGeom prst="roundRect">
+            <a:avLst>
+              <a:gd name="adj" fmla="val 10349"/>
+            </a:avLst>
+          </a:prstGeom>
+        </p:spPr>
+        <p:style>
+          <a:lnRef idx="2">
+            <a:schemeClr val="dk1"/>
+          </a:lnRef>
+          <a:fillRef idx="1">
+            <a:schemeClr val="lt1"/>
+          </a:fillRef>
+          <a:effectRef idx="0">
+            <a:schemeClr val="dk1"/>
+          </a:effectRef>
+          <a:fontRef idx="minor">
+            <a:schemeClr val="dk1"/>
+          </a:fontRef>
+        </p:style>
+        <p:txBody>
+          <a:bodyPr rtlCol="0" anchor="ctr"/>
+          <a:lstStyle/>
+          <a:p>
+            <a:pPr algn="ctr"/>
+            <a:r>
+              <a:rPr lang="en-US" altLang="ko-KR" sz="1200"/>
+              <a:t>M</a:t>
+            </a:r>
+            <a:endParaRPr lang="ko-KR" altLang="en-US" sz="1200"/>
+          </a:p>
+        </p:txBody>
+      </p:sp>
+      <p:cxnSp>
+        <p:nvCxnSpPr>
+          <p:cNvPr id="13" name="직선 화살표 연결선 12">
+            <a:extLst>
+              <a:ext uri="{FF2B5EF4-FFF2-40B4-BE49-F238E27FC236}">
+                <a16:creationId xmlns:a16="http://schemas.microsoft.com/office/drawing/2014/main" id="{132D22AC-C7B5-4DDD-A44D-12EA7DFC7A25}"/>
+              </a:ext>
+            </a:extLst>
+          </p:cNvPr>
+          <p:cNvCxnSpPr>
+            <a:cxnSpLocks/>
+            <a:stCxn id="67" idx="0"/>
+          </p:cNvCxnSpPr>
+          <p:nvPr/>
+        </p:nvCxnSpPr>
+        <p:spPr>
+          <a:xfrm flipV="1">
+            <a:off x="2599007" y="4362340"/>
+            <a:ext cx="0" cy="234270"/>
+          </a:xfrm>
+          <a:prstGeom prst="straightConnector1">
+            <a:avLst/>
+          </a:prstGeom>
+          <a:ln w="19050">
+            <a:headEnd type="none" w="med" len="med"/>
+            <a:tailEnd type="none" w="med" len="med"/>
+          </a:ln>
+        </p:spPr>
+        <p:style>
+          <a:lnRef idx="1">
+            <a:schemeClr val="dk1"/>
+          </a:lnRef>
+          <a:fillRef idx="0">
+            <a:schemeClr val="dk1"/>
+          </a:fillRef>
+          <a:effectRef idx="0">
+            <a:schemeClr val="dk1"/>
+          </a:effectRef>
+          <a:fontRef idx="minor">
+            <a:schemeClr val="tx1"/>
+          </a:fontRef>
+        </p:style>
+      </p:cxnSp>
+      <p:cxnSp>
+        <p:nvCxnSpPr>
+          <p:cNvPr id="145" name="직선 화살표 연결선 144">
+            <a:extLst>
+              <a:ext uri="{FF2B5EF4-FFF2-40B4-BE49-F238E27FC236}">
+                <a16:creationId xmlns:a16="http://schemas.microsoft.com/office/drawing/2014/main" id="{078FD9A0-FAEE-4373-921D-CE9CFAFE33B0}"/>
+              </a:ext>
+            </a:extLst>
+          </p:cNvPr>
+          <p:cNvCxnSpPr>
+            <a:cxnSpLocks/>
+            <a:stCxn id="7" idx="0"/>
+          </p:cNvCxnSpPr>
+          <p:nvPr/>
+        </p:nvCxnSpPr>
+        <p:spPr>
+          <a:xfrm flipV="1">
+            <a:off x="4031548" y="4362340"/>
+            <a:ext cx="0" cy="234270"/>
+          </a:xfrm>
+          <a:prstGeom prst="straightConnector1">
+            <a:avLst/>
+          </a:prstGeom>
+          <a:ln w="19050">
+            <a:headEnd type="none" w="med" len="med"/>
+            <a:tailEnd type="none" w="med" len="med"/>
+          </a:ln>
+        </p:spPr>
+        <p:style>
+          <a:lnRef idx="1">
+            <a:schemeClr val="dk1"/>
+          </a:lnRef>
+          <a:fillRef idx="0">
+            <a:schemeClr val="dk1"/>
+          </a:fillRef>
+          <a:effectRef idx="0">
+            <a:schemeClr val="dk1"/>
+          </a:effectRef>
+          <a:fontRef idx="minor">
+            <a:schemeClr val="tx1"/>
+          </a:fontRef>
+        </p:style>
+      </p:cxnSp>
+      <p:cxnSp>
+        <p:nvCxnSpPr>
+          <p:cNvPr id="146" name="직선 화살표 연결선 145">
+            <a:extLst>
+              <a:ext uri="{FF2B5EF4-FFF2-40B4-BE49-F238E27FC236}">
+                <a16:creationId xmlns:a16="http://schemas.microsoft.com/office/drawing/2014/main" id="{BAD5FDDD-D75E-4198-8E95-6B35ECAE16AD}"/>
+              </a:ext>
+            </a:extLst>
+          </p:cNvPr>
+          <p:cNvCxnSpPr>
+            <a:cxnSpLocks/>
+            <a:stCxn id="58" idx="0"/>
+          </p:cNvCxnSpPr>
+          <p:nvPr/>
+        </p:nvCxnSpPr>
+        <p:spPr>
+          <a:xfrm flipH="1" flipV="1">
+            <a:off x="5464088" y="4362340"/>
+            <a:ext cx="1" cy="234270"/>
+          </a:xfrm>
+          <a:prstGeom prst="straightConnector1">
+            <a:avLst/>
+          </a:prstGeom>
+          <a:ln w="19050">
+            <a:headEnd type="none" w="med" len="med"/>
+            <a:tailEnd type="none" w="med" len="med"/>
+          </a:ln>
+        </p:spPr>
+        <p:style>
+          <a:lnRef idx="1">
+            <a:schemeClr val="dk1"/>
+          </a:lnRef>
+          <a:fillRef idx="0">
+            <a:schemeClr val="dk1"/>
+          </a:fillRef>
+          <a:effectRef idx="0">
+            <a:schemeClr val="dk1"/>
+          </a:effectRef>
+          <a:fontRef idx="minor">
+            <a:schemeClr val="tx1"/>
+          </a:fontRef>
+        </p:style>
+      </p:cxnSp>
+      <p:cxnSp>
+        <p:nvCxnSpPr>
+          <p:cNvPr id="147" name="직선 화살표 연결선 146">
+            <a:extLst>
+              <a:ext uri="{FF2B5EF4-FFF2-40B4-BE49-F238E27FC236}">
+                <a16:creationId xmlns:a16="http://schemas.microsoft.com/office/drawing/2014/main" id="{D6003A59-3C46-44B4-B5A6-470F18CF379F}"/>
+              </a:ext>
+            </a:extLst>
+          </p:cNvPr>
+          <p:cNvCxnSpPr>
+            <a:cxnSpLocks/>
+            <a:stCxn id="68" idx="0"/>
+          </p:cNvCxnSpPr>
+          <p:nvPr/>
+        </p:nvCxnSpPr>
+        <p:spPr>
+          <a:xfrm flipV="1">
+            <a:off x="6896629" y="4362340"/>
+            <a:ext cx="0" cy="234270"/>
+          </a:xfrm>
+          <a:prstGeom prst="straightConnector1">
+            <a:avLst/>
+          </a:prstGeom>
+          <a:ln w="19050">
+            <a:headEnd type="none" w="med" len="med"/>
+            <a:tailEnd type="none" w="med" len="med"/>
+          </a:ln>
+        </p:spPr>
+        <p:style>
+          <a:lnRef idx="1">
+            <a:schemeClr val="dk1"/>
+          </a:lnRef>
+          <a:fillRef idx="0">
+            <a:schemeClr val="dk1"/>
+          </a:fillRef>
+          <a:effectRef idx="0">
+            <a:schemeClr val="dk1"/>
+          </a:effectRef>
+          <a:fontRef idx="minor">
+            <a:schemeClr val="tx1"/>
+          </a:fontRef>
+        </p:style>
+      </p:cxnSp>
+      <p:cxnSp>
+        <p:nvCxnSpPr>
+          <p:cNvPr id="148" name="직선 화살표 연결선 147">
+            <a:extLst>
+              <a:ext uri="{FF2B5EF4-FFF2-40B4-BE49-F238E27FC236}">
+                <a16:creationId xmlns:a16="http://schemas.microsoft.com/office/drawing/2014/main" id="{9A752417-B4E7-40CC-9380-6AC40013210D}"/>
+              </a:ext>
+            </a:extLst>
+          </p:cNvPr>
+          <p:cNvCxnSpPr>
+            <a:cxnSpLocks/>
+            <a:endCxn id="62" idx="2"/>
+          </p:cNvCxnSpPr>
+          <p:nvPr/>
+        </p:nvCxnSpPr>
+        <p:spPr>
+          <a:xfrm flipV="1">
+            <a:off x="2601000" y="3777124"/>
+            <a:ext cx="0" cy="233813"/>
+          </a:xfrm>
+          <a:prstGeom prst="straightConnector1">
+            <a:avLst/>
+          </a:prstGeom>
+          <a:ln w="19050">
+            <a:headEnd type="none" w="med" len="med"/>
+            <a:tailEnd type="none" w="med" len="med"/>
+          </a:ln>
+        </p:spPr>
+        <p:style>
+          <a:lnRef idx="1">
+            <a:schemeClr val="dk1"/>
+          </a:lnRef>
+          <a:fillRef idx="0">
+            <a:schemeClr val="dk1"/>
+          </a:fillRef>
+          <a:effectRef idx="0">
+            <a:schemeClr val="dk1"/>
+          </a:effectRef>
+          <a:fontRef idx="minor">
+            <a:schemeClr val="tx1"/>
+          </a:fontRef>
+        </p:style>
+      </p:cxnSp>
+      <p:cxnSp>
+        <p:nvCxnSpPr>
+          <p:cNvPr id="149" name="직선 화살표 연결선 148">
+            <a:extLst>
+              <a:ext uri="{FF2B5EF4-FFF2-40B4-BE49-F238E27FC236}">
+                <a16:creationId xmlns:a16="http://schemas.microsoft.com/office/drawing/2014/main" id="{C61CC513-7896-4266-B6C1-5589854EFBFA}"/>
+              </a:ext>
+            </a:extLst>
+          </p:cNvPr>
+          <p:cNvCxnSpPr>
+            <a:cxnSpLocks/>
+            <a:endCxn id="63" idx="2"/>
+          </p:cNvCxnSpPr>
+          <p:nvPr/>
+        </p:nvCxnSpPr>
+        <p:spPr>
+          <a:xfrm flipV="1">
+            <a:off x="4033538" y="3777124"/>
+            <a:ext cx="3" cy="233813"/>
+          </a:xfrm>
+          <a:prstGeom prst="straightConnector1">
+            <a:avLst/>
+          </a:prstGeom>
+          <a:ln w="19050">
+            <a:headEnd type="none" w="med" len="med"/>
+            <a:tailEnd type="none" w="med" len="med"/>
+          </a:ln>
+        </p:spPr>
+        <p:style>
+          <a:lnRef idx="1">
+            <a:schemeClr val="dk1"/>
+          </a:lnRef>
+          <a:fillRef idx="0">
+            <a:schemeClr val="dk1"/>
+          </a:fillRef>
+          <a:effectRef idx="0">
+            <a:schemeClr val="dk1"/>
+          </a:effectRef>
+          <a:fontRef idx="minor">
+            <a:schemeClr val="tx1"/>
+          </a:fontRef>
+        </p:style>
+      </p:cxnSp>
+      <p:cxnSp>
+        <p:nvCxnSpPr>
+          <p:cNvPr id="150" name="직선 화살표 연결선 149">
+            <a:extLst>
+              <a:ext uri="{FF2B5EF4-FFF2-40B4-BE49-F238E27FC236}">
+                <a16:creationId xmlns:a16="http://schemas.microsoft.com/office/drawing/2014/main" id="{9D0C9CCF-88D1-4D2A-9B44-EEAF5DDF8B46}"/>
+              </a:ext>
+            </a:extLst>
+          </p:cNvPr>
+          <p:cNvCxnSpPr>
+            <a:cxnSpLocks/>
+            <a:endCxn id="64" idx="2"/>
+          </p:cNvCxnSpPr>
+          <p:nvPr/>
+        </p:nvCxnSpPr>
+        <p:spPr>
+          <a:xfrm flipV="1">
+            <a:off x="5466082" y="3777124"/>
+            <a:ext cx="0" cy="233813"/>
+          </a:xfrm>
+          <a:prstGeom prst="straightConnector1">
+            <a:avLst/>
+          </a:prstGeom>
+          <a:ln w="19050">
+            <a:headEnd type="none" w="med" len="med"/>
+            <a:tailEnd type="none" w="med" len="med"/>
+          </a:ln>
+        </p:spPr>
+        <p:style>
+          <a:lnRef idx="1">
+            <a:schemeClr val="dk1"/>
+          </a:lnRef>
+          <a:fillRef idx="0">
+            <a:schemeClr val="dk1"/>
+          </a:fillRef>
+          <a:effectRef idx="0">
+            <a:schemeClr val="dk1"/>
+          </a:effectRef>
+          <a:fontRef idx="minor">
+            <a:schemeClr val="tx1"/>
+          </a:fontRef>
+        </p:style>
+      </p:cxnSp>
+      <p:cxnSp>
+        <p:nvCxnSpPr>
+          <p:cNvPr id="151" name="직선 화살표 연결선 150">
+            <a:extLst>
+              <a:ext uri="{FF2B5EF4-FFF2-40B4-BE49-F238E27FC236}">
+                <a16:creationId xmlns:a16="http://schemas.microsoft.com/office/drawing/2014/main" id="{F278E4B1-5826-4187-8CE0-0C43DA7C04F8}"/>
+              </a:ext>
+            </a:extLst>
+          </p:cNvPr>
+          <p:cNvCxnSpPr>
+            <a:cxnSpLocks/>
+            <a:endCxn id="65" idx="2"/>
+          </p:cNvCxnSpPr>
+          <p:nvPr/>
+        </p:nvCxnSpPr>
+        <p:spPr>
+          <a:xfrm flipV="1">
+            <a:off x="6898622" y="3777124"/>
+            <a:ext cx="0" cy="233813"/>
+          </a:xfrm>
+          <a:prstGeom prst="straightConnector1">
+            <a:avLst/>
+          </a:prstGeom>
+          <a:ln w="19050">
+            <a:headEnd type="none" w="med" len="med"/>
+            <a:tailEnd type="none" w="med" len="med"/>
+          </a:ln>
+        </p:spPr>
+        <p:style>
+          <a:lnRef idx="1">
+            <a:schemeClr val="dk1"/>
+          </a:lnRef>
+          <a:fillRef idx="0">
+            <a:schemeClr val="dk1"/>
+          </a:fillRef>
+          <a:effectRef idx="0">
+            <a:schemeClr val="dk1"/>
+          </a:effectRef>
+          <a:fontRef idx="minor">
+            <a:schemeClr val="tx1"/>
+          </a:fontRef>
+        </p:style>
+      </p:cxnSp>
+      <p:cxnSp>
+        <p:nvCxnSpPr>
+          <p:cNvPr id="152" name="직선 화살표 연결선 151">
+            <a:extLst>
+              <a:ext uri="{FF2B5EF4-FFF2-40B4-BE49-F238E27FC236}">
+                <a16:creationId xmlns:a16="http://schemas.microsoft.com/office/drawing/2014/main" id="{90698469-F8B9-4F24-8A81-2ACA84C69E69}"/>
+              </a:ext>
+            </a:extLst>
+          </p:cNvPr>
+          <p:cNvCxnSpPr>
+            <a:cxnSpLocks/>
+            <a:endCxn id="144" idx="2"/>
+          </p:cNvCxnSpPr>
+          <p:nvPr/>
+        </p:nvCxnSpPr>
+        <p:spPr>
+          <a:xfrm flipV="1">
+            <a:off x="8331162" y="3777124"/>
+            <a:ext cx="0" cy="233813"/>
+          </a:xfrm>
+          <a:prstGeom prst="straightConnector1">
+            <a:avLst/>
+          </a:prstGeom>
+          <a:ln w="19050">
+            <a:headEnd type="none" w="med" len="med"/>
+            <a:tailEnd type="none" w="med" len="med"/>
+          </a:ln>
+        </p:spPr>
+        <p:style>
+          <a:lnRef idx="1">
+            <a:schemeClr val="dk1"/>
+          </a:lnRef>
+          <a:fillRef idx="0">
+            <a:schemeClr val="dk1"/>
+          </a:fillRef>
+          <a:effectRef idx="0">
+            <a:schemeClr val="dk1"/>
+          </a:effectRef>
+          <a:fontRef idx="minor">
+            <a:schemeClr val="tx1"/>
+          </a:fontRef>
+        </p:style>
+      </p:cxnSp>
+      <p:cxnSp>
+        <p:nvCxnSpPr>
+          <p:cNvPr id="153" name="직선 화살표 연결선 152">
+            <a:extLst>
+              <a:ext uri="{FF2B5EF4-FFF2-40B4-BE49-F238E27FC236}">
+                <a16:creationId xmlns:a16="http://schemas.microsoft.com/office/drawing/2014/main" id="{F16C2A54-20D4-41D7-ADD5-BAFF794B157E}"/>
+              </a:ext>
+            </a:extLst>
+          </p:cNvPr>
+          <p:cNvCxnSpPr>
+            <a:cxnSpLocks/>
+            <a:stCxn id="63" idx="0"/>
+            <a:endCxn id="141" idx="2"/>
+          </p:cNvCxnSpPr>
+          <p:nvPr/>
+        </p:nvCxnSpPr>
+        <p:spPr>
+          <a:xfrm flipH="1" flipV="1">
+            <a:off x="4033538" y="3191450"/>
+            <a:ext cx="3" cy="234270"/>
+          </a:xfrm>
+          <a:prstGeom prst="straightConnector1">
+            <a:avLst/>
+          </a:prstGeom>
+          <a:ln w="19050">
+            <a:headEnd type="none" w="med" len="med"/>
+            <a:tailEnd type="none" w="med" len="med"/>
+          </a:ln>
+        </p:spPr>
+        <p:style>
+          <a:lnRef idx="1">
+            <a:schemeClr val="dk1"/>
+          </a:lnRef>
+          <a:fillRef idx="0">
+            <a:schemeClr val="dk1"/>
+          </a:fillRef>
+          <a:effectRef idx="0">
+            <a:schemeClr val="dk1"/>
+          </a:effectRef>
+          <a:fontRef idx="minor">
+            <a:schemeClr val="tx1"/>
+          </a:fontRef>
+        </p:style>
+      </p:cxnSp>
+      <p:cxnSp>
+        <p:nvCxnSpPr>
+          <p:cNvPr id="154" name="직선 화살표 연결선 153">
+            <a:extLst>
+              <a:ext uri="{FF2B5EF4-FFF2-40B4-BE49-F238E27FC236}">
+                <a16:creationId xmlns:a16="http://schemas.microsoft.com/office/drawing/2014/main" id="{50927512-AC79-4A22-A3DE-2D5D0EE34484}"/>
+              </a:ext>
+            </a:extLst>
+          </p:cNvPr>
+          <p:cNvCxnSpPr>
+            <a:cxnSpLocks/>
+            <a:stCxn id="77" idx="2"/>
+            <a:endCxn id="97" idx="0"/>
+          </p:cNvCxnSpPr>
+          <p:nvPr/>
+        </p:nvCxnSpPr>
+        <p:spPr>
+          <a:xfrm>
+            <a:off x="5466084" y="2081131"/>
+            <a:ext cx="0" cy="233619"/>
+          </a:xfrm>
+          <a:prstGeom prst="straightConnector1">
+            <a:avLst/>
+          </a:prstGeom>
+          <a:ln w="19050">
+            <a:headEnd type="none" w="med" len="med"/>
+            <a:tailEnd type="arrow" w="med" len="med"/>
+          </a:ln>
+        </p:spPr>
+        <p:style>
+          <a:lnRef idx="1">
+            <a:schemeClr val="dk1"/>
+          </a:lnRef>
+          <a:fillRef idx="0">
+            <a:schemeClr val="dk1"/>
+          </a:fillRef>
+          <a:effectRef idx="0">
+            <a:schemeClr val="dk1"/>
+          </a:effectRef>
+          <a:fontRef idx="minor">
+            <a:schemeClr val="tx1"/>
+          </a:fontRef>
+        </p:style>
+      </p:cxnSp>
+      <p:cxnSp>
+        <p:nvCxnSpPr>
+          <p:cNvPr id="155" name="직선 화살표 연결선 154">
+            <a:extLst>
+              <a:ext uri="{FF2B5EF4-FFF2-40B4-BE49-F238E27FC236}">
+                <a16:creationId xmlns:a16="http://schemas.microsoft.com/office/drawing/2014/main" id="{D55856A3-2738-450E-B341-A50D47EF48A6}"/>
+              </a:ext>
+            </a:extLst>
+          </p:cNvPr>
+          <p:cNvCxnSpPr>
+            <a:cxnSpLocks/>
+            <a:stCxn id="72" idx="2"/>
+            <a:endCxn id="98" idx="0"/>
+          </p:cNvCxnSpPr>
+          <p:nvPr/>
+        </p:nvCxnSpPr>
+        <p:spPr>
+          <a:xfrm>
+            <a:off x="6898630" y="2081131"/>
+            <a:ext cx="0" cy="233619"/>
+          </a:xfrm>
+          <a:prstGeom prst="straightConnector1">
+            <a:avLst/>
+          </a:prstGeom>
+          <a:ln w="19050">
+            <a:headEnd type="none" w="med" len="med"/>
+            <a:tailEnd type="arrow" w="med" len="med"/>
+          </a:ln>
+        </p:spPr>
+        <p:style>
+          <a:lnRef idx="1">
+            <a:schemeClr val="dk1"/>
+          </a:lnRef>
+          <a:fillRef idx="0">
+            <a:schemeClr val="dk1"/>
+          </a:fillRef>
+          <a:effectRef idx="0">
+            <a:schemeClr val="dk1"/>
+          </a:effectRef>
+          <a:fontRef idx="minor">
+            <a:schemeClr val="tx1"/>
+          </a:fontRef>
+        </p:style>
+      </p:cxnSp>
+      <p:cxnSp>
+        <p:nvCxnSpPr>
+          <p:cNvPr id="156" name="직선 화살표 연결선 155">
+            <a:extLst>
+              <a:ext uri="{FF2B5EF4-FFF2-40B4-BE49-F238E27FC236}">
+                <a16:creationId xmlns:a16="http://schemas.microsoft.com/office/drawing/2014/main" id="{DE0DC0C3-D348-4904-AA9D-8395BC004ED5}"/>
+              </a:ext>
+            </a:extLst>
+          </p:cNvPr>
+          <p:cNvCxnSpPr>
+            <a:cxnSpLocks/>
+            <a:stCxn id="82" idx="2"/>
+            <a:endCxn id="140" idx="0"/>
+          </p:cNvCxnSpPr>
+          <p:nvPr/>
+        </p:nvCxnSpPr>
+        <p:spPr>
+          <a:xfrm flipH="1">
+            <a:off x="8331163" y="2081131"/>
+            <a:ext cx="2" cy="233619"/>
+          </a:xfrm>
+          <a:prstGeom prst="straightConnector1">
+            <a:avLst/>
+          </a:prstGeom>
+          <a:ln w="19050">
+            <a:headEnd type="none" w="med" len="med"/>
+            <a:tailEnd type="arrow" w="med" len="med"/>
+          </a:ln>
+        </p:spPr>
+        <p:style>
+          <a:lnRef idx="1">
+            <a:schemeClr val="dk1"/>
+          </a:lnRef>
+          <a:fillRef idx="0">
+            <a:schemeClr val="dk1"/>
+          </a:fillRef>
+          <a:effectRef idx="0">
+            <a:schemeClr val="dk1"/>
+          </a:effectRef>
+          <a:fontRef idx="minor">
+            <a:schemeClr val="tx1"/>
+          </a:fontRef>
+        </p:style>
+      </p:cxnSp>
+      <p:cxnSp>
+        <p:nvCxnSpPr>
+          <p:cNvPr id="157" name="직선 화살표 연결선 156">
+            <a:extLst>
+              <a:ext uri="{FF2B5EF4-FFF2-40B4-BE49-F238E27FC236}">
+                <a16:creationId xmlns:a16="http://schemas.microsoft.com/office/drawing/2014/main" id="{C08ED73C-A3B5-4F93-AF7C-6B6B28AB65B0}"/>
+              </a:ext>
+            </a:extLst>
+          </p:cNvPr>
+          <p:cNvCxnSpPr>
+            <a:cxnSpLocks/>
+            <a:stCxn id="97" idx="2"/>
+            <a:endCxn id="142" idx="0"/>
+          </p:cNvCxnSpPr>
+          <p:nvPr/>
+        </p:nvCxnSpPr>
+        <p:spPr>
+          <a:xfrm>
+            <a:off x="5466084" y="2666154"/>
+            <a:ext cx="279" cy="234270"/>
+          </a:xfrm>
+          <a:prstGeom prst="straightConnector1">
+            <a:avLst/>
+          </a:prstGeom>
+          <a:ln w="19050">
+            <a:headEnd type="none" w="med" len="med"/>
+            <a:tailEnd type="arrow" w="med" len="med"/>
+          </a:ln>
+        </p:spPr>
+        <p:style>
+          <a:lnRef idx="1">
+            <a:schemeClr val="dk1"/>
+          </a:lnRef>
+          <a:fillRef idx="0">
+            <a:schemeClr val="dk1"/>
+          </a:fillRef>
+          <a:effectRef idx="0">
+            <a:schemeClr val="dk1"/>
+          </a:effectRef>
+          <a:fontRef idx="minor">
+            <a:schemeClr val="tx1"/>
+          </a:fontRef>
+        </p:style>
+      </p:cxnSp>
+      <p:cxnSp>
+        <p:nvCxnSpPr>
+          <p:cNvPr id="158" name="직선 화살표 연결선 157">
+            <a:extLst>
+              <a:ext uri="{FF2B5EF4-FFF2-40B4-BE49-F238E27FC236}">
+                <a16:creationId xmlns:a16="http://schemas.microsoft.com/office/drawing/2014/main" id="{9CE915A0-FB87-497A-B68D-B32C54017FD8}"/>
+              </a:ext>
+            </a:extLst>
+          </p:cNvPr>
+          <p:cNvCxnSpPr>
+            <a:cxnSpLocks/>
+            <a:stCxn id="98" idx="2"/>
+            <a:endCxn id="143" idx="0"/>
+          </p:cNvCxnSpPr>
+          <p:nvPr/>
+        </p:nvCxnSpPr>
+        <p:spPr>
+          <a:xfrm flipH="1">
+            <a:off x="6898617" y="2666154"/>
+            <a:ext cx="13" cy="234270"/>
+          </a:xfrm>
+          <a:prstGeom prst="straightConnector1">
+            <a:avLst/>
+          </a:prstGeom>
+          <a:ln w="19050">
+            <a:headEnd type="none" w="med" len="med"/>
+            <a:tailEnd type="arrow" w="med" len="med"/>
+          </a:ln>
+        </p:spPr>
+        <p:style>
+          <a:lnRef idx="1">
+            <a:schemeClr val="dk1"/>
+          </a:lnRef>
+          <a:fillRef idx="0">
+            <a:schemeClr val="dk1"/>
+          </a:fillRef>
+          <a:effectRef idx="0">
+            <a:schemeClr val="dk1"/>
+          </a:effectRef>
+          <a:fontRef idx="minor">
+            <a:schemeClr val="tx1"/>
+          </a:fontRef>
+        </p:style>
+      </p:cxnSp>
+      <p:cxnSp>
+        <p:nvCxnSpPr>
+          <p:cNvPr id="159" name="직선 화살표 연결선 158">
+            <a:extLst>
+              <a:ext uri="{FF2B5EF4-FFF2-40B4-BE49-F238E27FC236}">
+                <a16:creationId xmlns:a16="http://schemas.microsoft.com/office/drawing/2014/main" id="{82B66A88-DEEB-4279-99FC-B140B865D674}"/>
+              </a:ext>
+            </a:extLst>
+          </p:cNvPr>
+          <p:cNvCxnSpPr>
+            <a:cxnSpLocks/>
+            <a:stCxn id="140" idx="2"/>
+          </p:cNvCxnSpPr>
+          <p:nvPr/>
+        </p:nvCxnSpPr>
+        <p:spPr>
+          <a:xfrm>
+            <a:off x="8331163" y="2666154"/>
+            <a:ext cx="0" cy="234270"/>
+          </a:xfrm>
+          <a:prstGeom prst="straightConnector1">
+            <a:avLst/>
+          </a:prstGeom>
+          <a:ln w="19050">
+            <a:headEnd type="none" w="med" len="med"/>
+            <a:tailEnd type="arrow" w="med" len="med"/>
+          </a:ln>
+        </p:spPr>
+        <p:style>
+          <a:lnRef idx="1">
+            <a:schemeClr val="dk1"/>
+          </a:lnRef>
+          <a:fillRef idx="0">
+            <a:schemeClr val="dk1"/>
+          </a:fillRef>
+          <a:effectRef idx="0">
+            <a:schemeClr val="dk1"/>
+          </a:effectRef>
+          <a:fontRef idx="minor">
+            <a:schemeClr val="tx1"/>
+          </a:fontRef>
+        </p:style>
+      </p:cxnSp>
+      <p:cxnSp>
+        <p:nvCxnSpPr>
+          <p:cNvPr id="160" name="직선 화살표 연결선 159">
+            <a:extLst>
+              <a:ext uri="{FF2B5EF4-FFF2-40B4-BE49-F238E27FC236}">
+                <a16:creationId xmlns:a16="http://schemas.microsoft.com/office/drawing/2014/main" id="{1A24039C-960F-4644-A06E-165679417542}"/>
+              </a:ext>
+            </a:extLst>
+          </p:cNvPr>
+          <p:cNvCxnSpPr>
+            <a:cxnSpLocks/>
+            <a:stCxn id="65" idx="0"/>
+            <a:endCxn id="143" idx="2"/>
+          </p:cNvCxnSpPr>
+          <p:nvPr/>
+        </p:nvCxnSpPr>
+        <p:spPr>
+          <a:xfrm flipH="1" flipV="1">
+            <a:off x="6898617" y="3191450"/>
+            <a:ext cx="5" cy="234270"/>
+          </a:xfrm>
+          <a:prstGeom prst="straightConnector1">
+            <a:avLst/>
+          </a:prstGeom>
+          <a:ln w="19050">
+            <a:headEnd type="none" w="med" len="med"/>
+            <a:tailEnd type="none" w="med" len="med"/>
+          </a:ln>
+        </p:spPr>
+        <p:style>
+          <a:lnRef idx="1">
+            <a:schemeClr val="dk1"/>
+          </a:lnRef>
+          <a:fillRef idx="0">
+            <a:schemeClr val="dk1"/>
+          </a:fillRef>
+          <a:effectRef idx="0">
+            <a:schemeClr val="dk1"/>
+          </a:effectRef>
+          <a:fontRef idx="minor">
+            <a:schemeClr val="tx1"/>
+          </a:fontRef>
+        </p:style>
+      </p:cxnSp>
+      <p:cxnSp>
+        <p:nvCxnSpPr>
+          <p:cNvPr id="161" name="직선 화살표 연결선 160">
+            <a:extLst>
+              <a:ext uri="{FF2B5EF4-FFF2-40B4-BE49-F238E27FC236}">
+                <a16:creationId xmlns:a16="http://schemas.microsoft.com/office/drawing/2014/main" id="{D11C6AC8-061E-4342-99B1-F2AD4716274D}"/>
+              </a:ext>
+            </a:extLst>
+          </p:cNvPr>
+          <p:cNvCxnSpPr>
+            <a:cxnSpLocks/>
+            <a:stCxn id="64" idx="0"/>
+            <a:endCxn id="142" idx="2"/>
+          </p:cNvCxnSpPr>
+          <p:nvPr/>
+        </p:nvCxnSpPr>
+        <p:spPr>
+          <a:xfrm flipV="1">
+            <a:off x="5466081" y="3191450"/>
+            <a:ext cx="282" cy="234270"/>
+          </a:xfrm>
+          <a:prstGeom prst="straightConnector1">
+            <a:avLst/>
+          </a:prstGeom>
+          <a:ln w="19050">
+            <a:headEnd type="none" w="med" len="med"/>
+            <a:tailEnd type="none" w="med" len="med"/>
+          </a:ln>
+        </p:spPr>
+        <p:style>
+          <a:lnRef idx="1">
+            <a:schemeClr val="dk1"/>
+          </a:lnRef>
+          <a:fillRef idx="0">
+            <a:schemeClr val="dk1"/>
+          </a:fillRef>
+          <a:effectRef idx="0">
+            <a:schemeClr val="dk1"/>
+          </a:effectRef>
+          <a:fontRef idx="minor">
+            <a:schemeClr val="tx1"/>
+          </a:fontRef>
+        </p:style>
+      </p:cxnSp>
+      <p:sp>
+        <p:nvSpPr>
+          <p:cNvPr id="162" name="사각형: 둥근 모서리 161">
+            <a:extLst>
+              <a:ext uri="{FF2B5EF4-FFF2-40B4-BE49-F238E27FC236}">
+                <a16:creationId xmlns:a16="http://schemas.microsoft.com/office/drawing/2014/main" id="{C335057A-6703-446E-A149-81EAC7890762}"/>
+              </a:ext>
+            </a:extLst>
+          </p:cNvPr>
+          <p:cNvSpPr/>
+          <p:nvPr/>
+        </p:nvSpPr>
+        <p:spPr>
+          <a:xfrm>
+            <a:off x="2441042" y="2900423"/>
             <a:ext cx="315932" cy="291027"/>
           </a:xfrm>
           <a:prstGeom prst="roundRect">
@@ -8385,75 +9558,26 @@
           </a:p>
         </p:txBody>
       </p:sp>
-      <p:sp>
-        <p:nvSpPr>
-          <p:cNvPr id="144" name="사각형: 둥근 모서리 143">
-            <a:extLst>
-              <a:ext uri="{FF2B5EF4-FFF2-40B4-BE49-F238E27FC236}">
-                <a16:creationId xmlns:a16="http://schemas.microsoft.com/office/drawing/2014/main" id="{83F86471-017E-4C28-9F06-B4ED1821366A}"/>
-              </a:ext>
-            </a:extLst>
-          </p:cNvPr>
-          <p:cNvSpPr/>
-          <p:nvPr/>
-        </p:nvSpPr>
-        <p:spPr>
-          <a:xfrm>
-            <a:off x="8083402" y="3425720"/>
-            <a:ext cx="495521" cy="351404"/>
-          </a:xfrm>
-          <a:prstGeom prst="roundRect">
-            <a:avLst>
-              <a:gd name="adj" fmla="val 10349"/>
-            </a:avLst>
-          </a:prstGeom>
-        </p:spPr>
-        <p:style>
-          <a:lnRef idx="2">
-            <a:schemeClr val="dk1"/>
-          </a:lnRef>
-          <a:fillRef idx="1">
-            <a:schemeClr val="lt1"/>
-          </a:fillRef>
-          <a:effectRef idx="0">
-            <a:schemeClr val="dk1"/>
-          </a:effectRef>
-          <a:fontRef idx="minor">
-            <a:schemeClr val="dk1"/>
-          </a:fontRef>
-        </p:style>
-        <p:txBody>
-          <a:bodyPr rtlCol="0" anchor="ctr"/>
-          <a:lstStyle/>
-          <a:p>
-            <a:pPr algn="ctr"/>
-            <a:r>
-              <a:rPr lang="en-US" altLang="ko-KR" sz="1200"/>
-              <a:t>M</a:t>
-            </a:r>
-            <a:endParaRPr lang="ko-KR" altLang="en-US" sz="1200"/>
-          </a:p>
-        </p:txBody>
-      </p:sp>
       <p:cxnSp>
         <p:nvCxnSpPr>
-          <p:cNvPr id="13" name="직선 화살표 연결선 12">
-            <a:extLst>
-              <a:ext uri="{FF2B5EF4-FFF2-40B4-BE49-F238E27FC236}">
-                <a16:creationId xmlns:a16="http://schemas.microsoft.com/office/drawing/2014/main" id="{132D22AC-C7B5-4DDD-A44D-12EA7DFC7A25}"/>
+          <p:cNvPr id="163" name="직선 화살표 연결선 162">
+            <a:extLst>
+              <a:ext uri="{FF2B5EF4-FFF2-40B4-BE49-F238E27FC236}">
+                <a16:creationId xmlns:a16="http://schemas.microsoft.com/office/drawing/2014/main" id="{60A80240-DAED-4B2F-AAF4-E01E2CC23E77}"/>
               </a:ext>
             </a:extLst>
           </p:cNvPr>
           <p:cNvCxnSpPr>
             <a:cxnSpLocks/>
-            <a:stCxn id="67" idx="0"/>
+            <a:stCxn id="62" idx="0"/>
+            <a:endCxn id="162" idx="2"/>
           </p:cNvCxnSpPr>
           <p:nvPr/>
         </p:nvCxnSpPr>
         <p:spPr>
-          <a:xfrm flipV="1">
-            <a:off x="2599007" y="4362340"/>
-            <a:ext cx="0" cy="234270"/>
+          <a:xfrm flipH="1" flipV="1">
+            <a:off x="2599008" y="3191450"/>
+            <a:ext cx="1992" cy="234270"/>
           </a:xfrm>
           <a:prstGeom prst="straightConnector1">
             <a:avLst/>
@@ -8478,751 +9602,12 @@
           </a:fontRef>
         </p:style>
       </p:cxnSp>
-      <p:cxnSp>
-        <p:nvCxnSpPr>
-          <p:cNvPr id="145" name="직선 화살표 연결선 144">
-            <a:extLst>
-              <a:ext uri="{FF2B5EF4-FFF2-40B4-BE49-F238E27FC236}">
-                <a16:creationId xmlns:a16="http://schemas.microsoft.com/office/drawing/2014/main" id="{078FD9A0-FAEE-4373-921D-CE9CFAFE33B0}"/>
-              </a:ext>
-            </a:extLst>
-          </p:cNvPr>
-          <p:cNvCxnSpPr>
-            <a:cxnSpLocks/>
-            <a:stCxn id="7" idx="0"/>
-          </p:cNvCxnSpPr>
-          <p:nvPr/>
-        </p:nvCxnSpPr>
-        <p:spPr>
-          <a:xfrm flipV="1">
-            <a:off x="4031548" y="4362340"/>
-            <a:ext cx="0" cy="234270"/>
-          </a:xfrm>
-          <a:prstGeom prst="straightConnector1">
-            <a:avLst/>
-          </a:prstGeom>
-          <a:ln w="19050">
-            <a:headEnd type="none" w="med" len="med"/>
-            <a:tailEnd type="none" w="med" len="med"/>
-          </a:ln>
-        </p:spPr>
-        <p:style>
-          <a:lnRef idx="1">
-            <a:schemeClr val="dk1"/>
-          </a:lnRef>
-          <a:fillRef idx="0">
-            <a:schemeClr val="dk1"/>
-          </a:fillRef>
-          <a:effectRef idx="0">
-            <a:schemeClr val="dk1"/>
-          </a:effectRef>
-          <a:fontRef idx="minor">
-            <a:schemeClr val="tx1"/>
-          </a:fontRef>
-        </p:style>
-      </p:cxnSp>
-      <p:cxnSp>
-        <p:nvCxnSpPr>
-          <p:cNvPr id="146" name="직선 화살표 연결선 145">
-            <a:extLst>
-              <a:ext uri="{FF2B5EF4-FFF2-40B4-BE49-F238E27FC236}">
-                <a16:creationId xmlns:a16="http://schemas.microsoft.com/office/drawing/2014/main" id="{BAD5FDDD-D75E-4198-8E95-6B35ECAE16AD}"/>
-              </a:ext>
-            </a:extLst>
-          </p:cNvPr>
-          <p:cNvCxnSpPr>
-            <a:cxnSpLocks/>
-            <a:stCxn id="58" idx="0"/>
-          </p:cNvCxnSpPr>
-          <p:nvPr/>
-        </p:nvCxnSpPr>
-        <p:spPr>
-          <a:xfrm flipH="1" flipV="1">
-            <a:off x="5464088" y="4362340"/>
-            <a:ext cx="1" cy="234270"/>
-          </a:xfrm>
-          <a:prstGeom prst="straightConnector1">
-            <a:avLst/>
-          </a:prstGeom>
-          <a:ln w="19050">
-            <a:headEnd type="none" w="med" len="med"/>
-            <a:tailEnd type="none" w="med" len="med"/>
-          </a:ln>
-        </p:spPr>
-        <p:style>
-          <a:lnRef idx="1">
-            <a:schemeClr val="dk1"/>
-          </a:lnRef>
-          <a:fillRef idx="0">
-            <a:schemeClr val="dk1"/>
-          </a:fillRef>
-          <a:effectRef idx="0">
-            <a:schemeClr val="dk1"/>
-          </a:effectRef>
-          <a:fontRef idx="minor">
-            <a:schemeClr val="tx1"/>
-          </a:fontRef>
-        </p:style>
-      </p:cxnSp>
-      <p:cxnSp>
-        <p:nvCxnSpPr>
-          <p:cNvPr id="147" name="직선 화살표 연결선 146">
-            <a:extLst>
-              <a:ext uri="{FF2B5EF4-FFF2-40B4-BE49-F238E27FC236}">
-                <a16:creationId xmlns:a16="http://schemas.microsoft.com/office/drawing/2014/main" id="{D6003A59-3C46-44B4-B5A6-470F18CF379F}"/>
-              </a:ext>
-            </a:extLst>
-          </p:cNvPr>
-          <p:cNvCxnSpPr>
-            <a:cxnSpLocks/>
-            <a:stCxn id="68" idx="0"/>
-          </p:cNvCxnSpPr>
-          <p:nvPr/>
-        </p:nvCxnSpPr>
-        <p:spPr>
-          <a:xfrm flipV="1">
-            <a:off x="6896629" y="4362340"/>
-            <a:ext cx="0" cy="234270"/>
-          </a:xfrm>
-          <a:prstGeom prst="straightConnector1">
-            <a:avLst/>
-          </a:prstGeom>
-          <a:ln w="19050">
-            <a:headEnd type="none" w="med" len="med"/>
-            <a:tailEnd type="none" w="med" len="med"/>
-          </a:ln>
-        </p:spPr>
-        <p:style>
-          <a:lnRef idx="1">
-            <a:schemeClr val="dk1"/>
-          </a:lnRef>
-          <a:fillRef idx="0">
-            <a:schemeClr val="dk1"/>
-          </a:fillRef>
-          <a:effectRef idx="0">
-            <a:schemeClr val="dk1"/>
-          </a:effectRef>
-          <a:fontRef idx="minor">
-            <a:schemeClr val="tx1"/>
-          </a:fontRef>
-        </p:style>
-      </p:cxnSp>
-      <p:cxnSp>
-        <p:nvCxnSpPr>
-          <p:cNvPr id="148" name="직선 화살표 연결선 147">
-            <a:extLst>
-              <a:ext uri="{FF2B5EF4-FFF2-40B4-BE49-F238E27FC236}">
-                <a16:creationId xmlns:a16="http://schemas.microsoft.com/office/drawing/2014/main" id="{9A752417-B4E7-40CC-9380-6AC40013210D}"/>
-              </a:ext>
-            </a:extLst>
-          </p:cNvPr>
-          <p:cNvCxnSpPr>
-            <a:cxnSpLocks/>
-            <a:endCxn id="62" idx="2"/>
-          </p:cNvCxnSpPr>
-          <p:nvPr/>
-        </p:nvCxnSpPr>
-        <p:spPr>
-          <a:xfrm flipV="1">
-            <a:off x="2601000" y="3777124"/>
-            <a:ext cx="0" cy="233813"/>
-          </a:xfrm>
-          <a:prstGeom prst="straightConnector1">
-            <a:avLst/>
-          </a:prstGeom>
-          <a:ln w="19050">
-            <a:headEnd type="none" w="med" len="med"/>
-            <a:tailEnd type="none" w="med" len="med"/>
-          </a:ln>
-        </p:spPr>
-        <p:style>
-          <a:lnRef idx="1">
-            <a:schemeClr val="dk1"/>
-          </a:lnRef>
-          <a:fillRef idx="0">
-            <a:schemeClr val="dk1"/>
-          </a:fillRef>
-          <a:effectRef idx="0">
-            <a:schemeClr val="dk1"/>
-          </a:effectRef>
-          <a:fontRef idx="minor">
-            <a:schemeClr val="tx1"/>
-          </a:fontRef>
-        </p:style>
-      </p:cxnSp>
-      <p:cxnSp>
-        <p:nvCxnSpPr>
-          <p:cNvPr id="149" name="직선 화살표 연결선 148">
-            <a:extLst>
-              <a:ext uri="{FF2B5EF4-FFF2-40B4-BE49-F238E27FC236}">
-                <a16:creationId xmlns:a16="http://schemas.microsoft.com/office/drawing/2014/main" id="{C61CC513-7896-4266-B6C1-5589854EFBFA}"/>
-              </a:ext>
-            </a:extLst>
-          </p:cNvPr>
-          <p:cNvCxnSpPr>
-            <a:cxnSpLocks/>
-            <a:endCxn id="63" idx="2"/>
-          </p:cNvCxnSpPr>
-          <p:nvPr/>
-        </p:nvCxnSpPr>
-        <p:spPr>
-          <a:xfrm flipV="1">
-            <a:off x="4033538" y="3777124"/>
-            <a:ext cx="3" cy="233813"/>
-          </a:xfrm>
-          <a:prstGeom prst="straightConnector1">
-            <a:avLst/>
-          </a:prstGeom>
-          <a:ln w="19050">
-            <a:headEnd type="none" w="med" len="med"/>
-            <a:tailEnd type="none" w="med" len="med"/>
-          </a:ln>
-        </p:spPr>
-        <p:style>
-          <a:lnRef idx="1">
-            <a:schemeClr val="dk1"/>
-          </a:lnRef>
-          <a:fillRef idx="0">
-            <a:schemeClr val="dk1"/>
-          </a:fillRef>
-          <a:effectRef idx="0">
-            <a:schemeClr val="dk1"/>
-          </a:effectRef>
-          <a:fontRef idx="minor">
-            <a:schemeClr val="tx1"/>
-          </a:fontRef>
-        </p:style>
-      </p:cxnSp>
-      <p:cxnSp>
-        <p:nvCxnSpPr>
-          <p:cNvPr id="150" name="직선 화살표 연결선 149">
-            <a:extLst>
-              <a:ext uri="{FF2B5EF4-FFF2-40B4-BE49-F238E27FC236}">
-                <a16:creationId xmlns:a16="http://schemas.microsoft.com/office/drawing/2014/main" id="{9D0C9CCF-88D1-4D2A-9B44-EEAF5DDF8B46}"/>
-              </a:ext>
-            </a:extLst>
-          </p:cNvPr>
-          <p:cNvCxnSpPr>
-            <a:cxnSpLocks/>
-            <a:endCxn id="64" idx="2"/>
-          </p:cNvCxnSpPr>
-          <p:nvPr/>
-        </p:nvCxnSpPr>
-        <p:spPr>
-          <a:xfrm flipV="1">
-            <a:off x="5466082" y="3777124"/>
-            <a:ext cx="0" cy="233813"/>
-          </a:xfrm>
-          <a:prstGeom prst="straightConnector1">
-            <a:avLst/>
-          </a:prstGeom>
-          <a:ln w="19050">
-            <a:headEnd type="none" w="med" len="med"/>
-            <a:tailEnd type="none" w="med" len="med"/>
-          </a:ln>
-        </p:spPr>
-        <p:style>
-          <a:lnRef idx="1">
-            <a:schemeClr val="dk1"/>
-          </a:lnRef>
-          <a:fillRef idx="0">
-            <a:schemeClr val="dk1"/>
-          </a:fillRef>
-          <a:effectRef idx="0">
-            <a:schemeClr val="dk1"/>
-          </a:effectRef>
-          <a:fontRef idx="minor">
-            <a:schemeClr val="tx1"/>
-          </a:fontRef>
-        </p:style>
-      </p:cxnSp>
-      <p:cxnSp>
-        <p:nvCxnSpPr>
-          <p:cNvPr id="151" name="직선 화살표 연결선 150">
-            <a:extLst>
-              <a:ext uri="{FF2B5EF4-FFF2-40B4-BE49-F238E27FC236}">
-                <a16:creationId xmlns:a16="http://schemas.microsoft.com/office/drawing/2014/main" id="{F278E4B1-5826-4187-8CE0-0C43DA7C04F8}"/>
-              </a:ext>
-            </a:extLst>
-          </p:cNvPr>
-          <p:cNvCxnSpPr>
-            <a:cxnSpLocks/>
-            <a:endCxn id="65" idx="2"/>
-          </p:cNvCxnSpPr>
-          <p:nvPr/>
-        </p:nvCxnSpPr>
-        <p:spPr>
-          <a:xfrm flipV="1">
-            <a:off x="6898622" y="3777124"/>
-            <a:ext cx="0" cy="233813"/>
-          </a:xfrm>
-          <a:prstGeom prst="straightConnector1">
-            <a:avLst/>
-          </a:prstGeom>
-          <a:ln w="19050">
-            <a:headEnd type="none" w="med" len="med"/>
-            <a:tailEnd type="none" w="med" len="med"/>
-          </a:ln>
-        </p:spPr>
-        <p:style>
-          <a:lnRef idx="1">
-            <a:schemeClr val="dk1"/>
-          </a:lnRef>
-          <a:fillRef idx="0">
-            <a:schemeClr val="dk1"/>
-          </a:fillRef>
-          <a:effectRef idx="0">
-            <a:schemeClr val="dk1"/>
-          </a:effectRef>
-          <a:fontRef idx="minor">
-            <a:schemeClr val="tx1"/>
-          </a:fontRef>
-        </p:style>
-      </p:cxnSp>
-      <p:cxnSp>
-        <p:nvCxnSpPr>
-          <p:cNvPr id="152" name="직선 화살표 연결선 151">
-            <a:extLst>
-              <a:ext uri="{FF2B5EF4-FFF2-40B4-BE49-F238E27FC236}">
-                <a16:creationId xmlns:a16="http://schemas.microsoft.com/office/drawing/2014/main" id="{90698469-F8B9-4F24-8A81-2ACA84C69E69}"/>
-              </a:ext>
-            </a:extLst>
-          </p:cNvPr>
-          <p:cNvCxnSpPr>
-            <a:cxnSpLocks/>
-            <a:endCxn id="144" idx="2"/>
-          </p:cNvCxnSpPr>
-          <p:nvPr/>
-        </p:nvCxnSpPr>
-        <p:spPr>
-          <a:xfrm flipV="1">
-            <a:off x="8331162" y="3777124"/>
-            <a:ext cx="0" cy="233813"/>
-          </a:xfrm>
-          <a:prstGeom prst="straightConnector1">
-            <a:avLst/>
-          </a:prstGeom>
-          <a:ln w="19050">
-            <a:headEnd type="none" w="med" len="med"/>
-            <a:tailEnd type="none" w="med" len="med"/>
-          </a:ln>
-        </p:spPr>
-        <p:style>
-          <a:lnRef idx="1">
-            <a:schemeClr val="dk1"/>
-          </a:lnRef>
-          <a:fillRef idx="0">
-            <a:schemeClr val="dk1"/>
-          </a:fillRef>
-          <a:effectRef idx="0">
-            <a:schemeClr val="dk1"/>
-          </a:effectRef>
-          <a:fontRef idx="minor">
-            <a:schemeClr val="tx1"/>
-          </a:fontRef>
-        </p:style>
-      </p:cxnSp>
-      <p:cxnSp>
-        <p:nvCxnSpPr>
-          <p:cNvPr id="153" name="직선 화살표 연결선 152">
-            <a:extLst>
-              <a:ext uri="{FF2B5EF4-FFF2-40B4-BE49-F238E27FC236}">
-                <a16:creationId xmlns:a16="http://schemas.microsoft.com/office/drawing/2014/main" id="{F16C2A54-20D4-41D7-ADD5-BAFF794B157E}"/>
-              </a:ext>
-            </a:extLst>
-          </p:cNvPr>
-          <p:cNvCxnSpPr>
-            <a:cxnSpLocks/>
-            <a:stCxn id="63" idx="0"/>
-            <a:endCxn id="141" idx="2"/>
-          </p:cNvCxnSpPr>
-          <p:nvPr/>
-        </p:nvCxnSpPr>
-        <p:spPr>
-          <a:xfrm flipH="1" flipV="1">
-            <a:off x="4033538" y="3191450"/>
-            <a:ext cx="3" cy="234270"/>
-          </a:xfrm>
-          <a:prstGeom prst="straightConnector1">
-            <a:avLst/>
-          </a:prstGeom>
-          <a:ln w="19050">
-            <a:headEnd type="none" w="med" len="med"/>
-            <a:tailEnd type="none" w="med" len="med"/>
-          </a:ln>
-        </p:spPr>
-        <p:style>
-          <a:lnRef idx="1">
-            <a:schemeClr val="dk1"/>
-          </a:lnRef>
-          <a:fillRef idx="0">
-            <a:schemeClr val="dk1"/>
-          </a:fillRef>
-          <a:effectRef idx="0">
-            <a:schemeClr val="dk1"/>
-          </a:effectRef>
-          <a:fontRef idx="minor">
-            <a:schemeClr val="tx1"/>
-          </a:fontRef>
-        </p:style>
-      </p:cxnSp>
-      <p:cxnSp>
-        <p:nvCxnSpPr>
-          <p:cNvPr id="154" name="직선 화살표 연결선 153">
-            <a:extLst>
-              <a:ext uri="{FF2B5EF4-FFF2-40B4-BE49-F238E27FC236}">
-                <a16:creationId xmlns:a16="http://schemas.microsoft.com/office/drawing/2014/main" id="{50927512-AC79-4A22-A3DE-2D5D0EE34484}"/>
-              </a:ext>
-            </a:extLst>
-          </p:cNvPr>
-          <p:cNvCxnSpPr>
-            <a:cxnSpLocks/>
-            <a:stCxn id="77" idx="2"/>
-            <a:endCxn id="97" idx="0"/>
-          </p:cNvCxnSpPr>
-          <p:nvPr/>
-        </p:nvCxnSpPr>
-        <p:spPr>
-          <a:xfrm>
-            <a:off x="5466084" y="2081131"/>
-            <a:ext cx="0" cy="233619"/>
-          </a:xfrm>
-          <a:prstGeom prst="straightConnector1">
-            <a:avLst/>
-          </a:prstGeom>
-          <a:ln w="19050">
-            <a:headEnd type="none" w="med" len="med"/>
-            <a:tailEnd type="arrow" w="med" len="med"/>
-          </a:ln>
-        </p:spPr>
-        <p:style>
-          <a:lnRef idx="1">
-            <a:schemeClr val="dk1"/>
-          </a:lnRef>
-          <a:fillRef idx="0">
-            <a:schemeClr val="dk1"/>
-          </a:fillRef>
-          <a:effectRef idx="0">
-            <a:schemeClr val="dk1"/>
-          </a:effectRef>
-          <a:fontRef idx="minor">
-            <a:schemeClr val="tx1"/>
-          </a:fontRef>
-        </p:style>
-      </p:cxnSp>
-      <p:cxnSp>
-        <p:nvCxnSpPr>
-          <p:cNvPr id="155" name="직선 화살표 연결선 154">
-            <a:extLst>
-              <a:ext uri="{FF2B5EF4-FFF2-40B4-BE49-F238E27FC236}">
-                <a16:creationId xmlns:a16="http://schemas.microsoft.com/office/drawing/2014/main" id="{D55856A3-2738-450E-B341-A50D47EF48A6}"/>
-              </a:ext>
-            </a:extLst>
-          </p:cNvPr>
-          <p:cNvCxnSpPr>
-            <a:cxnSpLocks/>
-            <a:stCxn id="72" idx="2"/>
-            <a:endCxn id="98" idx="0"/>
-          </p:cNvCxnSpPr>
-          <p:nvPr/>
-        </p:nvCxnSpPr>
-        <p:spPr>
-          <a:xfrm>
-            <a:off x="6898630" y="2081131"/>
-            <a:ext cx="0" cy="233619"/>
-          </a:xfrm>
-          <a:prstGeom prst="straightConnector1">
-            <a:avLst/>
-          </a:prstGeom>
-          <a:ln w="19050">
-            <a:headEnd type="none" w="med" len="med"/>
-            <a:tailEnd type="arrow" w="med" len="med"/>
-          </a:ln>
-        </p:spPr>
-        <p:style>
-          <a:lnRef idx="1">
-            <a:schemeClr val="dk1"/>
-          </a:lnRef>
-          <a:fillRef idx="0">
-            <a:schemeClr val="dk1"/>
-          </a:fillRef>
-          <a:effectRef idx="0">
-            <a:schemeClr val="dk1"/>
-          </a:effectRef>
-          <a:fontRef idx="minor">
-            <a:schemeClr val="tx1"/>
-          </a:fontRef>
-        </p:style>
-      </p:cxnSp>
-      <p:cxnSp>
-        <p:nvCxnSpPr>
-          <p:cNvPr id="156" name="직선 화살표 연결선 155">
-            <a:extLst>
-              <a:ext uri="{FF2B5EF4-FFF2-40B4-BE49-F238E27FC236}">
-                <a16:creationId xmlns:a16="http://schemas.microsoft.com/office/drawing/2014/main" id="{DE0DC0C3-D348-4904-AA9D-8395BC004ED5}"/>
-              </a:ext>
-            </a:extLst>
-          </p:cNvPr>
-          <p:cNvCxnSpPr>
-            <a:cxnSpLocks/>
-            <a:stCxn id="82" idx="2"/>
-            <a:endCxn id="140" idx="0"/>
-          </p:cNvCxnSpPr>
-          <p:nvPr/>
-        </p:nvCxnSpPr>
-        <p:spPr>
-          <a:xfrm flipH="1">
-            <a:off x="8331163" y="2081131"/>
-            <a:ext cx="2" cy="233619"/>
-          </a:xfrm>
-          <a:prstGeom prst="straightConnector1">
-            <a:avLst/>
-          </a:prstGeom>
-          <a:ln w="19050">
-            <a:headEnd type="none" w="med" len="med"/>
-            <a:tailEnd type="arrow" w="med" len="med"/>
-          </a:ln>
-        </p:spPr>
-        <p:style>
-          <a:lnRef idx="1">
-            <a:schemeClr val="dk1"/>
-          </a:lnRef>
-          <a:fillRef idx="0">
-            <a:schemeClr val="dk1"/>
-          </a:fillRef>
-          <a:effectRef idx="0">
-            <a:schemeClr val="dk1"/>
-          </a:effectRef>
-          <a:fontRef idx="minor">
-            <a:schemeClr val="tx1"/>
-          </a:fontRef>
-        </p:style>
-      </p:cxnSp>
-      <p:cxnSp>
-        <p:nvCxnSpPr>
-          <p:cNvPr id="157" name="직선 화살표 연결선 156">
-            <a:extLst>
-              <a:ext uri="{FF2B5EF4-FFF2-40B4-BE49-F238E27FC236}">
-                <a16:creationId xmlns:a16="http://schemas.microsoft.com/office/drawing/2014/main" id="{C08ED73C-A3B5-4F93-AF7C-6B6B28AB65B0}"/>
-              </a:ext>
-            </a:extLst>
-          </p:cNvPr>
-          <p:cNvCxnSpPr>
-            <a:cxnSpLocks/>
-            <a:stCxn id="97" idx="2"/>
-            <a:endCxn id="142" idx="0"/>
-          </p:cNvCxnSpPr>
-          <p:nvPr/>
-        </p:nvCxnSpPr>
-        <p:spPr>
-          <a:xfrm>
-            <a:off x="5466084" y="2666154"/>
-            <a:ext cx="279" cy="234270"/>
-          </a:xfrm>
-          <a:prstGeom prst="straightConnector1">
-            <a:avLst/>
-          </a:prstGeom>
-          <a:ln w="19050">
-            <a:headEnd type="none" w="med" len="med"/>
-            <a:tailEnd type="arrow" w="med" len="med"/>
-          </a:ln>
-        </p:spPr>
-        <p:style>
-          <a:lnRef idx="1">
-            <a:schemeClr val="dk1"/>
-          </a:lnRef>
-          <a:fillRef idx="0">
-            <a:schemeClr val="dk1"/>
-          </a:fillRef>
-          <a:effectRef idx="0">
-            <a:schemeClr val="dk1"/>
-          </a:effectRef>
-          <a:fontRef idx="minor">
-            <a:schemeClr val="tx1"/>
-          </a:fontRef>
-        </p:style>
-      </p:cxnSp>
-      <p:cxnSp>
-        <p:nvCxnSpPr>
-          <p:cNvPr id="158" name="직선 화살표 연결선 157">
-            <a:extLst>
-              <a:ext uri="{FF2B5EF4-FFF2-40B4-BE49-F238E27FC236}">
-                <a16:creationId xmlns:a16="http://schemas.microsoft.com/office/drawing/2014/main" id="{9CE915A0-FB87-497A-B68D-B32C54017FD8}"/>
-              </a:ext>
-            </a:extLst>
-          </p:cNvPr>
-          <p:cNvCxnSpPr>
-            <a:cxnSpLocks/>
-            <a:stCxn id="98" idx="2"/>
-            <a:endCxn id="143" idx="0"/>
-          </p:cNvCxnSpPr>
-          <p:nvPr/>
-        </p:nvCxnSpPr>
-        <p:spPr>
-          <a:xfrm flipH="1">
-            <a:off x="6898617" y="2666154"/>
-            <a:ext cx="13" cy="234270"/>
-          </a:xfrm>
-          <a:prstGeom prst="straightConnector1">
-            <a:avLst/>
-          </a:prstGeom>
-          <a:ln w="19050">
-            <a:headEnd type="none" w="med" len="med"/>
-            <a:tailEnd type="arrow" w="med" len="med"/>
-          </a:ln>
-        </p:spPr>
-        <p:style>
-          <a:lnRef idx="1">
-            <a:schemeClr val="dk1"/>
-          </a:lnRef>
-          <a:fillRef idx="0">
-            <a:schemeClr val="dk1"/>
-          </a:fillRef>
-          <a:effectRef idx="0">
-            <a:schemeClr val="dk1"/>
-          </a:effectRef>
-          <a:fontRef idx="minor">
-            <a:schemeClr val="tx1"/>
-          </a:fontRef>
-        </p:style>
-      </p:cxnSp>
-      <p:cxnSp>
-        <p:nvCxnSpPr>
-          <p:cNvPr id="159" name="직선 화살표 연결선 158">
-            <a:extLst>
-              <a:ext uri="{FF2B5EF4-FFF2-40B4-BE49-F238E27FC236}">
-                <a16:creationId xmlns:a16="http://schemas.microsoft.com/office/drawing/2014/main" id="{82B66A88-DEEB-4279-99FC-B140B865D674}"/>
-              </a:ext>
-            </a:extLst>
-          </p:cNvPr>
-          <p:cNvCxnSpPr>
-            <a:cxnSpLocks/>
-            <a:stCxn id="140" idx="2"/>
-          </p:cNvCxnSpPr>
-          <p:nvPr/>
-        </p:nvCxnSpPr>
-        <p:spPr>
-          <a:xfrm>
-            <a:off x="8331163" y="2666154"/>
-            <a:ext cx="0" cy="234270"/>
-          </a:xfrm>
-          <a:prstGeom prst="straightConnector1">
-            <a:avLst/>
-          </a:prstGeom>
-          <a:ln w="19050">
-            <a:headEnd type="none" w="med" len="med"/>
-            <a:tailEnd type="arrow" w="med" len="med"/>
-          </a:ln>
-        </p:spPr>
-        <p:style>
-          <a:lnRef idx="1">
-            <a:schemeClr val="dk1"/>
-          </a:lnRef>
-          <a:fillRef idx="0">
-            <a:schemeClr val="dk1"/>
-          </a:fillRef>
-          <a:effectRef idx="0">
-            <a:schemeClr val="dk1"/>
-          </a:effectRef>
-          <a:fontRef idx="minor">
-            <a:schemeClr val="tx1"/>
-          </a:fontRef>
-        </p:style>
-      </p:cxnSp>
-      <p:cxnSp>
-        <p:nvCxnSpPr>
-          <p:cNvPr id="160" name="직선 화살표 연결선 159">
-            <a:extLst>
-              <a:ext uri="{FF2B5EF4-FFF2-40B4-BE49-F238E27FC236}">
-                <a16:creationId xmlns:a16="http://schemas.microsoft.com/office/drawing/2014/main" id="{1A24039C-960F-4644-A06E-165679417542}"/>
-              </a:ext>
-            </a:extLst>
-          </p:cNvPr>
-          <p:cNvCxnSpPr>
-            <a:cxnSpLocks/>
-            <a:stCxn id="65" idx="0"/>
-            <a:endCxn id="143" idx="2"/>
-          </p:cNvCxnSpPr>
-          <p:nvPr/>
-        </p:nvCxnSpPr>
-        <p:spPr>
-          <a:xfrm flipH="1" flipV="1">
-            <a:off x="6898617" y="3191450"/>
-            <a:ext cx="5" cy="234270"/>
-          </a:xfrm>
-          <a:prstGeom prst="straightConnector1">
-            <a:avLst/>
-          </a:prstGeom>
-          <a:ln w="19050">
-            <a:headEnd type="none" w="med" len="med"/>
-            <a:tailEnd type="none" w="med" len="med"/>
-          </a:ln>
-        </p:spPr>
-        <p:style>
-          <a:lnRef idx="1">
-            <a:schemeClr val="dk1"/>
-          </a:lnRef>
-          <a:fillRef idx="0">
-            <a:schemeClr val="dk1"/>
-          </a:fillRef>
-          <a:effectRef idx="0">
-            <a:schemeClr val="dk1"/>
-          </a:effectRef>
-          <a:fontRef idx="minor">
-            <a:schemeClr val="tx1"/>
-          </a:fontRef>
-        </p:style>
-      </p:cxnSp>
-      <p:cxnSp>
-        <p:nvCxnSpPr>
-          <p:cNvPr id="161" name="직선 화살표 연결선 160">
-            <a:extLst>
-              <a:ext uri="{FF2B5EF4-FFF2-40B4-BE49-F238E27FC236}">
-                <a16:creationId xmlns:a16="http://schemas.microsoft.com/office/drawing/2014/main" id="{D11C6AC8-061E-4342-99B1-F2AD4716274D}"/>
-              </a:ext>
-            </a:extLst>
-          </p:cNvPr>
-          <p:cNvCxnSpPr>
-            <a:cxnSpLocks/>
-            <a:stCxn id="64" idx="0"/>
-            <a:endCxn id="142" idx="2"/>
-          </p:cNvCxnSpPr>
-          <p:nvPr/>
-        </p:nvCxnSpPr>
-        <p:spPr>
-          <a:xfrm flipV="1">
-            <a:off x="5466081" y="3191450"/>
-            <a:ext cx="282" cy="234270"/>
-          </a:xfrm>
-          <a:prstGeom prst="straightConnector1">
-            <a:avLst/>
-          </a:prstGeom>
-          <a:ln w="19050">
-            <a:headEnd type="none" w="med" len="med"/>
-            <a:tailEnd type="none" w="med" len="med"/>
-          </a:ln>
-        </p:spPr>
-        <p:style>
-          <a:lnRef idx="1">
-            <a:schemeClr val="dk1"/>
-          </a:lnRef>
-          <a:fillRef idx="0">
-            <a:schemeClr val="dk1"/>
-          </a:fillRef>
-          <a:effectRef idx="0">
-            <a:schemeClr val="dk1"/>
-          </a:effectRef>
-          <a:fontRef idx="minor">
-            <a:schemeClr val="tx1"/>
-          </a:fontRef>
-        </p:style>
-      </p:cxnSp>
-      <p:sp>
-        <p:nvSpPr>
-          <p:cNvPr id="162" name="사각형: 둥근 모서리 161">
-            <a:extLst>
-              <a:ext uri="{FF2B5EF4-FFF2-40B4-BE49-F238E27FC236}">
-                <a16:creationId xmlns:a16="http://schemas.microsoft.com/office/drawing/2014/main" id="{C335057A-6703-446E-A149-81EAC7890762}"/>
+      <p:sp>
+        <p:nvSpPr>
+          <p:cNvPr id="164" name="사각형: 둥근 모서리 163">
+            <a:extLst>
+              <a:ext uri="{FF2B5EF4-FFF2-40B4-BE49-F238E27FC236}">
+                <a16:creationId xmlns:a16="http://schemas.microsoft.com/office/drawing/2014/main" id="{243BA8F8-A493-4E85-BDF4-544F4AD0FFE8}"/>
               </a:ext>
             </a:extLst>
           </p:cNvPr>
@@ -9231,7 +9616,57 @@
         </p:nvSpPr>
         <p:spPr>
           <a:xfrm>
-            <a:off x="2441042" y="2900423"/>
+            <a:off x="2246620" y="1864991"/>
+            <a:ext cx="2122010" cy="637569"/>
+          </a:xfrm>
+          <a:prstGeom prst="roundRect">
+            <a:avLst>
+              <a:gd name="adj" fmla="val 11924"/>
+            </a:avLst>
+          </a:prstGeom>
+        </p:spPr>
+        <p:style>
+          <a:lnRef idx="2">
+            <a:schemeClr val="dk1"/>
+          </a:lnRef>
+          <a:fillRef idx="1">
+            <a:schemeClr val="lt1"/>
+          </a:fillRef>
+          <a:effectRef idx="0">
+            <a:schemeClr val="dk1"/>
+          </a:effectRef>
+          <a:fontRef idx="minor">
+            <a:schemeClr val="dk1"/>
+          </a:fontRef>
+        </p:style>
+        <p:txBody>
+          <a:bodyPr rtlCol="0" anchor="b"/>
+          <a:lstStyle/>
+          <a:p>
+            <a:pPr algn="ctr"/>
+            <a:r>
+              <a:rPr lang="en-US" altLang="ko-KR" sz="1200"/>
+              <a:t>GRQ</a:t>
+            </a:r>
+            <a:endParaRPr lang="ko-KR" altLang="en-US" sz="1200"/>
+          </a:p>
+        </p:txBody>
+      </p:sp>
+      <p:sp>
+        <p:nvSpPr>
+          <p:cNvPr id="165" name="사각형: 둥근 모서리 164">
+            <a:extLst>
+              <a:ext uri="{FF2B5EF4-FFF2-40B4-BE49-F238E27FC236}">
+                <a16:creationId xmlns:a16="http://schemas.microsoft.com/office/drawing/2014/main" id="{25700973-09E8-45A1-9708-20A87C58F4FF}"/>
+              </a:ext>
+            </a:extLst>
+          </p:cNvPr>
+          <p:cNvSpPr/>
+          <p:nvPr/>
+        </p:nvSpPr>
+        <p:spPr>
+          <a:xfrm>
+            <a:off x="2330568" y="1924993"/>
             <a:ext cx="315932" cy="291027"/>
           </a:xfrm>
           <a:prstGeom prst="roundRect">
@@ -9272,56 +9707,12 @@
           </a:p>
         </p:txBody>
       </p:sp>
-      <p:cxnSp>
-        <p:nvCxnSpPr>
-          <p:cNvPr id="163" name="직선 화살표 연결선 162">
-            <a:extLst>
-              <a:ext uri="{FF2B5EF4-FFF2-40B4-BE49-F238E27FC236}">
-                <a16:creationId xmlns:a16="http://schemas.microsoft.com/office/drawing/2014/main" id="{60A80240-DAED-4B2F-AAF4-E01E2CC23E77}"/>
-              </a:ext>
-            </a:extLst>
-          </p:cNvPr>
-          <p:cNvCxnSpPr>
-            <a:cxnSpLocks/>
-            <a:stCxn id="62" idx="0"/>
-            <a:endCxn id="162" idx="2"/>
-          </p:cNvCxnSpPr>
-          <p:nvPr/>
-        </p:nvCxnSpPr>
-        <p:spPr>
-          <a:xfrm flipH="1" flipV="1">
-            <a:off x="2599008" y="3191450"/>
-            <a:ext cx="1992" cy="234270"/>
-          </a:xfrm>
-          <a:prstGeom prst="straightConnector1">
-            <a:avLst/>
-          </a:prstGeom>
-          <a:ln w="19050">
-            <a:headEnd type="none" w="med" len="med"/>
-            <a:tailEnd type="none" w="med" len="med"/>
-          </a:ln>
-        </p:spPr>
-        <p:style>
-          <a:lnRef idx="1">
-            <a:schemeClr val="dk1"/>
-          </a:lnRef>
-          <a:fillRef idx="0">
-            <a:schemeClr val="dk1"/>
-          </a:fillRef>
-          <a:effectRef idx="0">
-            <a:schemeClr val="dk1"/>
-          </a:effectRef>
-          <a:fontRef idx="minor">
-            <a:schemeClr val="tx1"/>
-          </a:fontRef>
-        </p:style>
-      </p:cxnSp>
-      <p:sp>
-        <p:nvSpPr>
-          <p:cNvPr id="164" name="사각형: 둥근 모서리 163">
-            <a:extLst>
-              <a:ext uri="{FF2B5EF4-FFF2-40B4-BE49-F238E27FC236}">
-                <a16:creationId xmlns:a16="http://schemas.microsoft.com/office/drawing/2014/main" id="{243BA8F8-A493-4E85-BDF4-544F4AD0FFE8}"/>
+      <p:sp>
+        <p:nvSpPr>
+          <p:cNvPr id="166" name="사각형: 둥근 모서리 165">
+            <a:extLst>
+              <a:ext uri="{FF2B5EF4-FFF2-40B4-BE49-F238E27FC236}">
+                <a16:creationId xmlns:a16="http://schemas.microsoft.com/office/drawing/2014/main" id="{7645E077-CC50-4EDD-A4B1-A9C179A30625}"/>
               </a:ext>
             </a:extLst>
           </p:cNvPr>
@@ -9330,57 +9721,7 @@
         </p:nvSpPr>
         <p:spPr>
           <a:xfrm>
-            <a:off x="2246620" y="1864991"/>
-            <a:ext cx="2122010" cy="637569"/>
-          </a:xfrm>
-          <a:prstGeom prst="roundRect">
-            <a:avLst>
-              <a:gd name="adj" fmla="val 11924"/>
-            </a:avLst>
-          </a:prstGeom>
-        </p:spPr>
-        <p:style>
-          <a:lnRef idx="2">
-            <a:schemeClr val="dk1"/>
-          </a:lnRef>
-          <a:fillRef idx="1">
-            <a:schemeClr val="lt1"/>
-          </a:fillRef>
-          <a:effectRef idx="0">
-            <a:schemeClr val="dk1"/>
-          </a:effectRef>
-          <a:fontRef idx="minor">
-            <a:schemeClr val="dk1"/>
-          </a:fontRef>
-        </p:style>
-        <p:txBody>
-          <a:bodyPr rtlCol="0" anchor="b"/>
-          <a:lstStyle/>
-          <a:p>
-            <a:pPr algn="ctr"/>
-            <a:r>
-              <a:rPr lang="en-US" altLang="ko-KR" sz="1200"/>
-              <a:t>GRQ</a:t>
-            </a:r>
-            <a:endParaRPr lang="ko-KR" altLang="en-US" sz="1200"/>
-          </a:p>
-        </p:txBody>
-      </p:sp>
-      <p:sp>
-        <p:nvSpPr>
-          <p:cNvPr id="165" name="사각형: 둥근 모서리 164">
-            <a:extLst>
-              <a:ext uri="{FF2B5EF4-FFF2-40B4-BE49-F238E27FC236}">
-                <a16:creationId xmlns:a16="http://schemas.microsoft.com/office/drawing/2014/main" id="{25700973-09E8-45A1-9708-20A87C58F4FF}"/>
-              </a:ext>
-            </a:extLst>
-          </p:cNvPr>
-          <p:cNvSpPr/>
-          <p:nvPr/>
-        </p:nvSpPr>
-        <p:spPr>
-          <a:xfrm>
-            <a:off x="2330568" y="1924993"/>
+            <a:off x="3149659" y="1924993"/>
             <a:ext cx="315932" cy="291027"/>
           </a:xfrm>
           <a:prstGeom prst="roundRect">
@@ -9423,10 +9764,10 @@
       </p:sp>
       <p:sp>
         <p:nvSpPr>
-          <p:cNvPr id="166" name="사각형: 둥근 모서리 165">
-            <a:extLst>
-              <a:ext uri="{FF2B5EF4-FFF2-40B4-BE49-F238E27FC236}">
-                <a16:creationId xmlns:a16="http://schemas.microsoft.com/office/drawing/2014/main" id="{7645E077-CC50-4EDD-A4B1-A9C179A30625}"/>
+          <p:cNvPr id="167" name="사각형: 둥근 모서리 166">
+            <a:extLst>
+              <a:ext uri="{FF2B5EF4-FFF2-40B4-BE49-F238E27FC236}">
+                <a16:creationId xmlns:a16="http://schemas.microsoft.com/office/drawing/2014/main" id="{EFC67E6D-715C-4988-B27B-C94EA562655D}"/>
               </a:ext>
             </a:extLst>
           </p:cNvPr>
@@ -9435,7 +9776,7 @@
         </p:nvSpPr>
         <p:spPr>
           <a:xfrm>
-            <a:off x="3149659" y="1924993"/>
+            <a:off x="2740113" y="1924993"/>
             <a:ext cx="315932" cy="291027"/>
           </a:xfrm>
           <a:prstGeom prst="roundRect">
@@ -9478,10 +9819,10 @@
       </p:sp>
       <p:sp>
         <p:nvSpPr>
-          <p:cNvPr id="167" name="사각형: 둥근 모서리 166">
-            <a:extLst>
-              <a:ext uri="{FF2B5EF4-FFF2-40B4-BE49-F238E27FC236}">
-                <a16:creationId xmlns:a16="http://schemas.microsoft.com/office/drawing/2014/main" id="{EFC67E6D-715C-4988-B27B-C94EA562655D}"/>
+          <p:cNvPr id="168" name="사각형: 둥근 모서리 167">
+            <a:extLst>
+              <a:ext uri="{FF2B5EF4-FFF2-40B4-BE49-F238E27FC236}">
+                <a16:creationId xmlns:a16="http://schemas.microsoft.com/office/drawing/2014/main" id="{6DCFC37A-8D41-4317-AD0E-3DEAD425FA9C}"/>
               </a:ext>
             </a:extLst>
           </p:cNvPr>
@@ -9490,7 +9831,7 @@
         </p:nvSpPr>
         <p:spPr>
           <a:xfrm>
-            <a:off x="2740113" y="1924993"/>
+            <a:off x="3555383" y="1924993"/>
             <a:ext cx="315932" cy="291027"/>
           </a:xfrm>
           <a:prstGeom prst="roundRect">
@@ -9531,12 +9872,55 @@
           </a:p>
         </p:txBody>
       </p:sp>
-      <p:sp>
-        <p:nvSpPr>
-          <p:cNvPr id="168" name="사각형: 둥근 모서리 167">
-            <a:extLst>
-              <a:ext uri="{FF2B5EF4-FFF2-40B4-BE49-F238E27FC236}">
-                <a16:creationId xmlns:a16="http://schemas.microsoft.com/office/drawing/2014/main" id="{6DCFC37A-8D41-4317-AD0E-3DEAD425FA9C}"/>
+      <p:cxnSp>
+        <p:nvCxnSpPr>
+          <p:cNvPr id="188" name="직선 화살표 연결선 187">
+            <a:extLst>
+              <a:ext uri="{FF2B5EF4-FFF2-40B4-BE49-F238E27FC236}">
+                <a16:creationId xmlns:a16="http://schemas.microsoft.com/office/drawing/2014/main" id="{9AD54F62-B755-41D3-A8B3-103EC2BA7691}"/>
+              </a:ext>
+            </a:extLst>
+          </p:cNvPr>
+          <p:cNvCxnSpPr>
+            <a:cxnSpLocks/>
+            <a:stCxn id="144" idx="0"/>
+          </p:cNvCxnSpPr>
+          <p:nvPr/>
+        </p:nvCxnSpPr>
+        <p:spPr>
+          <a:xfrm flipH="1" flipV="1">
+            <a:off x="8330871" y="3191450"/>
+            <a:ext cx="291" cy="234270"/>
+          </a:xfrm>
+          <a:prstGeom prst="straightConnector1">
+            <a:avLst/>
+          </a:prstGeom>
+          <a:ln w="19050">
+            <a:headEnd type="none" w="med" len="med"/>
+            <a:tailEnd type="none" w="med" len="med"/>
+          </a:ln>
+        </p:spPr>
+        <p:style>
+          <a:lnRef idx="1">
+            <a:schemeClr val="dk1"/>
+          </a:lnRef>
+          <a:fillRef idx="0">
+            <a:schemeClr val="dk1"/>
+          </a:fillRef>
+          <a:effectRef idx="0">
+            <a:schemeClr val="dk1"/>
+          </a:effectRef>
+          <a:fontRef idx="minor">
+            <a:schemeClr val="tx1"/>
+          </a:fontRef>
+        </p:style>
+      </p:cxnSp>
+      <p:sp>
+        <p:nvSpPr>
+          <p:cNvPr id="204" name="사각형: 둥근 모서리 203">
+            <a:extLst>
+              <a:ext uri="{FF2B5EF4-FFF2-40B4-BE49-F238E27FC236}">
+                <a16:creationId xmlns:a16="http://schemas.microsoft.com/office/drawing/2014/main" id="{ACAE6CB4-6784-4A0D-8ACE-275F4D981A74}"/>
               </a:ext>
             </a:extLst>
           </p:cNvPr>
@@ -9545,7 +9929,180 @@
         </p:nvSpPr>
         <p:spPr>
           <a:xfrm>
-            <a:off x="3555383" y="1924993"/>
+            <a:off x="5148065" y="2840046"/>
+            <a:ext cx="1997154" cy="432672"/>
+          </a:xfrm>
+          <a:prstGeom prst="roundRect">
+            <a:avLst/>
+          </a:prstGeom>
+          <a:noFill/>
+          <a:ln>
+            <a:prstDash val="dash"/>
+          </a:ln>
+        </p:spPr>
+        <p:style>
+          <a:lnRef idx="2">
+            <a:schemeClr val="dk1"/>
+          </a:lnRef>
+          <a:fillRef idx="1">
+            <a:schemeClr val="lt1"/>
+          </a:fillRef>
+          <a:effectRef idx="0">
+            <a:schemeClr val="dk1"/>
+          </a:effectRef>
+          <a:fontRef idx="minor">
+            <a:schemeClr val="dk1"/>
+          </a:fontRef>
+        </p:style>
+        <p:txBody>
+          <a:bodyPr rtlCol="0" anchor="ctr"/>
+          <a:lstStyle/>
+          <a:p>
+            <a:r>
+              <a:rPr lang="en-US" altLang="ko-KR" sz="1200"/>
+              <a:t>           Executing</a:t>
+            </a:r>
+          </a:p>
+          <a:p>
+            <a:r>
+              <a:rPr lang="en-US" altLang="ko-KR" sz="1200"/>
+              <a:t>          Goroutines</a:t>
+            </a:r>
+            <a:endParaRPr lang="ko-KR" altLang="en-US" sz="1400"/>
+          </a:p>
+        </p:txBody>
+      </p:sp>
+      <p:sp>
+        <p:nvSpPr>
+          <p:cNvPr id="205" name="사각형: 둥근 모서리 204">
+            <a:extLst>
+              <a:ext uri="{FF2B5EF4-FFF2-40B4-BE49-F238E27FC236}">
+                <a16:creationId xmlns:a16="http://schemas.microsoft.com/office/drawing/2014/main" id="{0156E945-D305-4BBE-868B-DB17D79C2362}"/>
+              </a:ext>
+            </a:extLst>
+          </p:cNvPr>
+          <p:cNvSpPr/>
+          <p:nvPr/>
+        </p:nvSpPr>
+        <p:spPr>
+          <a:xfrm>
+            <a:off x="2246619" y="2840046"/>
+            <a:ext cx="2122011" cy="432672"/>
+          </a:xfrm>
+          <a:prstGeom prst="roundRect">
+            <a:avLst/>
+          </a:prstGeom>
+          <a:noFill/>
+          <a:ln>
+            <a:prstDash val="dash"/>
+          </a:ln>
+        </p:spPr>
+        <p:style>
+          <a:lnRef idx="2">
+            <a:schemeClr val="dk1"/>
+          </a:lnRef>
+          <a:fillRef idx="1">
+            <a:schemeClr val="lt1"/>
+          </a:fillRef>
+          <a:effectRef idx="0">
+            <a:schemeClr val="dk1"/>
+          </a:effectRef>
+          <a:fontRef idx="minor">
+            <a:schemeClr val="dk1"/>
+          </a:fontRef>
+        </p:style>
+        <p:txBody>
+          <a:bodyPr rtlCol="0" anchor="ctr"/>
+          <a:lstStyle/>
+          <a:p>
+            <a:pPr algn="ctr"/>
+            <a:r>
+              <a:rPr lang="en-US" altLang="ko-KR" sz="1200"/>
+              <a:t>Blocking</a:t>
+            </a:r>
+          </a:p>
+          <a:p>
+            <a:pPr algn="ctr"/>
+            <a:r>
+              <a:rPr lang="en-US" altLang="ko-KR" sz="1200"/>
+              <a:t>Goroutines</a:t>
+            </a:r>
+            <a:endParaRPr lang="ko-KR" altLang="en-US" sz="1400"/>
+          </a:p>
+        </p:txBody>
+      </p:sp>
+      <p:sp>
+        <p:nvSpPr>
+          <p:cNvPr id="207" name="사각형: 둥근 모서리 206">
+            <a:extLst>
+              <a:ext uri="{FF2B5EF4-FFF2-40B4-BE49-F238E27FC236}">
+                <a16:creationId xmlns:a16="http://schemas.microsoft.com/office/drawing/2014/main" id="{6C1166C6-6821-46EB-AA94-125E0297D021}"/>
+              </a:ext>
+            </a:extLst>
+          </p:cNvPr>
+          <p:cNvSpPr/>
+          <p:nvPr/>
+        </p:nvSpPr>
+        <p:spPr>
+          <a:xfrm>
+            <a:off x="873093" y="1864991"/>
+            <a:ext cx="948677" cy="1912133"/>
+          </a:xfrm>
+          <a:prstGeom prst="roundRect">
+            <a:avLst>
+              <a:gd name="adj" fmla="val 4994"/>
+            </a:avLst>
+          </a:prstGeom>
+        </p:spPr>
+        <p:style>
+          <a:lnRef idx="2">
+            <a:schemeClr val="dk1"/>
+          </a:lnRef>
+          <a:fillRef idx="1">
+            <a:schemeClr val="lt1"/>
+          </a:fillRef>
+          <a:effectRef idx="0">
+            <a:schemeClr val="dk1"/>
+          </a:effectRef>
+          <a:fontRef idx="minor">
+            <a:schemeClr val="dk1"/>
+          </a:fontRef>
+        </p:style>
+        <p:txBody>
+          <a:bodyPr rtlCol="0" anchor="b"/>
+          <a:lstStyle/>
+          <a:p>
+            <a:pPr algn="ctr"/>
+            <a:r>
+              <a:rPr lang="en-US" altLang="ko-KR" sz="1200"/>
+              <a:t>Net Poller</a:t>
+            </a:r>
+          </a:p>
+          <a:p>
+            <a:pPr algn="ctr"/>
+            <a:r>
+              <a:rPr lang="en-US" altLang="ko-KR" sz="1200"/>
+              <a:t>(Thread)</a:t>
+            </a:r>
+            <a:endParaRPr lang="ko-KR" altLang="en-US" sz="1200"/>
+          </a:p>
+        </p:txBody>
+      </p:sp>
+      <p:sp>
+        <p:nvSpPr>
+          <p:cNvPr id="208" name="사각형: 둥근 모서리 207">
+            <a:extLst>
+              <a:ext uri="{FF2B5EF4-FFF2-40B4-BE49-F238E27FC236}">
+                <a16:creationId xmlns:a16="http://schemas.microsoft.com/office/drawing/2014/main" id="{5093C039-5E56-488C-BD37-174A61BA21FC}"/>
+              </a:ext>
+            </a:extLst>
+          </p:cNvPr>
+          <p:cNvSpPr/>
+          <p:nvPr/>
+        </p:nvSpPr>
+        <p:spPr>
+          <a:xfrm>
+            <a:off x="1189465" y="3017558"/>
             <a:ext cx="315932" cy="291027"/>
           </a:xfrm>
           <a:prstGeom prst="roundRect">
@@ -9588,10 +10145,10 @@
       </p:sp>
       <p:sp>
         <p:nvSpPr>
-          <p:cNvPr id="187" name="사각형: 둥근 모서리 186">
-            <a:extLst>
-              <a:ext uri="{FF2B5EF4-FFF2-40B4-BE49-F238E27FC236}">
-                <a16:creationId xmlns:a16="http://schemas.microsoft.com/office/drawing/2014/main" id="{0948CE98-2AD8-4DC3-AC3A-FFA8F3B894A4}"/>
+          <p:cNvPr id="209" name="사각형: 둥근 모서리 208">
+            <a:extLst>
+              <a:ext uri="{FF2B5EF4-FFF2-40B4-BE49-F238E27FC236}">
+                <a16:creationId xmlns:a16="http://schemas.microsoft.com/office/drawing/2014/main" id="{1A5B72C2-513A-4AC6-9481-5DDA7553E982}"/>
               </a:ext>
             </a:extLst>
           </p:cNvPr>
@@ -9600,7 +10157,7 @@
         </p:nvSpPr>
         <p:spPr>
           <a:xfrm>
-            <a:off x="8172905" y="2900423"/>
+            <a:off x="1189465" y="2637775"/>
             <a:ext cx="315932" cy="291027"/>
           </a:xfrm>
           <a:prstGeom prst="roundRect">
@@ -9641,56 +10198,12 @@
           </a:p>
         </p:txBody>
       </p:sp>
-      <p:cxnSp>
-        <p:nvCxnSpPr>
-          <p:cNvPr id="188" name="직선 화살표 연결선 187">
-            <a:extLst>
-              <a:ext uri="{FF2B5EF4-FFF2-40B4-BE49-F238E27FC236}">
-                <a16:creationId xmlns:a16="http://schemas.microsoft.com/office/drawing/2014/main" id="{9AD54F62-B755-41D3-A8B3-103EC2BA7691}"/>
-              </a:ext>
-            </a:extLst>
-          </p:cNvPr>
-          <p:cNvCxnSpPr>
-            <a:cxnSpLocks/>
-            <a:stCxn id="144" idx="0"/>
-            <a:endCxn id="187" idx="2"/>
-          </p:cNvCxnSpPr>
-          <p:nvPr/>
-        </p:nvCxnSpPr>
-        <p:spPr>
-          <a:xfrm flipH="1" flipV="1">
-            <a:off x="8330871" y="3191450"/>
-            <a:ext cx="291" cy="234270"/>
-          </a:xfrm>
-          <a:prstGeom prst="straightConnector1">
-            <a:avLst/>
-          </a:prstGeom>
-          <a:ln w="19050">
-            <a:headEnd type="none" w="med" len="med"/>
-            <a:tailEnd type="none" w="med" len="med"/>
-          </a:ln>
-        </p:spPr>
-        <p:style>
-          <a:lnRef idx="1">
-            <a:schemeClr val="dk1"/>
-          </a:lnRef>
-          <a:fillRef idx="0">
-            <a:schemeClr val="dk1"/>
-          </a:fillRef>
-          <a:effectRef idx="0">
-            <a:schemeClr val="dk1"/>
-          </a:effectRef>
-          <a:fontRef idx="minor">
-            <a:schemeClr val="tx1"/>
-          </a:fontRef>
-        </p:style>
-      </p:cxnSp>
-      <p:sp>
-        <p:nvSpPr>
-          <p:cNvPr id="204" name="사각형: 둥근 모서리 203">
-            <a:extLst>
-              <a:ext uri="{FF2B5EF4-FFF2-40B4-BE49-F238E27FC236}">
-                <a16:creationId xmlns:a16="http://schemas.microsoft.com/office/drawing/2014/main" id="{ACAE6CB4-6784-4A0D-8ACE-275F4D981A74}"/>
+      <p:sp>
+        <p:nvSpPr>
+          <p:cNvPr id="215" name="사각형: 둥근 모서리 214">
+            <a:extLst>
+              <a:ext uri="{FF2B5EF4-FFF2-40B4-BE49-F238E27FC236}">
+                <a16:creationId xmlns:a16="http://schemas.microsoft.com/office/drawing/2014/main" id="{CC6B30FA-0186-4DC4-AEFC-E6137686584F}"/>
               </a:ext>
             </a:extLst>
           </p:cNvPr>
@@ -9699,7 +10212,7 @@
         </p:nvSpPr>
         <p:spPr>
           <a:xfrm>
-            <a:off x="5148065" y="2840046"/>
+            <a:off x="5148065" y="2277826"/>
             <a:ext cx="3518104" cy="432672"/>
           </a:xfrm>
           <a:prstGeom prst="roundRect">
@@ -9728,21 +10241,24 @@
           <a:bodyPr rtlCol="0" anchor="ctr"/>
           <a:lstStyle/>
           <a:p>
-            <a:pPr algn="ctr"/>
-            <a:r>
-              <a:rPr lang="en-US" altLang="ko-KR" sz="1400"/>
-              <a:t>                        </a:t>
-            </a:r>
-            <a:r>
-              <a:rPr lang="en-US" altLang="ko-KR" sz="1200"/>
-              <a:t>Executing</a:t>
-            </a:r>
-          </a:p>
-          <a:p>
-            <a:pPr algn="ctr"/>
-            <a:r>
-              <a:rPr lang="en-US" altLang="ko-KR" sz="1200"/>
-              <a:t>                            Goroutines</a:t>
+            <a:r>
+              <a:rPr lang="en-US" altLang="ko-KR" sz="1050" b="1"/>
+              <a:t>          </a:t>
+            </a:r>
+            <a:r>
+              <a:rPr lang="en-US" altLang="ko-KR" sz="1000" b="1"/>
+              <a:t>GOMAXPROCS</a:t>
+            </a:r>
+            <a:br>
+              <a:rPr lang="en-US" altLang="ko-KR" sz="1000"/>
+            </a:br>
+            <a:r>
+              <a:rPr lang="en-US" altLang="ko-KR" sz="1000"/>
+              <a:t>            </a:t>
+            </a:r>
+            <a:r>
+              <a:rPr lang="en-US" altLang="ko-KR" sz="1050"/>
+              <a:t>Env Variable</a:t>
             </a:r>
             <a:endParaRPr lang="ko-KR" altLang="en-US" sz="1400"/>
           </a:p>
@@ -9750,295 +10266,6 @@
       </p:sp>
       <p:sp>
         <p:nvSpPr>
-          <p:cNvPr id="205" name="사각형: 둥근 모서리 204">
-            <a:extLst>
-              <a:ext uri="{FF2B5EF4-FFF2-40B4-BE49-F238E27FC236}">
-                <a16:creationId xmlns:a16="http://schemas.microsoft.com/office/drawing/2014/main" id="{0156E945-D305-4BBE-868B-DB17D79C2362}"/>
-              </a:ext>
-            </a:extLst>
-          </p:cNvPr>
-          <p:cNvSpPr/>
-          <p:nvPr/>
-        </p:nvSpPr>
-        <p:spPr>
-          <a:xfrm>
-            <a:off x="2246619" y="2840046"/>
-            <a:ext cx="2122011" cy="432672"/>
-          </a:xfrm>
-          <a:prstGeom prst="roundRect">
-            <a:avLst/>
-          </a:prstGeom>
-          <a:noFill/>
-          <a:ln>
-            <a:prstDash val="dash"/>
-          </a:ln>
-        </p:spPr>
-        <p:style>
-          <a:lnRef idx="2">
-            <a:schemeClr val="dk1"/>
-          </a:lnRef>
-          <a:fillRef idx="1">
-            <a:schemeClr val="lt1"/>
-          </a:fillRef>
-          <a:effectRef idx="0">
-            <a:schemeClr val="dk1"/>
-          </a:effectRef>
-          <a:fontRef idx="minor">
-            <a:schemeClr val="dk1"/>
-          </a:fontRef>
-        </p:style>
-        <p:txBody>
-          <a:bodyPr rtlCol="0" anchor="ctr"/>
-          <a:lstStyle/>
-          <a:p>
-            <a:pPr algn="ctr"/>
-            <a:r>
-              <a:rPr lang="en-US" altLang="ko-KR" sz="1200"/>
-              <a:t>Blocking</a:t>
-            </a:r>
-          </a:p>
-          <a:p>
-            <a:pPr algn="ctr"/>
-            <a:r>
-              <a:rPr lang="en-US" altLang="ko-KR" sz="1200"/>
-              <a:t>Goroutines</a:t>
-            </a:r>
-            <a:endParaRPr lang="ko-KR" altLang="en-US" sz="1400"/>
-          </a:p>
-        </p:txBody>
-      </p:sp>
-      <p:sp>
-        <p:nvSpPr>
-          <p:cNvPr id="207" name="사각형: 둥근 모서리 206">
-            <a:extLst>
-              <a:ext uri="{FF2B5EF4-FFF2-40B4-BE49-F238E27FC236}">
-                <a16:creationId xmlns:a16="http://schemas.microsoft.com/office/drawing/2014/main" id="{6C1166C6-6821-46EB-AA94-125E0297D021}"/>
-              </a:ext>
-            </a:extLst>
-          </p:cNvPr>
-          <p:cNvSpPr/>
-          <p:nvPr/>
-        </p:nvSpPr>
-        <p:spPr>
-          <a:xfrm>
-            <a:off x="873093" y="1864991"/>
-            <a:ext cx="948677" cy="1912133"/>
-          </a:xfrm>
-          <a:prstGeom prst="roundRect">
-            <a:avLst>
-              <a:gd name="adj" fmla="val 4994"/>
-            </a:avLst>
-          </a:prstGeom>
-        </p:spPr>
-        <p:style>
-          <a:lnRef idx="2">
-            <a:schemeClr val="dk1"/>
-          </a:lnRef>
-          <a:fillRef idx="1">
-            <a:schemeClr val="lt1"/>
-          </a:fillRef>
-          <a:effectRef idx="0">
-            <a:schemeClr val="dk1"/>
-          </a:effectRef>
-          <a:fontRef idx="minor">
-            <a:schemeClr val="dk1"/>
-          </a:fontRef>
-        </p:style>
-        <p:txBody>
-          <a:bodyPr rtlCol="0" anchor="b"/>
-          <a:lstStyle/>
-          <a:p>
-            <a:pPr algn="ctr"/>
-            <a:r>
-              <a:rPr lang="en-US" altLang="ko-KR" sz="1200"/>
-              <a:t>Net Poller</a:t>
-            </a:r>
-          </a:p>
-          <a:p>
-            <a:pPr algn="ctr"/>
-            <a:r>
-              <a:rPr lang="en-US" altLang="ko-KR" sz="1200"/>
-              <a:t>(Thread)</a:t>
-            </a:r>
-            <a:endParaRPr lang="ko-KR" altLang="en-US" sz="1200"/>
-          </a:p>
-        </p:txBody>
-      </p:sp>
-      <p:sp>
-        <p:nvSpPr>
-          <p:cNvPr id="208" name="사각형: 둥근 모서리 207">
-            <a:extLst>
-              <a:ext uri="{FF2B5EF4-FFF2-40B4-BE49-F238E27FC236}">
-                <a16:creationId xmlns:a16="http://schemas.microsoft.com/office/drawing/2014/main" id="{5093C039-5E56-488C-BD37-174A61BA21FC}"/>
-              </a:ext>
-            </a:extLst>
-          </p:cNvPr>
-          <p:cNvSpPr/>
-          <p:nvPr/>
-        </p:nvSpPr>
-        <p:spPr>
-          <a:xfrm>
-            <a:off x="1189465" y="3017558"/>
-            <a:ext cx="315932" cy="291027"/>
-          </a:xfrm>
-          <a:prstGeom prst="roundRect">
-            <a:avLst>
-              <a:gd name="adj" fmla="val 50000"/>
-            </a:avLst>
-          </a:prstGeom>
-          <a:solidFill>
-            <a:schemeClr val="bg1">
-              <a:lumMod val="85000"/>
-            </a:schemeClr>
-          </a:solidFill>
-        </p:spPr>
-        <p:style>
-          <a:lnRef idx="2">
-            <a:schemeClr val="dk1"/>
-          </a:lnRef>
-          <a:fillRef idx="1">
-            <a:schemeClr val="lt1"/>
-          </a:fillRef>
-          <a:effectRef idx="0">
-            <a:schemeClr val="dk1"/>
-          </a:effectRef>
-          <a:fontRef idx="minor">
-            <a:schemeClr val="dk1"/>
-          </a:fontRef>
-        </p:style>
-        <p:txBody>
-          <a:bodyPr rtlCol="0" anchor="ctr"/>
-          <a:lstStyle/>
-          <a:p>
-            <a:pPr algn="ctr"/>
-            <a:r>
-              <a:rPr lang="en-US" altLang="ko-KR" sz="1200"/>
-              <a:t>G</a:t>
-            </a:r>
-            <a:endParaRPr lang="ko-KR" altLang="en-US" sz="1200"/>
-          </a:p>
-        </p:txBody>
-      </p:sp>
-      <p:sp>
-        <p:nvSpPr>
-          <p:cNvPr id="209" name="사각형: 둥근 모서리 208">
-            <a:extLst>
-              <a:ext uri="{FF2B5EF4-FFF2-40B4-BE49-F238E27FC236}">
-                <a16:creationId xmlns:a16="http://schemas.microsoft.com/office/drawing/2014/main" id="{1A5B72C2-513A-4AC6-9481-5DDA7553E982}"/>
-              </a:ext>
-            </a:extLst>
-          </p:cNvPr>
-          <p:cNvSpPr/>
-          <p:nvPr/>
-        </p:nvSpPr>
-        <p:spPr>
-          <a:xfrm>
-            <a:off x="1189465" y="2637775"/>
-            <a:ext cx="315932" cy="291027"/>
-          </a:xfrm>
-          <a:prstGeom prst="roundRect">
-            <a:avLst>
-              <a:gd name="adj" fmla="val 50000"/>
-            </a:avLst>
-          </a:prstGeom>
-          <a:solidFill>
-            <a:schemeClr val="bg1">
-              <a:lumMod val="85000"/>
-            </a:schemeClr>
-          </a:solidFill>
-        </p:spPr>
-        <p:style>
-          <a:lnRef idx="2">
-            <a:schemeClr val="dk1"/>
-          </a:lnRef>
-          <a:fillRef idx="1">
-            <a:schemeClr val="lt1"/>
-          </a:fillRef>
-          <a:effectRef idx="0">
-            <a:schemeClr val="dk1"/>
-          </a:effectRef>
-          <a:fontRef idx="minor">
-            <a:schemeClr val="dk1"/>
-          </a:fontRef>
-        </p:style>
-        <p:txBody>
-          <a:bodyPr rtlCol="0" anchor="ctr"/>
-          <a:lstStyle/>
-          <a:p>
-            <a:pPr algn="ctr"/>
-            <a:r>
-              <a:rPr lang="en-US" altLang="ko-KR" sz="1200"/>
-              <a:t>G</a:t>
-            </a:r>
-            <a:endParaRPr lang="ko-KR" altLang="en-US" sz="1200"/>
-          </a:p>
-        </p:txBody>
-      </p:sp>
-      <p:sp>
-        <p:nvSpPr>
-          <p:cNvPr id="215" name="사각형: 둥근 모서리 214">
-            <a:extLst>
-              <a:ext uri="{FF2B5EF4-FFF2-40B4-BE49-F238E27FC236}">
-                <a16:creationId xmlns:a16="http://schemas.microsoft.com/office/drawing/2014/main" id="{CC6B30FA-0186-4DC4-AEFC-E6137686584F}"/>
-              </a:ext>
-            </a:extLst>
-          </p:cNvPr>
-          <p:cNvSpPr/>
-          <p:nvPr/>
-        </p:nvSpPr>
-        <p:spPr>
-          <a:xfrm>
-            <a:off x="5148065" y="2277826"/>
-            <a:ext cx="3518104" cy="432672"/>
-          </a:xfrm>
-          <a:prstGeom prst="roundRect">
-            <a:avLst/>
-          </a:prstGeom>
-          <a:noFill/>
-          <a:ln>
-            <a:prstDash val="dash"/>
-          </a:ln>
-        </p:spPr>
-        <p:style>
-          <a:lnRef idx="2">
-            <a:schemeClr val="dk1"/>
-          </a:lnRef>
-          <a:fillRef idx="1">
-            <a:schemeClr val="lt1"/>
-          </a:fillRef>
-          <a:effectRef idx="0">
-            <a:schemeClr val="dk1"/>
-          </a:effectRef>
-          <a:fontRef idx="minor">
-            <a:schemeClr val="dk1"/>
-          </a:fontRef>
-        </p:style>
-        <p:txBody>
-          <a:bodyPr rtlCol="0" anchor="ctr"/>
-          <a:lstStyle/>
-          <a:p>
-            <a:pPr algn="ctr"/>
-            <a:r>
-              <a:rPr lang="en-US" altLang="ko-KR" sz="1400"/>
-              <a:t>                       </a:t>
-            </a:r>
-            <a:r>
-              <a:rPr lang="en-US" altLang="ko-KR" sz="1050" b="1"/>
-              <a:t>GOMAXPROCS</a:t>
-            </a:r>
-            <a:br>
-              <a:rPr lang="en-US" altLang="ko-KR" sz="1050"/>
-            </a:br>
-            <a:r>
-              <a:rPr lang="en-US" altLang="ko-KR" sz="1050"/>
-              <a:t>	          Env Variable</a:t>
-            </a:r>
-            <a:endParaRPr lang="ko-KR" altLang="en-US" sz="1400"/>
-          </a:p>
-        </p:txBody>
-      </p:sp>
-      <p:sp>
-        <p:nvSpPr>
           <p:cNvPr id="221" name="TextBox 220">
             <a:extLst>
               <a:ext uri="{FF2B5EF4-FFF2-40B4-BE49-F238E27FC236}">
@@ -10051,8 +10278,8 @@
         </p:nvSpPr>
         <p:spPr>
           <a:xfrm>
-            <a:off x="873093" y="555526"/>
-            <a:ext cx="1565748" cy="646331"/>
+            <a:off x="873092" y="555526"/>
+            <a:ext cx="1610675" cy="646331"/>
           </a:xfrm>
           <a:prstGeom prst="rect">
             <a:avLst/>
@@ -10079,7 +10306,7 @@
           <a:p>
             <a:r>
               <a:rPr lang="en-US" altLang="ko-KR" sz="1200"/>
-              <a:t>P : Virtual Process</a:t>
+              <a:t>P : Virtual Processor</a:t>
             </a:r>
           </a:p>
           <a:p>
@@ -10581,6 +10808,3560 @@
           </a:fontRef>
         </p:style>
       </p:cxnSp>
+      <p:sp>
+        <p:nvSpPr>
+          <p:cNvPr id="70" name="사각형: 둥근 모서리 69">
+            <a:extLst>
+              <a:ext uri="{FF2B5EF4-FFF2-40B4-BE49-F238E27FC236}">
+                <a16:creationId xmlns:a16="http://schemas.microsoft.com/office/drawing/2014/main" id="{2904691E-CCAD-4C11-BF1F-3060A9F93ED2}"/>
+              </a:ext>
+            </a:extLst>
+          </p:cNvPr>
+          <p:cNvSpPr/>
+          <p:nvPr/>
+        </p:nvSpPr>
+        <p:spPr>
+          <a:xfrm>
+            <a:off x="8173198" y="1150611"/>
+            <a:ext cx="315932" cy="291027"/>
+          </a:xfrm>
+          <a:prstGeom prst="roundRect">
+            <a:avLst>
+              <a:gd name="adj" fmla="val 50000"/>
+            </a:avLst>
+          </a:prstGeom>
+          <a:solidFill>
+            <a:schemeClr val="bg1">
+              <a:lumMod val="85000"/>
+            </a:schemeClr>
+          </a:solidFill>
+        </p:spPr>
+        <p:style>
+          <a:lnRef idx="2">
+            <a:schemeClr val="dk1"/>
+          </a:lnRef>
+          <a:fillRef idx="1">
+            <a:schemeClr val="lt1"/>
+          </a:fillRef>
+          <a:effectRef idx="0">
+            <a:schemeClr val="dk1"/>
+          </a:effectRef>
+          <a:fontRef idx="minor">
+            <a:schemeClr val="dk1"/>
+          </a:fontRef>
+        </p:style>
+        <p:txBody>
+          <a:bodyPr rtlCol="0" anchor="ctr"/>
+          <a:lstStyle/>
+          <a:p>
+            <a:pPr algn="ctr"/>
+            <a:r>
+              <a:rPr lang="en-US" altLang="ko-KR" sz="1200"/>
+              <a:t>G</a:t>
+            </a:r>
+            <a:endParaRPr lang="ko-KR" altLang="en-US" sz="1200"/>
+          </a:p>
+        </p:txBody>
+      </p:sp>
+    </p:spTree>
+    <p:extLst>
+      <p:ext uri="{BB962C8B-B14F-4D97-AF65-F5344CB8AC3E}">
+        <p14:creationId xmlns:p14="http://schemas.microsoft.com/office/powerpoint/2010/main" val="3494701527"/>
+      </p:ext>
+    </p:extLst>
+  </p:cSld>
+  <p:clrMapOvr>
+    <a:masterClrMapping/>
+  </p:clrMapOvr>
+</p:sld>
+</file>
+
+<file path=ppt/slides/slide4.xml><?xml version="1.0" encoding="utf-8"?>
+<p:sld xmlns:a="http://schemas.openxmlformats.org/drawingml/2006/main" xmlns:r="http://schemas.openxmlformats.org/officeDocument/2006/relationships" xmlns:p="http://schemas.openxmlformats.org/presentationml/2006/main">
+  <p:cSld>
+    <p:spTree>
+      <p:nvGrpSpPr>
+        <p:cNvPr id="1" name=""/>
+        <p:cNvGrpSpPr/>
+        <p:nvPr/>
+      </p:nvGrpSpPr>
+      <p:grpSpPr>
+        <a:xfrm>
+          <a:off x="0" y="0"/>
+          <a:ext cx="0" cy="0"/>
+          <a:chOff x="0" y="0"/>
+          <a:chExt cx="0" cy="0"/>
+        </a:xfrm>
+      </p:grpSpPr>
+      <p:sp>
+        <p:nvSpPr>
+          <p:cNvPr id="2" name="제목 1"/>
+          <p:cNvSpPr>
+            <a:spLocks noGrp="1"/>
+          </p:cNvSpPr>
+          <p:nvPr>
+            <p:ph type="title"/>
+          </p:nvPr>
+        </p:nvSpPr>
+        <p:spPr>
+          <a:xfrm>
+            <a:off x="565354" y="-740618"/>
+            <a:ext cx="8229600" cy="857250"/>
+          </a:xfrm>
+        </p:spPr>
+        <p:txBody>
+          <a:bodyPr/>
+          <a:lstStyle/>
+          <a:p>
+            <a:r>
+              <a:rPr lang="en-US" altLang="ko-KR"/>
+              <a:t>GO Scheduler</a:t>
+            </a:r>
+            <a:endParaRPr lang="ko-KR" altLang="en-US"/>
+          </a:p>
+        </p:txBody>
+      </p:sp>
+      <p:sp>
+        <p:nvSpPr>
+          <p:cNvPr id="7" name="사각형: 둥근 모서리 6">
+            <a:extLst>
+              <a:ext uri="{FF2B5EF4-FFF2-40B4-BE49-F238E27FC236}">
+                <a16:creationId xmlns:a16="http://schemas.microsoft.com/office/drawing/2014/main" id="{4AF23E69-AC03-455F-A322-AF925C60AAC3}"/>
+              </a:ext>
+            </a:extLst>
+          </p:cNvPr>
+          <p:cNvSpPr/>
+          <p:nvPr/>
+        </p:nvSpPr>
+        <p:spPr>
+          <a:xfrm>
+            <a:off x="3500634" y="4596610"/>
+            <a:ext cx="1061829" cy="351404"/>
+          </a:xfrm>
+          <a:prstGeom prst="roundRect">
+            <a:avLst>
+              <a:gd name="adj" fmla="val 10349"/>
+            </a:avLst>
+          </a:prstGeom>
+        </p:spPr>
+        <p:style>
+          <a:lnRef idx="2">
+            <a:schemeClr val="dk1"/>
+          </a:lnRef>
+          <a:fillRef idx="1">
+            <a:schemeClr val="lt1"/>
+          </a:fillRef>
+          <a:effectRef idx="0">
+            <a:schemeClr val="dk1"/>
+          </a:effectRef>
+          <a:fontRef idx="minor">
+            <a:schemeClr val="dk1"/>
+          </a:fontRef>
+        </p:style>
+        <p:txBody>
+          <a:bodyPr rtlCol="0" anchor="ctr"/>
+          <a:lstStyle/>
+          <a:p>
+            <a:pPr algn="ctr"/>
+            <a:r>
+              <a:rPr lang="en-US" altLang="ko-KR" sz="1200"/>
+              <a:t>CPU Core</a:t>
+            </a:r>
+            <a:endParaRPr lang="ko-KR" altLang="en-US" sz="1200"/>
+          </a:p>
+        </p:txBody>
+      </p:sp>
+      <p:sp>
+        <p:nvSpPr>
+          <p:cNvPr id="58" name="사각형: 둥근 모서리 57">
+            <a:extLst>
+              <a:ext uri="{FF2B5EF4-FFF2-40B4-BE49-F238E27FC236}">
+                <a16:creationId xmlns:a16="http://schemas.microsoft.com/office/drawing/2014/main" id="{F3A2990B-042E-4370-AB6E-6BFD96E775B7}"/>
+              </a:ext>
+            </a:extLst>
+          </p:cNvPr>
+          <p:cNvSpPr/>
+          <p:nvPr/>
+        </p:nvSpPr>
+        <p:spPr>
+          <a:xfrm>
+            <a:off x="4933175" y="4596610"/>
+            <a:ext cx="1061829" cy="351404"/>
+          </a:xfrm>
+          <a:prstGeom prst="roundRect">
+            <a:avLst>
+              <a:gd name="adj" fmla="val 10349"/>
+            </a:avLst>
+          </a:prstGeom>
+        </p:spPr>
+        <p:style>
+          <a:lnRef idx="2">
+            <a:schemeClr val="dk1"/>
+          </a:lnRef>
+          <a:fillRef idx="1">
+            <a:schemeClr val="lt1"/>
+          </a:fillRef>
+          <a:effectRef idx="0">
+            <a:schemeClr val="dk1"/>
+          </a:effectRef>
+          <a:fontRef idx="minor">
+            <a:schemeClr val="dk1"/>
+          </a:fontRef>
+        </p:style>
+        <p:txBody>
+          <a:bodyPr rtlCol="0" anchor="ctr"/>
+          <a:lstStyle/>
+          <a:p>
+            <a:pPr algn="ctr"/>
+            <a:r>
+              <a:rPr lang="en-US" altLang="ko-KR" sz="1200"/>
+              <a:t>CPU Core</a:t>
+            </a:r>
+            <a:endParaRPr lang="ko-KR" altLang="en-US" sz="1200"/>
+          </a:p>
+        </p:txBody>
+      </p:sp>
+      <p:sp>
+        <p:nvSpPr>
+          <p:cNvPr id="61" name="사각형: 둥근 모서리 60">
+            <a:extLst>
+              <a:ext uri="{FF2B5EF4-FFF2-40B4-BE49-F238E27FC236}">
+                <a16:creationId xmlns:a16="http://schemas.microsoft.com/office/drawing/2014/main" id="{EAB5C029-4CA3-40D6-B14B-D8D58C4854AE}"/>
+              </a:ext>
+            </a:extLst>
+          </p:cNvPr>
+          <p:cNvSpPr/>
+          <p:nvPr/>
+        </p:nvSpPr>
+        <p:spPr>
+          <a:xfrm>
+            <a:off x="873094" y="4010937"/>
+            <a:ext cx="7705836" cy="351404"/>
+          </a:xfrm>
+          <a:prstGeom prst="roundRect">
+            <a:avLst>
+              <a:gd name="adj" fmla="val 10349"/>
+            </a:avLst>
+          </a:prstGeom>
+        </p:spPr>
+        <p:style>
+          <a:lnRef idx="2">
+            <a:schemeClr val="dk1"/>
+          </a:lnRef>
+          <a:fillRef idx="1">
+            <a:schemeClr val="lt1"/>
+          </a:fillRef>
+          <a:effectRef idx="0">
+            <a:schemeClr val="dk1"/>
+          </a:effectRef>
+          <a:fontRef idx="minor">
+            <a:schemeClr val="dk1"/>
+          </a:fontRef>
+        </p:style>
+        <p:txBody>
+          <a:bodyPr rtlCol="0" anchor="ctr"/>
+          <a:lstStyle/>
+          <a:p>
+            <a:pPr algn="ctr"/>
+            <a:r>
+              <a:rPr lang="en-US" altLang="ko-KR" sz="1200"/>
+              <a:t>OS Process/Thread Scheduling</a:t>
+            </a:r>
+            <a:endParaRPr lang="ko-KR" altLang="en-US" sz="1200"/>
+          </a:p>
+        </p:txBody>
+      </p:sp>
+      <p:sp>
+        <p:nvSpPr>
+          <p:cNvPr id="62" name="사각형: 둥근 모서리 61">
+            <a:extLst>
+              <a:ext uri="{FF2B5EF4-FFF2-40B4-BE49-F238E27FC236}">
+                <a16:creationId xmlns:a16="http://schemas.microsoft.com/office/drawing/2014/main" id="{5D0DA5C4-D81A-49EB-8330-3402628CBB3B}"/>
+              </a:ext>
+            </a:extLst>
+          </p:cNvPr>
+          <p:cNvSpPr/>
+          <p:nvPr/>
+        </p:nvSpPr>
+        <p:spPr>
+          <a:xfrm>
+            <a:off x="2353240" y="3425720"/>
+            <a:ext cx="495521" cy="351404"/>
+          </a:xfrm>
+          <a:prstGeom prst="roundRect">
+            <a:avLst>
+              <a:gd name="adj" fmla="val 10349"/>
+            </a:avLst>
+          </a:prstGeom>
+        </p:spPr>
+        <p:style>
+          <a:lnRef idx="2">
+            <a:schemeClr val="dk1"/>
+          </a:lnRef>
+          <a:fillRef idx="1">
+            <a:schemeClr val="lt1"/>
+          </a:fillRef>
+          <a:effectRef idx="0">
+            <a:schemeClr val="dk1"/>
+          </a:effectRef>
+          <a:fontRef idx="minor">
+            <a:schemeClr val="dk1"/>
+          </a:fontRef>
+        </p:style>
+        <p:txBody>
+          <a:bodyPr rtlCol="0" anchor="ctr"/>
+          <a:lstStyle/>
+          <a:p>
+            <a:pPr algn="ctr"/>
+            <a:r>
+              <a:rPr lang="en-US" altLang="ko-KR" sz="1200"/>
+              <a:t>M</a:t>
+            </a:r>
+            <a:endParaRPr lang="ko-KR" altLang="en-US" sz="1200"/>
+          </a:p>
+        </p:txBody>
+      </p:sp>
+      <p:sp>
+        <p:nvSpPr>
+          <p:cNvPr id="63" name="사각형: 둥근 모서리 62">
+            <a:extLst>
+              <a:ext uri="{FF2B5EF4-FFF2-40B4-BE49-F238E27FC236}">
+                <a16:creationId xmlns:a16="http://schemas.microsoft.com/office/drawing/2014/main" id="{90D82D07-F903-4C13-BB1D-897DA35CD300}"/>
+              </a:ext>
+            </a:extLst>
+          </p:cNvPr>
+          <p:cNvSpPr/>
+          <p:nvPr/>
+        </p:nvSpPr>
+        <p:spPr>
+          <a:xfrm>
+            <a:off x="3785781" y="3425720"/>
+            <a:ext cx="495521" cy="351404"/>
+          </a:xfrm>
+          <a:prstGeom prst="roundRect">
+            <a:avLst>
+              <a:gd name="adj" fmla="val 10349"/>
+            </a:avLst>
+          </a:prstGeom>
+        </p:spPr>
+        <p:style>
+          <a:lnRef idx="2">
+            <a:schemeClr val="dk1"/>
+          </a:lnRef>
+          <a:fillRef idx="1">
+            <a:schemeClr val="lt1"/>
+          </a:fillRef>
+          <a:effectRef idx="0">
+            <a:schemeClr val="dk1"/>
+          </a:effectRef>
+          <a:fontRef idx="minor">
+            <a:schemeClr val="dk1"/>
+          </a:fontRef>
+        </p:style>
+        <p:txBody>
+          <a:bodyPr rtlCol="0" anchor="ctr"/>
+          <a:lstStyle/>
+          <a:p>
+            <a:pPr algn="ctr"/>
+            <a:r>
+              <a:rPr lang="en-US" altLang="ko-KR" sz="1200"/>
+              <a:t>M</a:t>
+            </a:r>
+            <a:endParaRPr lang="ko-KR" altLang="en-US" sz="1200"/>
+          </a:p>
+        </p:txBody>
+      </p:sp>
+      <p:sp>
+        <p:nvSpPr>
+          <p:cNvPr id="64" name="사각형: 둥근 모서리 63">
+            <a:extLst>
+              <a:ext uri="{FF2B5EF4-FFF2-40B4-BE49-F238E27FC236}">
+                <a16:creationId xmlns:a16="http://schemas.microsoft.com/office/drawing/2014/main" id="{07071891-DEB4-494D-8DA7-746E14F2F79D}"/>
+              </a:ext>
+            </a:extLst>
+          </p:cNvPr>
+          <p:cNvSpPr/>
+          <p:nvPr/>
+        </p:nvSpPr>
+        <p:spPr>
+          <a:xfrm>
+            <a:off x="5218321" y="3425720"/>
+            <a:ext cx="495521" cy="351404"/>
+          </a:xfrm>
+          <a:prstGeom prst="roundRect">
+            <a:avLst>
+              <a:gd name="adj" fmla="val 10349"/>
+            </a:avLst>
+          </a:prstGeom>
+        </p:spPr>
+        <p:style>
+          <a:lnRef idx="2">
+            <a:schemeClr val="dk1"/>
+          </a:lnRef>
+          <a:fillRef idx="1">
+            <a:schemeClr val="lt1"/>
+          </a:fillRef>
+          <a:effectRef idx="0">
+            <a:schemeClr val="dk1"/>
+          </a:effectRef>
+          <a:fontRef idx="minor">
+            <a:schemeClr val="dk1"/>
+          </a:fontRef>
+        </p:style>
+        <p:txBody>
+          <a:bodyPr rtlCol="0" anchor="ctr"/>
+          <a:lstStyle/>
+          <a:p>
+            <a:pPr algn="ctr"/>
+            <a:r>
+              <a:rPr lang="en-US" altLang="ko-KR" sz="1200"/>
+              <a:t>M</a:t>
+            </a:r>
+            <a:endParaRPr lang="ko-KR" altLang="en-US" sz="1200"/>
+          </a:p>
+        </p:txBody>
+      </p:sp>
+      <p:sp>
+        <p:nvSpPr>
+          <p:cNvPr id="65" name="사각형: 둥근 모서리 64">
+            <a:extLst>
+              <a:ext uri="{FF2B5EF4-FFF2-40B4-BE49-F238E27FC236}">
+                <a16:creationId xmlns:a16="http://schemas.microsoft.com/office/drawing/2014/main" id="{58FE9FFC-8C6A-433A-A992-EBB786856D04}"/>
+              </a:ext>
+            </a:extLst>
+          </p:cNvPr>
+          <p:cNvSpPr/>
+          <p:nvPr/>
+        </p:nvSpPr>
+        <p:spPr>
+          <a:xfrm>
+            <a:off x="6650862" y="3425720"/>
+            <a:ext cx="495521" cy="351404"/>
+          </a:xfrm>
+          <a:prstGeom prst="roundRect">
+            <a:avLst>
+              <a:gd name="adj" fmla="val 10349"/>
+            </a:avLst>
+          </a:prstGeom>
+        </p:spPr>
+        <p:style>
+          <a:lnRef idx="2">
+            <a:schemeClr val="dk1"/>
+          </a:lnRef>
+          <a:fillRef idx="1">
+            <a:schemeClr val="lt1"/>
+          </a:fillRef>
+          <a:effectRef idx="0">
+            <a:schemeClr val="dk1"/>
+          </a:effectRef>
+          <a:fontRef idx="minor">
+            <a:schemeClr val="dk1"/>
+          </a:fontRef>
+        </p:style>
+        <p:txBody>
+          <a:bodyPr rtlCol="0" anchor="ctr"/>
+          <a:lstStyle/>
+          <a:p>
+            <a:pPr algn="ctr"/>
+            <a:r>
+              <a:rPr lang="en-US" altLang="ko-KR" sz="1200"/>
+              <a:t>M</a:t>
+            </a:r>
+            <a:endParaRPr lang="ko-KR" altLang="en-US" sz="1200"/>
+          </a:p>
+        </p:txBody>
+      </p:sp>
+      <p:sp>
+        <p:nvSpPr>
+          <p:cNvPr id="67" name="사각형: 둥근 모서리 66">
+            <a:extLst>
+              <a:ext uri="{FF2B5EF4-FFF2-40B4-BE49-F238E27FC236}">
+                <a16:creationId xmlns:a16="http://schemas.microsoft.com/office/drawing/2014/main" id="{85490696-47A0-4228-B610-58EA097F098A}"/>
+              </a:ext>
+            </a:extLst>
+          </p:cNvPr>
+          <p:cNvSpPr/>
+          <p:nvPr/>
+        </p:nvSpPr>
+        <p:spPr>
+          <a:xfrm>
+            <a:off x="2068093" y="4596610"/>
+            <a:ext cx="1061829" cy="351404"/>
+          </a:xfrm>
+          <a:prstGeom prst="roundRect">
+            <a:avLst>
+              <a:gd name="adj" fmla="val 10349"/>
+            </a:avLst>
+          </a:prstGeom>
+        </p:spPr>
+        <p:style>
+          <a:lnRef idx="2">
+            <a:schemeClr val="dk1"/>
+          </a:lnRef>
+          <a:fillRef idx="1">
+            <a:schemeClr val="lt1"/>
+          </a:fillRef>
+          <a:effectRef idx="0">
+            <a:schemeClr val="dk1"/>
+          </a:effectRef>
+          <a:fontRef idx="minor">
+            <a:schemeClr val="dk1"/>
+          </a:fontRef>
+        </p:style>
+        <p:txBody>
+          <a:bodyPr rtlCol="0" anchor="ctr"/>
+          <a:lstStyle/>
+          <a:p>
+            <a:pPr algn="ctr"/>
+            <a:r>
+              <a:rPr lang="en-US" altLang="ko-KR" sz="1200"/>
+              <a:t>CPU Core</a:t>
+            </a:r>
+            <a:endParaRPr lang="ko-KR" altLang="en-US" sz="1200"/>
+          </a:p>
+        </p:txBody>
+      </p:sp>
+      <p:sp>
+        <p:nvSpPr>
+          <p:cNvPr id="68" name="사각형: 둥근 모서리 67">
+            <a:extLst>
+              <a:ext uri="{FF2B5EF4-FFF2-40B4-BE49-F238E27FC236}">
+                <a16:creationId xmlns:a16="http://schemas.microsoft.com/office/drawing/2014/main" id="{8E7959C6-4C9F-4421-ADAA-2A398B5EE797}"/>
+              </a:ext>
+            </a:extLst>
+          </p:cNvPr>
+          <p:cNvSpPr/>
+          <p:nvPr/>
+        </p:nvSpPr>
+        <p:spPr>
+          <a:xfrm>
+            <a:off x="6365715" y="4596610"/>
+            <a:ext cx="1061829" cy="351404"/>
+          </a:xfrm>
+          <a:prstGeom prst="roundRect">
+            <a:avLst>
+              <a:gd name="adj" fmla="val 10349"/>
+            </a:avLst>
+          </a:prstGeom>
+        </p:spPr>
+        <p:style>
+          <a:lnRef idx="2">
+            <a:schemeClr val="dk1"/>
+          </a:lnRef>
+          <a:fillRef idx="1">
+            <a:schemeClr val="lt1"/>
+          </a:fillRef>
+          <a:effectRef idx="0">
+            <a:schemeClr val="dk1"/>
+          </a:effectRef>
+          <a:fontRef idx="minor">
+            <a:schemeClr val="dk1"/>
+          </a:fontRef>
+        </p:style>
+        <p:txBody>
+          <a:bodyPr rtlCol="0" anchor="ctr"/>
+          <a:lstStyle/>
+          <a:p>
+            <a:pPr algn="ctr"/>
+            <a:r>
+              <a:rPr lang="en-US" altLang="ko-KR" sz="1200"/>
+              <a:t>CPU Core</a:t>
+            </a:r>
+            <a:endParaRPr lang="ko-KR" altLang="en-US" sz="1200"/>
+          </a:p>
+        </p:txBody>
+      </p:sp>
+      <p:sp>
+        <p:nvSpPr>
+          <p:cNvPr id="72" name="사각형: 둥근 모서리 71">
+            <a:extLst>
+              <a:ext uri="{FF2B5EF4-FFF2-40B4-BE49-F238E27FC236}">
+                <a16:creationId xmlns:a16="http://schemas.microsoft.com/office/drawing/2014/main" id="{630239C0-5853-4534-B7F2-FEEE6D030B0D}"/>
+              </a:ext>
+            </a:extLst>
+          </p:cNvPr>
+          <p:cNvSpPr/>
+          <p:nvPr/>
+        </p:nvSpPr>
+        <p:spPr>
+          <a:xfrm>
+            <a:off x="6650873" y="747390"/>
+            <a:ext cx="495515" cy="1333741"/>
+          </a:xfrm>
+          <a:prstGeom prst="roundRect">
+            <a:avLst>
+              <a:gd name="adj" fmla="val 10349"/>
+            </a:avLst>
+          </a:prstGeom>
+        </p:spPr>
+        <p:style>
+          <a:lnRef idx="2">
+            <a:schemeClr val="dk1"/>
+          </a:lnRef>
+          <a:fillRef idx="1">
+            <a:schemeClr val="lt1"/>
+          </a:fillRef>
+          <a:effectRef idx="0">
+            <a:schemeClr val="dk1"/>
+          </a:effectRef>
+          <a:fontRef idx="minor">
+            <a:schemeClr val="dk1"/>
+          </a:fontRef>
+        </p:style>
+        <p:txBody>
+          <a:bodyPr rtlCol="0" anchor="b"/>
+          <a:lstStyle/>
+          <a:p>
+            <a:pPr algn="ctr"/>
+            <a:r>
+              <a:rPr lang="en-US" altLang="ko-KR" sz="1200"/>
+              <a:t>LRQ</a:t>
+            </a:r>
+            <a:endParaRPr lang="ko-KR" altLang="en-US" sz="1200"/>
+          </a:p>
+        </p:txBody>
+      </p:sp>
+      <p:sp>
+        <p:nvSpPr>
+          <p:cNvPr id="73" name="사각형: 둥근 모서리 72">
+            <a:extLst>
+              <a:ext uri="{FF2B5EF4-FFF2-40B4-BE49-F238E27FC236}">
+                <a16:creationId xmlns:a16="http://schemas.microsoft.com/office/drawing/2014/main" id="{07679852-F13C-4B90-8C9E-33A8E189F0D7}"/>
+              </a:ext>
+            </a:extLst>
+          </p:cNvPr>
+          <p:cNvSpPr/>
+          <p:nvPr/>
+        </p:nvSpPr>
+        <p:spPr>
+          <a:xfrm>
+            <a:off x="6740665" y="1500554"/>
+            <a:ext cx="315932" cy="291027"/>
+          </a:xfrm>
+          <a:prstGeom prst="roundRect">
+            <a:avLst>
+              <a:gd name="adj" fmla="val 50000"/>
+            </a:avLst>
+          </a:prstGeom>
+          <a:solidFill>
+            <a:schemeClr val="bg1">
+              <a:lumMod val="85000"/>
+            </a:schemeClr>
+          </a:solidFill>
+        </p:spPr>
+        <p:style>
+          <a:lnRef idx="2">
+            <a:schemeClr val="dk1"/>
+          </a:lnRef>
+          <a:fillRef idx="1">
+            <a:schemeClr val="lt1"/>
+          </a:fillRef>
+          <a:effectRef idx="0">
+            <a:schemeClr val="dk1"/>
+          </a:effectRef>
+          <a:fontRef idx="minor">
+            <a:schemeClr val="dk1"/>
+          </a:fontRef>
+        </p:style>
+        <p:txBody>
+          <a:bodyPr rtlCol="0" anchor="ctr"/>
+          <a:lstStyle/>
+          <a:p>
+            <a:pPr algn="ctr"/>
+            <a:r>
+              <a:rPr lang="en-US" altLang="ko-KR" sz="1200"/>
+              <a:t>G</a:t>
+            </a:r>
+            <a:endParaRPr lang="ko-KR" altLang="en-US" sz="1200"/>
+          </a:p>
+        </p:txBody>
+      </p:sp>
+      <p:sp>
+        <p:nvSpPr>
+          <p:cNvPr id="74" name="사각형: 둥근 모서리 73">
+            <a:extLst>
+              <a:ext uri="{FF2B5EF4-FFF2-40B4-BE49-F238E27FC236}">
+                <a16:creationId xmlns:a16="http://schemas.microsoft.com/office/drawing/2014/main" id="{1DC9D988-DF97-46A6-8C46-D9A5CB7AA773}"/>
+              </a:ext>
+            </a:extLst>
+          </p:cNvPr>
+          <p:cNvSpPr/>
+          <p:nvPr/>
+        </p:nvSpPr>
+        <p:spPr>
+          <a:xfrm>
+            <a:off x="6740665" y="1153973"/>
+            <a:ext cx="315932" cy="291027"/>
+          </a:xfrm>
+          <a:prstGeom prst="roundRect">
+            <a:avLst>
+              <a:gd name="adj" fmla="val 50000"/>
+            </a:avLst>
+          </a:prstGeom>
+          <a:solidFill>
+            <a:schemeClr val="bg1">
+              <a:lumMod val="85000"/>
+            </a:schemeClr>
+          </a:solidFill>
+        </p:spPr>
+        <p:style>
+          <a:lnRef idx="2">
+            <a:schemeClr val="dk1"/>
+          </a:lnRef>
+          <a:fillRef idx="1">
+            <a:schemeClr val="lt1"/>
+          </a:fillRef>
+          <a:effectRef idx="0">
+            <a:schemeClr val="dk1"/>
+          </a:effectRef>
+          <a:fontRef idx="minor">
+            <a:schemeClr val="dk1"/>
+          </a:fontRef>
+        </p:style>
+        <p:txBody>
+          <a:bodyPr rtlCol="0" anchor="ctr"/>
+          <a:lstStyle/>
+          <a:p>
+            <a:pPr algn="ctr"/>
+            <a:r>
+              <a:rPr lang="en-US" altLang="ko-KR" sz="1200"/>
+              <a:t>G</a:t>
+            </a:r>
+            <a:endParaRPr lang="ko-KR" altLang="en-US" sz="1200"/>
+          </a:p>
+        </p:txBody>
+      </p:sp>
+      <p:sp>
+        <p:nvSpPr>
+          <p:cNvPr id="75" name="사각형: 둥근 모서리 74">
+            <a:extLst>
+              <a:ext uri="{FF2B5EF4-FFF2-40B4-BE49-F238E27FC236}">
+                <a16:creationId xmlns:a16="http://schemas.microsoft.com/office/drawing/2014/main" id="{75A38EC1-C007-45B2-9783-BCCBDE40DCFE}"/>
+              </a:ext>
+            </a:extLst>
+          </p:cNvPr>
+          <p:cNvSpPr/>
+          <p:nvPr/>
+        </p:nvSpPr>
+        <p:spPr>
+          <a:xfrm>
+            <a:off x="6740665" y="807392"/>
+            <a:ext cx="315932" cy="291027"/>
+          </a:xfrm>
+          <a:prstGeom prst="roundRect">
+            <a:avLst>
+              <a:gd name="adj" fmla="val 50000"/>
+            </a:avLst>
+          </a:prstGeom>
+          <a:solidFill>
+            <a:schemeClr val="bg1">
+              <a:lumMod val="85000"/>
+            </a:schemeClr>
+          </a:solidFill>
+        </p:spPr>
+        <p:style>
+          <a:lnRef idx="2">
+            <a:schemeClr val="dk1"/>
+          </a:lnRef>
+          <a:fillRef idx="1">
+            <a:schemeClr val="lt1"/>
+          </a:fillRef>
+          <a:effectRef idx="0">
+            <a:schemeClr val="dk1"/>
+          </a:effectRef>
+          <a:fontRef idx="minor">
+            <a:schemeClr val="dk1"/>
+          </a:fontRef>
+        </p:style>
+        <p:txBody>
+          <a:bodyPr rtlCol="0" anchor="ctr"/>
+          <a:lstStyle/>
+          <a:p>
+            <a:pPr algn="ctr"/>
+            <a:r>
+              <a:rPr lang="en-US" altLang="ko-KR" sz="1200"/>
+              <a:t>G</a:t>
+            </a:r>
+            <a:endParaRPr lang="ko-KR" altLang="en-US" sz="1200"/>
+          </a:p>
+        </p:txBody>
+      </p:sp>
+      <p:sp>
+        <p:nvSpPr>
+          <p:cNvPr id="77" name="사각형: 둥근 모서리 76">
+            <a:extLst>
+              <a:ext uri="{FF2B5EF4-FFF2-40B4-BE49-F238E27FC236}">
+                <a16:creationId xmlns:a16="http://schemas.microsoft.com/office/drawing/2014/main" id="{F3B5F637-6840-4F4B-8130-57870D1B7319}"/>
+              </a:ext>
+            </a:extLst>
+          </p:cNvPr>
+          <p:cNvSpPr/>
+          <p:nvPr/>
+        </p:nvSpPr>
+        <p:spPr>
+          <a:xfrm>
+            <a:off x="5218327" y="747390"/>
+            <a:ext cx="495515" cy="1333741"/>
+          </a:xfrm>
+          <a:prstGeom prst="roundRect">
+            <a:avLst>
+              <a:gd name="adj" fmla="val 10349"/>
+            </a:avLst>
+          </a:prstGeom>
+        </p:spPr>
+        <p:style>
+          <a:lnRef idx="2">
+            <a:schemeClr val="dk1"/>
+          </a:lnRef>
+          <a:fillRef idx="1">
+            <a:schemeClr val="lt1"/>
+          </a:fillRef>
+          <a:effectRef idx="0">
+            <a:schemeClr val="dk1"/>
+          </a:effectRef>
+          <a:fontRef idx="minor">
+            <a:schemeClr val="dk1"/>
+          </a:fontRef>
+        </p:style>
+        <p:txBody>
+          <a:bodyPr rtlCol="0" anchor="b"/>
+          <a:lstStyle/>
+          <a:p>
+            <a:pPr algn="ctr"/>
+            <a:r>
+              <a:rPr lang="en-US" altLang="ko-KR" sz="1200"/>
+              <a:t>LRQ</a:t>
+            </a:r>
+            <a:endParaRPr lang="ko-KR" altLang="en-US" sz="1200"/>
+          </a:p>
+        </p:txBody>
+      </p:sp>
+      <p:sp>
+        <p:nvSpPr>
+          <p:cNvPr id="78" name="사각형: 둥근 모서리 77">
+            <a:extLst>
+              <a:ext uri="{FF2B5EF4-FFF2-40B4-BE49-F238E27FC236}">
+                <a16:creationId xmlns:a16="http://schemas.microsoft.com/office/drawing/2014/main" id="{94DFE63C-ADB0-4821-BAC6-8D8F5E8763B7}"/>
+              </a:ext>
+            </a:extLst>
+          </p:cNvPr>
+          <p:cNvSpPr/>
+          <p:nvPr/>
+        </p:nvSpPr>
+        <p:spPr>
+          <a:xfrm>
+            <a:off x="5308118" y="1500554"/>
+            <a:ext cx="315932" cy="291027"/>
+          </a:xfrm>
+          <a:prstGeom prst="roundRect">
+            <a:avLst>
+              <a:gd name="adj" fmla="val 50000"/>
+            </a:avLst>
+          </a:prstGeom>
+          <a:solidFill>
+            <a:schemeClr val="bg1">
+              <a:lumMod val="85000"/>
+            </a:schemeClr>
+          </a:solidFill>
+        </p:spPr>
+        <p:style>
+          <a:lnRef idx="2">
+            <a:schemeClr val="dk1"/>
+          </a:lnRef>
+          <a:fillRef idx="1">
+            <a:schemeClr val="lt1"/>
+          </a:fillRef>
+          <a:effectRef idx="0">
+            <a:schemeClr val="dk1"/>
+          </a:effectRef>
+          <a:fontRef idx="minor">
+            <a:schemeClr val="dk1"/>
+          </a:fontRef>
+        </p:style>
+        <p:txBody>
+          <a:bodyPr rtlCol="0" anchor="ctr"/>
+          <a:lstStyle/>
+          <a:p>
+            <a:pPr algn="ctr"/>
+            <a:r>
+              <a:rPr lang="en-US" altLang="ko-KR" sz="1200"/>
+              <a:t>G</a:t>
+            </a:r>
+            <a:endParaRPr lang="ko-KR" altLang="en-US" sz="1200"/>
+          </a:p>
+        </p:txBody>
+      </p:sp>
+      <p:sp>
+        <p:nvSpPr>
+          <p:cNvPr id="79" name="사각형: 둥근 모서리 78">
+            <a:extLst>
+              <a:ext uri="{FF2B5EF4-FFF2-40B4-BE49-F238E27FC236}">
+                <a16:creationId xmlns:a16="http://schemas.microsoft.com/office/drawing/2014/main" id="{D17A12EB-1A5B-440C-8437-812F2BAD2ADE}"/>
+              </a:ext>
+            </a:extLst>
+          </p:cNvPr>
+          <p:cNvSpPr/>
+          <p:nvPr/>
+        </p:nvSpPr>
+        <p:spPr>
+          <a:xfrm>
+            <a:off x="5308118" y="1153973"/>
+            <a:ext cx="315932" cy="291027"/>
+          </a:xfrm>
+          <a:prstGeom prst="roundRect">
+            <a:avLst>
+              <a:gd name="adj" fmla="val 50000"/>
+            </a:avLst>
+          </a:prstGeom>
+          <a:solidFill>
+            <a:schemeClr val="bg1">
+              <a:lumMod val="85000"/>
+            </a:schemeClr>
+          </a:solidFill>
+        </p:spPr>
+        <p:style>
+          <a:lnRef idx="2">
+            <a:schemeClr val="dk1"/>
+          </a:lnRef>
+          <a:fillRef idx="1">
+            <a:schemeClr val="lt1"/>
+          </a:fillRef>
+          <a:effectRef idx="0">
+            <a:schemeClr val="dk1"/>
+          </a:effectRef>
+          <a:fontRef idx="minor">
+            <a:schemeClr val="dk1"/>
+          </a:fontRef>
+        </p:style>
+        <p:txBody>
+          <a:bodyPr rtlCol="0" anchor="ctr"/>
+          <a:lstStyle/>
+          <a:p>
+            <a:pPr algn="ctr"/>
+            <a:r>
+              <a:rPr lang="en-US" altLang="ko-KR" sz="1200"/>
+              <a:t>G</a:t>
+            </a:r>
+            <a:endParaRPr lang="ko-KR" altLang="en-US" sz="1200"/>
+          </a:p>
+        </p:txBody>
+      </p:sp>
+      <p:sp>
+        <p:nvSpPr>
+          <p:cNvPr id="82" name="사각형: 둥근 모서리 81">
+            <a:extLst>
+              <a:ext uri="{FF2B5EF4-FFF2-40B4-BE49-F238E27FC236}">
+                <a16:creationId xmlns:a16="http://schemas.microsoft.com/office/drawing/2014/main" id="{D0FE5CE2-83D3-41E3-A354-AF3EB45AABB8}"/>
+              </a:ext>
+            </a:extLst>
+          </p:cNvPr>
+          <p:cNvSpPr/>
+          <p:nvPr/>
+        </p:nvSpPr>
+        <p:spPr>
+          <a:xfrm>
+            <a:off x="8083408" y="747390"/>
+            <a:ext cx="495515" cy="1333741"/>
+          </a:xfrm>
+          <a:prstGeom prst="roundRect">
+            <a:avLst>
+              <a:gd name="adj" fmla="val 10349"/>
+            </a:avLst>
+          </a:prstGeom>
+        </p:spPr>
+        <p:style>
+          <a:lnRef idx="2">
+            <a:schemeClr val="dk1"/>
+          </a:lnRef>
+          <a:fillRef idx="1">
+            <a:schemeClr val="lt1"/>
+          </a:fillRef>
+          <a:effectRef idx="0">
+            <a:schemeClr val="dk1"/>
+          </a:effectRef>
+          <a:fontRef idx="minor">
+            <a:schemeClr val="dk1"/>
+          </a:fontRef>
+        </p:style>
+        <p:txBody>
+          <a:bodyPr rtlCol="0" anchor="b"/>
+          <a:lstStyle/>
+          <a:p>
+            <a:pPr algn="ctr"/>
+            <a:r>
+              <a:rPr lang="en-US" altLang="ko-KR" sz="1200"/>
+              <a:t>LRQ</a:t>
+            </a:r>
+            <a:endParaRPr lang="ko-KR" altLang="en-US" sz="1200"/>
+          </a:p>
+        </p:txBody>
+      </p:sp>
+      <p:sp>
+        <p:nvSpPr>
+          <p:cNvPr id="83" name="사각형: 둥근 모서리 82">
+            <a:extLst>
+              <a:ext uri="{FF2B5EF4-FFF2-40B4-BE49-F238E27FC236}">
+                <a16:creationId xmlns:a16="http://schemas.microsoft.com/office/drawing/2014/main" id="{87631BB0-30A1-426C-9A81-F9CDEB3DFD72}"/>
+              </a:ext>
+            </a:extLst>
+          </p:cNvPr>
+          <p:cNvSpPr/>
+          <p:nvPr/>
+        </p:nvSpPr>
+        <p:spPr>
+          <a:xfrm>
+            <a:off x="8173198" y="1500554"/>
+            <a:ext cx="315932" cy="291027"/>
+          </a:xfrm>
+          <a:prstGeom prst="roundRect">
+            <a:avLst>
+              <a:gd name="adj" fmla="val 50000"/>
+            </a:avLst>
+          </a:prstGeom>
+          <a:solidFill>
+            <a:schemeClr val="bg1">
+              <a:lumMod val="85000"/>
+            </a:schemeClr>
+          </a:solidFill>
+        </p:spPr>
+        <p:style>
+          <a:lnRef idx="2">
+            <a:schemeClr val="dk1"/>
+          </a:lnRef>
+          <a:fillRef idx="1">
+            <a:schemeClr val="lt1"/>
+          </a:fillRef>
+          <a:effectRef idx="0">
+            <a:schemeClr val="dk1"/>
+          </a:effectRef>
+          <a:fontRef idx="minor">
+            <a:schemeClr val="dk1"/>
+          </a:fontRef>
+        </p:style>
+        <p:txBody>
+          <a:bodyPr rtlCol="0" anchor="ctr"/>
+          <a:lstStyle/>
+          <a:p>
+            <a:pPr algn="ctr"/>
+            <a:r>
+              <a:rPr lang="en-US" altLang="ko-KR" sz="1200"/>
+              <a:t>G</a:t>
+            </a:r>
+            <a:endParaRPr lang="ko-KR" altLang="en-US" sz="1200"/>
+          </a:p>
+        </p:txBody>
+      </p:sp>
+      <p:sp>
+        <p:nvSpPr>
+          <p:cNvPr id="97" name="사각형: 둥근 모서리 96">
+            <a:extLst>
+              <a:ext uri="{FF2B5EF4-FFF2-40B4-BE49-F238E27FC236}">
+                <a16:creationId xmlns:a16="http://schemas.microsoft.com/office/drawing/2014/main" id="{7A937F59-C3F3-4630-9AB3-B9DCF6EEEA09}"/>
+              </a:ext>
+            </a:extLst>
+          </p:cNvPr>
+          <p:cNvSpPr/>
+          <p:nvPr/>
+        </p:nvSpPr>
+        <p:spPr>
+          <a:xfrm>
+            <a:off x="5218324" y="2314750"/>
+            <a:ext cx="495521" cy="351404"/>
+          </a:xfrm>
+          <a:prstGeom prst="roundRect">
+            <a:avLst>
+              <a:gd name="adj" fmla="val 10349"/>
+            </a:avLst>
+          </a:prstGeom>
+        </p:spPr>
+        <p:style>
+          <a:lnRef idx="2">
+            <a:schemeClr val="dk1"/>
+          </a:lnRef>
+          <a:fillRef idx="1">
+            <a:schemeClr val="lt1"/>
+          </a:fillRef>
+          <a:effectRef idx="0">
+            <a:schemeClr val="dk1"/>
+          </a:effectRef>
+          <a:fontRef idx="minor">
+            <a:schemeClr val="dk1"/>
+          </a:fontRef>
+        </p:style>
+        <p:txBody>
+          <a:bodyPr rtlCol="0" anchor="ctr"/>
+          <a:lstStyle/>
+          <a:p>
+            <a:pPr algn="ctr"/>
+            <a:r>
+              <a:rPr lang="en-US" altLang="ko-KR" sz="1200"/>
+              <a:t>P</a:t>
+            </a:r>
+            <a:endParaRPr lang="ko-KR" altLang="en-US" sz="1200"/>
+          </a:p>
+        </p:txBody>
+      </p:sp>
+      <p:sp>
+        <p:nvSpPr>
+          <p:cNvPr id="98" name="사각형: 둥근 모서리 97">
+            <a:extLst>
+              <a:ext uri="{FF2B5EF4-FFF2-40B4-BE49-F238E27FC236}">
+                <a16:creationId xmlns:a16="http://schemas.microsoft.com/office/drawing/2014/main" id="{CB779F00-4DF4-41FB-8995-0EF98D26625F}"/>
+              </a:ext>
+            </a:extLst>
+          </p:cNvPr>
+          <p:cNvSpPr/>
+          <p:nvPr/>
+        </p:nvSpPr>
+        <p:spPr>
+          <a:xfrm>
+            <a:off x="6650870" y="2314750"/>
+            <a:ext cx="495521" cy="351404"/>
+          </a:xfrm>
+          <a:prstGeom prst="roundRect">
+            <a:avLst>
+              <a:gd name="adj" fmla="val 10349"/>
+            </a:avLst>
+          </a:prstGeom>
+        </p:spPr>
+        <p:style>
+          <a:lnRef idx="2">
+            <a:schemeClr val="dk1"/>
+          </a:lnRef>
+          <a:fillRef idx="1">
+            <a:schemeClr val="lt1"/>
+          </a:fillRef>
+          <a:effectRef idx="0">
+            <a:schemeClr val="dk1"/>
+          </a:effectRef>
+          <a:fontRef idx="minor">
+            <a:schemeClr val="dk1"/>
+          </a:fontRef>
+        </p:style>
+        <p:txBody>
+          <a:bodyPr rtlCol="0" anchor="ctr"/>
+          <a:lstStyle/>
+          <a:p>
+            <a:pPr algn="ctr"/>
+            <a:r>
+              <a:rPr lang="en-US" altLang="ko-KR" sz="1200"/>
+              <a:t>P</a:t>
+            </a:r>
+            <a:endParaRPr lang="ko-KR" altLang="en-US" sz="1200"/>
+          </a:p>
+        </p:txBody>
+      </p:sp>
+      <p:sp>
+        <p:nvSpPr>
+          <p:cNvPr id="140" name="사각형: 둥근 모서리 139">
+            <a:extLst>
+              <a:ext uri="{FF2B5EF4-FFF2-40B4-BE49-F238E27FC236}">
+                <a16:creationId xmlns:a16="http://schemas.microsoft.com/office/drawing/2014/main" id="{D09738D7-6E1C-4FF1-AB93-B11F604E1D3F}"/>
+              </a:ext>
+            </a:extLst>
+          </p:cNvPr>
+          <p:cNvSpPr/>
+          <p:nvPr/>
+        </p:nvSpPr>
+        <p:spPr>
+          <a:xfrm>
+            <a:off x="8083403" y="2314750"/>
+            <a:ext cx="495521" cy="351404"/>
+          </a:xfrm>
+          <a:prstGeom prst="roundRect">
+            <a:avLst>
+              <a:gd name="adj" fmla="val 10349"/>
+            </a:avLst>
+          </a:prstGeom>
+        </p:spPr>
+        <p:style>
+          <a:lnRef idx="2">
+            <a:schemeClr val="dk1"/>
+          </a:lnRef>
+          <a:fillRef idx="1">
+            <a:schemeClr val="lt1"/>
+          </a:fillRef>
+          <a:effectRef idx="0">
+            <a:schemeClr val="dk1"/>
+          </a:effectRef>
+          <a:fontRef idx="minor">
+            <a:schemeClr val="dk1"/>
+          </a:fontRef>
+        </p:style>
+        <p:txBody>
+          <a:bodyPr rtlCol="0" anchor="ctr"/>
+          <a:lstStyle/>
+          <a:p>
+            <a:pPr algn="ctr"/>
+            <a:r>
+              <a:rPr lang="en-US" altLang="ko-KR" sz="1200"/>
+              <a:t>P</a:t>
+            </a:r>
+            <a:endParaRPr lang="ko-KR" altLang="en-US" sz="1200"/>
+          </a:p>
+        </p:txBody>
+      </p:sp>
+      <p:sp>
+        <p:nvSpPr>
+          <p:cNvPr id="141" name="사각형: 둥근 모서리 140">
+            <a:extLst>
+              <a:ext uri="{FF2B5EF4-FFF2-40B4-BE49-F238E27FC236}">
+                <a16:creationId xmlns:a16="http://schemas.microsoft.com/office/drawing/2014/main" id="{DE0ACD99-DE90-4985-BF52-1773A7AC9DEB}"/>
+              </a:ext>
+            </a:extLst>
+          </p:cNvPr>
+          <p:cNvSpPr/>
+          <p:nvPr/>
+        </p:nvSpPr>
+        <p:spPr>
+          <a:xfrm>
+            <a:off x="3875572" y="2900423"/>
+            <a:ext cx="315932" cy="291027"/>
+          </a:xfrm>
+          <a:prstGeom prst="roundRect">
+            <a:avLst>
+              <a:gd name="adj" fmla="val 50000"/>
+            </a:avLst>
+          </a:prstGeom>
+          <a:solidFill>
+            <a:schemeClr val="bg1">
+              <a:lumMod val="85000"/>
+            </a:schemeClr>
+          </a:solidFill>
+        </p:spPr>
+        <p:style>
+          <a:lnRef idx="2">
+            <a:schemeClr val="dk1"/>
+          </a:lnRef>
+          <a:fillRef idx="1">
+            <a:schemeClr val="lt1"/>
+          </a:fillRef>
+          <a:effectRef idx="0">
+            <a:schemeClr val="dk1"/>
+          </a:effectRef>
+          <a:fontRef idx="minor">
+            <a:schemeClr val="dk1"/>
+          </a:fontRef>
+        </p:style>
+        <p:txBody>
+          <a:bodyPr rtlCol="0" anchor="ctr"/>
+          <a:lstStyle/>
+          <a:p>
+            <a:pPr algn="ctr"/>
+            <a:r>
+              <a:rPr lang="en-US" altLang="ko-KR" sz="1200"/>
+              <a:t>G</a:t>
+            </a:r>
+            <a:endParaRPr lang="ko-KR" altLang="en-US" sz="1200"/>
+          </a:p>
+        </p:txBody>
+      </p:sp>
+      <p:sp>
+        <p:nvSpPr>
+          <p:cNvPr id="142" name="사각형: 둥근 모서리 141">
+            <a:extLst>
+              <a:ext uri="{FF2B5EF4-FFF2-40B4-BE49-F238E27FC236}">
+                <a16:creationId xmlns:a16="http://schemas.microsoft.com/office/drawing/2014/main" id="{D3F735BC-FAF2-478A-B8F6-EDB9A9041A1E}"/>
+              </a:ext>
+            </a:extLst>
+          </p:cNvPr>
+          <p:cNvSpPr/>
+          <p:nvPr/>
+        </p:nvSpPr>
+        <p:spPr>
+          <a:xfrm>
+            <a:off x="5308397" y="2900423"/>
+            <a:ext cx="315932" cy="291027"/>
+          </a:xfrm>
+          <a:prstGeom prst="roundRect">
+            <a:avLst>
+              <a:gd name="adj" fmla="val 50000"/>
+            </a:avLst>
+          </a:prstGeom>
+          <a:solidFill>
+            <a:schemeClr val="bg1">
+              <a:lumMod val="85000"/>
+            </a:schemeClr>
+          </a:solidFill>
+        </p:spPr>
+        <p:style>
+          <a:lnRef idx="2">
+            <a:schemeClr val="dk1"/>
+          </a:lnRef>
+          <a:fillRef idx="1">
+            <a:schemeClr val="lt1"/>
+          </a:fillRef>
+          <a:effectRef idx="0">
+            <a:schemeClr val="dk1"/>
+          </a:effectRef>
+          <a:fontRef idx="minor">
+            <a:schemeClr val="dk1"/>
+          </a:fontRef>
+        </p:style>
+        <p:txBody>
+          <a:bodyPr rtlCol="0" anchor="ctr"/>
+          <a:lstStyle/>
+          <a:p>
+            <a:pPr algn="ctr"/>
+            <a:r>
+              <a:rPr lang="en-US" altLang="ko-KR" sz="1200"/>
+              <a:t>G</a:t>
+            </a:r>
+            <a:endParaRPr lang="ko-KR" altLang="en-US" sz="1200"/>
+          </a:p>
+        </p:txBody>
+      </p:sp>
+      <p:sp>
+        <p:nvSpPr>
+          <p:cNvPr id="143" name="사각형: 둥근 모서리 142">
+            <a:extLst>
+              <a:ext uri="{FF2B5EF4-FFF2-40B4-BE49-F238E27FC236}">
+                <a16:creationId xmlns:a16="http://schemas.microsoft.com/office/drawing/2014/main" id="{483F76A3-8CDC-4DC0-921C-7847322E0321}"/>
+              </a:ext>
+            </a:extLst>
+          </p:cNvPr>
+          <p:cNvSpPr/>
+          <p:nvPr/>
+        </p:nvSpPr>
+        <p:spPr>
+          <a:xfrm>
+            <a:off x="6740651" y="2900423"/>
+            <a:ext cx="315932" cy="291027"/>
+          </a:xfrm>
+          <a:prstGeom prst="roundRect">
+            <a:avLst>
+              <a:gd name="adj" fmla="val 50000"/>
+            </a:avLst>
+          </a:prstGeom>
+          <a:solidFill>
+            <a:schemeClr val="bg1">
+              <a:lumMod val="85000"/>
+            </a:schemeClr>
+          </a:solidFill>
+        </p:spPr>
+        <p:style>
+          <a:lnRef idx="2">
+            <a:schemeClr val="dk1"/>
+          </a:lnRef>
+          <a:fillRef idx="1">
+            <a:schemeClr val="lt1"/>
+          </a:fillRef>
+          <a:effectRef idx="0">
+            <a:schemeClr val="dk1"/>
+          </a:effectRef>
+          <a:fontRef idx="minor">
+            <a:schemeClr val="dk1"/>
+          </a:fontRef>
+        </p:style>
+        <p:txBody>
+          <a:bodyPr rtlCol="0" anchor="ctr"/>
+          <a:lstStyle/>
+          <a:p>
+            <a:pPr algn="ctr"/>
+            <a:r>
+              <a:rPr lang="en-US" altLang="ko-KR" sz="1200"/>
+              <a:t>G</a:t>
+            </a:r>
+            <a:endParaRPr lang="ko-KR" altLang="en-US" sz="1200"/>
+          </a:p>
+        </p:txBody>
+      </p:sp>
+      <p:sp>
+        <p:nvSpPr>
+          <p:cNvPr id="144" name="사각형: 둥근 모서리 143">
+            <a:extLst>
+              <a:ext uri="{FF2B5EF4-FFF2-40B4-BE49-F238E27FC236}">
+                <a16:creationId xmlns:a16="http://schemas.microsoft.com/office/drawing/2014/main" id="{83F86471-017E-4C28-9F06-B4ED1821366A}"/>
+              </a:ext>
+            </a:extLst>
+          </p:cNvPr>
+          <p:cNvSpPr/>
+          <p:nvPr/>
+        </p:nvSpPr>
+        <p:spPr>
+          <a:xfrm>
+            <a:off x="8083402" y="3425720"/>
+            <a:ext cx="495521" cy="351404"/>
+          </a:xfrm>
+          <a:prstGeom prst="roundRect">
+            <a:avLst>
+              <a:gd name="adj" fmla="val 10349"/>
+            </a:avLst>
+          </a:prstGeom>
+        </p:spPr>
+        <p:style>
+          <a:lnRef idx="2">
+            <a:schemeClr val="dk1"/>
+          </a:lnRef>
+          <a:fillRef idx="1">
+            <a:schemeClr val="lt1"/>
+          </a:fillRef>
+          <a:effectRef idx="0">
+            <a:schemeClr val="dk1"/>
+          </a:effectRef>
+          <a:fontRef idx="minor">
+            <a:schemeClr val="dk1"/>
+          </a:fontRef>
+        </p:style>
+        <p:txBody>
+          <a:bodyPr rtlCol="0" anchor="ctr"/>
+          <a:lstStyle/>
+          <a:p>
+            <a:pPr algn="ctr"/>
+            <a:r>
+              <a:rPr lang="en-US" altLang="ko-KR" sz="1200"/>
+              <a:t>M</a:t>
+            </a:r>
+            <a:endParaRPr lang="ko-KR" altLang="en-US" sz="1200"/>
+          </a:p>
+        </p:txBody>
+      </p:sp>
+      <p:cxnSp>
+        <p:nvCxnSpPr>
+          <p:cNvPr id="13" name="직선 화살표 연결선 12">
+            <a:extLst>
+              <a:ext uri="{FF2B5EF4-FFF2-40B4-BE49-F238E27FC236}">
+                <a16:creationId xmlns:a16="http://schemas.microsoft.com/office/drawing/2014/main" id="{132D22AC-C7B5-4DDD-A44D-12EA7DFC7A25}"/>
+              </a:ext>
+            </a:extLst>
+          </p:cNvPr>
+          <p:cNvCxnSpPr>
+            <a:cxnSpLocks/>
+            <a:stCxn id="67" idx="0"/>
+          </p:cNvCxnSpPr>
+          <p:nvPr/>
+        </p:nvCxnSpPr>
+        <p:spPr>
+          <a:xfrm flipV="1">
+            <a:off x="2599007" y="4362340"/>
+            <a:ext cx="0" cy="234270"/>
+          </a:xfrm>
+          <a:prstGeom prst="straightConnector1">
+            <a:avLst/>
+          </a:prstGeom>
+          <a:ln w="19050">
+            <a:headEnd type="none" w="med" len="med"/>
+            <a:tailEnd type="none" w="med" len="med"/>
+          </a:ln>
+        </p:spPr>
+        <p:style>
+          <a:lnRef idx="1">
+            <a:schemeClr val="dk1"/>
+          </a:lnRef>
+          <a:fillRef idx="0">
+            <a:schemeClr val="dk1"/>
+          </a:fillRef>
+          <a:effectRef idx="0">
+            <a:schemeClr val="dk1"/>
+          </a:effectRef>
+          <a:fontRef idx="minor">
+            <a:schemeClr val="tx1"/>
+          </a:fontRef>
+        </p:style>
+      </p:cxnSp>
+      <p:cxnSp>
+        <p:nvCxnSpPr>
+          <p:cNvPr id="145" name="직선 화살표 연결선 144">
+            <a:extLst>
+              <a:ext uri="{FF2B5EF4-FFF2-40B4-BE49-F238E27FC236}">
+                <a16:creationId xmlns:a16="http://schemas.microsoft.com/office/drawing/2014/main" id="{078FD9A0-FAEE-4373-921D-CE9CFAFE33B0}"/>
+              </a:ext>
+            </a:extLst>
+          </p:cNvPr>
+          <p:cNvCxnSpPr>
+            <a:cxnSpLocks/>
+            <a:stCxn id="7" idx="0"/>
+          </p:cNvCxnSpPr>
+          <p:nvPr/>
+        </p:nvCxnSpPr>
+        <p:spPr>
+          <a:xfrm flipV="1">
+            <a:off x="4031548" y="4362340"/>
+            <a:ext cx="0" cy="234270"/>
+          </a:xfrm>
+          <a:prstGeom prst="straightConnector1">
+            <a:avLst/>
+          </a:prstGeom>
+          <a:ln w="19050">
+            <a:headEnd type="none" w="med" len="med"/>
+            <a:tailEnd type="none" w="med" len="med"/>
+          </a:ln>
+        </p:spPr>
+        <p:style>
+          <a:lnRef idx="1">
+            <a:schemeClr val="dk1"/>
+          </a:lnRef>
+          <a:fillRef idx="0">
+            <a:schemeClr val="dk1"/>
+          </a:fillRef>
+          <a:effectRef idx="0">
+            <a:schemeClr val="dk1"/>
+          </a:effectRef>
+          <a:fontRef idx="minor">
+            <a:schemeClr val="tx1"/>
+          </a:fontRef>
+        </p:style>
+      </p:cxnSp>
+      <p:cxnSp>
+        <p:nvCxnSpPr>
+          <p:cNvPr id="146" name="직선 화살표 연결선 145">
+            <a:extLst>
+              <a:ext uri="{FF2B5EF4-FFF2-40B4-BE49-F238E27FC236}">
+                <a16:creationId xmlns:a16="http://schemas.microsoft.com/office/drawing/2014/main" id="{BAD5FDDD-D75E-4198-8E95-6B35ECAE16AD}"/>
+              </a:ext>
+            </a:extLst>
+          </p:cNvPr>
+          <p:cNvCxnSpPr>
+            <a:cxnSpLocks/>
+            <a:stCxn id="58" idx="0"/>
+          </p:cNvCxnSpPr>
+          <p:nvPr/>
+        </p:nvCxnSpPr>
+        <p:spPr>
+          <a:xfrm flipH="1" flipV="1">
+            <a:off x="5464088" y="4362340"/>
+            <a:ext cx="1" cy="234270"/>
+          </a:xfrm>
+          <a:prstGeom prst="straightConnector1">
+            <a:avLst/>
+          </a:prstGeom>
+          <a:ln w="19050">
+            <a:headEnd type="none" w="med" len="med"/>
+            <a:tailEnd type="none" w="med" len="med"/>
+          </a:ln>
+        </p:spPr>
+        <p:style>
+          <a:lnRef idx="1">
+            <a:schemeClr val="dk1"/>
+          </a:lnRef>
+          <a:fillRef idx="0">
+            <a:schemeClr val="dk1"/>
+          </a:fillRef>
+          <a:effectRef idx="0">
+            <a:schemeClr val="dk1"/>
+          </a:effectRef>
+          <a:fontRef idx="minor">
+            <a:schemeClr val="tx1"/>
+          </a:fontRef>
+        </p:style>
+      </p:cxnSp>
+      <p:cxnSp>
+        <p:nvCxnSpPr>
+          <p:cNvPr id="147" name="직선 화살표 연결선 146">
+            <a:extLst>
+              <a:ext uri="{FF2B5EF4-FFF2-40B4-BE49-F238E27FC236}">
+                <a16:creationId xmlns:a16="http://schemas.microsoft.com/office/drawing/2014/main" id="{D6003A59-3C46-44B4-B5A6-470F18CF379F}"/>
+              </a:ext>
+            </a:extLst>
+          </p:cNvPr>
+          <p:cNvCxnSpPr>
+            <a:cxnSpLocks/>
+            <a:stCxn id="68" idx="0"/>
+          </p:cNvCxnSpPr>
+          <p:nvPr/>
+        </p:nvCxnSpPr>
+        <p:spPr>
+          <a:xfrm flipV="1">
+            <a:off x="6896629" y="4362340"/>
+            <a:ext cx="0" cy="234270"/>
+          </a:xfrm>
+          <a:prstGeom prst="straightConnector1">
+            <a:avLst/>
+          </a:prstGeom>
+          <a:ln w="19050">
+            <a:headEnd type="none" w="med" len="med"/>
+            <a:tailEnd type="none" w="med" len="med"/>
+          </a:ln>
+        </p:spPr>
+        <p:style>
+          <a:lnRef idx="1">
+            <a:schemeClr val="dk1"/>
+          </a:lnRef>
+          <a:fillRef idx="0">
+            <a:schemeClr val="dk1"/>
+          </a:fillRef>
+          <a:effectRef idx="0">
+            <a:schemeClr val="dk1"/>
+          </a:effectRef>
+          <a:fontRef idx="minor">
+            <a:schemeClr val="tx1"/>
+          </a:fontRef>
+        </p:style>
+      </p:cxnSp>
+      <p:cxnSp>
+        <p:nvCxnSpPr>
+          <p:cNvPr id="148" name="직선 화살표 연결선 147">
+            <a:extLst>
+              <a:ext uri="{FF2B5EF4-FFF2-40B4-BE49-F238E27FC236}">
+                <a16:creationId xmlns:a16="http://schemas.microsoft.com/office/drawing/2014/main" id="{9A752417-B4E7-40CC-9380-6AC40013210D}"/>
+              </a:ext>
+            </a:extLst>
+          </p:cNvPr>
+          <p:cNvCxnSpPr>
+            <a:cxnSpLocks/>
+            <a:endCxn id="62" idx="2"/>
+          </p:cNvCxnSpPr>
+          <p:nvPr/>
+        </p:nvCxnSpPr>
+        <p:spPr>
+          <a:xfrm flipV="1">
+            <a:off x="2601000" y="3777124"/>
+            <a:ext cx="0" cy="233813"/>
+          </a:xfrm>
+          <a:prstGeom prst="straightConnector1">
+            <a:avLst/>
+          </a:prstGeom>
+          <a:ln w="19050">
+            <a:headEnd type="none" w="med" len="med"/>
+            <a:tailEnd type="none" w="med" len="med"/>
+          </a:ln>
+        </p:spPr>
+        <p:style>
+          <a:lnRef idx="1">
+            <a:schemeClr val="dk1"/>
+          </a:lnRef>
+          <a:fillRef idx="0">
+            <a:schemeClr val="dk1"/>
+          </a:fillRef>
+          <a:effectRef idx="0">
+            <a:schemeClr val="dk1"/>
+          </a:effectRef>
+          <a:fontRef idx="minor">
+            <a:schemeClr val="tx1"/>
+          </a:fontRef>
+        </p:style>
+      </p:cxnSp>
+      <p:cxnSp>
+        <p:nvCxnSpPr>
+          <p:cNvPr id="149" name="직선 화살표 연결선 148">
+            <a:extLst>
+              <a:ext uri="{FF2B5EF4-FFF2-40B4-BE49-F238E27FC236}">
+                <a16:creationId xmlns:a16="http://schemas.microsoft.com/office/drawing/2014/main" id="{C61CC513-7896-4266-B6C1-5589854EFBFA}"/>
+              </a:ext>
+            </a:extLst>
+          </p:cNvPr>
+          <p:cNvCxnSpPr>
+            <a:cxnSpLocks/>
+            <a:endCxn id="63" idx="2"/>
+          </p:cNvCxnSpPr>
+          <p:nvPr/>
+        </p:nvCxnSpPr>
+        <p:spPr>
+          <a:xfrm flipV="1">
+            <a:off x="4033538" y="3777124"/>
+            <a:ext cx="3" cy="233813"/>
+          </a:xfrm>
+          <a:prstGeom prst="straightConnector1">
+            <a:avLst/>
+          </a:prstGeom>
+          <a:ln w="19050">
+            <a:headEnd type="none" w="med" len="med"/>
+            <a:tailEnd type="none" w="med" len="med"/>
+          </a:ln>
+        </p:spPr>
+        <p:style>
+          <a:lnRef idx="1">
+            <a:schemeClr val="dk1"/>
+          </a:lnRef>
+          <a:fillRef idx="0">
+            <a:schemeClr val="dk1"/>
+          </a:fillRef>
+          <a:effectRef idx="0">
+            <a:schemeClr val="dk1"/>
+          </a:effectRef>
+          <a:fontRef idx="minor">
+            <a:schemeClr val="tx1"/>
+          </a:fontRef>
+        </p:style>
+      </p:cxnSp>
+      <p:cxnSp>
+        <p:nvCxnSpPr>
+          <p:cNvPr id="150" name="직선 화살표 연결선 149">
+            <a:extLst>
+              <a:ext uri="{FF2B5EF4-FFF2-40B4-BE49-F238E27FC236}">
+                <a16:creationId xmlns:a16="http://schemas.microsoft.com/office/drawing/2014/main" id="{9D0C9CCF-88D1-4D2A-9B44-EEAF5DDF8B46}"/>
+              </a:ext>
+            </a:extLst>
+          </p:cNvPr>
+          <p:cNvCxnSpPr>
+            <a:cxnSpLocks/>
+            <a:endCxn id="64" idx="2"/>
+          </p:cNvCxnSpPr>
+          <p:nvPr/>
+        </p:nvCxnSpPr>
+        <p:spPr>
+          <a:xfrm flipV="1">
+            <a:off x="5466082" y="3777124"/>
+            <a:ext cx="0" cy="233813"/>
+          </a:xfrm>
+          <a:prstGeom prst="straightConnector1">
+            <a:avLst/>
+          </a:prstGeom>
+          <a:ln w="19050">
+            <a:headEnd type="none" w="med" len="med"/>
+            <a:tailEnd type="none" w="med" len="med"/>
+          </a:ln>
+        </p:spPr>
+        <p:style>
+          <a:lnRef idx="1">
+            <a:schemeClr val="dk1"/>
+          </a:lnRef>
+          <a:fillRef idx="0">
+            <a:schemeClr val="dk1"/>
+          </a:fillRef>
+          <a:effectRef idx="0">
+            <a:schemeClr val="dk1"/>
+          </a:effectRef>
+          <a:fontRef idx="minor">
+            <a:schemeClr val="tx1"/>
+          </a:fontRef>
+        </p:style>
+      </p:cxnSp>
+      <p:cxnSp>
+        <p:nvCxnSpPr>
+          <p:cNvPr id="151" name="직선 화살표 연결선 150">
+            <a:extLst>
+              <a:ext uri="{FF2B5EF4-FFF2-40B4-BE49-F238E27FC236}">
+                <a16:creationId xmlns:a16="http://schemas.microsoft.com/office/drawing/2014/main" id="{F278E4B1-5826-4187-8CE0-0C43DA7C04F8}"/>
+              </a:ext>
+            </a:extLst>
+          </p:cNvPr>
+          <p:cNvCxnSpPr>
+            <a:cxnSpLocks/>
+            <a:endCxn id="65" idx="2"/>
+          </p:cNvCxnSpPr>
+          <p:nvPr/>
+        </p:nvCxnSpPr>
+        <p:spPr>
+          <a:xfrm flipV="1">
+            <a:off x="6898622" y="3777124"/>
+            <a:ext cx="0" cy="233813"/>
+          </a:xfrm>
+          <a:prstGeom prst="straightConnector1">
+            <a:avLst/>
+          </a:prstGeom>
+          <a:ln w="19050">
+            <a:headEnd type="none" w="med" len="med"/>
+            <a:tailEnd type="none" w="med" len="med"/>
+          </a:ln>
+        </p:spPr>
+        <p:style>
+          <a:lnRef idx="1">
+            <a:schemeClr val="dk1"/>
+          </a:lnRef>
+          <a:fillRef idx="0">
+            <a:schemeClr val="dk1"/>
+          </a:fillRef>
+          <a:effectRef idx="0">
+            <a:schemeClr val="dk1"/>
+          </a:effectRef>
+          <a:fontRef idx="minor">
+            <a:schemeClr val="tx1"/>
+          </a:fontRef>
+        </p:style>
+      </p:cxnSp>
+      <p:cxnSp>
+        <p:nvCxnSpPr>
+          <p:cNvPr id="152" name="직선 화살표 연결선 151">
+            <a:extLst>
+              <a:ext uri="{FF2B5EF4-FFF2-40B4-BE49-F238E27FC236}">
+                <a16:creationId xmlns:a16="http://schemas.microsoft.com/office/drawing/2014/main" id="{90698469-F8B9-4F24-8A81-2ACA84C69E69}"/>
+              </a:ext>
+            </a:extLst>
+          </p:cNvPr>
+          <p:cNvCxnSpPr>
+            <a:cxnSpLocks/>
+            <a:endCxn id="144" idx="2"/>
+          </p:cNvCxnSpPr>
+          <p:nvPr/>
+        </p:nvCxnSpPr>
+        <p:spPr>
+          <a:xfrm flipV="1">
+            <a:off x="8331162" y="3777124"/>
+            <a:ext cx="0" cy="233813"/>
+          </a:xfrm>
+          <a:prstGeom prst="straightConnector1">
+            <a:avLst/>
+          </a:prstGeom>
+          <a:ln w="19050">
+            <a:headEnd type="none" w="med" len="med"/>
+            <a:tailEnd type="none" w="med" len="med"/>
+          </a:ln>
+        </p:spPr>
+        <p:style>
+          <a:lnRef idx="1">
+            <a:schemeClr val="dk1"/>
+          </a:lnRef>
+          <a:fillRef idx="0">
+            <a:schemeClr val="dk1"/>
+          </a:fillRef>
+          <a:effectRef idx="0">
+            <a:schemeClr val="dk1"/>
+          </a:effectRef>
+          <a:fontRef idx="minor">
+            <a:schemeClr val="tx1"/>
+          </a:fontRef>
+        </p:style>
+      </p:cxnSp>
+      <p:cxnSp>
+        <p:nvCxnSpPr>
+          <p:cNvPr id="153" name="직선 화살표 연결선 152">
+            <a:extLst>
+              <a:ext uri="{FF2B5EF4-FFF2-40B4-BE49-F238E27FC236}">
+                <a16:creationId xmlns:a16="http://schemas.microsoft.com/office/drawing/2014/main" id="{F16C2A54-20D4-41D7-ADD5-BAFF794B157E}"/>
+              </a:ext>
+            </a:extLst>
+          </p:cNvPr>
+          <p:cNvCxnSpPr>
+            <a:cxnSpLocks/>
+            <a:stCxn id="63" idx="0"/>
+            <a:endCxn id="141" idx="2"/>
+          </p:cNvCxnSpPr>
+          <p:nvPr/>
+        </p:nvCxnSpPr>
+        <p:spPr>
+          <a:xfrm flipH="1" flipV="1">
+            <a:off x="4033538" y="3191450"/>
+            <a:ext cx="3" cy="234270"/>
+          </a:xfrm>
+          <a:prstGeom prst="straightConnector1">
+            <a:avLst/>
+          </a:prstGeom>
+          <a:ln w="19050">
+            <a:headEnd type="none" w="med" len="med"/>
+            <a:tailEnd type="none" w="med" len="med"/>
+          </a:ln>
+        </p:spPr>
+        <p:style>
+          <a:lnRef idx="1">
+            <a:schemeClr val="dk1"/>
+          </a:lnRef>
+          <a:fillRef idx="0">
+            <a:schemeClr val="dk1"/>
+          </a:fillRef>
+          <a:effectRef idx="0">
+            <a:schemeClr val="dk1"/>
+          </a:effectRef>
+          <a:fontRef idx="minor">
+            <a:schemeClr val="tx1"/>
+          </a:fontRef>
+        </p:style>
+      </p:cxnSp>
+      <p:cxnSp>
+        <p:nvCxnSpPr>
+          <p:cNvPr id="154" name="직선 화살표 연결선 153">
+            <a:extLst>
+              <a:ext uri="{FF2B5EF4-FFF2-40B4-BE49-F238E27FC236}">
+                <a16:creationId xmlns:a16="http://schemas.microsoft.com/office/drawing/2014/main" id="{50927512-AC79-4A22-A3DE-2D5D0EE34484}"/>
+              </a:ext>
+            </a:extLst>
+          </p:cNvPr>
+          <p:cNvCxnSpPr>
+            <a:cxnSpLocks/>
+            <a:stCxn id="77" idx="2"/>
+            <a:endCxn id="97" idx="0"/>
+          </p:cNvCxnSpPr>
+          <p:nvPr/>
+        </p:nvCxnSpPr>
+        <p:spPr>
+          <a:xfrm>
+            <a:off x="5466084" y="2081131"/>
+            <a:ext cx="0" cy="233619"/>
+          </a:xfrm>
+          <a:prstGeom prst="straightConnector1">
+            <a:avLst/>
+          </a:prstGeom>
+          <a:ln w="19050">
+            <a:headEnd type="none" w="med" len="med"/>
+            <a:tailEnd type="arrow" w="med" len="med"/>
+          </a:ln>
+        </p:spPr>
+        <p:style>
+          <a:lnRef idx="1">
+            <a:schemeClr val="dk1"/>
+          </a:lnRef>
+          <a:fillRef idx="0">
+            <a:schemeClr val="dk1"/>
+          </a:fillRef>
+          <a:effectRef idx="0">
+            <a:schemeClr val="dk1"/>
+          </a:effectRef>
+          <a:fontRef idx="minor">
+            <a:schemeClr val="tx1"/>
+          </a:fontRef>
+        </p:style>
+      </p:cxnSp>
+      <p:cxnSp>
+        <p:nvCxnSpPr>
+          <p:cNvPr id="155" name="직선 화살표 연결선 154">
+            <a:extLst>
+              <a:ext uri="{FF2B5EF4-FFF2-40B4-BE49-F238E27FC236}">
+                <a16:creationId xmlns:a16="http://schemas.microsoft.com/office/drawing/2014/main" id="{D55856A3-2738-450E-B341-A50D47EF48A6}"/>
+              </a:ext>
+            </a:extLst>
+          </p:cNvPr>
+          <p:cNvCxnSpPr>
+            <a:cxnSpLocks/>
+            <a:stCxn id="72" idx="2"/>
+            <a:endCxn id="98" idx="0"/>
+          </p:cNvCxnSpPr>
+          <p:nvPr/>
+        </p:nvCxnSpPr>
+        <p:spPr>
+          <a:xfrm>
+            <a:off x="6898630" y="2081131"/>
+            <a:ext cx="0" cy="233619"/>
+          </a:xfrm>
+          <a:prstGeom prst="straightConnector1">
+            <a:avLst/>
+          </a:prstGeom>
+          <a:ln w="19050">
+            <a:headEnd type="none" w="med" len="med"/>
+            <a:tailEnd type="arrow" w="med" len="med"/>
+          </a:ln>
+        </p:spPr>
+        <p:style>
+          <a:lnRef idx="1">
+            <a:schemeClr val="dk1"/>
+          </a:lnRef>
+          <a:fillRef idx="0">
+            <a:schemeClr val="dk1"/>
+          </a:fillRef>
+          <a:effectRef idx="0">
+            <a:schemeClr val="dk1"/>
+          </a:effectRef>
+          <a:fontRef idx="minor">
+            <a:schemeClr val="tx1"/>
+          </a:fontRef>
+        </p:style>
+      </p:cxnSp>
+      <p:cxnSp>
+        <p:nvCxnSpPr>
+          <p:cNvPr id="156" name="직선 화살표 연결선 155">
+            <a:extLst>
+              <a:ext uri="{FF2B5EF4-FFF2-40B4-BE49-F238E27FC236}">
+                <a16:creationId xmlns:a16="http://schemas.microsoft.com/office/drawing/2014/main" id="{DE0DC0C3-D348-4904-AA9D-8395BC004ED5}"/>
+              </a:ext>
+            </a:extLst>
+          </p:cNvPr>
+          <p:cNvCxnSpPr>
+            <a:cxnSpLocks/>
+            <a:stCxn id="82" idx="2"/>
+            <a:endCxn id="140" idx="0"/>
+          </p:cNvCxnSpPr>
+          <p:nvPr/>
+        </p:nvCxnSpPr>
+        <p:spPr>
+          <a:xfrm flipH="1">
+            <a:off x="8331163" y="2081131"/>
+            <a:ext cx="2" cy="233619"/>
+          </a:xfrm>
+          <a:prstGeom prst="straightConnector1">
+            <a:avLst/>
+          </a:prstGeom>
+          <a:ln w="19050">
+            <a:headEnd type="none" w="med" len="med"/>
+            <a:tailEnd type="arrow" w="med" len="med"/>
+          </a:ln>
+        </p:spPr>
+        <p:style>
+          <a:lnRef idx="1">
+            <a:schemeClr val="dk1"/>
+          </a:lnRef>
+          <a:fillRef idx="0">
+            <a:schemeClr val="dk1"/>
+          </a:fillRef>
+          <a:effectRef idx="0">
+            <a:schemeClr val="dk1"/>
+          </a:effectRef>
+          <a:fontRef idx="minor">
+            <a:schemeClr val="tx1"/>
+          </a:fontRef>
+        </p:style>
+      </p:cxnSp>
+      <p:cxnSp>
+        <p:nvCxnSpPr>
+          <p:cNvPr id="157" name="직선 화살표 연결선 156">
+            <a:extLst>
+              <a:ext uri="{FF2B5EF4-FFF2-40B4-BE49-F238E27FC236}">
+                <a16:creationId xmlns:a16="http://schemas.microsoft.com/office/drawing/2014/main" id="{C08ED73C-A3B5-4F93-AF7C-6B6B28AB65B0}"/>
+              </a:ext>
+            </a:extLst>
+          </p:cNvPr>
+          <p:cNvCxnSpPr>
+            <a:cxnSpLocks/>
+            <a:stCxn id="97" idx="2"/>
+            <a:endCxn id="142" idx="0"/>
+          </p:cNvCxnSpPr>
+          <p:nvPr/>
+        </p:nvCxnSpPr>
+        <p:spPr>
+          <a:xfrm>
+            <a:off x="5466084" y="2666154"/>
+            <a:ext cx="279" cy="234270"/>
+          </a:xfrm>
+          <a:prstGeom prst="straightConnector1">
+            <a:avLst/>
+          </a:prstGeom>
+          <a:ln w="19050">
+            <a:headEnd type="none" w="med" len="med"/>
+            <a:tailEnd type="arrow" w="med" len="med"/>
+          </a:ln>
+        </p:spPr>
+        <p:style>
+          <a:lnRef idx="1">
+            <a:schemeClr val="dk1"/>
+          </a:lnRef>
+          <a:fillRef idx="0">
+            <a:schemeClr val="dk1"/>
+          </a:fillRef>
+          <a:effectRef idx="0">
+            <a:schemeClr val="dk1"/>
+          </a:effectRef>
+          <a:fontRef idx="minor">
+            <a:schemeClr val="tx1"/>
+          </a:fontRef>
+        </p:style>
+      </p:cxnSp>
+      <p:cxnSp>
+        <p:nvCxnSpPr>
+          <p:cNvPr id="158" name="직선 화살표 연결선 157">
+            <a:extLst>
+              <a:ext uri="{FF2B5EF4-FFF2-40B4-BE49-F238E27FC236}">
+                <a16:creationId xmlns:a16="http://schemas.microsoft.com/office/drawing/2014/main" id="{9CE915A0-FB87-497A-B68D-B32C54017FD8}"/>
+              </a:ext>
+            </a:extLst>
+          </p:cNvPr>
+          <p:cNvCxnSpPr>
+            <a:cxnSpLocks/>
+            <a:stCxn id="98" idx="2"/>
+            <a:endCxn id="143" idx="0"/>
+          </p:cNvCxnSpPr>
+          <p:nvPr/>
+        </p:nvCxnSpPr>
+        <p:spPr>
+          <a:xfrm flipH="1">
+            <a:off x="6898617" y="2666154"/>
+            <a:ext cx="13" cy="234270"/>
+          </a:xfrm>
+          <a:prstGeom prst="straightConnector1">
+            <a:avLst/>
+          </a:prstGeom>
+          <a:ln w="19050">
+            <a:headEnd type="none" w="med" len="med"/>
+            <a:tailEnd type="arrow" w="med" len="med"/>
+          </a:ln>
+        </p:spPr>
+        <p:style>
+          <a:lnRef idx="1">
+            <a:schemeClr val="dk1"/>
+          </a:lnRef>
+          <a:fillRef idx="0">
+            <a:schemeClr val="dk1"/>
+          </a:fillRef>
+          <a:effectRef idx="0">
+            <a:schemeClr val="dk1"/>
+          </a:effectRef>
+          <a:fontRef idx="minor">
+            <a:schemeClr val="tx1"/>
+          </a:fontRef>
+        </p:style>
+      </p:cxnSp>
+      <p:cxnSp>
+        <p:nvCxnSpPr>
+          <p:cNvPr id="159" name="직선 화살표 연결선 158">
+            <a:extLst>
+              <a:ext uri="{FF2B5EF4-FFF2-40B4-BE49-F238E27FC236}">
+                <a16:creationId xmlns:a16="http://schemas.microsoft.com/office/drawing/2014/main" id="{82B66A88-DEEB-4279-99FC-B140B865D674}"/>
+              </a:ext>
+            </a:extLst>
+          </p:cNvPr>
+          <p:cNvCxnSpPr>
+            <a:cxnSpLocks/>
+            <a:stCxn id="140" idx="2"/>
+          </p:cNvCxnSpPr>
+          <p:nvPr/>
+        </p:nvCxnSpPr>
+        <p:spPr>
+          <a:xfrm>
+            <a:off x="8331163" y="2666154"/>
+            <a:ext cx="0" cy="234270"/>
+          </a:xfrm>
+          <a:prstGeom prst="straightConnector1">
+            <a:avLst/>
+          </a:prstGeom>
+          <a:ln w="19050">
+            <a:headEnd type="none" w="med" len="med"/>
+            <a:tailEnd type="arrow" w="med" len="med"/>
+          </a:ln>
+        </p:spPr>
+        <p:style>
+          <a:lnRef idx="1">
+            <a:schemeClr val="dk1"/>
+          </a:lnRef>
+          <a:fillRef idx="0">
+            <a:schemeClr val="dk1"/>
+          </a:fillRef>
+          <a:effectRef idx="0">
+            <a:schemeClr val="dk1"/>
+          </a:effectRef>
+          <a:fontRef idx="minor">
+            <a:schemeClr val="tx1"/>
+          </a:fontRef>
+        </p:style>
+      </p:cxnSp>
+      <p:cxnSp>
+        <p:nvCxnSpPr>
+          <p:cNvPr id="160" name="직선 화살표 연결선 159">
+            <a:extLst>
+              <a:ext uri="{FF2B5EF4-FFF2-40B4-BE49-F238E27FC236}">
+                <a16:creationId xmlns:a16="http://schemas.microsoft.com/office/drawing/2014/main" id="{1A24039C-960F-4644-A06E-165679417542}"/>
+              </a:ext>
+            </a:extLst>
+          </p:cNvPr>
+          <p:cNvCxnSpPr>
+            <a:cxnSpLocks/>
+            <a:stCxn id="65" idx="0"/>
+            <a:endCxn id="143" idx="2"/>
+          </p:cNvCxnSpPr>
+          <p:nvPr/>
+        </p:nvCxnSpPr>
+        <p:spPr>
+          <a:xfrm flipH="1" flipV="1">
+            <a:off x="6898617" y="3191450"/>
+            <a:ext cx="5" cy="234270"/>
+          </a:xfrm>
+          <a:prstGeom prst="straightConnector1">
+            <a:avLst/>
+          </a:prstGeom>
+          <a:ln w="19050">
+            <a:headEnd type="none" w="med" len="med"/>
+            <a:tailEnd type="none" w="med" len="med"/>
+          </a:ln>
+        </p:spPr>
+        <p:style>
+          <a:lnRef idx="1">
+            <a:schemeClr val="dk1"/>
+          </a:lnRef>
+          <a:fillRef idx="0">
+            <a:schemeClr val="dk1"/>
+          </a:fillRef>
+          <a:effectRef idx="0">
+            <a:schemeClr val="dk1"/>
+          </a:effectRef>
+          <a:fontRef idx="minor">
+            <a:schemeClr val="tx1"/>
+          </a:fontRef>
+        </p:style>
+      </p:cxnSp>
+      <p:cxnSp>
+        <p:nvCxnSpPr>
+          <p:cNvPr id="161" name="직선 화살표 연결선 160">
+            <a:extLst>
+              <a:ext uri="{FF2B5EF4-FFF2-40B4-BE49-F238E27FC236}">
+                <a16:creationId xmlns:a16="http://schemas.microsoft.com/office/drawing/2014/main" id="{D11C6AC8-061E-4342-99B1-F2AD4716274D}"/>
+              </a:ext>
+            </a:extLst>
+          </p:cNvPr>
+          <p:cNvCxnSpPr>
+            <a:cxnSpLocks/>
+            <a:stCxn id="64" idx="0"/>
+            <a:endCxn id="142" idx="2"/>
+          </p:cNvCxnSpPr>
+          <p:nvPr/>
+        </p:nvCxnSpPr>
+        <p:spPr>
+          <a:xfrm flipV="1">
+            <a:off x="5466081" y="3191450"/>
+            <a:ext cx="282" cy="234270"/>
+          </a:xfrm>
+          <a:prstGeom prst="straightConnector1">
+            <a:avLst/>
+          </a:prstGeom>
+          <a:ln w="19050">
+            <a:headEnd type="none" w="med" len="med"/>
+            <a:tailEnd type="none" w="med" len="med"/>
+          </a:ln>
+        </p:spPr>
+        <p:style>
+          <a:lnRef idx="1">
+            <a:schemeClr val="dk1"/>
+          </a:lnRef>
+          <a:fillRef idx="0">
+            <a:schemeClr val="dk1"/>
+          </a:fillRef>
+          <a:effectRef idx="0">
+            <a:schemeClr val="dk1"/>
+          </a:effectRef>
+          <a:fontRef idx="minor">
+            <a:schemeClr val="tx1"/>
+          </a:fontRef>
+        </p:style>
+      </p:cxnSp>
+      <p:sp>
+        <p:nvSpPr>
+          <p:cNvPr id="162" name="사각형: 둥근 모서리 161">
+            <a:extLst>
+              <a:ext uri="{FF2B5EF4-FFF2-40B4-BE49-F238E27FC236}">
+                <a16:creationId xmlns:a16="http://schemas.microsoft.com/office/drawing/2014/main" id="{C335057A-6703-446E-A149-81EAC7890762}"/>
+              </a:ext>
+            </a:extLst>
+          </p:cNvPr>
+          <p:cNvSpPr/>
+          <p:nvPr/>
+        </p:nvSpPr>
+        <p:spPr>
+          <a:xfrm>
+            <a:off x="2441042" y="2900423"/>
+            <a:ext cx="315932" cy="291027"/>
+          </a:xfrm>
+          <a:prstGeom prst="roundRect">
+            <a:avLst>
+              <a:gd name="adj" fmla="val 50000"/>
+            </a:avLst>
+          </a:prstGeom>
+          <a:solidFill>
+            <a:schemeClr val="bg1">
+              <a:lumMod val="85000"/>
+            </a:schemeClr>
+          </a:solidFill>
+        </p:spPr>
+        <p:style>
+          <a:lnRef idx="2">
+            <a:schemeClr val="dk1"/>
+          </a:lnRef>
+          <a:fillRef idx="1">
+            <a:schemeClr val="lt1"/>
+          </a:fillRef>
+          <a:effectRef idx="0">
+            <a:schemeClr val="dk1"/>
+          </a:effectRef>
+          <a:fontRef idx="minor">
+            <a:schemeClr val="dk1"/>
+          </a:fontRef>
+        </p:style>
+        <p:txBody>
+          <a:bodyPr rtlCol="0" anchor="ctr"/>
+          <a:lstStyle/>
+          <a:p>
+            <a:pPr algn="ctr"/>
+            <a:r>
+              <a:rPr lang="en-US" altLang="ko-KR" sz="1200"/>
+              <a:t>G</a:t>
+            </a:r>
+            <a:endParaRPr lang="ko-KR" altLang="en-US" sz="1200"/>
+          </a:p>
+        </p:txBody>
+      </p:sp>
+      <p:cxnSp>
+        <p:nvCxnSpPr>
+          <p:cNvPr id="163" name="직선 화살표 연결선 162">
+            <a:extLst>
+              <a:ext uri="{FF2B5EF4-FFF2-40B4-BE49-F238E27FC236}">
+                <a16:creationId xmlns:a16="http://schemas.microsoft.com/office/drawing/2014/main" id="{60A80240-DAED-4B2F-AAF4-E01E2CC23E77}"/>
+              </a:ext>
+            </a:extLst>
+          </p:cNvPr>
+          <p:cNvCxnSpPr>
+            <a:cxnSpLocks/>
+            <a:stCxn id="62" idx="0"/>
+            <a:endCxn id="162" idx="2"/>
+          </p:cNvCxnSpPr>
+          <p:nvPr/>
+        </p:nvCxnSpPr>
+        <p:spPr>
+          <a:xfrm flipH="1" flipV="1">
+            <a:off x="2599008" y="3191450"/>
+            <a:ext cx="1992" cy="234270"/>
+          </a:xfrm>
+          <a:prstGeom prst="straightConnector1">
+            <a:avLst/>
+          </a:prstGeom>
+          <a:ln w="19050">
+            <a:headEnd type="none" w="med" len="med"/>
+            <a:tailEnd type="none" w="med" len="med"/>
+          </a:ln>
+        </p:spPr>
+        <p:style>
+          <a:lnRef idx="1">
+            <a:schemeClr val="dk1"/>
+          </a:lnRef>
+          <a:fillRef idx="0">
+            <a:schemeClr val="dk1"/>
+          </a:fillRef>
+          <a:effectRef idx="0">
+            <a:schemeClr val="dk1"/>
+          </a:effectRef>
+          <a:fontRef idx="minor">
+            <a:schemeClr val="tx1"/>
+          </a:fontRef>
+        </p:style>
+      </p:cxnSp>
+      <p:sp>
+        <p:nvSpPr>
+          <p:cNvPr id="164" name="사각형: 둥근 모서리 163">
+            <a:extLst>
+              <a:ext uri="{FF2B5EF4-FFF2-40B4-BE49-F238E27FC236}">
+                <a16:creationId xmlns:a16="http://schemas.microsoft.com/office/drawing/2014/main" id="{243BA8F8-A493-4E85-BDF4-544F4AD0FFE8}"/>
+              </a:ext>
+            </a:extLst>
+          </p:cNvPr>
+          <p:cNvSpPr/>
+          <p:nvPr/>
+        </p:nvSpPr>
+        <p:spPr>
+          <a:xfrm>
+            <a:off x="2246620" y="1864991"/>
+            <a:ext cx="2122010" cy="637569"/>
+          </a:xfrm>
+          <a:prstGeom prst="roundRect">
+            <a:avLst>
+              <a:gd name="adj" fmla="val 11924"/>
+            </a:avLst>
+          </a:prstGeom>
+        </p:spPr>
+        <p:style>
+          <a:lnRef idx="2">
+            <a:schemeClr val="dk1"/>
+          </a:lnRef>
+          <a:fillRef idx="1">
+            <a:schemeClr val="lt1"/>
+          </a:fillRef>
+          <a:effectRef idx="0">
+            <a:schemeClr val="dk1"/>
+          </a:effectRef>
+          <a:fontRef idx="minor">
+            <a:schemeClr val="dk1"/>
+          </a:fontRef>
+        </p:style>
+        <p:txBody>
+          <a:bodyPr rtlCol="0" anchor="b"/>
+          <a:lstStyle/>
+          <a:p>
+            <a:pPr algn="ctr"/>
+            <a:r>
+              <a:rPr lang="en-US" altLang="ko-KR" sz="1200"/>
+              <a:t>GRQ</a:t>
+            </a:r>
+            <a:endParaRPr lang="ko-KR" altLang="en-US" sz="1200"/>
+          </a:p>
+        </p:txBody>
+      </p:sp>
+      <p:sp>
+        <p:nvSpPr>
+          <p:cNvPr id="165" name="사각형: 둥근 모서리 164">
+            <a:extLst>
+              <a:ext uri="{FF2B5EF4-FFF2-40B4-BE49-F238E27FC236}">
+                <a16:creationId xmlns:a16="http://schemas.microsoft.com/office/drawing/2014/main" id="{25700973-09E8-45A1-9708-20A87C58F4FF}"/>
+              </a:ext>
+            </a:extLst>
+          </p:cNvPr>
+          <p:cNvSpPr/>
+          <p:nvPr/>
+        </p:nvSpPr>
+        <p:spPr>
+          <a:xfrm>
+            <a:off x="2330568" y="1924993"/>
+            <a:ext cx="315932" cy="291027"/>
+          </a:xfrm>
+          <a:prstGeom prst="roundRect">
+            <a:avLst>
+              <a:gd name="adj" fmla="val 50000"/>
+            </a:avLst>
+          </a:prstGeom>
+          <a:solidFill>
+            <a:schemeClr val="bg1">
+              <a:lumMod val="85000"/>
+            </a:schemeClr>
+          </a:solidFill>
+        </p:spPr>
+        <p:style>
+          <a:lnRef idx="2">
+            <a:schemeClr val="dk1"/>
+          </a:lnRef>
+          <a:fillRef idx="1">
+            <a:schemeClr val="lt1"/>
+          </a:fillRef>
+          <a:effectRef idx="0">
+            <a:schemeClr val="dk1"/>
+          </a:effectRef>
+          <a:fontRef idx="minor">
+            <a:schemeClr val="dk1"/>
+          </a:fontRef>
+        </p:style>
+        <p:txBody>
+          <a:bodyPr rtlCol="0" anchor="ctr"/>
+          <a:lstStyle/>
+          <a:p>
+            <a:pPr algn="ctr"/>
+            <a:r>
+              <a:rPr lang="en-US" altLang="ko-KR" sz="1200"/>
+              <a:t>G</a:t>
+            </a:r>
+            <a:endParaRPr lang="ko-KR" altLang="en-US" sz="1200"/>
+          </a:p>
+        </p:txBody>
+      </p:sp>
+      <p:sp>
+        <p:nvSpPr>
+          <p:cNvPr id="166" name="사각형: 둥근 모서리 165">
+            <a:extLst>
+              <a:ext uri="{FF2B5EF4-FFF2-40B4-BE49-F238E27FC236}">
+                <a16:creationId xmlns:a16="http://schemas.microsoft.com/office/drawing/2014/main" id="{7645E077-CC50-4EDD-A4B1-A9C179A30625}"/>
+              </a:ext>
+            </a:extLst>
+          </p:cNvPr>
+          <p:cNvSpPr/>
+          <p:nvPr/>
+        </p:nvSpPr>
+        <p:spPr>
+          <a:xfrm>
+            <a:off x="3149659" y="1924993"/>
+            <a:ext cx="315932" cy="291027"/>
+          </a:xfrm>
+          <a:prstGeom prst="roundRect">
+            <a:avLst>
+              <a:gd name="adj" fmla="val 50000"/>
+            </a:avLst>
+          </a:prstGeom>
+          <a:solidFill>
+            <a:schemeClr val="bg1">
+              <a:lumMod val="85000"/>
+            </a:schemeClr>
+          </a:solidFill>
+        </p:spPr>
+        <p:style>
+          <a:lnRef idx="2">
+            <a:schemeClr val="dk1"/>
+          </a:lnRef>
+          <a:fillRef idx="1">
+            <a:schemeClr val="lt1"/>
+          </a:fillRef>
+          <a:effectRef idx="0">
+            <a:schemeClr val="dk1"/>
+          </a:effectRef>
+          <a:fontRef idx="minor">
+            <a:schemeClr val="dk1"/>
+          </a:fontRef>
+        </p:style>
+        <p:txBody>
+          <a:bodyPr rtlCol="0" anchor="ctr"/>
+          <a:lstStyle/>
+          <a:p>
+            <a:pPr algn="ctr"/>
+            <a:r>
+              <a:rPr lang="en-US" altLang="ko-KR" sz="1200"/>
+              <a:t>G</a:t>
+            </a:r>
+            <a:endParaRPr lang="ko-KR" altLang="en-US" sz="1200"/>
+          </a:p>
+        </p:txBody>
+      </p:sp>
+      <p:sp>
+        <p:nvSpPr>
+          <p:cNvPr id="167" name="사각형: 둥근 모서리 166">
+            <a:extLst>
+              <a:ext uri="{FF2B5EF4-FFF2-40B4-BE49-F238E27FC236}">
+                <a16:creationId xmlns:a16="http://schemas.microsoft.com/office/drawing/2014/main" id="{EFC67E6D-715C-4988-B27B-C94EA562655D}"/>
+              </a:ext>
+            </a:extLst>
+          </p:cNvPr>
+          <p:cNvSpPr/>
+          <p:nvPr/>
+        </p:nvSpPr>
+        <p:spPr>
+          <a:xfrm>
+            <a:off x="2740113" y="1924993"/>
+            <a:ext cx="315932" cy="291027"/>
+          </a:xfrm>
+          <a:prstGeom prst="roundRect">
+            <a:avLst>
+              <a:gd name="adj" fmla="val 50000"/>
+            </a:avLst>
+          </a:prstGeom>
+          <a:solidFill>
+            <a:schemeClr val="bg1">
+              <a:lumMod val="85000"/>
+            </a:schemeClr>
+          </a:solidFill>
+        </p:spPr>
+        <p:style>
+          <a:lnRef idx="2">
+            <a:schemeClr val="dk1"/>
+          </a:lnRef>
+          <a:fillRef idx="1">
+            <a:schemeClr val="lt1"/>
+          </a:fillRef>
+          <a:effectRef idx="0">
+            <a:schemeClr val="dk1"/>
+          </a:effectRef>
+          <a:fontRef idx="minor">
+            <a:schemeClr val="dk1"/>
+          </a:fontRef>
+        </p:style>
+        <p:txBody>
+          <a:bodyPr rtlCol="0" anchor="ctr"/>
+          <a:lstStyle/>
+          <a:p>
+            <a:pPr algn="ctr"/>
+            <a:r>
+              <a:rPr lang="en-US" altLang="ko-KR" sz="1200"/>
+              <a:t>G</a:t>
+            </a:r>
+            <a:endParaRPr lang="ko-KR" altLang="en-US" sz="1200"/>
+          </a:p>
+        </p:txBody>
+      </p:sp>
+      <p:sp>
+        <p:nvSpPr>
+          <p:cNvPr id="168" name="사각형: 둥근 모서리 167">
+            <a:extLst>
+              <a:ext uri="{FF2B5EF4-FFF2-40B4-BE49-F238E27FC236}">
+                <a16:creationId xmlns:a16="http://schemas.microsoft.com/office/drawing/2014/main" id="{6DCFC37A-8D41-4317-AD0E-3DEAD425FA9C}"/>
+              </a:ext>
+            </a:extLst>
+          </p:cNvPr>
+          <p:cNvSpPr/>
+          <p:nvPr/>
+        </p:nvSpPr>
+        <p:spPr>
+          <a:xfrm>
+            <a:off x="3555383" y="1924993"/>
+            <a:ext cx="315932" cy="291027"/>
+          </a:xfrm>
+          <a:prstGeom prst="roundRect">
+            <a:avLst>
+              <a:gd name="adj" fmla="val 50000"/>
+            </a:avLst>
+          </a:prstGeom>
+          <a:solidFill>
+            <a:schemeClr val="bg1">
+              <a:lumMod val="85000"/>
+            </a:schemeClr>
+          </a:solidFill>
+        </p:spPr>
+        <p:style>
+          <a:lnRef idx="2">
+            <a:schemeClr val="dk1"/>
+          </a:lnRef>
+          <a:fillRef idx="1">
+            <a:schemeClr val="lt1"/>
+          </a:fillRef>
+          <a:effectRef idx="0">
+            <a:schemeClr val="dk1"/>
+          </a:effectRef>
+          <a:fontRef idx="minor">
+            <a:schemeClr val="dk1"/>
+          </a:fontRef>
+        </p:style>
+        <p:txBody>
+          <a:bodyPr rtlCol="0" anchor="ctr"/>
+          <a:lstStyle/>
+          <a:p>
+            <a:pPr algn="ctr"/>
+            <a:r>
+              <a:rPr lang="en-US" altLang="ko-KR" sz="1200"/>
+              <a:t>G</a:t>
+            </a:r>
+            <a:endParaRPr lang="ko-KR" altLang="en-US" sz="1200"/>
+          </a:p>
+        </p:txBody>
+      </p:sp>
+      <p:sp>
+        <p:nvSpPr>
+          <p:cNvPr id="187" name="사각형: 둥근 모서리 186">
+            <a:extLst>
+              <a:ext uri="{FF2B5EF4-FFF2-40B4-BE49-F238E27FC236}">
+                <a16:creationId xmlns:a16="http://schemas.microsoft.com/office/drawing/2014/main" id="{0948CE98-2AD8-4DC3-AC3A-FFA8F3B894A4}"/>
+              </a:ext>
+            </a:extLst>
+          </p:cNvPr>
+          <p:cNvSpPr/>
+          <p:nvPr/>
+        </p:nvSpPr>
+        <p:spPr>
+          <a:xfrm>
+            <a:off x="8172905" y="2900423"/>
+            <a:ext cx="315932" cy="291027"/>
+          </a:xfrm>
+          <a:prstGeom prst="roundRect">
+            <a:avLst>
+              <a:gd name="adj" fmla="val 50000"/>
+            </a:avLst>
+          </a:prstGeom>
+          <a:solidFill>
+            <a:schemeClr val="bg1">
+              <a:lumMod val="85000"/>
+            </a:schemeClr>
+          </a:solidFill>
+        </p:spPr>
+        <p:style>
+          <a:lnRef idx="2">
+            <a:schemeClr val="dk1"/>
+          </a:lnRef>
+          <a:fillRef idx="1">
+            <a:schemeClr val="lt1"/>
+          </a:fillRef>
+          <a:effectRef idx="0">
+            <a:schemeClr val="dk1"/>
+          </a:effectRef>
+          <a:fontRef idx="minor">
+            <a:schemeClr val="dk1"/>
+          </a:fontRef>
+        </p:style>
+        <p:txBody>
+          <a:bodyPr rtlCol="0" anchor="ctr"/>
+          <a:lstStyle/>
+          <a:p>
+            <a:pPr algn="ctr"/>
+            <a:r>
+              <a:rPr lang="en-US" altLang="ko-KR" sz="1200"/>
+              <a:t>G</a:t>
+            </a:r>
+            <a:endParaRPr lang="ko-KR" altLang="en-US" sz="1200"/>
+          </a:p>
+        </p:txBody>
+      </p:sp>
+      <p:cxnSp>
+        <p:nvCxnSpPr>
+          <p:cNvPr id="188" name="직선 화살표 연결선 187">
+            <a:extLst>
+              <a:ext uri="{FF2B5EF4-FFF2-40B4-BE49-F238E27FC236}">
+                <a16:creationId xmlns:a16="http://schemas.microsoft.com/office/drawing/2014/main" id="{9AD54F62-B755-41D3-A8B3-103EC2BA7691}"/>
+              </a:ext>
+            </a:extLst>
+          </p:cNvPr>
+          <p:cNvCxnSpPr>
+            <a:cxnSpLocks/>
+            <a:stCxn id="144" idx="0"/>
+            <a:endCxn id="187" idx="2"/>
+          </p:cNvCxnSpPr>
+          <p:nvPr/>
+        </p:nvCxnSpPr>
+        <p:spPr>
+          <a:xfrm flipH="1" flipV="1">
+            <a:off x="8330871" y="3191450"/>
+            <a:ext cx="291" cy="234270"/>
+          </a:xfrm>
+          <a:prstGeom prst="straightConnector1">
+            <a:avLst/>
+          </a:prstGeom>
+          <a:ln w="19050">
+            <a:headEnd type="none" w="med" len="med"/>
+            <a:tailEnd type="none" w="med" len="med"/>
+          </a:ln>
+        </p:spPr>
+        <p:style>
+          <a:lnRef idx="1">
+            <a:schemeClr val="dk1"/>
+          </a:lnRef>
+          <a:fillRef idx="0">
+            <a:schemeClr val="dk1"/>
+          </a:fillRef>
+          <a:effectRef idx="0">
+            <a:schemeClr val="dk1"/>
+          </a:effectRef>
+          <a:fontRef idx="minor">
+            <a:schemeClr val="tx1"/>
+          </a:fontRef>
+        </p:style>
+      </p:cxnSp>
+      <p:sp>
+        <p:nvSpPr>
+          <p:cNvPr id="204" name="사각형: 둥근 모서리 203">
+            <a:extLst>
+              <a:ext uri="{FF2B5EF4-FFF2-40B4-BE49-F238E27FC236}">
+                <a16:creationId xmlns:a16="http://schemas.microsoft.com/office/drawing/2014/main" id="{ACAE6CB4-6784-4A0D-8ACE-275F4D981A74}"/>
+              </a:ext>
+            </a:extLst>
+          </p:cNvPr>
+          <p:cNvSpPr/>
+          <p:nvPr/>
+        </p:nvSpPr>
+        <p:spPr>
+          <a:xfrm>
+            <a:off x="5148065" y="2840046"/>
+            <a:ext cx="3518104" cy="432672"/>
+          </a:xfrm>
+          <a:prstGeom prst="roundRect">
+            <a:avLst/>
+          </a:prstGeom>
+          <a:noFill/>
+          <a:ln>
+            <a:prstDash val="dash"/>
+          </a:ln>
+        </p:spPr>
+        <p:style>
+          <a:lnRef idx="2">
+            <a:schemeClr val="dk1"/>
+          </a:lnRef>
+          <a:fillRef idx="1">
+            <a:schemeClr val="lt1"/>
+          </a:fillRef>
+          <a:effectRef idx="0">
+            <a:schemeClr val="dk1"/>
+          </a:effectRef>
+          <a:fontRef idx="minor">
+            <a:schemeClr val="dk1"/>
+          </a:fontRef>
+        </p:style>
+        <p:txBody>
+          <a:bodyPr rtlCol="0" anchor="ctr"/>
+          <a:lstStyle/>
+          <a:p>
+            <a:pPr algn="ctr"/>
+            <a:r>
+              <a:rPr lang="en-US" altLang="ko-KR" sz="1400"/>
+              <a:t>                        </a:t>
+            </a:r>
+            <a:r>
+              <a:rPr lang="en-US" altLang="ko-KR" sz="1200"/>
+              <a:t>Executing</a:t>
+            </a:r>
+          </a:p>
+          <a:p>
+            <a:pPr algn="ctr"/>
+            <a:r>
+              <a:rPr lang="en-US" altLang="ko-KR" sz="1200"/>
+              <a:t>                            Goroutines</a:t>
+            </a:r>
+            <a:endParaRPr lang="ko-KR" altLang="en-US" sz="1400"/>
+          </a:p>
+        </p:txBody>
+      </p:sp>
+      <p:sp>
+        <p:nvSpPr>
+          <p:cNvPr id="205" name="사각형: 둥근 모서리 204">
+            <a:extLst>
+              <a:ext uri="{FF2B5EF4-FFF2-40B4-BE49-F238E27FC236}">
+                <a16:creationId xmlns:a16="http://schemas.microsoft.com/office/drawing/2014/main" id="{0156E945-D305-4BBE-868B-DB17D79C2362}"/>
+              </a:ext>
+            </a:extLst>
+          </p:cNvPr>
+          <p:cNvSpPr/>
+          <p:nvPr/>
+        </p:nvSpPr>
+        <p:spPr>
+          <a:xfrm>
+            <a:off x="2246619" y="2840046"/>
+            <a:ext cx="2122011" cy="432672"/>
+          </a:xfrm>
+          <a:prstGeom prst="roundRect">
+            <a:avLst/>
+          </a:prstGeom>
+          <a:noFill/>
+          <a:ln>
+            <a:prstDash val="dash"/>
+          </a:ln>
+        </p:spPr>
+        <p:style>
+          <a:lnRef idx="2">
+            <a:schemeClr val="dk1"/>
+          </a:lnRef>
+          <a:fillRef idx="1">
+            <a:schemeClr val="lt1"/>
+          </a:fillRef>
+          <a:effectRef idx="0">
+            <a:schemeClr val="dk1"/>
+          </a:effectRef>
+          <a:fontRef idx="minor">
+            <a:schemeClr val="dk1"/>
+          </a:fontRef>
+        </p:style>
+        <p:txBody>
+          <a:bodyPr rtlCol="0" anchor="ctr"/>
+          <a:lstStyle/>
+          <a:p>
+            <a:pPr algn="ctr"/>
+            <a:r>
+              <a:rPr lang="en-US" altLang="ko-KR" sz="1200"/>
+              <a:t>Blocking</a:t>
+            </a:r>
+          </a:p>
+          <a:p>
+            <a:pPr algn="ctr"/>
+            <a:r>
+              <a:rPr lang="en-US" altLang="ko-KR" sz="1200"/>
+              <a:t>Goroutines</a:t>
+            </a:r>
+            <a:endParaRPr lang="ko-KR" altLang="en-US" sz="1400"/>
+          </a:p>
+        </p:txBody>
+      </p:sp>
+      <p:sp>
+        <p:nvSpPr>
+          <p:cNvPr id="207" name="사각형: 둥근 모서리 206">
+            <a:extLst>
+              <a:ext uri="{FF2B5EF4-FFF2-40B4-BE49-F238E27FC236}">
+                <a16:creationId xmlns:a16="http://schemas.microsoft.com/office/drawing/2014/main" id="{6C1166C6-6821-46EB-AA94-125E0297D021}"/>
+              </a:ext>
+            </a:extLst>
+          </p:cNvPr>
+          <p:cNvSpPr/>
+          <p:nvPr/>
+        </p:nvSpPr>
+        <p:spPr>
+          <a:xfrm>
+            <a:off x="873093" y="1864991"/>
+            <a:ext cx="948677" cy="1912133"/>
+          </a:xfrm>
+          <a:prstGeom prst="roundRect">
+            <a:avLst>
+              <a:gd name="adj" fmla="val 4994"/>
+            </a:avLst>
+          </a:prstGeom>
+        </p:spPr>
+        <p:style>
+          <a:lnRef idx="2">
+            <a:schemeClr val="dk1"/>
+          </a:lnRef>
+          <a:fillRef idx="1">
+            <a:schemeClr val="lt1"/>
+          </a:fillRef>
+          <a:effectRef idx="0">
+            <a:schemeClr val="dk1"/>
+          </a:effectRef>
+          <a:fontRef idx="minor">
+            <a:schemeClr val="dk1"/>
+          </a:fontRef>
+        </p:style>
+        <p:txBody>
+          <a:bodyPr rtlCol="0" anchor="b"/>
+          <a:lstStyle/>
+          <a:p>
+            <a:pPr algn="ctr"/>
+            <a:r>
+              <a:rPr lang="en-US" altLang="ko-KR" sz="1200"/>
+              <a:t>Net Poller</a:t>
+            </a:r>
+          </a:p>
+          <a:p>
+            <a:pPr algn="ctr"/>
+            <a:r>
+              <a:rPr lang="en-US" altLang="ko-KR" sz="1200"/>
+              <a:t>(Thread)</a:t>
+            </a:r>
+            <a:endParaRPr lang="ko-KR" altLang="en-US" sz="1200"/>
+          </a:p>
+        </p:txBody>
+      </p:sp>
+      <p:sp>
+        <p:nvSpPr>
+          <p:cNvPr id="208" name="사각형: 둥근 모서리 207">
+            <a:extLst>
+              <a:ext uri="{FF2B5EF4-FFF2-40B4-BE49-F238E27FC236}">
+                <a16:creationId xmlns:a16="http://schemas.microsoft.com/office/drawing/2014/main" id="{5093C039-5E56-488C-BD37-174A61BA21FC}"/>
+              </a:ext>
+            </a:extLst>
+          </p:cNvPr>
+          <p:cNvSpPr/>
+          <p:nvPr/>
+        </p:nvSpPr>
+        <p:spPr>
+          <a:xfrm>
+            <a:off x="1189465" y="3017558"/>
+            <a:ext cx="315932" cy="291027"/>
+          </a:xfrm>
+          <a:prstGeom prst="roundRect">
+            <a:avLst>
+              <a:gd name="adj" fmla="val 50000"/>
+            </a:avLst>
+          </a:prstGeom>
+          <a:solidFill>
+            <a:schemeClr val="bg1">
+              <a:lumMod val="85000"/>
+            </a:schemeClr>
+          </a:solidFill>
+        </p:spPr>
+        <p:style>
+          <a:lnRef idx="2">
+            <a:schemeClr val="dk1"/>
+          </a:lnRef>
+          <a:fillRef idx="1">
+            <a:schemeClr val="lt1"/>
+          </a:fillRef>
+          <a:effectRef idx="0">
+            <a:schemeClr val="dk1"/>
+          </a:effectRef>
+          <a:fontRef idx="minor">
+            <a:schemeClr val="dk1"/>
+          </a:fontRef>
+        </p:style>
+        <p:txBody>
+          <a:bodyPr rtlCol="0" anchor="ctr"/>
+          <a:lstStyle/>
+          <a:p>
+            <a:pPr algn="ctr"/>
+            <a:r>
+              <a:rPr lang="en-US" altLang="ko-KR" sz="1200"/>
+              <a:t>G</a:t>
+            </a:r>
+            <a:endParaRPr lang="ko-KR" altLang="en-US" sz="1200"/>
+          </a:p>
+        </p:txBody>
+      </p:sp>
+      <p:sp>
+        <p:nvSpPr>
+          <p:cNvPr id="209" name="사각형: 둥근 모서리 208">
+            <a:extLst>
+              <a:ext uri="{FF2B5EF4-FFF2-40B4-BE49-F238E27FC236}">
+                <a16:creationId xmlns:a16="http://schemas.microsoft.com/office/drawing/2014/main" id="{1A5B72C2-513A-4AC6-9481-5DDA7553E982}"/>
+              </a:ext>
+            </a:extLst>
+          </p:cNvPr>
+          <p:cNvSpPr/>
+          <p:nvPr/>
+        </p:nvSpPr>
+        <p:spPr>
+          <a:xfrm>
+            <a:off x="1189465" y="2637775"/>
+            <a:ext cx="315932" cy="291027"/>
+          </a:xfrm>
+          <a:prstGeom prst="roundRect">
+            <a:avLst>
+              <a:gd name="adj" fmla="val 50000"/>
+            </a:avLst>
+          </a:prstGeom>
+          <a:solidFill>
+            <a:schemeClr val="bg1">
+              <a:lumMod val="85000"/>
+            </a:schemeClr>
+          </a:solidFill>
+        </p:spPr>
+        <p:style>
+          <a:lnRef idx="2">
+            <a:schemeClr val="dk1"/>
+          </a:lnRef>
+          <a:fillRef idx="1">
+            <a:schemeClr val="lt1"/>
+          </a:fillRef>
+          <a:effectRef idx="0">
+            <a:schemeClr val="dk1"/>
+          </a:effectRef>
+          <a:fontRef idx="minor">
+            <a:schemeClr val="dk1"/>
+          </a:fontRef>
+        </p:style>
+        <p:txBody>
+          <a:bodyPr rtlCol="0" anchor="ctr"/>
+          <a:lstStyle/>
+          <a:p>
+            <a:pPr algn="ctr"/>
+            <a:r>
+              <a:rPr lang="en-US" altLang="ko-KR" sz="1200"/>
+              <a:t>G</a:t>
+            </a:r>
+            <a:endParaRPr lang="ko-KR" altLang="en-US" sz="1200"/>
+          </a:p>
+        </p:txBody>
+      </p:sp>
+      <p:sp>
+        <p:nvSpPr>
+          <p:cNvPr id="215" name="사각형: 둥근 모서리 214">
+            <a:extLst>
+              <a:ext uri="{FF2B5EF4-FFF2-40B4-BE49-F238E27FC236}">
+                <a16:creationId xmlns:a16="http://schemas.microsoft.com/office/drawing/2014/main" id="{CC6B30FA-0186-4DC4-AEFC-E6137686584F}"/>
+              </a:ext>
+            </a:extLst>
+          </p:cNvPr>
+          <p:cNvSpPr/>
+          <p:nvPr/>
+        </p:nvSpPr>
+        <p:spPr>
+          <a:xfrm>
+            <a:off x="5148065" y="2277826"/>
+            <a:ext cx="3518104" cy="432672"/>
+          </a:xfrm>
+          <a:prstGeom prst="roundRect">
+            <a:avLst/>
+          </a:prstGeom>
+          <a:noFill/>
+          <a:ln>
+            <a:prstDash val="dash"/>
+          </a:ln>
+        </p:spPr>
+        <p:style>
+          <a:lnRef idx="2">
+            <a:schemeClr val="dk1"/>
+          </a:lnRef>
+          <a:fillRef idx="1">
+            <a:schemeClr val="lt1"/>
+          </a:fillRef>
+          <a:effectRef idx="0">
+            <a:schemeClr val="dk1"/>
+          </a:effectRef>
+          <a:fontRef idx="minor">
+            <a:schemeClr val="dk1"/>
+          </a:fontRef>
+        </p:style>
+        <p:txBody>
+          <a:bodyPr rtlCol="0" anchor="ctr"/>
+          <a:lstStyle/>
+          <a:p>
+            <a:pPr algn="ctr"/>
+            <a:r>
+              <a:rPr lang="en-US" altLang="ko-KR" sz="1400"/>
+              <a:t>                       </a:t>
+            </a:r>
+            <a:r>
+              <a:rPr lang="en-US" altLang="ko-KR" sz="1050" b="1"/>
+              <a:t>GOMAXPROCS</a:t>
+            </a:r>
+            <a:br>
+              <a:rPr lang="en-US" altLang="ko-KR" sz="1050"/>
+            </a:br>
+            <a:r>
+              <a:rPr lang="en-US" altLang="ko-KR" sz="1050"/>
+              <a:t>	          Env Variable</a:t>
+            </a:r>
+            <a:endParaRPr lang="ko-KR" altLang="en-US" sz="1400"/>
+          </a:p>
+        </p:txBody>
+      </p:sp>
+      <p:sp>
+        <p:nvSpPr>
+          <p:cNvPr id="221" name="TextBox 220">
+            <a:extLst>
+              <a:ext uri="{FF2B5EF4-FFF2-40B4-BE49-F238E27FC236}">
+                <a16:creationId xmlns:a16="http://schemas.microsoft.com/office/drawing/2014/main" id="{9172EC3F-5F71-40AB-BF9D-132519414C2A}"/>
+              </a:ext>
+            </a:extLst>
+          </p:cNvPr>
+          <p:cNvSpPr txBox="1"/>
+          <p:nvPr/>
+        </p:nvSpPr>
+        <p:spPr>
+          <a:xfrm>
+            <a:off x="873093" y="555526"/>
+            <a:ext cx="1565748" cy="646331"/>
+          </a:xfrm>
+          <a:prstGeom prst="rect">
+            <a:avLst/>
+          </a:prstGeom>
+          <a:noFill/>
+          <a:ln>
+            <a:solidFill>
+              <a:schemeClr val="tx1"/>
+            </a:solidFill>
+            <a:prstDash val="solid"/>
+          </a:ln>
+        </p:spPr>
+        <p:txBody>
+          <a:bodyPr wrap="square" rtlCol="0">
+            <a:spAutoFit/>
+          </a:bodyPr>
+          <a:lstStyle/>
+          <a:p>
+            <a:r>
+              <a:rPr lang="en-US" altLang="ko-KR" sz="1200"/>
+              <a:t>G : Goroutine</a:t>
+            </a:r>
+          </a:p>
+          <a:p>
+            <a:r>
+              <a:rPr lang="en-US" altLang="ko-KR" sz="1200"/>
+              <a:t>P : Virtual Process</a:t>
+            </a:r>
+          </a:p>
+          <a:p>
+            <a:r>
+              <a:rPr lang="en-US" altLang="ko-KR" sz="1200"/>
+              <a:t>M : Thread</a:t>
+            </a:r>
+            <a:endParaRPr lang="ko-KR" altLang="en-US" sz="1200"/>
+          </a:p>
+        </p:txBody>
+      </p:sp>
+      <p:cxnSp>
+        <p:nvCxnSpPr>
+          <p:cNvPr id="223" name="직선 화살표 연결선 222">
+            <a:extLst>
+              <a:ext uri="{FF2B5EF4-FFF2-40B4-BE49-F238E27FC236}">
+                <a16:creationId xmlns:a16="http://schemas.microsoft.com/office/drawing/2014/main" id="{15CA8749-8277-4799-8C23-0759938BFACD}"/>
+              </a:ext>
+            </a:extLst>
+          </p:cNvPr>
+          <p:cNvCxnSpPr>
+            <a:cxnSpLocks/>
+            <a:endCxn id="207" idx="2"/>
+          </p:cNvCxnSpPr>
+          <p:nvPr/>
+        </p:nvCxnSpPr>
+        <p:spPr>
+          <a:xfrm flipV="1">
+            <a:off x="1347432" y="3777124"/>
+            <a:ext cx="0" cy="233813"/>
+          </a:xfrm>
+          <a:prstGeom prst="straightConnector1">
+            <a:avLst/>
+          </a:prstGeom>
+          <a:ln w="19050">
+            <a:headEnd type="none" w="med" len="med"/>
+            <a:tailEnd type="none" w="med" len="med"/>
+          </a:ln>
+        </p:spPr>
+        <p:style>
+          <a:lnRef idx="1">
+            <a:schemeClr val="dk1"/>
+          </a:lnRef>
+          <a:fillRef idx="0">
+            <a:schemeClr val="dk1"/>
+          </a:fillRef>
+          <a:effectRef idx="0">
+            <a:schemeClr val="dk1"/>
+          </a:effectRef>
+          <a:fontRef idx="minor">
+            <a:schemeClr val="tx1"/>
+          </a:fontRef>
+        </p:style>
+      </p:cxnSp>
+      <p:sp>
+        <p:nvSpPr>
+          <p:cNvPr id="233" name="자유형: 도형 232">
+            <a:extLst>
+              <a:ext uri="{FF2B5EF4-FFF2-40B4-BE49-F238E27FC236}">
+                <a16:creationId xmlns:a16="http://schemas.microsoft.com/office/drawing/2014/main" id="{C1D7B323-68C4-49E8-9EF0-E058713CC826}"/>
+              </a:ext>
+            </a:extLst>
+          </p:cNvPr>
+          <p:cNvSpPr/>
+          <p:nvPr/>
+        </p:nvSpPr>
+        <p:spPr>
+          <a:xfrm>
+            <a:off x="3306792" y="555526"/>
+            <a:ext cx="5024080" cy="1309464"/>
+          </a:xfrm>
+          <a:custGeom>
+            <a:avLst/>
+            <a:gdLst>
+              <a:gd name="connsiteX0" fmla="*/ 0 w 4743450"/>
+              <a:gd name="connsiteY0" fmla="*/ 1466850 h 1466850"/>
+              <a:gd name="connsiteX1" fmla="*/ 0 w 4743450"/>
+              <a:gd name="connsiteY1" fmla="*/ 0 h 1466850"/>
+              <a:gd name="connsiteX2" fmla="*/ 4743450 w 4743450"/>
+              <a:gd name="connsiteY2" fmla="*/ 0 h 1466850"/>
+              <a:gd name="connsiteX3" fmla="*/ 4743450 w 4743450"/>
+              <a:gd name="connsiteY3" fmla="*/ 203200 h 1466850"/>
+            </a:gdLst>
+            <a:ahLst/>
+            <a:cxnLst>
+              <a:cxn ang="0">
+                <a:pos x="connsiteX0" y="connsiteY0"/>
+              </a:cxn>
+              <a:cxn ang="0">
+                <a:pos x="connsiteX1" y="connsiteY1"/>
+              </a:cxn>
+              <a:cxn ang="0">
+                <a:pos x="connsiteX2" y="connsiteY2"/>
+              </a:cxn>
+              <a:cxn ang="0">
+                <a:pos x="connsiteX3" y="connsiteY3"/>
+              </a:cxn>
+            </a:cxnLst>
+            <a:rect l="l" t="t" r="r" b="b"/>
+            <a:pathLst>
+              <a:path w="4743450" h="1466850">
+                <a:moveTo>
+                  <a:pt x="0" y="1466850"/>
+                </a:moveTo>
+                <a:lnTo>
+                  <a:pt x="0" y="0"/>
+                </a:lnTo>
+                <a:lnTo>
+                  <a:pt x="4743450" y="0"/>
+                </a:lnTo>
+                <a:lnTo>
+                  <a:pt x="4743450" y="203200"/>
+                </a:lnTo>
+              </a:path>
+            </a:pathLst>
+          </a:custGeom>
+          <a:noFill/>
+          <a:ln w="19050">
+            <a:solidFill>
+              <a:schemeClr val="tx1"/>
+            </a:solidFill>
+            <a:headEnd type="none" w="med" len="med"/>
+            <a:tailEnd type="arrow" w="med" len="med"/>
+          </a:ln>
+        </p:spPr>
+        <p:style>
+          <a:lnRef idx="2">
+            <a:schemeClr val="accent1">
+              <a:shade val="50000"/>
+            </a:schemeClr>
+          </a:lnRef>
+          <a:fillRef idx="1">
+            <a:schemeClr val="accent1"/>
+          </a:fillRef>
+          <a:effectRef idx="0">
+            <a:schemeClr val="accent1"/>
+          </a:effectRef>
+          <a:fontRef idx="minor">
+            <a:schemeClr val="lt1"/>
+          </a:fontRef>
+        </p:style>
+        <p:txBody>
+          <a:bodyPr rtlCol="0" anchor="ctr"/>
+          <a:lstStyle/>
+          <a:p>
+            <a:pPr algn="ctr"/>
+            <a:endParaRPr lang="ko-KR" altLang="en-US" sz="1600"/>
+          </a:p>
+        </p:txBody>
+      </p:sp>
+      <p:cxnSp>
+        <p:nvCxnSpPr>
+          <p:cNvPr id="234" name="직선 화살표 연결선 233">
+            <a:extLst>
+              <a:ext uri="{FF2B5EF4-FFF2-40B4-BE49-F238E27FC236}">
+                <a16:creationId xmlns:a16="http://schemas.microsoft.com/office/drawing/2014/main" id="{BFBDBF71-F623-4C32-9135-8FA3C8DFE1BB}"/>
+              </a:ext>
+            </a:extLst>
+          </p:cNvPr>
+          <p:cNvCxnSpPr>
+            <a:cxnSpLocks/>
+          </p:cNvCxnSpPr>
+          <p:nvPr/>
+        </p:nvCxnSpPr>
+        <p:spPr>
+          <a:xfrm>
+            <a:off x="5466081" y="555525"/>
+            <a:ext cx="4" cy="191865"/>
+          </a:xfrm>
+          <a:prstGeom prst="straightConnector1">
+            <a:avLst/>
+          </a:prstGeom>
+          <a:ln w="19050">
+            <a:headEnd type="none" w="med" len="med"/>
+            <a:tailEnd type="arrow" w="med" len="med"/>
+          </a:ln>
+        </p:spPr>
+        <p:style>
+          <a:lnRef idx="1">
+            <a:schemeClr val="dk1"/>
+          </a:lnRef>
+          <a:fillRef idx="0">
+            <a:schemeClr val="dk1"/>
+          </a:fillRef>
+          <a:effectRef idx="0">
+            <a:schemeClr val="dk1"/>
+          </a:effectRef>
+          <a:fontRef idx="minor">
+            <a:schemeClr val="tx1"/>
+          </a:fontRef>
+        </p:style>
+      </p:cxnSp>
+      <p:cxnSp>
+        <p:nvCxnSpPr>
+          <p:cNvPr id="235" name="직선 화살표 연결선 234">
+            <a:extLst>
+              <a:ext uri="{FF2B5EF4-FFF2-40B4-BE49-F238E27FC236}">
+                <a16:creationId xmlns:a16="http://schemas.microsoft.com/office/drawing/2014/main" id="{FA274BB5-E50D-4AC6-BA7D-863391E0BD22}"/>
+              </a:ext>
+            </a:extLst>
+          </p:cNvPr>
+          <p:cNvCxnSpPr>
+            <a:cxnSpLocks/>
+          </p:cNvCxnSpPr>
+          <p:nvPr/>
+        </p:nvCxnSpPr>
+        <p:spPr>
+          <a:xfrm>
+            <a:off x="6898617" y="555526"/>
+            <a:ext cx="14" cy="191864"/>
+          </a:xfrm>
+          <a:prstGeom prst="straightConnector1">
+            <a:avLst/>
+          </a:prstGeom>
+          <a:ln w="19050">
+            <a:headEnd type="none" w="med" len="med"/>
+            <a:tailEnd type="arrow" w="med" len="med"/>
+          </a:ln>
+        </p:spPr>
+        <p:style>
+          <a:lnRef idx="1">
+            <a:schemeClr val="dk1"/>
+          </a:lnRef>
+          <a:fillRef idx="0">
+            <a:schemeClr val="dk1"/>
+          </a:fillRef>
+          <a:effectRef idx="0">
+            <a:schemeClr val="dk1"/>
+          </a:effectRef>
+          <a:fontRef idx="minor">
+            <a:schemeClr val="tx1"/>
+          </a:fontRef>
+        </p:style>
+      </p:cxnSp>
+      <p:cxnSp>
+        <p:nvCxnSpPr>
+          <p:cNvPr id="236" name="직선 화살표 연결선 235">
+            <a:extLst>
+              <a:ext uri="{FF2B5EF4-FFF2-40B4-BE49-F238E27FC236}">
+                <a16:creationId xmlns:a16="http://schemas.microsoft.com/office/drawing/2014/main" id="{FB447139-FCEE-4447-AF2B-667629BAFFEB}"/>
+              </a:ext>
+            </a:extLst>
+          </p:cNvPr>
+          <p:cNvCxnSpPr>
+            <a:cxnSpLocks/>
+          </p:cNvCxnSpPr>
+          <p:nvPr/>
+        </p:nvCxnSpPr>
+        <p:spPr>
+          <a:xfrm>
+            <a:off x="4368630" y="3124810"/>
+            <a:ext cx="779435" cy="0"/>
+          </a:xfrm>
+          <a:prstGeom prst="straightConnector1">
+            <a:avLst/>
+          </a:prstGeom>
+          <a:ln w="19050">
+            <a:headEnd type="arrow" w="med" len="med"/>
+            <a:tailEnd type="arrow" w="med" len="med"/>
+          </a:ln>
+        </p:spPr>
+        <p:style>
+          <a:lnRef idx="1">
+            <a:schemeClr val="dk1"/>
+          </a:lnRef>
+          <a:fillRef idx="0">
+            <a:schemeClr val="dk1"/>
+          </a:fillRef>
+          <a:effectRef idx="0">
+            <a:schemeClr val="dk1"/>
+          </a:effectRef>
+          <a:fontRef idx="minor">
+            <a:schemeClr val="tx1"/>
+          </a:fontRef>
+        </p:style>
+      </p:cxnSp>
+      <p:sp>
+        <p:nvSpPr>
+          <p:cNvPr id="240" name="자유형: 도형 239">
+            <a:extLst>
+              <a:ext uri="{FF2B5EF4-FFF2-40B4-BE49-F238E27FC236}">
+                <a16:creationId xmlns:a16="http://schemas.microsoft.com/office/drawing/2014/main" id="{BED7AECC-7C34-4175-A5DB-E846068E786B}"/>
+              </a:ext>
+            </a:extLst>
+          </p:cNvPr>
+          <p:cNvSpPr/>
+          <p:nvPr/>
+        </p:nvSpPr>
+        <p:spPr>
+          <a:xfrm>
+            <a:off x="1358900" y="1504950"/>
+            <a:ext cx="1947892" cy="360040"/>
+          </a:xfrm>
+          <a:custGeom>
+            <a:avLst/>
+            <a:gdLst>
+              <a:gd name="connsiteX0" fmla="*/ 0 w 1987550"/>
+              <a:gd name="connsiteY0" fmla="*/ 349250 h 349250"/>
+              <a:gd name="connsiteX1" fmla="*/ 0 w 1987550"/>
+              <a:gd name="connsiteY1" fmla="*/ 0 h 349250"/>
+              <a:gd name="connsiteX2" fmla="*/ 1987550 w 1987550"/>
+              <a:gd name="connsiteY2" fmla="*/ 0 h 349250"/>
+            </a:gdLst>
+            <a:ahLst/>
+            <a:cxnLst>
+              <a:cxn ang="0">
+                <a:pos x="connsiteX0" y="connsiteY0"/>
+              </a:cxn>
+              <a:cxn ang="0">
+                <a:pos x="connsiteX1" y="connsiteY1"/>
+              </a:cxn>
+              <a:cxn ang="0">
+                <a:pos x="connsiteX2" y="connsiteY2"/>
+              </a:cxn>
+            </a:cxnLst>
+            <a:rect l="l" t="t" r="r" b="b"/>
+            <a:pathLst>
+              <a:path w="1987550" h="349250">
+                <a:moveTo>
+                  <a:pt x="0" y="349250"/>
+                </a:moveTo>
+                <a:lnTo>
+                  <a:pt x="0" y="0"/>
+                </a:lnTo>
+                <a:lnTo>
+                  <a:pt x="1987550" y="0"/>
+                </a:lnTo>
+              </a:path>
+            </a:pathLst>
+          </a:custGeom>
+          <a:noFill/>
+          <a:ln w="19050">
+            <a:solidFill>
+              <a:schemeClr val="tx1"/>
+            </a:solidFill>
+          </a:ln>
+        </p:spPr>
+        <p:style>
+          <a:lnRef idx="2">
+            <a:schemeClr val="accent1">
+              <a:shade val="50000"/>
+            </a:schemeClr>
+          </a:lnRef>
+          <a:fillRef idx="1">
+            <a:schemeClr val="accent1"/>
+          </a:fillRef>
+          <a:effectRef idx="0">
+            <a:schemeClr val="accent1"/>
+          </a:effectRef>
+          <a:fontRef idx="minor">
+            <a:schemeClr val="lt1"/>
+          </a:fontRef>
+        </p:style>
+        <p:txBody>
+          <a:bodyPr rtlCol="0" anchor="ctr"/>
+          <a:lstStyle/>
+          <a:p>
+            <a:pPr algn="ctr"/>
+            <a:endParaRPr lang="ko-KR" altLang="en-US"/>
+          </a:p>
+        </p:txBody>
+      </p:sp>
+      <p:sp>
+        <p:nvSpPr>
+          <p:cNvPr id="241" name="자유형: 도형 240">
+            <a:extLst>
+              <a:ext uri="{FF2B5EF4-FFF2-40B4-BE49-F238E27FC236}">
+                <a16:creationId xmlns:a16="http://schemas.microsoft.com/office/drawing/2014/main" id="{B0A625AE-F215-43B5-A195-9EEB17319D55}"/>
+              </a:ext>
+            </a:extLst>
+          </p:cNvPr>
+          <p:cNvSpPr/>
+          <p:nvPr/>
+        </p:nvSpPr>
+        <p:spPr>
+          <a:xfrm>
+            <a:off x="1828800" y="2674189"/>
+            <a:ext cx="3318294" cy="287547"/>
+          </a:xfrm>
+          <a:custGeom>
+            <a:avLst/>
+            <a:gdLst>
+              <a:gd name="connsiteX0" fmla="*/ 3318294 w 3318294"/>
+              <a:gd name="connsiteY0" fmla="*/ 287547 h 287547"/>
+              <a:gd name="connsiteX1" fmla="*/ 2944483 w 3318294"/>
+              <a:gd name="connsiteY1" fmla="*/ 287547 h 287547"/>
+              <a:gd name="connsiteX2" fmla="*/ 2944483 w 3318294"/>
+              <a:gd name="connsiteY2" fmla="*/ 0 h 287547"/>
+              <a:gd name="connsiteX3" fmla="*/ 0 w 3318294"/>
+              <a:gd name="connsiteY3" fmla="*/ 0 h 287547"/>
+            </a:gdLst>
+            <a:ahLst/>
+            <a:cxnLst>
+              <a:cxn ang="0">
+                <a:pos x="connsiteX0" y="connsiteY0"/>
+              </a:cxn>
+              <a:cxn ang="0">
+                <a:pos x="connsiteX1" y="connsiteY1"/>
+              </a:cxn>
+              <a:cxn ang="0">
+                <a:pos x="connsiteX2" y="connsiteY2"/>
+              </a:cxn>
+              <a:cxn ang="0">
+                <a:pos x="connsiteX3" y="connsiteY3"/>
+              </a:cxn>
+            </a:cxnLst>
+            <a:rect l="l" t="t" r="r" b="b"/>
+            <a:pathLst>
+              <a:path w="3318294" h="287547">
+                <a:moveTo>
+                  <a:pt x="3318294" y="287547"/>
+                </a:moveTo>
+                <a:lnTo>
+                  <a:pt x="2944483" y="287547"/>
+                </a:lnTo>
+                <a:lnTo>
+                  <a:pt x="2944483" y="0"/>
+                </a:lnTo>
+                <a:lnTo>
+                  <a:pt x="0" y="0"/>
+                </a:lnTo>
+              </a:path>
+            </a:pathLst>
+          </a:custGeom>
+          <a:noFill/>
+          <a:ln w="19050">
+            <a:solidFill>
+              <a:schemeClr val="tx1"/>
+            </a:solidFill>
+            <a:headEnd type="none" w="med" len="med"/>
+            <a:tailEnd type="arrow" w="med" len="med"/>
+          </a:ln>
+        </p:spPr>
+        <p:style>
+          <a:lnRef idx="2">
+            <a:schemeClr val="accent1">
+              <a:shade val="50000"/>
+            </a:schemeClr>
+          </a:lnRef>
+          <a:fillRef idx="1">
+            <a:schemeClr val="accent1"/>
+          </a:fillRef>
+          <a:effectRef idx="0">
+            <a:schemeClr val="accent1"/>
+          </a:effectRef>
+          <a:fontRef idx="minor">
+            <a:schemeClr val="lt1"/>
+          </a:fontRef>
+        </p:style>
+        <p:txBody>
+          <a:bodyPr rtlCol="0" anchor="ctr"/>
+          <a:lstStyle/>
+          <a:p>
+            <a:pPr algn="ctr"/>
+            <a:endParaRPr lang="ko-KR" altLang="en-US"/>
+          </a:p>
+        </p:txBody>
+      </p:sp>
+      <p:cxnSp>
+        <p:nvCxnSpPr>
+          <p:cNvPr id="242" name="직선 화살표 연결선 241">
+            <a:extLst>
+              <a:ext uri="{FF2B5EF4-FFF2-40B4-BE49-F238E27FC236}">
+                <a16:creationId xmlns:a16="http://schemas.microsoft.com/office/drawing/2014/main" id="{22FD050D-C1F0-4437-B86F-9F3AB253BEB7}"/>
+              </a:ext>
+            </a:extLst>
+          </p:cNvPr>
+          <p:cNvCxnSpPr>
+            <a:cxnSpLocks/>
+            <a:endCxn id="164" idx="2"/>
+          </p:cNvCxnSpPr>
+          <p:nvPr/>
+        </p:nvCxnSpPr>
+        <p:spPr>
+          <a:xfrm flipV="1">
+            <a:off x="3307625" y="2502560"/>
+            <a:ext cx="0" cy="168744"/>
+          </a:xfrm>
+          <a:prstGeom prst="straightConnector1">
+            <a:avLst/>
+          </a:prstGeom>
+          <a:ln w="19050">
+            <a:headEnd type="none" w="med" len="med"/>
+            <a:tailEnd type="arrow" w="med" len="med"/>
+          </a:ln>
+        </p:spPr>
+        <p:style>
+          <a:lnRef idx="1">
+            <a:schemeClr val="dk1"/>
+          </a:lnRef>
+          <a:fillRef idx="0">
+            <a:schemeClr val="dk1"/>
+          </a:fillRef>
+          <a:effectRef idx="0">
+            <a:schemeClr val="dk1"/>
+          </a:effectRef>
+          <a:fontRef idx="minor">
+            <a:schemeClr val="tx1"/>
+          </a:fontRef>
+        </p:style>
+      </p:cxnSp>
     </p:spTree>
     <p:extLst>
       <p:ext uri="{BB962C8B-B14F-4D97-AF65-F5344CB8AC3E}">
@@ -10594,7 +14375,7 @@
 </p:sld>
 </file>
 
-<file path=ppt/slides/slide4.xml><?xml version="1.0" encoding="utf-8"?>
+<file path=ppt/slides/slide5.xml><?xml version="1.0" encoding="utf-8"?>
 <p:sld xmlns:a="http://schemas.openxmlformats.org/drawingml/2006/main" xmlns:r="http://schemas.openxmlformats.org/officeDocument/2006/relationships" xmlns:p="http://schemas.openxmlformats.org/presentationml/2006/main">
   <p:cSld>
     <p:spTree>
